--- a/slide.pptx
+++ b/slide.pptx
@@ -277,7 +277,7 @@
           <a:p>
             <a:fld id="{5317422C-58FD-46E8-8C27-40405649705F}" type="datetimeFigureOut">
               <a:rPr lang="th-TH" smtClean="0"/>
-              <a:t>16/11/65</a:t>
+              <a:t>18/11/65</a:t>
             </a:fld>
             <a:endParaRPr lang="th-TH"/>
           </a:p>
@@ -477,7 +477,7 @@
           <a:p>
             <a:fld id="{5317422C-58FD-46E8-8C27-40405649705F}" type="datetimeFigureOut">
               <a:rPr lang="th-TH" smtClean="0"/>
-              <a:t>16/11/65</a:t>
+              <a:t>18/11/65</a:t>
             </a:fld>
             <a:endParaRPr lang="th-TH"/>
           </a:p>
@@ -687,7 +687,7 @@
           <a:p>
             <a:fld id="{5317422C-58FD-46E8-8C27-40405649705F}" type="datetimeFigureOut">
               <a:rPr lang="th-TH" smtClean="0"/>
-              <a:t>16/11/65</a:t>
+              <a:t>18/11/65</a:t>
             </a:fld>
             <a:endParaRPr lang="th-TH"/>
           </a:p>
@@ -887,7 +887,7 @@
           <a:p>
             <a:fld id="{5317422C-58FD-46E8-8C27-40405649705F}" type="datetimeFigureOut">
               <a:rPr lang="th-TH" smtClean="0"/>
-              <a:t>16/11/65</a:t>
+              <a:t>18/11/65</a:t>
             </a:fld>
             <a:endParaRPr lang="th-TH"/>
           </a:p>
@@ -1163,7 +1163,7 @@
           <a:p>
             <a:fld id="{5317422C-58FD-46E8-8C27-40405649705F}" type="datetimeFigureOut">
               <a:rPr lang="th-TH" smtClean="0"/>
-              <a:t>16/11/65</a:t>
+              <a:t>18/11/65</a:t>
             </a:fld>
             <a:endParaRPr lang="th-TH"/>
           </a:p>
@@ -1431,7 +1431,7 @@
           <a:p>
             <a:fld id="{5317422C-58FD-46E8-8C27-40405649705F}" type="datetimeFigureOut">
               <a:rPr lang="th-TH" smtClean="0"/>
-              <a:t>16/11/65</a:t>
+              <a:t>18/11/65</a:t>
             </a:fld>
             <a:endParaRPr lang="th-TH"/>
           </a:p>
@@ -1846,7 +1846,7 @@
           <a:p>
             <a:fld id="{5317422C-58FD-46E8-8C27-40405649705F}" type="datetimeFigureOut">
               <a:rPr lang="th-TH" smtClean="0"/>
-              <a:t>16/11/65</a:t>
+              <a:t>18/11/65</a:t>
             </a:fld>
             <a:endParaRPr lang="th-TH"/>
           </a:p>
@@ -1988,7 +1988,7 @@
           <a:p>
             <a:fld id="{5317422C-58FD-46E8-8C27-40405649705F}" type="datetimeFigureOut">
               <a:rPr lang="th-TH" smtClean="0"/>
-              <a:t>16/11/65</a:t>
+              <a:t>18/11/65</a:t>
             </a:fld>
             <a:endParaRPr lang="th-TH"/>
           </a:p>
@@ -2101,7 +2101,7 @@
           <a:p>
             <a:fld id="{5317422C-58FD-46E8-8C27-40405649705F}" type="datetimeFigureOut">
               <a:rPr lang="th-TH" smtClean="0"/>
-              <a:t>16/11/65</a:t>
+              <a:t>18/11/65</a:t>
             </a:fld>
             <a:endParaRPr lang="th-TH"/>
           </a:p>
@@ -2414,7 +2414,7 @@
           <a:p>
             <a:fld id="{5317422C-58FD-46E8-8C27-40405649705F}" type="datetimeFigureOut">
               <a:rPr lang="th-TH" smtClean="0"/>
-              <a:t>16/11/65</a:t>
+              <a:t>18/11/65</a:t>
             </a:fld>
             <a:endParaRPr lang="th-TH"/>
           </a:p>
@@ -2703,7 +2703,7 @@
           <a:p>
             <a:fld id="{5317422C-58FD-46E8-8C27-40405649705F}" type="datetimeFigureOut">
               <a:rPr lang="th-TH" smtClean="0"/>
-              <a:t>16/11/65</a:t>
+              <a:t>18/11/65</a:t>
             </a:fld>
             <a:endParaRPr lang="th-TH"/>
           </a:p>
@@ -2946,7 +2946,7 @@
           <a:p>
             <a:fld id="{5317422C-58FD-46E8-8C27-40405649705F}" type="datetimeFigureOut">
               <a:rPr lang="th-TH" smtClean="0"/>
-              <a:t>16/11/65</a:t>
+              <a:t>18/11/65</a:t>
             </a:fld>
             <a:endParaRPr lang="th-TH"/>
           </a:p>
@@ -4894,7 +4894,23 @@
                 <a:ea typeface="Cascadia Code" panose="020B0609020000020004" pitchFamily="49" charset="0"/>
                 <a:cs typeface="Cascadia Code" panose="020B0609020000020004" pitchFamily="49" charset="0"/>
               </a:rPr>
-              <a:t>range(x,y)</a:t>
+              <a:t>range(</a:t>
+            </a:r>
+            <a:r>
+              <a:rPr lang="en-US" sz="2400" dirty="0" err="1">
+                <a:latin typeface="Cascadia Code" panose="020B0609020000020004" pitchFamily="49" charset="0"/>
+                <a:ea typeface="Cascadia Code" panose="020B0609020000020004" pitchFamily="49" charset="0"/>
+                <a:cs typeface="Cascadia Code" panose="020B0609020000020004" pitchFamily="49" charset="0"/>
+              </a:rPr>
+              <a:t>x,y</a:t>
+            </a:r>
+            <a:r>
+              <a:rPr lang="en-US" sz="2400" dirty="0">
+                <a:latin typeface="Cascadia Code" panose="020B0609020000020004" pitchFamily="49" charset="0"/>
+                <a:ea typeface="Cascadia Code" panose="020B0609020000020004" pitchFamily="49" charset="0"/>
+                <a:cs typeface="Cascadia Code" panose="020B0609020000020004" pitchFamily="49" charset="0"/>
+              </a:rPr>
+              <a:t>) </a:t>
             </a:r>
             <a:r>
               <a:rPr lang="th-TH" sz="2400" dirty="0">
@@ -4902,7 +4918,7 @@
                 <a:ea typeface="Cascadia Code" panose="020B0609020000020004" pitchFamily="49" charset="0"/>
                 <a:cs typeface="Cascadia Code" panose="020B0609020000020004" pitchFamily="49" charset="0"/>
               </a:rPr>
-              <a:t> คือลูปตั้งแต่ </a:t>
+              <a:t>คือลูปตั้งแต่ </a:t>
             </a:r>
             <a:r>
               <a:rPr lang="en-US" sz="2400" dirty="0">
@@ -7077,8 +7093,8 @@
         </p:nvSpPr>
         <p:spPr>
           <a:xfrm>
-            <a:off x="6754483" y="3870175"/>
-            <a:ext cx="4635260" cy="1446550"/>
+            <a:off x="6754483" y="3506883"/>
+            <a:ext cx="4635260" cy="1877437"/>
           </a:xfrm>
           <a:prstGeom prst="rect">
             <a:avLst/>
@@ -7145,21 +7161,35 @@
             </a:r>
           </a:p>
           <a:p>
+            <a:pPr marL="342900" indent="-342900">
+              <a:buFontTx/>
+              <a:buChar char="-"/>
+            </a:pPr>
+            <a:r>
+              <a:rPr lang="th-TH" sz="2000" dirty="0">
+                <a:latin typeface="Cascadia Code" panose="020B0609020000020004" pitchFamily="49" charset="0"/>
+                <a:ea typeface="Cascadia Code" panose="020B0609020000020004" pitchFamily="49" charset="0"/>
+                <a:cs typeface="Cascadia Code" panose="020B0609020000020004" pitchFamily="49" charset="0"/>
+              </a:rPr>
+              <a:t>จะได้ค่าฟังก์ชั่นตรีโกณ </a:t>
+            </a:r>
             <a:r>
               <a:rPr lang="en-US" sz="2000" dirty="0">
                 <a:latin typeface="Cascadia Code" panose="020B0609020000020004" pitchFamily="49" charset="0"/>
                 <a:ea typeface="Cascadia Code" panose="020B0609020000020004" pitchFamily="49" charset="0"/>
                 <a:cs typeface="Cascadia Code" panose="020B0609020000020004" pitchFamily="49" charset="0"/>
               </a:rPr>
-              <a:t>- </a:t>
-            </a:r>
+              <a:t>sin cos tan</a:t>
+            </a:r>
+          </a:p>
+          <a:p>
             <a:r>
               <a:rPr lang="th-TH" sz="2000" dirty="0">
                 <a:latin typeface="Cascadia Code" panose="020B0609020000020004" pitchFamily="49" charset="0"/>
                 <a:ea typeface="Cascadia Code" panose="020B0609020000020004" pitchFamily="49" charset="0"/>
                 <a:cs typeface="Cascadia Code" panose="020B0609020000020004" pitchFamily="49" charset="0"/>
               </a:rPr>
-              <a:t>จะได้ค่าฟังก์ชั่นตรีโกณ </a:t>
+              <a:t>โดย </a:t>
             </a:r>
             <a:r>
               <a:rPr lang="en-US" sz="2000" dirty="0">
@@ -7167,7 +7197,23 @@
                 <a:ea typeface="Cascadia Code" panose="020B0609020000020004" pitchFamily="49" charset="0"/>
                 <a:cs typeface="Cascadia Code" panose="020B0609020000020004" pitchFamily="49" charset="0"/>
               </a:rPr>
-              <a:t>sin cos tan</a:t>
+              <a:t>x </a:t>
+            </a:r>
+            <a:r>
+              <a:rPr lang="th-TH" sz="2000" dirty="0">
+                <a:latin typeface="Cascadia Code" panose="020B0609020000020004" pitchFamily="49" charset="0"/>
+                <a:ea typeface="Cascadia Code" panose="020B0609020000020004" pitchFamily="49" charset="0"/>
+                <a:cs typeface="Cascadia Code" panose="020B0609020000020004" pitchFamily="49" charset="0"/>
+              </a:rPr>
+              <a:t>มีหน่วยเป็น</a:t>
+            </a:r>
+            <a:r>
+              <a:rPr lang="en-US" sz="2000" dirty="0">
+                <a:latin typeface="Cascadia Code" panose="020B0609020000020004" pitchFamily="49" charset="0"/>
+                <a:ea typeface="Cascadia Code" panose="020B0609020000020004" pitchFamily="49" charset="0"/>
+                <a:cs typeface="Cascadia Code" panose="020B0609020000020004" pitchFamily="49" charset="0"/>
+              </a:rPr>
+              <a:t> radian</a:t>
             </a:r>
             <a:endParaRPr lang="th-TH" sz="2000" dirty="0"/>
           </a:p>

--- a/slide.pptx
+++ b/slide.pptx
@@ -3418,8 +3418,8 @@
         </p:nvSpPr>
         <p:spPr>
           <a:xfrm>
-            <a:off x="3537504" y="3157592"/>
-            <a:ext cx="5945128" cy="769441"/>
+            <a:off x="3537504" y="2872920"/>
+            <a:ext cx="5945128" cy="1323439"/>
           </a:xfrm>
           <a:prstGeom prst="rect">
             <a:avLst/>
@@ -3431,6 +3431,22 @@
             <a:spAutoFit/>
           </a:bodyPr>
           <a:lstStyle/>
+          <a:p>
+            <a:pPr algn="ctr"/>
+            <a:r>
+              <a:rPr lang="en-US" sz="3600" dirty="0">
+                <a:latin typeface="Cascadia Code" panose="020B0609020000020004" pitchFamily="49" charset="0"/>
+                <a:ea typeface="Cascadia Code" panose="020B0609020000020004" pitchFamily="49" charset="0"/>
+                <a:cs typeface="Cascadia Code" panose="020B0609020000020004" pitchFamily="49" charset="0"/>
+              </a:rPr>
+              <a:t>Let Me Tired Camp #2</a:t>
+            </a:r>
+            <a:endParaRPr lang="en-US" sz="4400" dirty="0">
+              <a:latin typeface="Cascadia Code" panose="020B0609020000020004" pitchFamily="49" charset="0"/>
+              <a:ea typeface="Cascadia Code" panose="020B0609020000020004" pitchFamily="49" charset="0"/>
+              <a:cs typeface="Cascadia Code" panose="020B0609020000020004" pitchFamily="49" charset="0"/>
+            </a:endParaRPr>
+          </a:p>
           <a:p>
             <a:pPr algn="ctr"/>
             <a:r>
@@ -12814,7 +12830,7 @@
         </p:nvSpPr>
         <p:spPr>
           <a:xfrm>
-            <a:off x="1119995" y="1404382"/>
+            <a:off x="1706592" y="1404382"/>
             <a:ext cx="3959525" cy="4767907"/>
           </a:xfrm>
         </p:spPr>

--- a/slide.pptx
+++ b/slide.pptx
@@ -282,7 +282,7 @@
           <a:p>
             <a:fld id="{5317422C-58FD-46E8-8C27-40405649705F}" type="datetimeFigureOut">
               <a:rPr lang="th-TH" smtClean="0"/>
-              <a:t>20/11/65</a:t>
+              <a:t>21/11/65</a:t>
             </a:fld>
             <a:endParaRPr lang="th-TH"/>
           </a:p>
@@ -482,7 +482,7 @@
           <a:p>
             <a:fld id="{5317422C-58FD-46E8-8C27-40405649705F}" type="datetimeFigureOut">
               <a:rPr lang="th-TH" smtClean="0"/>
-              <a:t>20/11/65</a:t>
+              <a:t>21/11/65</a:t>
             </a:fld>
             <a:endParaRPr lang="th-TH"/>
           </a:p>
@@ -692,7 +692,7 @@
           <a:p>
             <a:fld id="{5317422C-58FD-46E8-8C27-40405649705F}" type="datetimeFigureOut">
               <a:rPr lang="th-TH" smtClean="0"/>
-              <a:t>20/11/65</a:t>
+              <a:t>21/11/65</a:t>
             </a:fld>
             <a:endParaRPr lang="th-TH"/>
           </a:p>
@@ -892,7 +892,7 @@
           <a:p>
             <a:fld id="{5317422C-58FD-46E8-8C27-40405649705F}" type="datetimeFigureOut">
               <a:rPr lang="th-TH" smtClean="0"/>
-              <a:t>20/11/65</a:t>
+              <a:t>21/11/65</a:t>
             </a:fld>
             <a:endParaRPr lang="th-TH"/>
           </a:p>
@@ -1168,7 +1168,7 @@
           <a:p>
             <a:fld id="{5317422C-58FD-46E8-8C27-40405649705F}" type="datetimeFigureOut">
               <a:rPr lang="th-TH" smtClean="0"/>
-              <a:t>20/11/65</a:t>
+              <a:t>21/11/65</a:t>
             </a:fld>
             <a:endParaRPr lang="th-TH"/>
           </a:p>
@@ -1436,7 +1436,7 @@
           <a:p>
             <a:fld id="{5317422C-58FD-46E8-8C27-40405649705F}" type="datetimeFigureOut">
               <a:rPr lang="th-TH" smtClean="0"/>
-              <a:t>20/11/65</a:t>
+              <a:t>21/11/65</a:t>
             </a:fld>
             <a:endParaRPr lang="th-TH"/>
           </a:p>
@@ -1851,7 +1851,7 @@
           <a:p>
             <a:fld id="{5317422C-58FD-46E8-8C27-40405649705F}" type="datetimeFigureOut">
               <a:rPr lang="th-TH" smtClean="0"/>
-              <a:t>20/11/65</a:t>
+              <a:t>21/11/65</a:t>
             </a:fld>
             <a:endParaRPr lang="th-TH"/>
           </a:p>
@@ -1993,7 +1993,7 @@
           <a:p>
             <a:fld id="{5317422C-58FD-46E8-8C27-40405649705F}" type="datetimeFigureOut">
               <a:rPr lang="th-TH" smtClean="0"/>
-              <a:t>20/11/65</a:t>
+              <a:t>21/11/65</a:t>
             </a:fld>
             <a:endParaRPr lang="th-TH"/>
           </a:p>
@@ -2106,7 +2106,7 @@
           <a:p>
             <a:fld id="{5317422C-58FD-46E8-8C27-40405649705F}" type="datetimeFigureOut">
               <a:rPr lang="th-TH" smtClean="0"/>
-              <a:t>20/11/65</a:t>
+              <a:t>21/11/65</a:t>
             </a:fld>
             <a:endParaRPr lang="th-TH"/>
           </a:p>
@@ -2419,7 +2419,7 @@
           <a:p>
             <a:fld id="{5317422C-58FD-46E8-8C27-40405649705F}" type="datetimeFigureOut">
               <a:rPr lang="th-TH" smtClean="0"/>
-              <a:t>20/11/65</a:t>
+              <a:t>21/11/65</a:t>
             </a:fld>
             <a:endParaRPr lang="th-TH"/>
           </a:p>
@@ -2708,7 +2708,7 @@
           <a:p>
             <a:fld id="{5317422C-58FD-46E8-8C27-40405649705F}" type="datetimeFigureOut">
               <a:rPr lang="th-TH" smtClean="0"/>
-              <a:t>20/11/65</a:t>
+              <a:t>21/11/65</a:t>
             </a:fld>
             <a:endParaRPr lang="th-TH"/>
           </a:p>
@@ -2951,7 +2951,7 @@
           <a:p>
             <a:fld id="{5317422C-58FD-46E8-8C27-40405649705F}" type="datetimeFigureOut">
               <a:rPr lang="th-TH" smtClean="0"/>
-              <a:t>20/11/65</a:t>
+              <a:t>21/11/65</a:t>
             </a:fld>
             <a:endParaRPr lang="th-TH"/>
           </a:p>
@@ -4623,7 +4623,7 @@
                 <a:ea typeface="Cascadia Code" panose="020B0609020000020004" pitchFamily="49" charset="0"/>
                 <a:cs typeface="Cascadia Code" panose="020B0609020000020004" pitchFamily="49" charset="0"/>
               </a:rPr>
-              <a:t>While Loop  </a:t>
+              <a:t>while Loop  </a:t>
             </a:r>
           </a:p>
           <a:p>
@@ -4634,7 +4634,7 @@
                 <a:ea typeface="Cascadia Code" panose="020B0609020000020004" pitchFamily="49" charset="0"/>
                 <a:cs typeface="Cascadia Code" panose="020B0609020000020004" pitchFamily="49" charset="0"/>
               </a:rPr>
-              <a:t>For Loop</a:t>
+              <a:t>for Loop</a:t>
             </a:r>
             <a:endParaRPr lang="th-TH" sz="4000" dirty="0"/>
           </a:p>
@@ -10365,14 +10365,14 @@
             <a:p>
               <a:pPr algn="ctr"/>
               <a:r>
-                <a:rPr lang="en-US" sz="1400" dirty="0">
+                <a:rPr lang="en-US" sz="1800" dirty="0">
                   <a:latin typeface="Cascadia Code" panose="020B0609020000020004" pitchFamily="49" charset="0"/>
                   <a:ea typeface="Cascadia Code" panose="020B0609020000020004" pitchFamily="49" charset="0"/>
                   <a:cs typeface="Cascadia Code" panose="020B0609020000020004" pitchFamily="49" charset="0"/>
                 </a:rPr>
                 <a:t>condition</a:t>
               </a:r>
-              <a:endParaRPr lang="th-TH" sz="1400" dirty="0">
+              <a:endParaRPr lang="th-TH" sz="1800" dirty="0">
                 <a:latin typeface="Cascadia Code" panose="020B0609020000020004" pitchFamily="49" charset="0"/>
                 <a:ea typeface="Cascadia Code" panose="020B0609020000020004" pitchFamily="49" charset="0"/>
                 <a:cs typeface="Cascadia Code" panose="020B0609020000020004" pitchFamily="49" charset="0"/>
@@ -10810,10 +10810,10 @@
               <a:buChar char="-"/>
             </a:pPr>
             <a:r>
-              <a:rPr lang="th-TH" sz="2000" dirty="0">
-                <a:latin typeface="Cascadia Code" panose="020B0609020000020004" pitchFamily="49" charset="0"/>
-                <a:ea typeface="Cascadia Code" panose="020B0609020000020004" pitchFamily="49" charset="0"/>
-                <a:cs typeface="Cascadia Code" panose="020B0609020000020004" pitchFamily="49" charset="0"/>
+              <a:rPr lang="th-TH" dirty="0">
+                <a:latin typeface="DB Helvethaica X" panose="02000506090000020004" pitchFamily="2" charset="-34"/>
+                <a:ea typeface="Cascadia Code" panose="020B0609020000020004" pitchFamily="49" charset="0"/>
+                <a:cs typeface="DB Helvethaica X" panose="02000506090000020004" pitchFamily="2" charset="-34"/>
               </a:rPr>
               <a:t>วิธีการใช้งาน</a:t>
             </a:r>
@@ -10954,7 +10954,7 @@
         </p:nvSpPr>
         <p:spPr>
           <a:xfrm>
-            <a:off x="1812892" y="2369381"/>
+            <a:off x="1627336" y="2173929"/>
             <a:ext cx="3212083" cy="2092881"/>
           </a:xfrm>
           <a:prstGeom prst="rect">
@@ -11242,6 +11242,58 @@
               </a:rPr>
               <a:t>จะทำงานเสมอ</a:t>
             </a:r>
+          </a:p>
+        </p:txBody>
+      </p:sp>
+      <p:sp>
+        <p:nvSpPr>
+          <p:cNvPr id="3" name="Rectangle 2">
+            <a:extLst>
+              <a:ext uri="{FF2B5EF4-FFF2-40B4-BE49-F238E27FC236}">
+                <a16:creationId xmlns:a16="http://schemas.microsoft.com/office/drawing/2014/main" id="{57DCFFE1-FE28-6DCE-3EF9-C7FF179F7336}"/>
+              </a:ext>
+            </a:extLst>
+          </p:cNvPr>
+          <p:cNvSpPr/>
+          <p:nvPr/>
+        </p:nvSpPr>
+        <p:spPr>
+          <a:xfrm>
+            <a:off x="1518249" y="2092632"/>
+            <a:ext cx="3033621" cy="1935904"/>
+          </a:xfrm>
+          <a:prstGeom prst="rect">
+            <a:avLst/>
+          </a:prstGeom>
+          <a:noFill/>
+          <a:ln w="38100">
+            <a:solidFill>
+              <a:schemeClr val="tx1"/>
+            </a:solidFill>
+          </a:ln>
+        </p:spPr>
+        <p:style>
+          <a:lnRef idx="2">
+            <a:schemeClr val="accent1">
+              <a:shade val="50000"/>
+            </a:schemeClr>
+          </a:lnRef>
+          <a:fillRef idx="1">
+            <a:schemeClr val="accent1"/>
+          </a:fillRef>
+          <a:effectRef idx="0">
+            <a:schemeClr val="accent1"/>
+          </a:effectRef>
+          <a:fontRef idx="minor">
+            <a:schemeClr val="lt1"/>
+          </a:fontRef>
+        </p:style>
+        <p:txBody>
+          <a:bodyPr rtlCol="0" anchor="ctr"/>
+          <a:lstStyle/>
+          <a:p>
+            <a:pPr algn="ctr"/>
+            <a:endParaRPr lang="th-TH"/>
           </a:p>
         </p:txBody>
       </p:sp>
@@ -12409,7 +12461,7 @@
         </p:nvSpPr>
         <p:spPr>
           <a:xfrm>
-            <a:off x="2088672" y="3695085"/>
+            <a:off x="2847796" y="3695085"/>
             <a:ext cx="4114800" cy="2343210"/>
           </a:xfrm>
           <a:prstGeom prst="rect">
@@ -12441,26 +12493,26 @@
           </a:lstStyle>
           <a:p>
             <a:r>
-              <a:rPr lang="th-TH" sz="2800" dirty="0">
-                <a:latin typeface="Cascadia Code" panose="020B0609020000020004" pitchFamily="49" charset="0"/>
-                <a:ea typeface="Cascadia Code" panose="020B0609020000020004" pitchFamily="49" charset="0"/>
-                <a:cs typeface="Cascadia Code" panose="020B0609020000020004" pitchFamily="49" charset="0"/>
+              <a:rPr lang="th-TH" sz="4000" dirty="0">
+                <a:latin typeface="DB Helvethaica X" panose="02000506090000020004" pitchFamily="2" charset="-34"/>
+                <a:ea typeface="Cascadia Code" panose="020B0609020000020004" pitchFamily="49" charset="0"/>
+                <a:cs typeface="DB Helvethaica X" panose="02000506090000020004" pitchFamily="2" charset="-34"/>
               </a:rPr>
               <a:t>ถ้า </a:t>
             </a:r>
             <a:r>
-              <a:rPr lang="en-US" sz="2800" dirty="0">
-                <a:latin typeface="Cascadia Code" panose="020B0609020000020004" pitchFamily="49" charset="0"/>
-                <a:ea typeface="Cascadia Code" panose="020B0609020000020004" pitchFamily="49" charset="0"/>
-                <a:cs typeface="Cascadia Code" panose="020B0609020000020004" pitchFamily="49" charset="0"/>
+              <a:rPr lang="en-US" sz="4000" dirty="0">
+                <a:latin typeface="DB Helvethaica X" panose="02000506090000020004" pitchFamily="2" charset="-34"/>
+                <a:ea typeface="Cascadia Code" panose="020B0609020000020004" pitchFamily="49" charset="0"/>
+                <a:cs typeface="DB Helvethaica X" panose="02000506090000020004" pitchFamily="2" charset="-34"/>
               </a:rPr>
               <a:t>expression </a:t>
             </a:r>
             <a:r>
-              <a:rPr lang="th-TH" sz="2800" dirty="0">
-                <a:latin typeface="Cascadia Code" panose="020B0609020000020004" pitchFamily="49" charset="0"/>
-                <a:ea typeface="Cascadia Code" panose="020B0609020000020004" pitchFamily="49" charset="0"/>
-                <a:cs typeface="Cascadia Code" panose="020B0609020000020004" pitchFamily="49" charset="0"/>
+              <a:rPr lang="th-TH" sz="4000" dirty="0">
+                <a:latin typeface="DB Helvethaica X" panose="02000506090000020004" pitchFamily="2" charset="-34"/>
+                <a:ea typeface="Cascadia Code" panose="020B0609020000020004" pitchFamily="49" charset="0"/>
+                <a:cs typeface="DB Helvethaica X" panose="02000506090000020004" pitchFamily="2" charset="-34"/>
               </a:rPr>
               <a:t>เท็จ</a:t>
             </a:r>
@@ -12483,7 +12535,7 @@
         </p:nvSpPr>
         <p:spPr>
           <a:xfrm>
-            <a:off x="2126951" y="1836936"/>
+            <a:off x="2847796" y="1836936"/>
             <a:ext cx="4114800" cy="2343210"/>
           </a:xfrm>
           <a:prstGeom prst="rect">
@@ -12515,41 +12567,41 @@
           </a:lstStyle>
           <a:p>
             <a:r>
-              <a:rPr lang="th-TH" sz="2800" dirty="0">
-                <a:latin typeface="Cascadia Code" panose="020B0609020000020004" pitchFamily="49" charset="0"/>
-                <a:ea typeface="Cascadia Code" panose="020B0609020000020004" pitchFamily="49" charset="0"/>
-                <a:cs typeface="Cascadia Code" panose="020B0609020000020004" pitchFamily="49" charset="0"/>
+              <a:rPr lang="th-TH" sz="4000" dirty="0">
+                <a:latin typeface="DB Helvethaica X" panose="02000506090000020004" pitchFamily="2" charset="-34"/>
+                <a:ea typeface="Cascadia Code" panose="020B0609020000020004" pitchFamily="49" charset="0"/>
+                <a:cs typeface="DB Helvethaica X" panose="02000506090000020004" pitchFamily="2" charset="-34"/>
               </a:rPr>
               <a:t>ถ้า </a:t>
             </a:r>
             <a:r>
-              <a:rPr lang="en-US" sz="2800" dirty="0">
-                <a:latin typeface="Cascadia Code" panose="020B0609020000020004" pitchFamily="49" charset="0"/>
-                <a:ea typeface="Cascadia Code" panose="020B0609020000020004" pitchFamily="49" charset="0"/>
-                <a:cs typeface="Cascadia Code" panose="020B0609020000020004" pitchFamily="49" charset="0"/>
+              <a:rPr lang="en-US" sz="4000" dirty="0">
+                <a:latin typeface="DB Helvethaica X" panose="02000506090000020004" pitchFamily="2" charset="-34"/>
+                <a:ea typeface="Cascadia Code" panose="020B0609020000020004" pitchFamily="49" charset="0"/>
+                <a:cs typeface="DB Helvethaica X" panose="02000506090000020004" pitchFamily="2" charset="-34"/>
               </a:rPr>
               <a:t>expression </a:t>
             </a:r>
             <a:r>
-              <a:rPr lang="th-TH" sz="2800" dirty="0">
-                <a:latin typeface="Cascadia Code" panose="020B0609020000020004" pitchFamily="49" charset="0"/>
-                <a:ea typeface="Cascadia Code" panose="020B0609020000020004" pitchFamily="49" charset="0"/>
-                <a:cs typeface="Cascadia Code" panose="020B0609020000020004" pitchFamily="49" charset="0"/>
+              <a:rPr lang="th-TH" sz="4000" dirty="0">
+                <a:latin typeface="DB Helvethaica X" panose="02000506090000020004" pitchFamily="2" charset="-34"/>
+                <a:ea typeface="Cascadia Code" panose="020B0609020000020004" pitchFamily="49" charset="0"/>
+                <a:cs typeface="DB Helvethaica X" panose="02000506090000020004" pitchFamily="2" charset="-34"/>
               </a:rPr>
               <a:t>จริง</a:t>
             </a:r>
             <a:r>
-              <a:rPr lang="en-US" sz="2800" dirty="0">
-                <a:latin typeface="Cascadia Code" panose="020B0609020000020004" pitchFamily="49" charset="0"/>
-                <a:ea typeface="Cascadia Code" panose="020B0609020000020004" pitchFamily="49" charset="0"/>
-                <a:cs typeface="Cascadia Code" panose="020B0609020000020004" pitchFamily="49" charset="0"/>
+              <a:rPr lang="en-US" sz="4000" dirty="0">
+                <a:latin typeface="DB Helvethaica X" panose="02000506090000020004" pitchFamily="2" charset="-34"/>
+                <a:ea typeface="Cascadia Code" panose="020B0609020000020004" pitchFamily="49" charset="0"/>
+                <a:cs typeface="DB Helvethaica X" panose="02000506090000020004" pitchFamily="2" charset="-34"/>
               </a:rPr>
               <a:t> </a:t>
             </a:r>
-            <a:endParaRPr lang="th-TH" sz="2800" dirty="0">
-              <a:latin typeface="Cascadia Code" panose="020B0609020000020004" pitchFamily="49" charset="0"/>
+            <a:endParaRPr lang="th-TH" sz="4000" dirty="0">
+              <a:latin typeface="DB Helvethaica X" panose="02000506090000020004" pitchFamily="2" charset="-34"/>
               <a:ea typeface="Cascadia Code" panose="020B0609020000020004" pitchFamily="49" charset="0"/>
-              <a:cs typeface="Cascadia Code" panose="020B0609020000020004" pitchFamily="49" charset="0"/>
+              <a:cs typeface="DB Helvethaica X" panose="02000506090000020004" pitchFamily="2" charset="-34"/>
             </a:endParaRPr>
           </a:p>
         </p:txBody>
@@ -12568,12 +12620,15 @@
         </p:nvSpPr>
         <p:spPr>
           <a:xfrm>
-            <a:off x="5856256" y="2737022"/>
+            <a:off x="5911971" y="2737022"/>
             <a:ext cx="975505" cy="555729"/>
           </a:xfrm>
           <a:prstGeom prst="rightArrow">
             <a:avLst/>
           </a:prstGeom>
+          <a:solidFill>
+            <a:schemeClr val="tx1"/>
+          </a:solidFill>
         </p:spPr>
         <p:style>
           <a:lnRef idx="2">
@@ -12614,12 +12669,15 @@
         </p:nvSpPr>
         <p:spPr>
           <a:xfrm>
-            <a:off x="5856256" y="4588826"/>
+            <a:off x="5911971" y="4588826"/>
             <a:ext cx="975505" cy="555729"/>
           </a:xfrm>
           <a:prstGeom prst="rightArrow">
             <a:avLst/>
           </a:prstGeom>
+          <a:solidFill>
+            <a:schemeClr val="tx1"/>
+          </a:solidFill>
         </p:spPr>
         <p:style>
           <a:lnRef idx="2">
@@ -12704,7 +12762,7 @@
         </p:blipFill>
         <p:spPr>
           <a:xfrm>
-            <a:off x="0" y="0"/>
+            <a:off x="0" y="17252"/>
             <a:ext cx="12192000" cy="6858000"/>
           </a:xfrm>
           <a:prstGeom prst="rect">
@@ -13157,6 +13215,9 @@
           <a:prstGeom prst="downArrow">
             <a:avLst/>
           </a:prstGeom>
+          <a:solidFill>
+            <a:schemeClr val="tx1"/>
+          </a:solidFill>
         </p:spPr>
         <p:style>
           <a:lnRef idx="2">
@@ -13203,6 +13264,9 @@
           <a:prstGeom prst="downArrow">
             <a:avLst/>
           </a:prstGeom>
+          <a:solidFill>
+            <a:schemeClr val="tx1"/>
+          </a:solidFill>
         </p:spPr>
         <p:style>
           <a:lnRef idx="2">
@@ -13244,7 +13308,7 @@
         <p:spPr>
           <a:xfrm>
             <a:off x="5183037" y="2632654"/>
-            <a:ext cx="4157932" cy="1815882"/>
+            <a:ext cx="2718759" cy="1815882"/>
           </a:xfrm>
           <a:prstGeom prst="rect">
             <a:avLst/>

--- a/slide.pptx
+++ b/slide.pptx
@@ -17,15 +17,15 @@
     <p:sldId id="263" r:id="rId11"/>
     <p:sldId id="264" r:id="rId12"/>
     <p:sldId id="265" r:id="rId13"/>
-    <p:sldId id="275" r:id="rId14"/>
-    <p:sldId id="266" r:id="rId15"/>
-    <p:sldId id="267" r:id="rId16"/>
-    <p:sldId id="276" r:id="rId17"/>
-    <p:sldId id="268" r:id="rId18"/>
-    <p:sldId id="269" r:id="rId19"/>
-    <p:sldId id="270" r:id="rId20"/>
-    <p:sldId id="271" r:id="rId21"/>
-    <p:sldId id="272" r:id="rId22"/>
+    <p:sldId id="266" r:id="rId14"/>
+    <p:sldId id="267" r:id="rId15"/>
+    <p:sldId id="276" r:id="rId16"/>
+    <p:sldId id="268" r:id="rId17"/>
+    <p:sldId id="269" r:id="rId18"/>
+    <p:sldId id="270" r:id="rId19"/>
+    <p:sldId id="271" r:id="rId20"/>
+    <p:sldId id="272" r:id="rId21"/>
+    <p:sldId id="275" r:id="rId22"/>
     <p:sldId id="277" r:id="rId23"/>
   </p:sldIdLst>
   <p:sldSz cx="12192000" cy="6858000"/>
@@ -4146,15 +4146,15 @@
       </p:grpSpPr>
       <p:pic>
         <p:nvPicPr>
-          <p:cNvPr id="11" name="Picture 10">
-            <a:extLst>
-              <a:ext uri="{FF2B5EF4-FFF2-40B4-BE49-F238E27FC236}">
-                <a16:creationId xmlns:a16="http://schemas.microsoft.com/office/drawing/2014/main" id="{8D4C3B6D-98DF-0CDD-7FE6-59E682056815}"/>
+          <p:cNvPr id="3" name="Picture 2">
+            <a:extLst>
+              <a:ext uri="{FF2B5EF4-FFF2-40B4-BE49-F238E27FC236}">
+                <a16:creationId xmlns:a16="http://schemas.microsoft.com/office/drawing/2014/main" id="{B363134F-5582-C4FB-300A-D40BBCA836A4}"/>
               </a:ext>
             </a:extLst>
           </p:cNvPr>
           <p:cNvPicPr>
-            <a:picLocks noGrp="1" noRot="1" noChangeAspect="1" noMove="1" noResize="1" noEditPoints="1" noAdjustHandles="1" noChangeArrowheads="1" noChangeShapeType="1" noCrop="1"/>
+            <a:picLocks noChangeAspect="1"/>
           </p:cNvPicPr>
           <p:nvPr/>
         </p:nvPicPr>
@@ -4182,10 +4182,10 @@
       </p:pic>
       <p:sp>
         <p:nvSpPr>
-          <p:cNvPr id="13" name="TextBox 12">
-            <a:extLst>
-              <a:ext uri="{FF2B5EF4-FFF2-40B4-BE49-F238E27FC236}">
-                <a16:creationId xmlns:a16="http://schemas.microsoft.com/office/drawing/2014/main" id="{1B7E5AAC-B667-C0AF-CF2D-F47A22A22C0D}"/>
+          <p:cNvPr id="4" name="TextBox 3">
+            <a:extLst>
+              <a:ext uri="{FF2B5EF4-FFF2-40B4-BE49-F238E27FC236}">
+                <a16:creationId xmlns:a16="http://schemas.microsoft.com/office/drawing/2014/main" id="{680036DC-96D8-8155-26FC-047566E28B50}"/>
               </a:ext>
             </a:extLst>
           </p:cNvPr>
@@ -4194,8 +4194,8 @@
         </p:nvSpPr>
         <p:spPr>
           <a:xfrm>
-            <a:off x="1695065" y="661339"/>
-            <a:ext cx="7647343" cy="707886"/>
+            <a:off x="3138397" y="2767280"/>
+            <a:ext cx="5915205" cy="1323439"/>
           </a:xfrm>
           <a:prstGeom prst="rect">
             <a:avLst/>
@@ -4208,324 +4208,34 @@
           </a:bodyPr>
           <a:lstStyle/>
           <a:p>
+            <a:pPr algn="ctr"/>
             <a:r>
               <a:rPr lang="en-US" sz="4000" dirty="0">
-                <a:latin typeface="DB Helvethaica X" panose="02000506090000020004" pitchFamily="2" charset="-34"/>
-                <a:ea typeface="Cascadia Code" panose="020B0609020000020004" pitchFamily="49" charset="0"/>
-                <a:cs typeface="DB Helvethaica X" panose="02000506090000020004" pitchFamily="2" charset="-34"/>
-              </a:rPr>
-              <a:t>Practice </a:t>
-            </a:r>
-            <a:r>
-              <a:rPr lang="th-TH" sz="4000" dirty="0">
-                <a:latin typeface="DB Helvethaica X" panose="02000506090000020004" pitchFamily="2" charset="-34"/>
-                <a:ea typeface="Cascadia Code" panose="020B0609020000020004" pitchFamily="49" charset="0"/>
-                <a:cs typeface="DB Helvethaica X" panose="02000506090000020004" pitchFamily="2" charset="-34"/>
-              </a:rPr>
-              <a:t>มาลองใช้ </a:t>
-            </a:r>
+                <a:latin typeface="Cascadia Code" panose="020B0609020000020004" pitchFamily="49" charset="0"/>
+                <a:ea typeface="Cascadia Code" panose="020B0609020000020004" pitchFamily="49" charset="0"/>
+                <a:cs typeface="Cascadia Code" panose="020B0609020000020004" pitchFamily="49" charset="0"/>
+              </a:rPr>
+              <a:t>while Loop  </a:t>
+            </a:r>
+          </a:p>
+          <a:p>
+            <a:pPr algn="ctr"/>
             <a:r>
               <a:rPr lang="en-US" sz="4000" dirty="0">
-                <a:latin typeface="DB Helvethaica X" panose="02000506090000020004" pitchFamily="2" charset="-34"/>
-                <a:ea typeface="Cascadia Code" panose="020B0609020000020004" pitchFamily="49" charset="0"/>
-                <a:cs typeface="DB Helvethaica X" panose="02000506090000020004" pitchFamily="2" charset="-34"/>
-              </a:rPr>
-              <a:t>if else </a:t>
-            </a:r>
-            <a:r>
-              <a:rPr lang="th-TH" sz="4000" dirty="0">
-                <a:latin typeface="DB Helvethaica X" panose="02000506090000020004" pitchFamily="2" charset="-34"/>
-                <a:ea typeface="Cascadia Code" panose="020B0609020000020004" pitchFamily="49" charset="0"/>
-                <a:cs typeface="DB Helvethaica X" panose="02000506090000020004" pitchFamily="2" charset="-34"/>
-              </a:rPr>
-              <a:t>กันเถอะ</a:t>
-            </a:r>
-            <a:endParaRPr lang="th-TH" sz="4000" dirty="0">
-              <a:latin typeface="DB Helvethaica X" panose="02000506090000020004" pitchFamily="2" charset="-34"/>
-              <a:cs typeface="DB Helvethaica X" panose="02000506090000020004" pitchFamily="2" charset="-34"/>
-            </a:endParaRPr>
-          </a:p>
-        </p:txBody>
-      </p:sp>
-      <p:pic>
-        <p:nvPicPr>
-          <p:cNvPr id="1027" name="Picture 3" descr="Killing the leap year is the only way to fix our broken calendar | WIRED UK">
-            <a:extLst>
-              <a:ext uri="{FF2B5EF4-FFF2-40B4-BE49-F238E27FC236}">
-                <a16:creationId xmlns:a16="http://schemas.microsoft.com/office/drawing/2014/main" id="{E0FA818F-327C-9F54-5018-C3B8CD8E1FB3}"/>
-              </a:ext>
-            </a:extLst>
-          </p:cNvPr>
-          <p:cNvPicPr>
-            <a:picLocks noChangeAspect="1" noChangeArrowheads="1"/>
-          </p:cNvPicPr>
-          <p:nvPr/>
-        </p:nvPicPr>
-        <p:blipFill>
-          <a:blip r:embed="rId3">
-            <a:extLst>
-              <a:ext uri="{28A0092B-C50C-407E-A947-70E740481C1C}">
-                <a14:useLocalDpi xmlns:a14="http://schemas.microsoft.com/office/drawing/2010/main" val="0"/>
-              </a:ext>
-            </a:extLst>
-          </a:blip>
-          <a:srcRect/>
-          <a:stretch>
-            <a:fillRect/>
-          </a:stretch>
-        </p:blipFill>
-        <p:spPr bwMode="auto">
-          <a:xfrm>
-            <a:off x="1695065" y="1811547"/>
-            <a:ext cx="4035917" cy="2691442"/>
-          </a:xfrm>
-          <a:prstGeom prst="rect">
-            <a:avLst/>
-          </a:prstGeom>
-          <a:noFill/>
-          <a:extLst>
-            <a:ext uri="{909E8E84-426E-40DD-AFC4-6F175D3DCCD1}">
-              <a14:hiddenFill xmlns:a14="http://schemas.microsoft.com/office/drawing/2010/main">
-                <a:solidFill>
-                  <a:srgbClr val="FFFFFF"/>
-                </a:solidFill>
-              </a14:hiddenFill>
-            </a:ext>
-          </a:extLst>
-        </p:spPr>
-      </p:pic>
-      <p:sp>
-        <p:nvSpPr>
-          <p:cNvPr id="14" name="TextBox 13">
-            <a:extLst>
-              <a:ext uri="{FF2B5EF4-FFF2-40B4-BE49-F238E27FC236}">
-                <a16:creationId xmlns:a16="http://schemas.microsoft.com/office/drawing/2014/main" id="{40B98528-B4E3-96DE-C3C5-6F39BC452F9E}"/>
-              </a:ext>
-            </a:extLst>
-          </p:cNvPr>
-          <p:cNvSpPr txBox="1"/>
-          <p:nvPr/>
-        </p:nvSpPr>
-        <p:spPr>
-          <a:xfrm>
-            <a:off x="2790334" y="3950899"/>
-            <a:ext cx="1845377" cy="646331"/>
-          </a:xfrm>
-          <a:prstGeom prst="rect">
-            <a:avLst/>
-          </a:prstGeom>
-          <a:noFill/>
-        </p:spPr>
-        <p:txBody>
-          <a:bodyPr wrap="none" rtlCol="0">
-            <a:spAutoFit/>
-          </a:bodyPr>
-          <a:lstStyle/>
-          <a:p>
-            <a:r>
-              <a:rPr lang="en-US" sz="3600" dirty="0">
-                <a:latin typeface="DB Helvethaica X" panose="02000506090000020004" pitchFamily="2" charset="-34"/>
-                <a:cs typeface="DB Helvethaica X" panose="02000506090000020004" pitchFamily="2" charset="-34"/>
-              </a:rPr>
-              <a:t>LEAP YEAR</a:t>
-            </a:r>
-            <a:endParaRPr lang="th-TH" sz="3600" dirty="0">
-              <a:latin typeface="DB Helvethaica X" panose="02000506090000020004" pitchFamily="2" charset="-34"/>
-              <a:cs typeface="DB Helvethaica X" panose="02000506090000020004" pitchFamily="2" charset="-34"/>
-            </a:endParaRPr>
-          </a:p>
-        </p:txBody>
-      </p:sp>
-      <p:pic>
-        <p:nvPicPr>
-          <p:cNvPr id="1029" name="Picture 5" descr="High Quality Badminton Court Construction - Integral Spor">
-            <a:extLst>
-              <a:ext uri="{FF2B5EF4-FFF2-40B4-BE49-F238E27FC236}">
-                <a16:creationId xmlns:a16="http://schemas.microsoft.com/office/drawing/2014/main" id="{A7ECE94D-431D-C1ED-1E91-567CFF12768C}"/>
-              </a:ext>
-            </a:extLst>
-          </p:cNvPr>
-          <p:cNvPicPr>
-            <a:picLocks noChangeAspect="1" noChangeArrowheads="1"/>
-          </p:cNvPicPr>
-          <p:nvPr/>
-        </p:nvPicPr>
-        <p:blipFill>
-          <a:blip r:embed="rId4">
-            <a:extLst>
-              <a:ext uri="{28A0092B-C50C-407E-A947-70E740481C1C}">
-                <a14:useLocalDpi xmlns:a14="http://schemas.microsoft.com/office/drawing/2010/main" val="0"/>
-              </a:ext>
-            </a:extLst>
-          </a:blip>
-          <a:srcRect/>
-          <a:stretch>
-            <a:fillRect/>
-          </a:stretch>
-        </p:blipFill>
-        <p:spPr bwMode="auto">
-          <a:xfrm>
-            <a:off x="6461020" y="1811547"/>
-            <a:ext cx="4467794" cy="2691442"/>
-          </a:xfrm>
-          <a:prstGeom prst="rect">
-            <a:avLst/>
-          </a:prstGeom>
-          <a:noFill/>
-          <a:extLst>
-            <a:ext uri="{909E8E84-426E-40DD-AFC4-6F175D3DCCD1}">
-              <a14:hiddenFill xmlns:a14="http://schemas.microsoft.com/office/drawing/2010/main">
-                <a:solidFill>
-                  <a:srgbClr val="FFFFFF"/>
-                </a:solidFill>
-              </a14:hiddenFill>
-            </a:ext>
-          </a:extLst>
-        </p:spPr>
-      </p:pic>
-      <p:sp>
-        <p:nvSpPr>
-          <p:cNvPr id="16" name="TextBox 15">
-            <a:extLst>
-              <a:ext uri="{FF2B5EF4-FFF2-40B4-BE49-F238E27FC236}">
-                <a16:creationId xmlns:a16="http://schemas.microsoft.com/office/drawing/2014/main" id="{B4C8E5CF-7FE9-B03B-B183-1D87FE726B94}"/>
-              </a:ext>
-            </a:extLst>
-          </p:cNvPr>
-          <p:cNvSpPr txBox="1"/>
-          <p:nvPr/>
-        </p:nvSpPr>
-        <p:spPr>
-          <a:xfrm>
-            <a:off x="7709544" y="1811547"/>
-            <a:ext cx="3265816" cy="276999"/>
-          </a:xfrm>
-          <a:prstGeom prst="rect">
-            <a:avLst/>
-          </a:prstGeom>
-          <a:noFill/>
-        </p:spPr>
-        <p:txBody>
-          <a:bodyPr wrap="square">
-            <a:spAutoFit/>
-          </a:bodyPr>
-          <a:lstStyle/>
-          <a:p>
-            <a:r>
-              <a:rPr lang="th-TH" sz="1200" dirty="0">
-                <a:solidFill>
-                  <a:schemeClr val="bg1"/>
-                </a:solidFill>
-              </a:rPr>
-              <a:t>https://integralspor.com/news/badminton-court</a:t>
-            </a:r>
-          </a:p>
-        </p:txBody>
-      </p:sp>
-      <p:sp>
-        <p:nvSpPr>
-          <p:cNvPr id="18" name="TextBox 17">
-            <a:extLst>
-              <a:ext uri="{FF2B5EF4-FFF2-40B4-BE49-F238E27FC236}">
-                <a16:creationId xmlns:a16="http://schemas.microsoft.com/office/drawing/2014/main" id="{0351CE78-8EFD-EEE5-58D6-8D9C4171F233}"/>
-              </a:ext>
-            </a:extLst>
-          </p:cNvPr>
-          <p:cNvSpPr txBox="1"/>
-          <p:nvPr/>
-        </p:nvSpPr>
-        <p:spPr>
-          <a:xfrm>
-            <a:off x="1695065" y="1780769"/>
-            <a:ext cx="3549315" cy="338554"/>
-          </a:xfrm>
-          <a:prstGeom prst="rect">
-            <a:avLst/>
-          </a:prstGeom>
-          <a:noFill/>
-        </p:spPr>
-        <p:txBody>
-          <a:bodyPr wrap="square">
-            <a:spAutoFit/>
-          </a:bodyPr>
-          <a:lstStyle/>
-          <a:p>
-            <a:r>
-              <a:rPr lang="th-TH" sz="1600" dirty="0">
-                <a:solidFill>
-                  <a:schemeClr val="bg1"/>
-                </a:solidFill>
-                <a:latin typeface="DB Helvethaica X" panose="02000506090000020004" pitchFamily="2" charset="-34"/>
-                <a:cs typeface="DB Helvethaica X" panose="02000506090000020004" pitchFamily="2" charset="-34"/>
-              </a:rPr>
-              <a:t>https://www.wired.co.uk/article/leap-year-february-29</a:t>
-            </a:r>
-          </a:p>
-        </p:txBody>
-      </p:sp>
-      <p:sp>
-        <p:nvSpPr>
-          <p:cNvPr id="19" name="TextBox 18">
-            <a:extLst>
-              <a:ext uri="{FF2B5EF4-FFF2-40B4-BE49-F238E27FC236}">
-                <a16:creationId xmlns:a16="http://schemas.microsoft.com/office/drawing/2014/main" id="{E1CDB174-8CC2-C7CA-EA95-BDA4F04B7280}"/>
-              </a:ext>
-            </a:extLst>
-          </p:cNvPr>
-          <p:cNvSpPr txBox="1"/>
-          <p:nvPr/>
-        </p:nvSpPr>
-        <p:spPr>
-          <a:xfrm>
-            <a:off x="3272951" y="5193102"/>
-            <a:ext cx="5646097" cy="646331"/>
-          </a:xfrm>
-          <a:prstGeom prst="rect">
-            <a:avLst/>
-          </a:prstGeom>
-          <a:noFill/>
-        </p:spPr>
-        <p:txBody>
-          <a:bodyPr wrap="none" rtlCol="0">
-            <a:spAutoFit/>
-          </a:bodyPr>
-          <a:lstStyle/>
-          <a:p>
-            <a:r>
-              <a:rPr lang="th-TH" sz="3600" dirty="0">
-                <a:latin typeface="DB Helvethaica X" panose="02000506090000020004" pitchFamily="2" charset="-34"/>
-                <a:cs typeface="DB Helvethaica X" panose="02000506090000020004" pitchFamily="2" charset="-34"/>
-              </a:rPr>
-              <a:t>น้องๆ สามารถทำโจทย์ได้ใน </a:t>
-            </a:r>
-            <a:r>
-              <a:rPr lang="en-US" sz="3600" dirty="0" err="1">
-                <a:latin typeface="DB Helvethaica X" panose="02000506090000020004" pitchFamily="2" charset="-34"/>
-                <a:cs typeface="DB Helvethaica X" panose="02000506090000020004" pitchFamily="2" charset="-34"/>
-              </a:rPr>
-              <a:t>elab</a:t>
-            </a:r>
-            <a:r>
-              <a:rPr lang="en-US" sz="3600" dirty="0">
-                <a:latin typeface="DB Helvethaica X" panose="02000506090000020004" pitchFamily="2" charset="-34"/>
-                <a:cs typeface="DB Helvethaica X" panose="02000506090000020004" pitchFamily="2" charset="-34"/>
-              </a:rPr>
-              <a:t> </a:t>
-            </a:r>
-            <a:r>
-              <a:rPr lang="th-TH" sz="3600" dirty="0">
-                <a:latin typeface="DB Helvethaica X" panose="02000506090000020004" pitchFamily="2" charset="-34"/>
-                <a:cs typeface="DB Helvethaica X" panose="02000506090000020004" pitchFamily="2" charset="-34"/>
-              </a:rPr>
-              <a:t>เลยนะครับ</a:t>
-            </a:r>
+                <a:latin typeface="Cascadia Code" panose="020B0609020000020004" pitchFamily="49" charset="0"/>
+                <a:ea typeface="Cascadia Code" panose="020B0609020000020004" pitchFamily="49" charset="0"/>
+                <a:cs typeface="Cascadia Code" panose="020B0609020000020004" pitchFamily="49" charset="0"/>
+              </a:rPr>
+              <a:t>for Loop</a:t>
+            </a:r>
+            <a:endParaRPr lang="th-TH" sz="4000" dirty="0"/>
           </a:p>
         </p:txBody>
       </p:sp>
     </p:spTree>
     <p:extLst>
       <p:ext uri="{BB962C8B-B14F-4D97-AF65-F5344CB8AC3E}">
-        <p14:creationId xmlns:p14="http://schemas.microsoft.com/office/powerpoint/2010/main" val="3416356597"/>
+        <p14:creationId xmlns:p14="http://schemas.microsoft.com/office/powerpoint/2010/main" val="2110795641"/>
       </p:ext>
     </p:extLst>
   </p:cSld>
@@ -4557,124 +4267,6 @@
           <p:cNvPr id="3" name="Picture 2">
             <a:extLst>
               <a:ext uri="{FF2B5EF4-FFF2-40B4-BE49-F238E27FC236}">
-                <a16:creationId xmlns:a16="http://schemas.microsoft.com/office/drawing/2014/main" id="{B363134F-5582-C4FB-300A-D40BBCA836A4}"/>
-              </a:ext>
-            </a:extLst>
-          </p:cNvPr>
-          <p:cNvPicPr>
-            <a:picLocks noChangeAspect="1"/>
-          </p:cNvPicPr>
-          <p:nvPr/>
-        </p:nvPicPr>
-        <p:blipFill>
-          <a:blip r:embed="rId2">
-            <a:extLst>
-              <a:ext uri="{28A0092B-C50C-407E-A947-70E740481C1C}">
-                <a14:useLocalDpi xmlns:a14="http://schemas.microsoft.com/office/drawing/2010/main" val="0"/>
-              </a:ext>
-            </a:extLst>
-          </a:blip>
-          <a:stretch>
-            <a:fillRect/>
-          </a:stretch>
-        </p:blipFill>
-        <p:spPr>
-          <a:xfrm>
-            <a:off x="0" y="0"/>
-            <a:ext cx="12192000" cy="6858000"/>
-          </a:xfrm>
-          <a:prstGeom prst="rect">
-            <a:avLst/>
-          </a:prstGeom>
-        </p:spPr>
-      </p:pic>
-      <p:sp>
-        <p:nvSpPr>
-          <p:cNvPr id="4" name="TextBox 3">
-            <a:extLst>
-              <a:ext uri="{FF2B5EF4-FFF2-40B4-BE49-F238E27FC236}">
-                <a16:creationId xmlns:a16="http://schemas.microsoft.com/office/drawing/2014/main" id="{680036DC-96D8-8155-26FC-047566E28B50}"/>
-              </a:ext>
-            </a:extLst>
-          </p:cNvPr>
-          <p:cNvSpPr txBox="1"/>
-          <p:nvPr/>
-        </p:nvSpPr>
-        <p:spPr>
-          <a:xfrm>
-            <a:off x="3138397" y="2767280"/>
-            <a:ext cx="5915205" cy="1323439"/>
-          </a:xfrm>
-          <a:prstGeom prst="rect">
-            <a:avLst/>
-          </a:prstGeom>
-          <a:noFill/>
-        </p:spPr>
-        <p:txBody>
-          <a:bodyPr wrap="square">
-            <a:spAutoFit/>
-          </a:bodyPr>
-          <a:lstStyle/>
-          <a:p>
-            <a:pPr algn="ctr"/>
-            <a:r>
-              <a:rPr lang="en-US" sz="4000" dirty="0">
-                <a:latin typeface="Cascadia Code" panose="020B0609020000020004" pitchFamily="49" charset="0"/>
-                <a:ea typeface="Cascadia Code" panose="020B0609020000020004" pitchFamily="49" charset="0"/>
-                <a:cs typeface="Cascadia Code" panose="020B0609020000020004" pitchFamily="49" charset="0"/>
-              </a:rPr>
-              <a:t>while Loop  </a:t>
-            </a:r>
-          </a:p>
-          <a:p>
-            <a:pPr algn="ctr"/>
-            <a:r>
-              <a:rPr lang="en-US" sz="4000" dirty="0">
-                <a:latin typeface="Cascadia Code" panose="020B0609020000020004" pitchFamily="49" charset="0"/>
-                <a:ea typeface="Cascadia Code" panose="020B0609020000020004" pitchFamily="49" charset="0"/>
-                <a:cs typeface="Cascadia Code" panose="020B0609020000020004" pitchFamily="49" charset="0"/>
-              </a:rPr>
-              <a:t>for Loop</a:t>
-            </a:r>
-            <a:endParaRPr lang="th-TH" sz="4000" dirty="0"/>
-          </a:p>
-        </p:txBody>
-      </p:sp>
-    </p:spTree>
-    <p:extLst>
-      <p:ext uri="{BB962C8B-B14F-4D97-AF65-F5344CB8AC3E}">
-        <p14:creationId xmlns:p14="http://schemas.microsoft.com/office/powerpoint/2010/main" val="2110795641"/>
-      </p:ext>
-    </p:extLst>
-  </p:cSld>
-  <p:clrMapOvr>
-    <a:masterClrMapping/>
-  </p:clrMapOvr>
-</p:sld>
-</file>
-
-<file path=ppt/slides/slide15.xml><?xml version="1.0" encoding="utf-8"?>
-<p:sld xmlns:a="http://schemas.openxmlformats.org/drawingml/2006/main" xmlns:r="http://schemas.openxmlformats.org/officeDocument/2006/relationships" xmlns:p="http://schemas.openxmlformats.org/presentationml/2006/main">
-  <p:cSld>
-    <p:spTree>
-      <p:nvGrpSpPr>
-        <p:cNvPr id="1" name=""/>
-        <p:cNvGrpSpPr/>
-        <p:nvPr/>
-      </p:nvGrpSpPr>
-      <p:grpSpPr>
-        <a:xfrm>
-          <a:off x="0" y="0"/>
-          <a:ext cx="0" cy="0"/>
-          <a:chOff x="0" y="0"/>
-          <a:chExt cx="0" cy="0"/>
-        </a:xfrm>
-      </p:grpSpPr>
-      <p:pic>
-        <p:nvPicPr>
-          <p:cNvPr id="3" name="Picture 2">
-            <a:extLst>
-              <a:ext uri="{FF2B5EF4-FFF2-40B4-BE49-F238E27FC236}">
                 <a16:creationId xmlns:a16="http://schemas.microsoft.com/office/drawing/2014/main" id="{A79821F0-B83B-AE5F-99F2-20EA5157F5F6}"/>
               </a:ext>
             </a:extLst>
@@ -5605,7 +5197,7 @@
 </p:sld>
 </file>
 
-<file path=ppt/slides/slide16.xml><?xml version="1.0" encoding="utf-8"?>
+<file path=ppt/slides/slide15.xml><?xml version="1.0" encoding="utf-8"?>
 <p:sld xmlns:a="http://schemas.openxmlformats.org/drawingml/2006/main" xmlns:r="http://schemas.openxmlformats.org/officeDocument/2006/relationships" xmlns:p="http://schemas.openxmlformats.org/presentationml/2006/main">
   <p:cSld>
     <p:spTree>
@@ -6155,6 +5747,995 @@
 </p:sld>
 </file>
 
+<file path=ppt/slides/slide16.xml><?xml version="1.0" encoding="utf-8"?>
+<p:sld xmlns:a="http://schemas.openxmlformats.org/drawingml/2006/main" xmlns:r="http://schemas.openxmlformats.org/officeDocument/2006/relationships" xmlns:p="http://schemas.openxmlformats.org/presentationml/2006/main">
+  <p:cSld>
+    <p:spTree>
+      <p:nvGrpSpPr>
+        <p:cNvPr id="1" name=""/>
+        <p:cNvGrpSpPr/>
+        <p:nvPr/>
+      </p:nvGrpSpPr>
+      <p:grpSpPr>
+        <a:xfrm>
+          <a:off x="0" y="0"/>
+          <a:ext cx="0" cy="0"/>
+          <a:chOff x="0" y="0"/>
+          <a:chExt cx="0" cy="0"/>
+        </a:xfrm>
+      </p:grpSpPr>
+      <p:pic>
+        <p:nvPicPr>
+          <p:cNvPr id="3" name="Picture 2">
+            <a:extLst>
+              <a:ext uri="{FF2B5EF4-FFF2-40B4-BE49-F238E27FC236}">
+                <a16:creationId xmlns:a16="http://schemas.microsoft.com/office/drawing/2014/main" id="{089DEE4C-5845-2D2B-9D82-00FD88DC1D28}"/>
+              </a:ext>
+            </a:extLst>
+          </p:cNvPr>
+          <p:cNvPicPr>
+            <a:picLocks noChangeAspect="1"/>
+          </p:cNvPicPr>
+          <p:nvPr/>
+        </p:nvPicPr>
+        <p:blipFill>
+          <a:blip r:embed="rId2">
+            <a:extLst>
+              <a:ext uri="{28A0092B-C50C-407E-A947-70E740481C1C}">
+                <a14:useLocalDpi xmlns:a14="http://schemas.microsoft.com/office/drawing/2010/main" val="0"/>
+              </a:ext>
+            </a:extLst>
+          </a:blip>
+          <a:stretch>
+            <a:fillRect/>
+          </a:stretch>
+        </p:blipFill>
+        <p:spPr>
+          <a:xfrm>
+            <a:off x="0" y="0"/>
+            <a:ext cx="12192000" cy="6858000"/>
+          </a:xfrm>
+          <a:prstGeom prst="rect">
+            <a:avLst/>
+          </a:prstGeom>
+        </p:spPr>
+      </p:pic>
+      <p:sp>
+        <p:nvSpPr>
+          <p:cNvPr id="25" name="Rectangle 24">
+            <a:extLst>
+              <a:ext uri="{FF2B5EF4-FFF2-40B4-BE49-F238E27FC236}">
+                <a16:creationId xmlns:a16="http://schemas.microsoft.com/office/drawing/2014/main" id="{F00E968E-D7DA-6300-93A7-6E23B5A66503}"/>
+              </a:ext>
+            </a:extLst>
+          </p:cNvPr>
+          <p:cNvSpPr/>
+          <p:nvPr/>
+        </p:nvSpPr>
+        <p:spPr>
+          <a:xfrm>
+            <a:off x="6661132" y="4891995"/>
+            <a:ext cx="2422483" cy="918286"/>
+          </a:xfrm>
+          <a:prstGeom prst="rect">
+            <a:avLst/>
+          </a:prstGeom>
+          <a:ln>
+            <a:solidFill>
+              <a:schemeClr val="tx1"/>
+            </a:solidFill>
+          </a:ln>
+        </p:spPr>
+        <p:style>
+          <a:lnRef idx="2">
+            <a:schemeClr val="dk1">
+              <a:shade val="50000"/>
+            </a:schemeClr>
+          </a:lnRef>
+          <a:fillRef idx="1">
+            <a:schemeClr val="dk1"/>
+          </a:fillRef>
+          <a:effectRef idx="0">
+            <a:schemeClr val="dk1"/>
+          </a:effectRef>
+          <a:fontRef idx="minor">
+            <a:schemeClr val="lt1"/>
+          </a:fontRef>
+        </p:style>
+        <p:txBody>
+          <a:bodyPr rtlCol="0" anchor="ctr"/>
+          <a:lstStyle/>
+          <a:p>
+            <a:pPr algn="ctr"/>
+            <a:r>
+              <a:rPr lang="en-US" dirty="0"/>
+              <a:t> </a:t>
+            </a:r>
+            <a:endParaRPr lang="th-TH" dirty="0"/>
+          </a:p>
+        </p:txBody>
+      </p:sp>
+      <p:sp>
+        <p:nvSpPr>
+          <p:cNvPr id="21" name="Rectangle 20">
+            <a:extLst>
+              <a:ext uri="{FF2B5EF4-FFF2-40B4-BE49-F238E27FC236}">
+                <a16:creationId xmlns:a16="http://schemas.microsoft.com/office/drawing/2014/main" id="{360707C5-3699-76B1-6333-518F3BFD7CE1}"/>
+              </a:ext>
+            </a:extLst>
+          </p:cNvPr>
+          <p:cNvSpPr/>
+          <p:nvPr/>
+        </p:nvSpPr>
+        <p:spPr>
+          <a:xfrm>
+            <a:off x="2172753" y="4909804"/>
+            <a:ext cx="2889631" cy="918286"/>
+          </a:xfrm>
+          <a:prstGeom prst="rect">
+            <a:avLst/>
+          </a:prstGeom>
+          <a:ln>
+            <a:solidFill>
+              <a:schemeClr val="tx1"/>
+            </a:solidFill>
+          </a:ln>
+        </p:spPr>
+        <p:style>
+          <a:lnRef idx="2">
+            <a:schemeClr val="dk1">
+              <a:shade val="50000"/>
+            </a:schemeClr>
+          </a:lnRef>
+          <a:fillRef idx="1">
+            <a:schemeClr val="dk1"/>
+          </a:fillRef>
+          <a:effectRef idx="0">
+            <a:schemeClr val="dk1"/>
+          </a:effectRef>
+          <a:fontRef idx="minor">
+            <a:schemeClr val="lt1"/>
+          </a:fontRef>
+        </p:style>
+        <p:txBody>
+          <a:bodyPr rtlCol="0" anchor="ctr"/>
+          <a:lstStyle/>
+          <a:p>
+            <a:pPr algn="ctr"/>
+            <a:r>
+              <a:rPr lang="en-US" dirty="0"/>
+              <a:t> </a:t>
+            </a:r>
+            <a:endParaRPr lang="th-TH" dirty="0"/>
+          </a:p>
+        </p:txBody>
+      </p:sp>
+      <p:sp>
+        <p:nvSpPr>
+          <p:cNvPr id="4" name="TextBox 3">
+            <a:extLst>
+              <a:ext uri="{FF2B5EF4-FFF2-40B4-BE49-F238E27FC236}">
+                <a16:creationId xmlns:a16="http://schemas.microsoft.com/office/drawing/2014/main" id="{DBD20285-C7B6-5A27-30B7-0C7987AD7EA4}"/>
+              </a:ext>
+            </a:extLst>
+          </p:cNvPr>
+          <p:cNvSpPr txBox="1"/>
+          <p:nvPr/>
+        </p:nvSpPr>
+        <p:spPr>
+          <a:xfrm>
+            <a:off x="1473768" y="696739"/>
+            <a:ext cx="9244463" cy="1077218"/>
+          </a:xfrm>
+          <a:prstGeom prst="rect">
+            <a:avLst/>
+          </a:prstGeom>
+          <a:noFill/>
+        </p:spPr>
+        <p:txBody>
+          <a:bodyPr wrap="square">
+            <a:spAutoFit/>
+          </a:bodyPr>
+          <a:lstStyle/>
+          <a:p>
+            <a:r>
+              <a:rPr lang="en-US" dirty="0">
+                <a:latin typeface="Cascadia Code" panose="020B0609020000020004" pitchFamily="49" charset="0"/>
+                <a:ea typeface="Cascadia Code" panose="020B0609020000020004" pitchFamily="49" charset="0"/>
+                <a:cs typeface="Cascadia Code" panose="020B0609020000020004" pitchFamily="49" charset="0"/>
+              </a:rPr>
+              <a:t>For Loop</a:t>
+            </a:r>
+          </a:p>
+          <a:p>
+            <a:r>
+              <a:rPr lang="en-US" dirty="0">
+                <a:latin typeface="Cascadia Code" panose="020B0609020000020004" pitchFamily="49" charset="0"/>
+                <a:ea typeface="Cascadia Code" panose="020B0609020000020004" pitchFamily="49" charset="0"/>
+                <a:cs typeface="Cascadia Code" panose="020B0609020000020004" pitchFamily="49" charset="0"/>
+              </a:rPr>
+              <a:t>- </a:t>
+            </a:r>
+            <a:r>
+              <a:rPr lang="th-TH" sz="3600" dirty="0">
+                <a:latin typeface="DB Helvethaica X" panose="02000506090000020004" pitchFamily="2" charset="-34"/>
+                <a:ea typeface="Cascadia Code" panose="020B0609020000020004" pitchFamily="49" charset="0"/>
+                <a:cs typeface="DB Helvethaica X" panose="02000506090000020004" pitchFamily="2" charset="-34"/>
+              </a:rPr>
+              <a:t>เป็นการลูป</a:t>
+            </a:r>
+            <a:r>
+              <a:rPr lang="en-US" sz="3600" dirty="0">
+                <a:latin typeface="DB Helvethaica X" panose="02000506090000020004" pitchFamily="2" charset="-34"/>
+                <a:ea typeface="Cascadia Code" panose="020B0609020000020004" pitchFamily="49" charset="0"/>
+                <a:cs typeface="DB Helvethaica X" panose="02000506090000020004" pitchFamily="2" charset="-34"/>
+              </a:rPr>
+              <a:t> </a:t>
+            </a:r>
+            <a:r>
+              <a:rPr lang="th-TH" sz="3600" dirty="0">
+                <a:latin typeface="DB Helvethaica X" panose="02000506090000020004" pitchFamily="2" charset="-34"/>
+                <a:ea typeface="Cascadia Code" panose="020B0609020000020004" pitchFamily="49" charset="0"/>
+                <a:cs typeface="DB Helvethaica X" panose="02000506090000020004" pitchFamily="2" charset="-34"/>
+              </a:rPr>
+              <a:t>โดยการมีการกำหนดจำนวนรอบที่กำหนดไว้แล้ว</a:t>
+            </a:r>
+            <a:endParaRPr lang="th-TH" dirty="0">
+              <a:latin typeface="DB Helvethaica X" panose="02000506090000020004" pitchFamily="2" charset="-34"/>
+              <a:cs typeface="DB Helvethaica X" panose="02000506090000020004" pitchFamily="2" charset="-34"/>
+            </a:endParaRPr>
+          </a:p>
+        </p:txBody>
+      </p:sp>
+      <p:sp>
+        <p:nvSpPr>
+          <p:cNvPr id="5" name="TextBox 4">
+            <a:extLst>
+              <a:ext uri="{FF2B5EF4-FFF2-40B4-BE49-F238E27FC236}">
+                <a16:creationId xmlns:a16="http://schemas.microsoft.com/office/drawing/2014/main" id="{44C87751-A5E1-A51D-76D6-B1E2A7B26E19}"/>
+              </a:ext>
+            </a:extLst>
+          </p:cNvPr>
+          <p:cNvSpPr txBox="1"/>
+          <p:nvPr/>
+        </p:nvSpPr>
+        <p:spPr>
+          <a:xfrm>
+            <a:off x="1071113" y="2079698"/>
+            <a:ext cx="10049774" cy="2308324"/>
+          </a:xfrm>
+          <a:prstGeom prst="rect">
+            <a:avLst/>
+          </a:prstGeom>
+          <a:noFill/>
+        </p:spPr>
+        <p:txBody>
+          <a:bodyPr wrap="square" rtlCol="0">
+            <a:spAutoFit/>
+          </a:bodyPr>
+          <a:lstStyle/>
+          <a:p>
+            <a:r>
+              <a:rPr lang="th-TH" sz="3600" dirty="0">
+                <a:latin typeface="DB Helvethaica X" panose="02000506090000020004" pitchFamily="2" charset="-34"/>
+                <a:ea typeface="Cascadia Code" panose="020B0609020000020004" pitchFamily="49" charset="0"/>
+                <a:cs typeface="DB Helvethaica X" panose="02000506090000020004" pitchFamily="2" charset="-34"/>
+              </a:rPr>
+              <a:t>สิ่งที่นำมา </a:t>
+            </a:r>
+            <a:r>
+              <a:rPr lang="en-US" sz="2400" dirty="0">
+                <a:latin typeface="Cascadia Code" panose="020B0609020000020004" pitchFamily="49" charset="0"/>
+                <a:ea typeface="Cascadia Code" panose="020B0609020000020004" pitchFamily="49" charset="0"/>
+                <a:cs typeface="Cascadia Code" panose="020B0609020000020004" pitchFamily="49" charset="0"/>
+              </a:rPr>
+              <a:t>For Loop </a:t>
+            </a:r>
+            <a:r>
+              <a:rPr lang="th-TH" sz="3600" dirty="0">
+                <a:latin typeface="DB Helvethaica X" panose="02000506090000020004" pitchFamily="2" charset="-34"/>
+                <a:ea typeface="Cascadia Code" panose="020B0609020000020004" pitchFamily="49" charset="0"/>
+                <a:cs typeface="DB Helvethaica X" panose="02000506090000020004" pitchFamily="2" charset="-34"/>
+              </a:rPr>
+              <a:t>ได้</a:t>
+            </a:r>
+            <a:endParaRPr lang="th-TH" sz="2400" dirty="0">
+              <a:latin typeface="DB Helvethaica X" panose="02000506090000020004" pitchFamily="2" charset="-34"/>
+              <a:ea typeface="Cascadia Code" panose="020B0609020000020004" pitchFamily="49" charset="0"/>
+              <a:cs typeface="DB Helvethaica X" panose="02000506090000020004" pitchFamily="2" charset="-34"/>
+            </a:endParaRPr>
+          </a:p>
+          <a:p>
+            <a:pPr marL="457200" indent="-457200">
+              <a:buFontTx/>
+              <a:buChar char="-"/>
+            </a:pPr>
+            <a:r>
+              <a:rPr lang="en-US" sz="2400" dirty="0">
+                <a:latin typeface="Cascadia Code" panose="020B0609020000020004" pitchFamily="49" charset="0"/>
+                <a:ea typeface="Cascadia Code" panose="020B0609020000020004" pitchFamily="49" charset="0"/>
+                <a:cs typeface="Cascadia Code" panose="020B0609020000020004" pitchFamily="49" charset="0"/>
+              </a:rPr>
+              <a:t>String (str) </a:t>
+            </a:r>
+            <a:r>
+              <a:rPr lang="th-TH" sz="3600" dirty="0">
+                <a:latin typeface="DB Helvethaica X" panose="02000506090000020004" pitchFamily="2" charset="-34"/>
+                <a:ea typeface="Cascadia Code" panose="020B0609020000020004" pitchFamily="49" charset="0"/>
+                <a:cs typeface="DB Helvethaica X" panose="02000506090000020004" pitchFamily="2" charset="-34"/>
+              </a:rPr>
+              <a:t>ข้อความ</a:t>
+            </a:r>
+            <a:endParaRPr lang="th-TH" sz="2400" dirty="0">
+              <a:latin typeface="DB Helvethaica X" panose="02000506090000020004" pitchFamily="2" charset="-34"/>
+              <a:ea typeface="Cascadia Code" panose="020B0609020000020004" pitchFamily="49" charset="0"/>
+              <a:cs typeface="DB Helvethaica X" panose="02000506090000020004" pitchFamily="2" charset="-34"/>
+            </a:endParaRPr>
+          </a:p>
+          <a:p>
+            <a:pPr marL="457200" indent="-457200">
+              <a:buFontTx/>
+              <a:buChar char="-"/>
+            </a:pPr>
+            <a:r>
+              <a:rPr lang="en-US" sz="2400" dirty="0">
+                <a:latin typeface="Cascadia Code" panose="020B0609020000020004" pitchFamily="49" charset="0"/>
+                <a:ea typeface="Cascadia Code" panose="020B0609020000020004" pitchFamily="49" charset="0"/>
+                <a:cs typeface="Cascadia Code" panose="020B0609020000020004" pitchFamily="49" charset="0"/>
+              </a:rPr>
+              <a:t>range(n) </a:t>
+            </a:r>
+            <a:r>
+              <a:rPr lang="th-TH" sz="3600" dirty="0">
+                <a:latin typeface="DB Helvethaica X" panose="02000506090000020004" pitchFamily="2" charset="-34"/>
+                <a:ea typeface="Cascadia Code" panose="020B0609020000020004" pitchFamily="49" charset="0"/>
+                <a:cs typeface="DB Helvethaica X" panose="02000506090000020004" pitchFamily="2" charset="-34"/>
+              </a:rPr>
+              <a:t>จะเป็นการลูป</a:t>
+            </a:r>
+            <a:r>
+              <a:rPr lang="th-TH" sz="2400" dirty="0">
+                <a:latin typeface="Cascadia Code" panose="020B0609020000020004" pitchFamily="49" charset="0"/>
+                <a:ea typeface="Cascadia Code" panose="020B0609020000020004" pitchFamily="49" charset="0"/>
+                <a:cs typeface="Cascadia Code" panose="020B0609020000020004" pitchFamily="49" charset="0"/>
+              </a:rPr>
+              <a:t> </a:t>
+            </a:r>
+            <a:r>
+              <a:rPr lang="en-US" sz="2400" u="sng" dirty="0">
+                <a:latin typeface="Cascadia Code" panose="020B0609020000020004" pitchFamily="49" charset="0"/>
+                <a:ea typeface="Cascadia Code" panose="020B0609020000020004" pitchFamily="49" charset="0"/>
+                <a:cs typeface="Cascadia Code" panose="020B0609020000020004" pitchFamily="49" charset="0"/>
+              </a:rPr>
+              <a:t>n</a:t>
+            </a:r>
+            <a:r>
+              <a:rPr lang="en-US" sz="2400" dirty="0">
+                <a:latin typeface="Cascadia Code" panose="020B0609020000020004" pitchFamily="49" charset="0"/>
+                <a:ea typeface="Cascadia Code" panose="020B0609020000020004" pitchFamily="49" charset="0"/>
+                <a:cs typeface="Cascadia Code" panose="020B0609020000020004" pitchFamily="49" charset="0"/>
+              </a:rPr>
+              <a:t> </a:t>
+            </a:r>
+            <a:r>
+              <a:rPr lang="th-TH" sz="3600" dirty="0">
+                <a:latin typeface="DB Helvethaica X" panose="02000506090000020004" pitchFamily="2" charset="-34"/>
+                <a:ea typeface="Cascadia Code" panose="020B0609020000020004" pitchFamily="49" charset="0"/>
+                <a:cs typeface="DB Helvethaica X" panose="02000506090000020004" pitchFamily="2" charset="-34"/>
+              </a:rPr>
+              <a:t>ครั้งโดยจะนับจาก</a:t>
+            </a:r>
+            <a:r>
+              <a:rPr lang="th-TH" sz="2400" dirty="0">
+                <a:latin typeface="Cascadia Code" panose="020B0609020000020004" pitchFamily="49" charset="0"/>
+                <a:ea typeface="Cascadia Code" panose="020B0609020000020004" pitchFamily="49" charset="0"/>
+                <a:cs typeface="Cascadia Code" panose="020B0609020000020004" pitchFamily="49" charset="0"/>
+              </a:rPr>
+              <a:t> </a:t>
+            </a:r>
+            <a:r>
+              <a:rPr lang="en-US" sz="2400" dirty="0">
+                <a:latin typeface="Cascadia Code" panose="020B0609020000020004" pitchFamily="49" charset="0"/>
+                <a:ea typeface="Cascadia Code" panose="020B0609020000020004" pitchFamily="49" charset="0"/>
+                <a:cs typeface="Cascadia Code" panose="020B0609020000020004" pitchFamily="49" charset="0"/>
+              </a:rPr>
+              <a:t>0,1,2,…,n-1</a:t>
+            </a:r>
+          </a:p>
+          <a:p>
+            <a:pPr marL="457200" indent="-457200">
+              <a:buFontTx/>
+              <a:buChar char="-"/>
+            </a:pPr>
+            <a:r>
+              <a:rPr lang="en-US" sz="2400" dirty="0">
+                <a:latin typeface="Cascadia Code" panose="020B0609020000020004" pitchFamily="49" charset="0"/>
+                <a:ea typeface="Cascadia Code" panose="020B0609020000020004" pitchFamily="49" charset="0"/>
+                <a:cs typeface="Cascadia Code" panose="020B0609020000020004" pitchFamily="49" charset="0"/>
+              </a:rPr>
+              <a:t>range(</a:t>
+            </a:r>
+            <a:r>
+              <a:rPr lang="en-US" sz="2400" dirty="0" err="1">
+                <a:latin typeface="Cascadia Code" panose="020B0609020000020004" pitchFamily="49" charset="0"/>
+                <a:ea typeface="Cascadia Code" panose="020B0609020000020004" pitchFamily="49" charset="0"/>
+                <a:cs typeface="Cascadia Code" panose="020B0609020000020004" pitchFamily="49" charset="0"/>
+              </a:rPr>
+              <a:t>x,y</a:t>
+            </a:r>
+            <a:r>
+              <a:rPr lang="en-US" sz="2400" dirty="0">
+                <a:latin typeface="Cascadia Code" panose="020B0609020000020004" pitchFamily="49" charset="0"/>
+                <a:ea typeface="Cascadia Code" panose="020B0609020000020004" pitchFamily="49" charset="0"/>
+                <a:cs typeface="Cascadia Code" panose="020B0609020000020004" pitchFamily="49" charset="0"/>
+              </a:rPr>
+              <a:t>) </a:t>
+            </a:r>
+            <a:r>
+              <a:rPr lang="th-TH" sz="3600" dirty="0">
+                <a:latin typeface="DB Helvethaica X" panose="02000506090000020004" pitchFamily="2" charset="-34"/>
+                <a:ea typeface="Cascadia Code" panose="020B0609020000020004" pitchFamily="49" charset="0"/>
+                <a:cs typeface="DB Helvethaica X" panose="02000506090000020004" pitchFamily="2" charset="-34"/>
+              </a:rPr>
+              <a:t>คือลูปตั้งแต่</a:t>
+            </a:r>
+            <a:r>
+              <a:rPr lang="th-TH" sz="2400" dirty="0">
+                <a:latin typeface="Cascadia Code" panose="020B0609020000020004" pitchFamily="49" charset="0"/>
+                <a:ea typeface="Cascadia Code" panose="020B0609020000020004" pitchFamily="49" charset="0"/>
+                <a:cs typeface="Cascadia Code" panose="020B0609020000020004" pitchFamily="49" charset="0"/>
+              </a:rPr>
+              <a:t> </a:t>
+            </a:r>
+            <a:r>
+              <a:rPr lang="en-US" sz="2400" dirty="0">
+                <a:latin typeface="Cascadia Code" panose="020B0609020000020004" pitchFamily="49" charset="0"/>
+                <a:ea typeface="Cascadia Code" panose="020B0609020000020004" pitchFamily="49" charset="0"/>
+                <a:cs typeface="Cascadia Code" panose="020B0609020000020004" pitchFamily="49" charset="0"/>
+              </a:rPr>
+              <a:t>x </a:t>
+            </a:r>
+            <a:r>
+              <a:rPr lang="th-TH" sz="3600" dirty="0">
+                <a:latin typeface="DB Helvethaica X" panose="02000506090000020004" pitchFamily="2" charset="-34"/>
+                <a:ea typeface="Cascadia Code" panose="020B0609020000020004" pitchFamily="49" charset="0"/>
+                <a:cs typeface="DB Helvethaica X" panose="02000506090000020004" pitchFamily="2" charset="-34"/>
+              </a:rPr>
+              <a:t>ถึง</a:t>
+            </a:r>
+            <a:r>
+              <a:rPr lang="th-TH" sz="2400" dirty="0">
+                <a:latin typeface="Cascadia Code" panose="020B0609020000020004" pitchFamily="49" charset="0"/>
+                <a:ea typeface="Cascadia Code" panose="020B0609020000020004" pitchFamily="49" charset="0"/>
+                <a:cs typeface="Cascadia Code" panose="020B0609020000020004" pitchFamily="49" charset="0"/>
+              </a:rPr>
+              <a:t> </a:t>
+            </a:r>
+            <a:r>
+              <a:rPr lang="en-US" sz="2400" dirty="0">
+                <a:latin typeface="Cascadia Code" panose="020B0609020000020004" pitchFamily="49" charset="0"/>
+                <a:ea typeface="Cascadia Code" panose="020B0609020000020004" pitchFamily="49" charset="0"/>
+                <a:cs typeface="Cascadia Code" panose="020B0609020000020004" pitchFamily="49" charset="0"/>
+              </a:rPr>
+              <a:t>y-1</a:t>
+            </a:r>
+            <a:endParaRPr lang="th-TH" sz="2400" dirty="0">
+              <a:latin typeface="Cascadia Code" panose="020B0609020000020004" pitchFamily="49" charset="0"/>
+              <a:ea typeface="Cascadia Code" panose="020B0609020000020004" pitchFamily="49" charset="0"/>
+              <a:cs typeface="Cascadia Code" panose="020B0609020000020004" pitchFamily="49" charset="0"/>
+            </a:endParaRPr>
+          </a:p>
+        </p:txBody>
+      </p:sp>
+      <p:sp>
+        <p:nvSpPr>
+          <p:cNvPr id="15" name="TextBox 14">
+            <a:extLst>
+              <a:ext uri="{FF2B5EF4-FFF2-40B4-BE49-F238E27FC236}">
+                <a16:creationId xmlns:a16="http://schemas.microsoft.com/office/drawing/2014/main" id="{D8781092-4D24-6A49-F655-778CA75EF32F}"/>
+              </a:ext>
+            </a:extLst>
+          </p:cNvPr>
+          <p:cNvSpPr txBox="1"/>
+          <p:nvPr/>
+        </p:nvSpPr>
+        <p:spPr>
+          <a:xfrm>
+            <a:off x="2172753" y="4989062"/>
+            <a:ext cx="3026432" cy="707886"/>
+          </a:xfrm>
+          <a:prstGeom prst="rect">
+            <a:avLst/>
+          </a:prstGeom>
+          <a:noFill/>
+        </p:spPr>
+        <p:txBody>
+          <a:bodyPr wrap="square">
+            <a:spAutoFit/>
+          </a:bodyPr>
+          <a:lstStyle/>
+          <a:p>
+            <a:r>
+              <a:rPr lang="en-US" sz="2000" b="0" dirty="0">
+                <a:solidFill>
+                  <a:srgbClr val="F47067"/>
+                </a:solidFill>
+                <a:effectLst/>
+                <a:latin typeface="Cascadia Mono" panose="020B0609020000020004" pitchFamily="49" charset="0"/>
+              </a:rPr>
+              <a:t>for</a:t>
+            </a:r>
+            <a:r>
+              <a:rPr lang="en-US" sz="2000" b="0" dirty="0">
+                <a:solidFill>
+                  <a:srgbClr val="ADBAC7"/>
+                </a:solidFill>
+                <a:effectLst/>
+                <a:latin typeface="Cascadia Mono" panose="020B0609020000020004" pitchFamily="49" charset="0"/>
+              </a:rPr>
+              <a:t> i </a:t>
+            </a:r>
+            <a:r>
+              <a:rPr lang="en-US" sz="2000" b="0" dirty="0">
+                <a:solidFill>
+                  <a:srgbClr val="F47067"/>
+                </a:solidFill>
+                <a:effectLst/>
+                <a:latin typeface="Cascadia Mono" panose="020B0609020000020004" pitchFamily="49" charset="0"/>
+              </a:rPr>
+              <a:t>in</a:t>
+            </a:r>
+            <a:r>
+              <a:rPr lang="en-US" sz="2000" b="0" dirty="0">
+                <a:solidFill>
+                  <a:srgbClr val="ADBAC7"/>
+                </a:solidFill>
+                <a:effectLst/>
+                <a:latin typeface="Cascadia Mono" panose="020B0609020000020004" pitchFamily="49" charset="0"/>
+              </a:rPr>
+              <a:t> </a:t>
+            </a:r>
+            <a:r>
+              <a:rPr lang="en-US" sz="2000" b="0" dirty="0">
+                <a:solidFill>
+                  <a:srgbClr val="F69D50"/>
+                </a:solidFill>
+                <a:effectLst/>
+                <a:latin typeface="Cascadia Mono" panose="020B0609020000020004" pitchFamily="49" charset="0"/>
+              </a:rPr>
+              <a:t>range</a:t>
+            </a:r>
+            <a:r>
+              <a:rPr lang="en-US" sz="2000" b="0" dirty="0">
+                <a:solidFill>
+                  <a:srgbClr val="ADBAC7"/>
+                </a:solidFill>
+                <a:effectLst/>
+                <a:latin typeface="Cascadia Mono" panose="020B0609020000020004" pitchFamily="49" charset="0"/>
+              </a:rPr>
+              <a:t>(</a:t>
+            </a:r>
+            <a:r>
+              <a:rPr lang="en-US" sz="2000" b="0" dirty="0">
+                <a:solidFill>
+                  <a:srgbClr val="6CB6FF"/>
+                </a:solidFill>
+                <a:effectLst/>
+                <a:latin typeface="Cascadia Mono" panose="020B0609020000020004" pitchFamily="49" charset="0"/>
+              </a:rPr>
+              <a:t>5</a:t>
+            </a:r>
+            <a:r>
+              <a:rPr lang="en-US" sz="2000" b="0" dirty="0">
+                <a:solidFill>
+                  <a:srgbClr val="ADBAC7"/>
+                </a:solidFill>
+                <a:effectLst/>
+                <a:latin typeface="Cascadia Mono" panose="020B0609020000020004" pitchFamily="49" charset="0"/>
+              </a:rPr>
+              <a:t>):</a:t>
+            </a:r>
+          </a:p>
+          <a:p>
+            <a:r>
+              <a:rPr lang="en-US" sz="2000" b="0" dirty="0">
+                <a:solidFill>
+                  <a:srgbClr val="ADBAC7"/>
+                </a:solidFill>
+                <a:effectLst/>
+                <a:latin typeface="Cascadia Mono" panose="020B0609020000020004" pitchFamily="49" charset="0"/>
+              </a:rPr>
+              <a:t>    </a:t>
+            </a:r>
+            <a:r>
+              <a:rPr lang="en-US" sz="2000" b="0" dirty="0">
+                <a:solidFill>
+                  <a:srgbClr val="DCBDFB"/>
+                </a:solidFill>
+                <a:effectLst/>
+                <a:latin typeface="Cascadia Mono" panose="020B0609020000020004" pitchFamily="49" charset="0"/>
+              </a:rPr>
+              <a:t>print</a:t>
+            </a:r>
+            <a:r>
+              <a:rPr lang="en-US" sz="2000" b="0" dirty="0">
+                <a:solidFill>
+                  <a:srgbClr val="ADBAC7"/>
+                </a:solidFill>
+                <a:effectLst/>
+                <a:latin typeface="Cascadia Mono" panose="020B0609020000020004" pitchFamily="49" charset="0"/>
+              </a:rPr>
+              <a:t>(i)</a:t>
+            </a:r>
+          </a:p>
+        </p:txBody>
+      </p:sp>
+      <p:sp>
+        <p:nvSpPr>
+          <p:cNvPr id="19" name="TextBox 18">
+            <a:extLst>
+              <a:ext uri="{FF2B5EF4-FFF2-40B4-BE49-F238E27FC236}">
+                <a16:creationId xmlns:a16="http://schemas.microsoft.com/office/drawing/2014/main" id="{5A910DBB-53F4-747F-F31C-87DC737FC391}"/>
+              </a:ext>
+            </a:extLst>
+          </p:cNvPr>
+          <p:cNvSpPr txBox="1"/>
+          <p:nvPr/>
+        </p:nvSpPr>
+        <p:spPr>
+          <a:xfrm>
+            <a:off x="5920729" y="4448139"/>
+            <a:ext cx="330637" cy="1631216"/>
+          </a:xfrm>
+          <a:prstGeom prst="rect">
+            <a:avLst/>
+          </a:prstGeom>
+          <a:noFill/>
+        </p:spPr>
+        <p:txBody>
+          <a:bodyPr wrap="square">
+            <a:spAutoFit/>
+          </a:bodyPr>
+          <a:lstStyle/>
+          <a:p>
+            <a:r>
+              <a:rPr lang="th-TH" sz="2000" dirty="0">
+                <a:latin typeface="Cascadia Mono" panose="020B0609020000020004" pitchFamily="49" charset="0"/>
+                <a:ea typeface="Cascadia Mono" panose="020B0609020000020004" pitchFamily="49" charset="0"/>
+                <a:cs typeface="Cascadia Mono" panose="020B0609020000020004" pitchFamily="49" charset="0"/>
+              </a:rPr>
+              <a:t>0</a:t>
+            </a:r>
+          </a:p>
+          <a:p>
+            <a:r>
+              <a:rPr lang="th-TH" sz="2000" dirty="0">
+                <a:latin typeface="Cascadia Mono" panose="020B0609020000020004" pitchFamily="49" charset="0"/>
+                <a:ea typeface="Cascadia Mono" panose="020B0609020000020004" pitchFamily="49" charset="0"/>
+                <a:cs typeface="Cascadia Mono" panose="020B0609020000020004" pitchFamily="49" charset="0"/>
+              </a:rPr>
+              <a:t>1</a:t>
+            </a:r>
+          </a:p>
+          <a:p>
+            <a:r>
+              <a:rPr lang="th-TH" sz="2000" dirty="0">
+                <a:latin typeface="Cascadia Mono" panose="020B0609020000020004" pitchFamily="49" charset="0"/>
+                <a:ea typeface="Cascadia Mono" panose="020B0609020000020004" pitchFamily="49" charset="0"/>
+                <a:cs typeface="Cascadia Mono" panose="020B0609020000020004" pitchFamily="49" charset="0"/>
+              </a:rPr>
+              <a:t>2</a:t>
+            </a:r>
+          </a:p>
+          <a:p>
+            <a:r>
+              <a:rPr lang="th-TH" sz="2000" dirty="0">
+                <a:latin typeface="Cascadia Mono" panose="020B0609020000020004" pitchFamily="49" charset="0"/>
+                <a:ea typeface="Cascadia Mono" panose="020B0609020000020004" pitchFamily="49" charset="0"/>
+                <a:cs typeface="Cascadia Mono" panose="020B0609020000020004" pitchFamily="49" charset="0"/>
+              </a:rPr>
+              <a:t>3</a:t>
+            </a:r>
+          </a:p>
+          <a:p>
+            <a:r>
+              <a:rPr lang="th-TH" sz="2000" dirty="0">
+                <a:latin typeface="Cascadia Mono" panose="020B0609020000020004" pitchFamily="49" charset="0"/>
+                <a:ea typeface="Cascadia Mono" panose="020B0609020000020004" pitchFamily="49" charset="0"/>
+                <a:cs typeface="Cascadia Mono" panose="020B0609020000020004" pitchFamily="49" charset="0"/>
+              </a:rPr>
+              <a:t>4</a:t>
+            </a:r>
+          </a:p>
+        </p:txBody>
+      </p:sp>
+      <p:sp>
+        <p:nvSpPr>
+          <p:cNvPr id="20" name="Arrow: Right 19">
+            <a:extLst>
+              <a:ext uri="{FF2B5EF4-FFF2-40B4-BE49-F238E27FC236}">
+                <a16:creationId xmlns:a16="http://schemas.microsoft.com/office/drawing/2014/main" id="{1856E22F-E710-C7BB-1431-435FF868AF6F}"/>
+              </a:ext>
+            </a:extLst>
+          </p:cNvPr>
+          <p:cNvSpPr/>
+          <p:nvPr/>
+        </p:nvSpPr>
+        <p:spPr>
+          <a:xfrm>
+            <a:off x="5242070" y="5086775"/>
+            <a:ext cx="560717" cy="353943"/>
+          </a:xfrm>
+          <a:prstGeom prst="rightArrow">
+            <a:avLst/>
+          </a:prstGeom>
+        </p:spPr>
+        <p:style>
+          <a:lnRef idx="2">
+            <a:schemeClr val="accent1">
+              <a:shade val="50000"/>
+            </a:schemeClr>
+          </a:lnRef>
+          <a:fillRef idx="1">
+            <a:schemeClr val="accent1"/>
+          </a:fillRef>
+          <a:effectRef idx="0">
+            <a:schemeClr val="accent1"/>
+          </a:effectRef>
+          <a:fontRef idx="minor">
+            <a:schemeClr val="lt1"/>
+          </a:fontRef>
+        </p:style>
+        <p:txBody>
+          <a:bodyPr rtlCol="0" anchor="ctr"/>
+          <a:lstStyle/>
+          <a:p>
+            <a:pPr algn="ctr"/>
+            <a:endParaRPr lang="th-TH"/>
+          </a:p>
+        </p:txBody>
+      </p:sp>
+      <p:sp>
+        <p:nvSpPr>
+          <p:cNvPr id="23" name="TextBox 22">
+            <a:extLst>
+              <a:ext uri="{FF2B5EF4-FFF2-40B4-BE49-F238E27FC236}">
+                <a16:creationId xmlns:a16="http://schemas.microsoft.com/office/drawing/2014/main" id="{88D5BBC1-5577-5704-7BCC-88CC8FA6216F}"/>
+              </a:ext>
+            </a:extLst>
+          </p:cNvPr>
+          <p:cNvSpPr txBox="1"/>
+          <p:nvPr/>
+        </p:nvSpPr>
+        <p:spPr>
+          <a:xfrm>
+            <a:off x="6661132" y="4989062"/>
+            <a:ext cx="3336266" cy="707886"/>
+          </a:xfrm>
+          <a:prstGeom prst="rect">
+            <a:avLst/>
+          </a:prstGeom>
+          <a:noFill/>
+        </p:spPr>
+        <p:txBody>
+          <a:bodyPr wrap="square">
+            <a:spAutoFit/>
+          </a:bodyPr>
+          <a:lstStyle/>
+          <a:p>
+            <a:r>
+              <a:rPr lang="en-US" sz="2000" b="0" dirty="0">
+                <a:solidFill>
+                  <a:srgbClr val="F47067"/>
+                </a:solidFill>
+                <a:effectLst/>
+                <a:latin typeface="Cascadia Mono" panose="020B0609020000020004" pitchFamily="49" charset="0"/>
+              </a:rPr>
+              <a:t>for</a:t>
+            </a:r>
+            <a:r>
+              <a:rPr lang="en-US" sz="2000" b="0" dirty="0">
+                <a:solidFill>
+                  <a:srgbClr val="ADBAC7"/>
+                </a:solidFill>
+                <a:effectLst/>
+                <a:latin typeface="Cascadia Mono" panose="020B0609020000020004" pitchFamily="49" charset="0"/>
+              </a:rPr>
+              <a:t> j </a:t>
+            </a:r>
+            <a:r>
+              <a:rPr lang="en-US" sz="2000" b="0" dirty="0">
+                <a:solidFill>
+                  <a:srgbClr val="F47067"/>
+                </a:solidFill>
+                <a:effectLst/>
+                <a:latin typeface="Cascadia Mono" panose="020B0609020000020004" pitchFamily="49" charset="0"/>
+              </a:rPr>
+              <a:t>in</a:t>
+            </a:r>
+            <a:r>
+              <a:rPr lang="en-US" sz="2000" b="0" dirty="0">
+                <a:solidFill>
+                  <a:srgbClr val="ADBAC7"/>
+                </a:solidFill>
+                <a:effectLst/>
+                <a:latin typeface="Cascadia Mono" panose="020B0609020000020004" pitchFamily="49" charset="0"/>
+              </a:rPr>
+              <a:t> </a:t>
+            </a:r>
+            <a:r>
+              <a:rPr lang="en-US" sz="2000" b="0" dirty="0">
+                <a:solidFill>
+                  <a:srgbClr val="96D0FF"/>
+                </a:solidFill>
+                <a:effectLst/>
+                <a:latin typeface="Cascadia Mono" panose="020B0609020000020004" pitchFamily="49" charset="0"/>
+              </a:rPr>
+              <a:t>"CPE"</a:t>
+            </a:r>
+            <a:r>
+              <a:rPr lang="en-US" sz="2000" b="0" dirty="0">
+                <a:solidFill>
+                  <a:srgbClr val="ADBAC7"/>
+                </a:solidFill>
+                <a:effectLst/>
+                <a:latin typeface="Cascadia Mono" panose="020B0609020000020004" pitchFamily="49" charset="0"/>
+              </a:rPr>
+              <a:t>:</a:t>
+            </a:r>
+          </a:p>
+          <a:p>
+            <a:r>
+              <a:rPr lang="en-US" sz="2000" b="0" dirty="0">
+                <a:solidFill>
+                  <a:srgbClr val="ADBAC7"/>
+                </a:solidFill>
+                <a:effectLst/>
+                <a:latin typeface="Cascadia Mono" panose="020B0609020000020004" pitchFamily="49" charset="0"/>
+              </a:rPr>
+              <a:t>    </a:t>
+            </a:r>
+            <a:r>
+              <a:rPr lang="en-US" sz="2000" b="0" dirty="0">
+                <a:solidFill>
+                  <a:srgbClr val="DCBDFB"/>
+                </a:solidFill>
+                <a:effectLst/>
+                <a:latin typeface="Cascadia Mono" panose="020B0609020000020004" pitchFamily="49" charset="0"/>
+              </a:rPr>
+              <a:t>print</a:t>
+            </a:r>
+            <a:r>
+              <a:rPr lang="en-US" sz="2000" b="0" dirty="0">
+                <a:solidFill>
+                  <a:srgbClr val="ADBAC7"/>
+                </a:solidFill>
+                <a:effectLst/>
+                <a:latin typeface="Cascadia Mono" panose="020B0609020000020004" pitchFamily="49" charset="0"/>
+              </a:rPr>
+              <a:t>(j)</a:t>
+            </a:r>
+          </a:p>
+        </p:txBody>
+      </p:sp>
+      <p:sp>
+        <p:nvSpPr>
+          <p:cNvPr id="27" name="TextBox 26">
+            <a:extLst>
+              <a:ext uri="{FF2B5EF4-FFF2-40B4-BE49-F238E27FC236}">
+                <a16:creationId xmlns:a16="http://schemas.microsoft.com/office/drawing/2014/main" id="{0F5B9585-CEE8-7233-1522-7708187A7199}"/>
+              </a:ext>
+            </a:extLst>
+          </p:cNvPr>
+          <p:cNvSpPr txBox="1"/>
+          <p:nvPr/>
+        </p:nvSpPr>
+        <p:spPr>
+          <a:xfrm>
+            <a:off x="9778502" y="4821610"/>
+            <a:ext cx="437791" cy="1015663"/>
+          </a:xfrm>
+          <a:prstGeom prst="rect">
+            <a:avLst/>
+          </a:prstGeom>
+          <a:noFill/>
+        </p:spPr>
+        <p:txBody>
+          <a:bodyPr wrap="square">
+            <a:spAutoFit/>
+          </a:bodyPr>
+          <a:lstStyle/>
+          <a:p>
+            <a:r>
+              <a:rPr lang="th-TH" sz="2000" dirty="0">
+                <a:latin typeface="Cascadia Mono" panose="020B0609020000020004" pitchFamily="49" charset="0"/>
+                <a:ea typeface="Cascadia Mono" panose="020B0609020000020004" pitchFamily="49" charset="0"/>
+                <a:cs typeface="Cascadia Mono" panose="020B0609020000020004" pitchFamily="49" charset="0"/>
+              </a:rPr>
+              <a:t>C</a:t>
+            </a:r>
+          </a:p>
+          <a:p>
+            <a:r>
+              <a:rPr lang="th-TH" sz="2000" dirty="0">
+                <a:latin typeface="Cascadia Mono" panose="020B0609020000020004" pitchFamily="49" charset="0"/>
+                <a:ea typeface="Cascadia Mono" panose="020B0609020000020004" pitchFamily="49" charset="0"/>
+                <a:cs typeface="Cascadia Mono" panose="020B0609020000020004" pitchFamily="49" charset="0"/>
+              </a:rPr>
+              <a:t>P</a:t>
+            </a:r>
+          </a:p>
+          <a:p>
+            <a:r>
+              <a:rPr lang="th-TH" sz="2000" dirty="0">
+                <a:latin typeface="Cascadia Mono" panose="020B0609020000020004" pitchFamily="49" charset="0"/>
+                <a:ea typeface="Cascadia Mono" panose="020B0609020000020004" pitchFamily="49" charset="0"/>
+                <a:cs typeface="Cascadia Mono" panose="020B0609020000020004" pitchFamily="49" charset="0"/>
+              </a:rPr>
+              <a:t>E</a:t>
+            </a:r>
+          </a:p>
+        </p:txBody>
+      </p:sp>
+      <p:sp>
+        <p:nvSpPr>
+          <p:cNvPr id="28" name="Arrow: Right 27">
+            <a:extLst>
+              <a:ext uri="{FF2B5EF4-FFF2-40B4-BE49-F238E27FC236}">
+                <a16:creationId xmlns:a16="http://schemas.microsoft.com/office/drawing/2014/main" id="{6EA8301E-8ECF-C691-1E3E-495501C435B4}"/>
+              </a:ext>
+            </a:extLst>
+          </p:cNvPr>
+          <p:cNvSpPr/>
+          <p:nvPr/>
+        </p:nvSpPr>
+        <p:spPr>
+          <a:xfrm>
+            <a:off x="9205641" y="5135155"/>
+            <a:ext cx="560717" cy="353943"/>
+          </a:xfrm>
+          <a:prstGeom prst="rightArrow">
+            <a:avLst/>
+          </a:prstGeom>
+        </p:spPr>
+        <p:style>
+          <a:lnRef idx="2">
+            <a:schemeClr val="accent1">
+              <a:shade val="50000"/>
+            </a:schemeClr>
+          </a:lnRef>
+          <a:fillRef idx="1">
+            <a:schemeClr val="accent1"/>
+          </a:fillRef>
+          <a:effectRef idx="0">
+            <a:schemeClr val="accent1"/>
+          </a:effectRef>
+          <a:fontRef idx="minor">
+            <a:schemeClr val="lt1"/>
+          </a:fontRef>
+        </p:style>
+        <p:txBody>
+          <a:bodyPr rtlCol="0" anchor="ctr"/>
+          <a:lstStyle/>
+          <a:p>
+            <a:pPr algn="ctr"/>
+            <a:endParaRPr lang="th-TH"/>
+          </a:p>
+        </p:txBody>
+      </p:sp>
+    </p:spTree>
+    <p:extLst>
+      <p:ext uri="{BB962C8B-B14F-4D97-AF65-F5344CB8AC3E}">
+        <p14:creationId xmlns:p14="http://schemas.microsoft.com/office/powerpoint/2010/main" val="1895333169"/>
+      </p:ext>
+    </p:extLst>
+  </p:cSld>
+  <p:clrMapOvr>
+    <a:masterClrMapping/>
+  </p:clrMapOvr>
+</p:sld>
+</file>
+
 <file path=ppt/slides/slide17.xml><?xml version="1.0" encoding="utf-8"?>
 <p:sld xmlns:a="http://schemas.openxmlformats.org/drawingml/2006/main" xmlns:r="http://schemas.openxmlformats.org/officeDocument/2006/relationships" xmlns:p="http://schemas.openxmlformats.org/presentationml/2006/main">
   <p:cSld>
@@ -6177,7 +6758,7 @@
           <p:cNvPr id="3" name="Picture 2">
             <a:extLst>
               <a:ext uri="{FF2B5EF4-FFF2-40B4-BE49-F238E27FC236}">
-                <a16:creationId xmlns:a16="http://schemas.microsoft.com/office/drawing/2014/main" id="{089DEE4C-5845-2D2B-9D82-00FD88DC1D28}"/>
+                <a16:creationId xmlns:a16="http://schemas.microsoft.com/office/drawing/2014/main" id="{8DA6812C-D9A9-6C87-868A-25DD8E251667}"/>
               </a:ext>
             </a:extLst>
           </p:cNvPr>
@@ -6210,10 +6791,10 @@
       </p:pic>
       <p:sp>
         <p:nvSpPr>
-          <p:cNvPr id="25" name="Rectangle 24">
-            <a:extLst>
-              <a:ext uri="{FF2B5EF4-FFF2-40B4-BE49-F238E27FC236}">
-                <a16:creationId xmlns:a16="http://schemas.microsoft.com/office/drawing/2014/main" id="{F00E968E-D7DA-6300-93A7-6E23B5A66503}"/>
+          <p:cNvPr id="14" name="Rectangle 13">
+            <a:extLst>
+              <a:ext uri="{FF2B5EF4-FFF2-40B4-BE49-F238E27FC236}">
+                <a16:creationId xmlns:a16="http://schemas.microsoft.com/office/drawing/2014/main" id="{F2E666F3-B4DF-6F29-D664-8F685E65CA8A}"/>
               </a:ext>
             </a:extLst>
           </p:cNvPr>
@@ -6222,8 +6803,8 @@
         </p:nvSpPr>
         <p:spPr>
           <a:xfrm>
-            <a:off x="6661132" y="4891995"/>
-            <a:ext cx="2422483" cy="918286"/>
+            <a:off x="5719153" y="3798358"/>
+            <a:ext cx="4238447" cy="2074654"/>
           </a:xfrm>
           <a:prstGeom prst="rect">
             <a:avLst/>
@@ -6255,20 +6836,16 @@
           <a:lstStyle/>
           <a:p>
             <a:pPr algn="ctr"/>
-            <a:r>
-              <a:rPr lang="en-US" dirty="0"/>
-              <a:t> </a:t>
-            </a:r>
-            <a:endParaRPr lang="th-TH" dirty="0"/>
-          </a:p>
-        </p:txBody>
-      </p:sp>
-      <p:sp>
-        <p:nvSpPr>
-          <p:cNvPr id="21" name="Rectangle 20">
-            <a:extLst>
-              <a:ext uri="{FF2B5EF4-FFF2-40B4-BE49-F238E27FC236}">
-                <a16:creationId xmlns:a16="http://schemas.microsoft.com/office/drawing/2014/main" id="{360707C5-3699-76B1-6333-518F3BFD7CE1}"/>
+            <a:endParaRPr lang="th-TH"/>
+          </a:p>
+        </p:txBody>
+      </p:sp>
+      <p:sp>
+        <p:nvSpPr>
+          <p:cNvPr id="13" name="Rectangle 12">
+            <a:extLst>
+              <a:ext uri="{FF2B5EF4-FFF2-40B4-BE49-F238E27FC236}">
+                <a16:creationId xmlns:a16="http://schemas.microsoft.com/office/drawing/2014/main" id="{D96851E0-9564-E5D5-201C-37AF3C3DC414}"/>
               </a:ext>
             </a:extLst>
           </p:cNvPr>
@@ -6277,8 +6854,8 @@
         </p:nvSpPr>
         <p:spPr>
           <a:xfrm>
-            <a:off x="2172753" y="4909804"/>
-            <a:ext cx="2889631" cy="918286"/>
+            <a:off x="5719154" y="1541308"/>
+            <a:ext cx="4238447" cy="2074654"/>
           </a:xfrm>
           <a:prstGeom prst="rect">
             <a:avLst/>
@@ -6310,11 +6887,7 @@
           <a:lstStyle/>
           <a:p>
             <a:pPr algn="ctr"/>
-            <a:r>
-              <a:rPr lang="en-US" dirty="0"/>
-              <a:t> </a:t>
-            </a:r>
-            <a:endParaRPr lang="th-TH" dirty="0"/>
+            <a:endParaRPr lang="th-TH"/>
           </a:p>
         </p:txBody>
       </p:sp>
@@ -6323,7 +6896,7 @@
           <p:cNvPr id="4" name="TextBox 3">
             <a:extLst>
               <a:ext uri="{FF2B5EF4-FFF2-40B4-BE49-F238E27FC236}">
-                <a16:creationId xmlns:a16="http://schemas.microsoft.com/office/drawing/2014/main" id="{DBD20285-C7B6-5A27-30B7-0C7987AD7EA4}"/>
+                <a16:creationId xmlns:a16="http://schemas.microsoft.com/office/drawing/2014/main" id="{2F73537F-2F08-0B5D-96ED-D8D54EEF8E97}"/>
               </a:ext>
             </a:extLst>
           </p:cNvPr>
@@ -6332,8 +6905,8 @@
         </p:nvSpPr>
         <p:spPr>
           <a:xfrm>
-            <a:off x="1473768" y="696739"/>
-            <a:ext cx="9244463" cy="1077218"/>
+            <a:off x="1473768" y="1292709"/>
+            <a:ext cx="3917741" cy="4278094"/>
           </a:xfrm>
           <a:prstGeom prst="rect">
             <a:avLst/>
@@ -6352,8 +6925,47 @@
                 <a:ea typeface="Cascadia Code" panose="020B0609020000020004" pitchFamily="49" charset="0"/>
                 <a:cs typeface="Cascadia Code" panose="020B0609020000020004" pitchFamily="49" charset="0"/>
               </a:rPr>
-              <a:t>For Loop</a:t>
-            </a:r>
+              <a:t>break </a:t>
+            </a:r>
+          </a:p>
+          <a:p>
+            <a:r>
+              <a:rPr lang="th-TH" sz="3200" dirty="0">
+                <a:latin typeface="DB Helvethaica X" panose="02000506090000020004" pitchFamily="2" charset="-34"/>
+                <a:ea typeface="Cascadia Code" panose="020B0609020000020004" pitchFamily="49" charset="0"/>
+                <a:cs typeface="DB Helvethaica X" panose="02000506090000020004" pitchFamily="2" charset="-34"/>
+              </a:rPr>
+              <a:t>ใช้เพื่อหยุดการทํางานของลูปทันที</a:t>
+            </a:r>
+          </a:p>
+          <a:p>
+            <a:r>
+              <a:rPr lang="th-TH" sz="3200" dirty="0">
+                <a:latin typeface="DB Helvethaica X" panose="02000506090000020004" pitchFamily="2" charset="-34"/>
+                <a:ea typeface="Cascadia Code" panose="020B0609020000020004" pitchFamily="49" charset="0"/>
+                <a:cs typeface="DB Helvethaica X" panose="02000506090000020004" pitchFamily="2" charset="-34"/>
+              </a:rPr>
+              <a:t>โดยไม่สนใจเงื่อนไข</a:t>
+            </a:r>
+            <a:endParaRPr lang="en-US" sz="3200" dirty="0">
+              <a:latin typeface="DB Helvethaica X" panose="02000506090000020004" pitchFamily="2" charset="-34"/>
+              <a:ea typeface="Cascadia Code" panose="020B0609020000020004" pitchFamily="49" charset="0"/>
+              <a:cs typeface="DB Helvethaica X" panose="02000506090000020004" pitchFamily="2" charset="-34"/>
+            </a:endParaRPr>
+          </a:p>
+          <a:p>
+            <a:endParaRPr lang="en-US" dirty="0">
+              <a:latin typeface="Cascadia Code" panose="020B0609020000020004" pitchFamily="49" charset="0"/>
+              <a:ea typeface="Cascadia Code" panose="020B0609020000020004" pitchFamily="49" charset="0"/>
+              <a:cs typeface="Cascadia Code" panose="020B0609020000020004" pitchFamily="49" charset="0"/>
+            </a:endParaRPr>
+          </a:p>
+          <a:p>
+            <a:endParaRPr lang="en-US" dirty="0">
+              <a:latin typeface="Cascadia Code" panose="020B0609020000020004" pitchFamily="49" charset="0"/>
+              <a:ea typeface="Cascadia Code" panose="020B0609020000020004" pitchFamily="49" charset="0"/>
+              <a:cs typeface="Cascadia Code" panose="020B0609020000020004" pitchFamily="49" charset="0"/>
+            </a:endParaRPr>
           </a:p>
           <a:p>
             <a:r>
@@ -6362,34 +6974,41 @@
                 <a:ea typeface="Cascadia Code" panose="020B0609020000020004" pitchFamily="49" charset="0"/>
                 <a:cs typeface="Cascadia Code" panose="020B0609020000020004" pitchFamily="49" charset="0"/>
               </a:rPr>
-              <a:t>- </a:t>
-            </a:r>
-            <a:r>
-              <a:rPr lang="th-TH" sz="3600" dirty="0">
-                <a:latin typeface="DB Helvethaica X" panose="02000506090000020004" pitchFamily="2" charset="-34"/>
-                <a:ea typeface="Cascadia Code" panose="020B0609020000020004" pitchFamily="49" charset="0"/>
-                <a:cs typeface="DB Helvethaica X" panose="02000506090000020004" pitchFamily="2" charset="-34"/>
-              </a:rPr>
-              <a:t>เป็นการลูป</a:t>
-            </a:r>
-            <a:r>
-              <a:rPr lang="en-US" sz="3600" dirty="0">
-                <a:latin typeface="DB Helvethaica X" panose="02000506090000020004" pitchFamily="2" charset="-34"/>
-                <a:ea typeface="Cascadia Code" panose="020B0609020000020004" pitchFamily="49" charset="0"/>
-                <a:cs typeface="DB Helvethaica X" panose="02000506090000020004" pitchFamily="2" charset="-34"/>
-              </a:rPr>
-              <a:t> </a:t>
-            </a:r>
-            <a:r>
-              <a:rPr lang="th-TH" sz="3600" dirty="0">
-                <a:latin typeface="DB Helvethaica X" panose="02000506090000020004" pitchFamily="2" charset="-34"/>
-                <a:ea typeface="Cascadia Code" panose="020B0609020000020004" pitchFamily="49" charset="0"/>
-                <a:cs typeface="DB Helvethaica X" panose="02000506090000020004" pitchFamily="2" charset="-34"/>
-              </a:rPr>
-              <a:t>โดยการมีการกำหนดจำนวนรอบที่กำหนดไว้แล้ว</a:t>
+              <a:t>continue</a:t>
+            </a:r>
+          </a:p>
+          <a:p>
+            <a:r>
+              <a:rPr lang="th-TH" sz="3200" dirty="0">
+                <a:latin typeface="DB Helvethaica X" panose="02000506090000020004" pitchFamily="2" charset="-34"/>
+                <a:ea typeface="Cascadia Code" panose="020B0609020000020004" pitchFamily="49" charset="0"/>
+                <a:cs typeface="DB Helvethaica X" panose="02000506090000020004" pitchFamily="2" charset="-34"/>
+              </a:rPr>
+              <a:t>ใช้เพื่อข้ามไปทํางานรอบต่อไป</a:t>
+            </a:r>
+          </a:p>
+          <a:p>
+            <a:r>
+              <a:rPr lang="th-TH" sz="3200" dirty="0">
+                <a:latin typeface="DB Helvethaica X" panose="02000506090000020004" pitchFamily="2" charset="-34"/>
+                <a:ea typeface="Cascadia Code" panose="020B0609020000020004" pitchFamily="49" charset="0"/>
+                <a:cs typeface="DB Helvethaica X" panose="02000506090000020004" pitchFamily="2" charset="-34"/>
+              </a:rPr>
+              <a:t>ของลูปทันที</a:t>
+            </a:r>
+          </a:p>
+          <a:p>
+            <a:r>
+              <a:rPr lang="th-TH" sz="3200" dirty="0">
+                <a:latin typeface="DB Helvethaica X" panose="02000506090000020004" pitchFamily="2" charset="-34"/>
+                <a:ea typeface="Cascadia Code" panose="020B0609020000020004" pitchFamily="49" charset="0"/>
+                <a:cs typeface="DB Helvethaica X" panose="02000506090000020004" pitchFamily="2" charset="-34"/>
+              </a:rPr>
+              <a:t>โดยไม่สนใจคําสั่งที่เหลือข้างล่าง</a:t>
             </a:r>
             <a:endParaRPr lang="th-TH" dirty="0">
               <a:latin typeface="DB Helvethaica X" panose="02000506090000020004" pitchFamily="2" charset="-34"/>
+              <a:ea typeface="Cascadia Code" panose="020B0609020000020004" pitchFamily="49" charset="0"/>
               <a:cs typeface="DB Helvethaica X" panose="02000506090000020004" pitchFamily="2" charset="-34"/>
             </a:endParaRPr>
           </a:p>
@@ -6397,10 +7016,10 @@
       </p:sp>
       <p:sp>
         <p:nvSpPr>
-          <p:cNvPr id="5" name="TextBox 4">
-            <a:extLst>
-              <a:ext uri="{FF2B5EF4-FFF2-40B4-BE49-F238E27FC236}">
-                <a16:creationId xmlns:a16="http://schemas.microsoft.com/office/drawing/2014/main" id="{44C87751-A5E1-A51D-76D6-B1E2A7B26E19}"/>
+          <p:cNvPr id="8" name="TextBox 7">
+            <a:extLst>
+              <a:ext uri="{FF2B5EF4-FFF2-40B4-BE49-F238E27FC236}">
+                <a16:creationId xmlns:a16="http://schemas.microsoft.com/office/drawing/2014/main" id="{79DE4914-6C12-D746-BF2B-E89B70C6DB8E}"/>
               </a:ext>
             </a:extLst>
           </p:cNvPr>
@@ -6409,8 +7028,8 @@
         </p:nvSpPr>
         <p:spPr>
           <a:xfrm>
-            <a:off x="1071113" y="2079698"/>
-            <a:ext cx="10049774" cy="2308324"/>
+            <a:off x="5256003" y="1052004"/>
+            <a:ext cx="1679994" cy="523220"/>
           </a:xfrm>
           <a:prstGeom prst="rect">
             <a:avLst/>
@@ -6418,229 +7037,29 @@
           <a:noFill/>
         </p:spPr>
         <p:txBody>
-          <a:bodyPr wrap="square" rtlCol="0">
+          <a:bodyPr wrap="square">
             <a:spAutoFit/>
           </a:bodyPr>
           <a:lstStyle/>
           <a:p>
             <a:r>
-              <a:rPr lang="th-TH" sz="3600" dirty="0">
-                <a:latin typeface="DB Helvethaica X" panose="02000506090000020004" pitchFamily="2" charset="-34"/>
-                <a:ea typeface="Cascadia Code" panose="020B0609020000020004" pitchFamily="49" charset="0"/>
-                <a:cs typeface="DB Helvethaica X" panose="02000506090000020004" pitchFamily="2" charset="-34"/>
-              </a:rPr>
-              <a:t>สิ่งที่นำมา </a:t>
-            </a:r>
-            <a:r>
-              <a:rPr lang="en-US" sz="2400" dirty="0">
-                <a:latin typeface="Cascadia Code" panose="020B0609020000020004" pitchFamily="49" charset="0"/>
-                <a:ea typeface="Cascadia Code" panose="020B0609020000020004" pitchFamily="49" charset="0"/>
-                <a:cs typeface="Cascadia Code" panose="020B0609020000020004" pitchFamily="49" charset="0"/>
-              </a:rPr>
-              <a:t>For Loop </a:t>
-            </a:r>
-            <a:r>
-              <a:rPr lang="th-TH" sz="3600" dirty="0">
-                <a:latin typeface="DB Helvethaica X" panose="02000506090000020004" pitchFamily="2" charset="-34"/>
-                <a:ea typeface="Cascadia Code" panose="020B0609020000020004" pitchFamily="49" charset="0"/>
-                <a:cs typeface="DB Helvethaica X" panose="02000506090000020004" pitchFamily="2" charset="-34"/>
-              </a:rPr>
-              <a:t>ได้</a:t>
-            </a:r>
-            <a:endParaRPr lang="th-TH" sz="2400" dirty="0">
-              <a:latin typeface="DB Helvethaica X" panose="02000506090000020004" pitchFamily="2" charset="-34"/>
-              <a:ea typeface="Cascadia Code" panose="020B0609020000020004" pitchFamily="49" charset="0"/>
-              <a:cs typeface="DB Helvethaica X" panose="02000506090000020004" pitchFamily="2" charset="-34"/>
-            </a:endParaRPr>
-          </a:p>
-          <a:p>
-            <a:pPr marL="457200" indent="-457200">
-              <a:buFontTx/>
-              <a:buChar char="-"/>
-            </a:pPr>
-            <a:r>
-              <a:rPr lang="en-US" sz="2400" dirty="0">
-                <a:latin typeface="Cascadia Code" panose="020B0609020000020004" pitchFamily="49" charset="0"/>
-                <a:ea typeface="Cascadia Code" panose="020B0609020000020004" pitchFamily="49" charset="0"/>
-                <a:cs typeface="Cascadia Code" panose="020B0609020000020004" pitchFamily="49" charset="0"/>
-              </a:rPr>
-              <a:t>String (str) </a:t>
-            </a:r>
-            <a:r>
-              <a:rPr lang="th-TH" sz="3600" dirty="0">
-                <a:latin typeface="DB Helvethaica X" panose="02000506090000020004" pitchFamily="2" charset="-34"/>
-                <a:ea typeface="Cascadia Code" panose="020B0609020000020004" pitchFamily="49" charset="0"/>
-                <a:cs typeface="DB Helvethaica X" panose="02000506090000020004" pitchFamily="2" charset="-34"/>
-              </a:rPr>
-              <a:t>ข้อความ</a:t>
-            </a:r>
-            <a:endParaRPr lang="th-TH" sz="2400" dirty="0">
-              <a:latin typeface="DB Helvethaica X" panose="02000506090000020004" pitchFamily="2" charset="-34"/>
-              <a:ea typeface="Cascadia Code" panose="020B0609020000020004" pitchFamily="49" charset="0"/>
-              <a:cs typeface="DB Helvethaica X" panose="02000506090000020004" pitchFamily="2" charset="-34"/>
-            </a:endParaRPr>
-          </a:p>
-          <a:p>
-            <a:pPr marL="457200" indent="-457200">
-              <a:buFontTx/>
-              <a:buChar char="-"/>
-            </a:pPr>
-            <a:r>
-              <a:rPr lang="en-US" sz="2400" dirty="0">
-                <a:latin typeface="Cascadia Code" panose="020B0609020000020004" pitchFamily="49" charset="0"/>
-                <a:ea typeface="Cascadia Code" panose="020B0609020000020004" pitchFamily="49" charset="0"/>
-                <a:cs typeface="Cascadia Code" panose="020B0609020000020004" pitchFamily="49" charset="0"/>
-              </a:rPr>
-              <a:t>range(n) </a:t>
-            </a:r>
-            <a:r>
-              <a:rPr lang="th-TH" sz="3600" dirty="0">
-                <a:latin typeface="DB Helvethaica X" panose="02000506090000020004" pitchFamily="2" charset="-34"/>
-                <a:ea typeface="Cascadia Code" panose="020B0609020000020004" pitchFamily="49" charset="0"/>
-                <a:cs typeface="DB Helvethaica X" panose="02000506090000020004" pitchFamily="2" charset="-34"/>
-              </a:rPr>
-              <a:t>จะเป็นการลูป</a:t>
-            </a:r>
-            <a:r>
-              <a:rPr lang="th-TH" sz="2400" dirty="0">
-                <a:latin typeface="Cascadia Code" panose="020B0609020000020004" pitchFamily="49" charset="0"/>
-                <a:ea typeface="Cascadia Code" panose="020B0609020000020004" pitchFamily="49" charset="0"/>
-                <a:cs typeface="Cascadia Code" panose="020B0609020000020004" pitchFamily="49" charset="0"/>
-              </a:rPr>
-              <a:t> </a:t>
-            </a:r>
-            <a:r>
-              <a:rPr lang="en-US" sz="2400" u="sng" dirty="0">
-                <a:latin typeface="Cascadia Code" panose="020B0609020000020004" pitchFamily="49" charset="0"/>
-                <a:ea typeface="Cascadia Code" panose="020B0609020000020004" pitchFamily="49" charset="0"/>
-                <a:cs typeface="Cascadia Code" panose="020B0609020000020004" pitchFamily="49" charset="0"/>
-              </a:rPr>
-              <a:t>n</a:t>
-            </a:r>
-            <a:r>
-              <a:rPr lang="en-US" sz="2400" dirty="0">
-                <a:latin typeface="Cascadia Code" panose="020B0609020000020004" pitchFamily="49" charset="0"/>
-                <a:ea typeface="Cascadia Code" panose="020B0609020000020004" pitchFamily="49" charset="0"/>
-                <a:cs typeface="Cascadia Code" panose="020B0609020000020004" pitchFamily="49" charset="0"/>
-              </a:rPr>
-              <a:t> </a:t>
-            </a:r>
-            <a:r>
-              <a:rPr lang="th-TH" sz="3600" dirty="0">
-                <a:latin typeface="DB Helvethaica X" panose="02000506090000020004" pitchFamily="2" charset="-34"/>
-                <a:ea typeface="Cascadia Code" panose="020B0609020000020004" pitchFamily="49" charset="0"/>
-                <a:cs typeface="DB Helvethaica X" panose="02000506090000020004" pitchFamily="2" charset="-34"/>
-              </a:rPr>
-              <a:t>ครั้งโดยจะนับจาก</a:t>
-            </a:r>
-            <a:r>
-              <a:rPr lang="th-TH" sz="2400" dirty="0">
-                <a:latin typeface="Cascadia Code" panose="020B0609020000020004" pitchFamily="49" charset="0"/>
-                <a:ea typeface="Cascadia Code" panose="020B0609020000020004" pitchFamily="49" charset="0"/>
-                <a:cs typeface="Cascadia Code" panose="020B0609020000020004" pitchFamily="49" charset="0"/>
-              </a:rPr>
-              <a:t> </a:t>
-            </a:r>
-            <a:r>
-              <a:rPr lang="en-US" sz="2400" dirty="0">
-                <a:latin typeface="Cascadia Code" panose="020B0609020000020004" pitchFamily="49" charset="0"/>
-                <a:ea typeface="Cascadia Code" panose="020B0609020000020004" pitchFamily="49" charset="0"/>
-                <a:cs typeface="Cascadia Code" panose="020B0609020000020004" pitchFamily="49" charset="0"/>
-              </a:rPr>
-              <a:t>0,1,2,…,n-1</a:t>
-            </a:r>
-          </a:p>
-          <a:p>
-            <a:pPr marL="457200" indent="-457200">
-              <a:buFontTx/>
-              <a:buChar char="-"/>
-            </a:pPr>
-            <a:r>
-              <a:rPr lang="en-US" sz="2400" dirty="0">
-                <a:latin typeface="Cascadia Code" panose="020B0609020000020004" pitchFamily="49" charset="0"/>
-                <a:ea typeface="Cascadia Code" panose="020B0609020000020004" pitchFamily="49" charset="0"/>
-                <a:cs typeface="Cascadia Code" panose="020B0609020000020004" pitchFamily="49" charset="0"/>
-              </a:rPr>
-              <a:t>range(</a:t>
-            </a:r>
-            <a:r>
-              <a:rPr lang="en-US" sz="2400" dirty="0" err="1">
-                <a:latin typeface="Cascadia Code" panose="020B0609020000020004" pitchFamily="49" charset="0"/>
-                <a:ea typeface="Cascadia Code" panose="020B0609020000020004" pitchFamily="49" charset="0"/>
-                <a:cs typeface="Cascadia Code" panose="020B0609020000020004" pitchFamily="49" charset="0"/>
-              </a:rPr>
-              <a:t>x,y</a:t>
-            </a:r>
-            <a:r>
-              <a:rPr lang="en-US" sz="2400" dirty="0">
-                <a:latin typeface="Cascadia Code" panose="020B0609020000020004" pitchFamily="49" charset="0"/>
-                <a:ea typeface="Cascadia Code" panose="020B0609020000020004" pitchFamily="49" charset="0"/>
-                <a:cs typeface="Cascadia Code" panose="020B0609020000020004" pitchFamily="49" charset="0"/>
-              </a:rPr>
-              <a:t>) </a:t>
-            </a:r>
-            <a:r>
-              <a:rPr lang="th-TH" sz="3600" dirty="0">
-                <a:latin typeface="DB Helvethaica X" panose="02000506090000020004" pitchFamily="2" charset="-34"/>
-                <a:ea typeface="Cascadia Code" panose="020B0609020000020004" pitchFamily="49" charset="0"/>
-                <a:cs typeface="DB Helvethaica X" panose="02000506090000020004" pitchFamily="2" charset="-34"/>
-              </a:rPr>
-              <a:t>คือลูปตั้งแต่</a:t>
-            </a:r>
-            <a:r>
-              <a:rPr lang="th-TH" sz="2400" dirty="0">
-                <a:latin typeface="Cascadia Code" panose="020B0609020000020004" pitchFamily="49" charset="0"/>
-                <a:ea typeface="Cascadia Code" panose="020B0609020000020004" pitchFamily="49" charset="0"/>
-                <a:cs typeface="Cascadia Code" panose="020B0609020000020004" pitchFamily="49" charset="0"/>
-              </a:rPr>
-              <a:t> </a:t>
-            </a:r>
-            <a:r>
-              <a:rPr lang="en-US" sz="2400" dirty="0">
-                <a:latin typeface="Cascadia Code" panose="020B0609020000020004" pitchFamily="49" charset="0"/>
-                <a:ea typeface="Cascadia Code" panose="020B0609020000020004" pitchFamily="49" charset="0"/>
-                <a:cs typeface="Cascadia Code" panose="020B0609020000020004" pitchFamily="49" charset="0"/>
-              </a:rPr>
-              <a:t>x </a:t>
-            </a:r>
-            <a:r>
-              <a:rPr lang="th-TH" sz="3600" dirty="0">
-                <a:latin typeface="DB Helvethaica X" panose="02000506090000020004" pitchFamily="2" charset="-34"/>
-                <a:ea typeface="Cascadia Code" panose="020B0609020000020004" pitchFamily="49" charset="0"/>
-                <a:cs typeface="DB Helvethaica X" panose="02000506090000020004" pitchFamily="2" charset="-34"/>
-              </a:rPr>
-              <a:t>ถึง</a:t>
-            </a:r>
-            <a:r>
-              <a:rPr lang="th-TH" sz="2400" dirty="0">
-                <a:latin typeface="Cascadia Code" panose="020B0609020000020004" pitchFamily="49" charset="0"/>
-                <a:ea typeface="Cascadia Code" panose="020B0609020000020004" pitchFamily="49" charset="0"/>
-                <a:cs typeface="Cascadia Code" panose="020B0609020000020004" pitchFamily="49" charset="0"/>
-              </a:rPr>
-              <a:t> </a:t>
-            </a:r>
-            <a:r>
-              <a:rPr lang="en-US" sz="2400" dirty="0">
-                <a:latin typeface="Cascadia Code" panose="020B0609020000020004" pitchFamily="49" charset="0"/>
-                <a:ea typeface="Cascadia Code" panose="020B0609020000020004" pitchFamily="49" charset="0"/>
-                <a:cs typeface="Cascadia Code" panose="020B0609020000020004" pitchFamily="49" charset="0"/>
-              </a:rPr>
-              <a:t>y-1</a:t>
-            </a:r>
-            <a:endParaRPr lang="th-TH" sz="2400" dirty="0">
-              <a:latin typeface="Cascadia Code" panose="020B0609020000020004" pitchFamily="49" charset="0"/>
-              <a:ea typeface="Cascadia Code" panose="020B0609020000020004" pitchFamily="49" charset="0"/>
-              <a:cs typeface="Cascadia Code" panose="020B0609020000020004" pitchFamily="49" charset="0"/>
-            </a:endParaRPr>
-          </a:p>
-        </p:txBody>
-      </p:sp>
-      <p:sp>
-        <p:nvSpPr>
-          <p:cNvPr id="15" name="TextBox 14">
-            <a:extLst>
-              <a:ext uri="{FF2B5EF4-FFF2-40B4-BE49-F238E27FC236}">
-                <a16:creationId xmlns:a16="http://schemas.microsoft.com/office/drawing/2014/main" id="{D8781092-4D24-6A49-F655-778CA75EF32F}"/>
+              <a:rPr lang="en-US" dirty="0">
+                <a:latin typeface="Cascadia Code" panose="020B0609020000020004" pitchFamily="49" charset="0"/>
+                <a:ea typeface="Cascadia Code" panose="020B0609020000020004" pitchFamily="49" charset="0"/>
+                <a:cs typeface="Cascadia Code" panose="020B0609020000020004" pitchFamily="49" charset="0"/>
+              </a:rPr>
+              <a:t>example</a:t>
+            </a:r>
+            <a:endParaRPr lang="th-TH" dirty="0"/>
+          </a:p>
+        </p:txBody>
+      </p:sp>
+      <p:sp>
+        <p:nvSpPr>
+          <p:cNvPr id="10" name="TextBox 9">
+            <a:extLst>
+              <a:ext uri="{FF2B5EF4-FFF2-40B4-BE49-F238E27FC236}">
+                <a16:creationId xmlns:a16="http://schemas.microsoft.com/office/drawing/2014/main" id="{CA8DCFC7-FED3-2BFC-C820-E19CBB7FBADF}"/>
               </a:ext>
             </a:extLst>
           </p:cNvPr>
@@ -6649,8 +7068,8 @@
         </p:nvSpPr>
         <p:spPr>
           <a:xfrm>
-            <a:off x="2172753" y="4989062"/>
-            <a:ext cx="3026432" cy="707886"/>
+            <a:off x="5719154" y="3927744"/>
+            <a:ext cx="4238447" cy="1815882"/>
           </a:xfrm>
           <a:prstGeom prst="rect">
             <a:avLst/>
@@ -6664,7 +7083,7 @@
           <a:lstStyle/>
           <a:p>
             <a:r>
-              <a:rPr lang="en-US" sz="2000" b="0" dirty="0">
+              <a:rPr lang="en-US" b="0" dirty="0">
                 <a:solidFill>
                   <a:srgbClr val="F47067"/>
                 </a:solidFill>
@@ -6674,7 +7093,7 @@
               <a:t>for</a:t>
             </a:r>
             <a:r>
-              <a:rPr lang="en-US" sz="2000" b="0" dirty="0">
+              <a:rPr lang="en-US" b="0" dirty="0">
                 <a:solidFill>
                   <a:srgbClr val="ADBAC7"/>
                 </a:solidFill>
@@ -6684,7 +7103,7 @@
               <a:t> i </a:t>
             </a:r>
             <a:r>
-              <a:rPr lang="en-US" sz="2000" b="0" dirty="0">
+              <a:rPr lang="en-US" b="0" dirty="0">
                 <a:solidFill>
                   <a:srgbClr val="F47067"/>
                 </a:solidFill>
@@ -6694,7 +7113,7 @@
               <a:t>in</a:t>
             </a:r>
             <a:r>
-              <a:rPr lang="en-US" sz="2000" b="0" dirty="0">
+              <a:rPr lang="en-US" b="0" dirty="0">
                 <a:solidFill>
                   <a:srgbClr val="ADBAC7"/>
                 </a:solidFill>
@@ -6704,7 +7123,7 @@
               <a:t> </a:t>
             </a:r>
             <a:r>
-              <a:rPr lang="en-US" sz="2000" b="0" dirty="0">
+              <a:rPr lang="en-US" b="0" dirty="0">
                 <a:solidFill>
                   <a:srgbClr val="F69D50"/>
                 </a:solidFill>
@@ -6714,7 +7133,7 @@
               <a:t>range</a:t>
             </a:r>
             <a:r>
-              <a:rPr lang="en-US" sz="2000" b="0" dirty="0">
+              <a:rPr lang="en-US" b="0" dirty="0">
                 <a:solidFill>
                   <a:srgbClr val="ADBAC7"/>
                 </a:solidFill>
@@ -6724,17 +7143,17 @@
               <a:t>(</a:t>
             </a:r>
             <a:r>
-              <a:rPr lang="en-US" sz="2000" b="0" dirty="0">
+              <a:rPr lang="en-US" b="0" dirty="0">
                 <a:solidFill>
                   <a:srgbClr val="6CB6FF"/>
                 </a:solidFill>
                 <a:effectLst/>
                 <a:latin typeface="Cascadia Mono" panose="020B0609020000020004" pitchFamily="49" charset="0"/>
               </a:rPr>
-              <a:t>5</a:t>
-            </a:r>
-            <a:r>
-              <a:rPr lang="en-US" sz="2000" b="0" dirty="0">
+              <a:t>11</a:t>
+            </a:r>
+            <a:r>
+              <a:rPr lang="en-US" b="0" dirty="0">
                 <a:solidFill>
                   <a:srgbClr val="ADBAC7"/>
                 </a:solidFill>
@@ -6746,7 +7165,7 @@
           </a:p>
           <a:p>
             <a:r>
-              <a:rPr lang="en-US" sz="2000" b="0" dirty="0">
+              <a:rPr lang="en-US" b="0" dirty="0">
                 <a:solidFill>
                   <a:srgbClr val="ADBAC7"/>
                 </a:solidFill>
@@ -6756,7 +7175,176 @@
               <a:t>    </a:t>
             </a:r>
             <a:r>
-              <a:rPr lang="en-US" sz="2000" b="0" dirty="0">
+              <a:rPr lang="en-US" b="0" dirty="0">
+                <a:solidFill>
+                  <a:srgbClr val="F47067"/>
+                </a:solidFill>
+                <a:effectLst/>
+                <a:latin typeface="Cascadia Mono" panose="020B0609020000020004" pitchFamily="49" charset="0"/>
+              </a:rPr>
+              <a:t>if</a:t>
+            </a:r>
+            <a:r>
+              <a:rPr lang="en-US" dirty="0">
+                <a:solidFill>
+                  <a:srgbClr val="ADBAC7"/>
+                </a:solidFill>
+                <a:latin typeface="Cascadia Mono" panose="020B0609020000020004" pitchFamily="49" charset="0"/>
+              </a:rPr>
+              <a:t> </a:t>
+            </a:r>
+            <a:r>
+              <a:rPr lang="en-US" b="0" dirty="0" err="1">
+                <a:solidFill>
+                  <a:srgbClr val="ADBAC7"/>
+                </a:solidFill>
+                <a:effectLst/>
+                <a:latin typeface="Cascadia Mono" panose="020B0609020000020004" pitchFamily="49" charset="0"/>
+              </a:rPr>
+              <a:t>i</a:t>
+            </a:r>
+            <a:r>
+              <a:rPr lang="en-US" b="0" dirty="0">
+                <a:solidFill>
+                  <a:srgbClr val="ADBAC7"/>
+                </a:solidFill>
+                <a:effectLst/>
+                <a:latin typeface="Cascadia Mono" panose="020B0609020000020004" pitchFamily="49" charset="0"/>
+              </a:rPr>
+              <a:t> </a:t>
+            </a:r>
+            <a:r>
+              <a:rPr lang="en-US" b="0" dirty="0">
+                <a:solidFill>
+                  <a:srgbClr val="F47067"/>
+                </a:solidFill>
+                <a:effectLst/>
+                <a:latin typeface="Cascadia Mono" panose="020B0609020000020004" pitchFamily="49" charset="0"/>
+              </a:rPr>
+              <a:t>%</a:t>
+            </a:r>
+            <a:r>
+              <a:rPr lang="en-US" b="0" dirty="0">
+                <a:solidFill>
+                  <a:srgbClr val="ADBAC7"/>
+                </a:solidFill>
+                <a:effectLst/>
+                <a:latin typeface="Cascadia Mono" panose="020B0609020000020004" pitchFamily="49" charset="0"/>
+              </a:rPr>
+              <a:t> </a:t>
+            </a:r>
+            <a:r>
+              <a:rPr lang="en-US" b="0" dirty="0">
+                <a:solidFill>
+                  <a:srgbClr val="6CB6FF"/>
+                </a:solidFill>
+                <a:effectLst/>
+                <a:latin typeface="Cascadia Mono" panose="020B0609020000020004" pitchFamily="49" charset="0"/>
+              </a:rPr>
+              <a:t>2</a:t>
+            </a:r>
+            <a:r>
+              <a:rPr lang="en-US" b="0" dirty="0">
+                <a:solidFill>
+                  <a:srgbClr val="ADBAC7"/>
+                </a:solidFill>
+                <a:effectLst/>
+                <a:latin typeface="Cascadia Mono" panose="020B0609020000020004" pitchFamily="49" charset="0"/>
+              </a:rPr>
+              <a:t> </a:t>
+            </a:r>
+            <a:r>
+              <a:rPr lang="en-US" b="0" dirty="0">
+                <a:solidFill>
+                  <a:srgbClr val="F47067"/>
+                </a:solidFill>
+                <a:effectLst/>
+                <a:latin typeface="Cascadia Mono" panose="020B0609020000020004" pitchFamily="49" charset="0"/>
+              </a:rPr>
+              <a:t>==</a:t>
+            </a:r>
+            <a:r>
+              <a:rPr lang="en-US" b="0" dirty="0">
+                <a:solidFill>
+                  <a:srgbClr val="ADBAC7"/>
+                </a:solidFill>
+                <a:effectLst/>
+                <a:latin typeface="Cascadia Mono" panose="020B0609020000020004" pitchFamily="49" charset="0"/>
+              </a:rPr>
+              <a:t> </a:t>
+            </a:r>
+            <a:r>
+              <a:rPr lang="en-US" b="0" dirty="0">
+                <a:solidFill>
+                  <a:srgbClr val="6CB6FF"/>
+                </a:solidFill>
+                <a:effectLst/>
+                <a:latin typeface="Cascadia Mono" panose="020B0609020000020004" pitchFamily="49" charset="0"/>
+              </a:rPr>
+              <a:t>0</a:t>
+            </a:r>
+            <a:r>
+              <a:rPr lang="en-US" dirty="0">
+                <a:solidFill>
+                  <a:srgbClr val="ADBAC7"/>
+                </a:solidFill>
+                <a:latin typeface="Cascadia Mono" panose="020B0609020000020004" pitchFamily="49" charset="0"/>
+              </a:rPr>
+              <a:t> </a:t>
+            </a:r>
+            <a:r>
+              <a:rPr lang="en-US" b="0" dirty="0">
+                <a:solidFill>
+                  <a:srgbClr val="ADBAC7"/>
+                </a:solidFill>
+                <a:effectLst/>
+                <a:latin typeface="Cascadia Mono" panose="020B0609020000020004" pitchFamily="49" charset="0"/>
+              </a:rPr>
+              <a:t>:</a:t>
+            </a:r>
+          </a:p>
+          <a:p>
+            <a:r>
+              <a:rPr lang="en-US" b="0" dirty="0">
+                <a:solidFill>
+                  <a:srgbClr val="ADBAC7"/>
+                </a:solidFill>
+                <a:effectLst/>
+                <a:latin typeface="Cascadia Mono" panose="020B0609020000020004" pitchFamily="49" charset="0"/>
+              </a:rPr>
+              <a:t>        </a:t>
+            </a:r>
+            <a:r>
+              <a:rPr lang="en-US" b="0" dirty="0">
+                <a:solidFill>
+                  <a:srgbClr val="F47067"/>
+                </a:solidFill>
+                <a:effectLst/>
+                <a:latin typeface="Cascadia Mono" panose="020B0609020000020004" pitchFamily="49" charset="0"/>
+              </a:rPr>
+              <a:t>continue</a:t>
+            </a:r>
+            <a:endParaRPr lang="en-US" b="0" dirty="0">
+              <a:solidFill>
+                <a:srgbClr val="ADBAC7"/>
+              </a:solidFill>
+              <a:effectLst/>
+              <a:latin typeface="Cascadia Mono" panose="020B0609020000020004" pitchFamily="49" charset="0"/>
+            </a:endParaRPr>
+          </a:p>
+          <a:p>
+            <a:r>
+              <a:rPr lang="en-US" b="0" dirty="0">
+                <a:solidFill>
+                  <a:srgbClr val="ADBAC7"/>
+                </a:solidFill>
+                <a:effectLst/>
+                <a:latin typeface="Cascadia Mono" panose="020B0609020000020004" pitchFamily="49" charset="0"/>
+              </a:rPr>
+              <a:t>    </a:t>
+            </a:r>
+            <a:r>
+              <a:rPr lang="en-US" b="0" dirty="0">
                 <a:solidFill>
                   <a:srgbClr val="DCBDFB"/>
                 </a:solidFill>
@@ -6766,7 +7354,7 @@
               <a:t>print</a:t>
             </a:r>
             <a:r>
-              <a:rPr lang="en-US" sz="2000" b="0" dirty="0">
+              <a:rPr lang="en-US" b="0" dirty="0">
                 <a:solidFill>
                   <a:srgbClr val="ADBAC7"/>
                 </a:solidFill>
@@ -6780,10 +7368,10 @@
       </p:sp>
       <p:sp>
         <p:nvSpPr>
-          <p:cNvPr id="19" name="TextBox 18">
-            <a:extLst>
-              <a:ext uri="{FF2B5EF4-FFF2-40B4-BE49-F238E27FC236}">
-                <a16:creationId xmlns:a16="http://schemas.microsoft.com/office/drawing/2014/main" id="{5A910DBB-53F4-747F-F31C-87DC737FC391}"/>
+          <p:cNvPr id="12" name="TextBox 11">
+            <a:extLst>
+              <a:ext uri="{FF2B5EF4-FFF2-40B4-BE49-F238E27FC236}">
+                <a16:creationId xmlns:a16="http://schemas.microsoft.com/office/drawing/2014/main" id="{0D594E8C-E5F3-4D61-40A0-B1BE1EA8776D}"/>
               </a:ext>
             </a:extLst>
           </p:cNvPr>
@@ -6792,8 +7380,8 @@
         </p:nvSpPr>
         <p:spPr>
           <a:xfrm>
-            <a:off x="5920729" y="4448139"/>
-            <a:ext cx="330637" cy="1631216"/>
+            <a:off x="5719153" y="1609139"/>
+            <a:ext cx="3991874" cy="1938992"/>
           </a:xfrm>
           <a:prstGeom prst="rect">
             <a:avLst/>
@@ -6807,162 +7395,86 @@
           <a:lstStyle/>
           <a:p>
             <a:r>
-              <a:rPr lang="th-TH" sz="2000" dirty="0">
-                <a:latin typeface="Cascadia Mono" panose="020B0609020000020004" pitchFamily="49" charset="0"/>
-                <a:ea typeface="Cascadia Mono" panose="020B0609020000020004" pitchFamily="49" charset="0"/>
-                <a:cs typeface="Cascadia Mono" panose="020B0609020000020004" pitchFamily="49" charset="0"/>
-              </a:rPr>
-              <a:t>0</a:t>
-            </a:r>
-          </a:p>
-          <a:p>
-            <a:r>
-              <a:rPr lang="th-TH" sz="2000" dirty="0">
-                <a:latin typeface="Cascadia Mono" panose="020B0609020000020004" pitchFamily="49" charset="0"/>
-                <a:ea typeface="Cascadia Mono" panose="020B0609020000020004" pitchFamily="49" charset="0"/>
-                <a:cs typeface="Cascadia Mono" panose="020B0609020000020004" pitchFamily="49" charset="0"/>
-              </a:rPr>
-              <a:t>1</a:t>
-            </a:r>
-          </a:p>
-          <a:p>
-            <a:r>
-              <a:rPr lang="th-TH" sz="2000" dirty="0">
-                <a:latin typeface="Cascadia Mono" panose="020B0609020000020004" pitchFamily="49" charset="0"/>
-                <a:ea typeface="Cascadia Mono" panose="020B0609020000020004" pitchFamily="49" charset="0"/>
-                <a:cs typeface="Cascadia Mono" panose="020B0609020000020004" pitchFamily="49" charset="0"/>
-              </a:rPr>
-              <a:t>2</a:t>
-            </a:r>
-          </a:p>
-          <a:p>
-            <a:r>
-              <a:rPr lang="th-TH" sz="2000" dirty="0">
-                <a:latin typeface="Cascadia Mono" panose="020B0609020000020004" pitchFamily="49" charset="0"/>
-                <a:ea typeface="Cascadia Mono" panose="020B0609020000020004" pitchFamily="49" charset="0"/>
-                <a:cs typeface="Cascadia Mono" panose="020B0609020000020004" pitchFamily="49" charset="0"/>
-              </a:rPr>
-              <a:t>3</a:t>
-            </a:r>
-          </a:p>
-          <a:p>
-            <a:r>
-              <a:rPr lang="th-TH" sz="2000" dirty="0">
-                <a:latin typeface="Cascadia Mono" panose="020B0609020000020004" pitchFamily="49" charset="0"/>
-                <a:ea typeface="Cascadia Mono" panose="020B0609020000020004" pitchFamily="49" charset="0"/>
-                <a:cs typeface="Cascadia Mono" panose="020B0609020000020004" pitchFamily="49" charset="0"/>
-              </a:rPr>
-              <a:t>4</a:t>
-            </a:r>
-          </a:p>
-        </p:txBody>
-      </p:sp>
-      <p:sp>
-        <p:nvSpPr>
-          <p:cNvPr id="20" name="Arrow: Right 19">
-            <a:extLst>
-              <a:ext uri="{FF2B5EF4-FFF2-40B4-BE49-F238E27FC236}">
-                <a16:creationId xmlns:a16="http://schemas.microsoft.com/office/drawing/2014/main" id="{1856E22F-E710-C7BB-1431-435FF868AF6F}"/>
-              </a:ext>
-            </a:extLst>
-          </p:cNvPr>
-          <p:cNvSpPr/>
-          <p:nvPr/>
-        </p:nvSpPr>
-        <p:spPr>
-          <a:xfrm>
-            <a:off x="5242070" y="5086775"/>
-            <a:ext cx="560717" cy="353943"/>
-          </a:xfrm>
-          <a:prstGeom prst="rightArrow">
-            <a:avLst/>
-          </a:prstGeom>
-        </p:spPr>
-        <p:style>
-          <a:lnRef idx="2">
-            <a:schemeClr val="accent1">
-              <a:shade val="50000"/>
-            </a:schemeClr>
-          </a:lnRef>
-          <a:fillRef idx="1">
-            <a:schemeClr val="accent1"/>
-          </a:fillRef>
-          <a:effectRef idx="0">
-            <a:schemeClr val="accent1"/>
-          </a:effectRef>
-          <a:fontRef idx="minor">
-            <a:schemeClr val="lt1"/>
-          </a:fontRef>
-        </p:style>
-        <p:txBody>
-          <a:bodyPr rtlCol="0" anchor="ctr"/>
-          <a:lstStyle/>
-          <a:p>
-            <a:pPr algn="ctr"/>
-            <a:endParaRPr lang="th-TH"/>
-          </a:p>
-        </p:txBody>
-      </p:sp>
-      <p:sp>
-        <p:nvSpPr>
-          <p:cNvPr id="23" name="TextBox 22">
-            <a:extLst>
-              <a:ext uri="{FF2B5EF4-FFF2-40B4-BE49-F238E27FC236}">
-                <a16:creationId xmlns:a16="http://schemas.microsoft.com/office/drawing/2014/main" id="{88D5BBC1-5577-5704-7BCC-88CC8FA6216F}"/>
-              </a:ext>
-            </a:extLst>
-          </p:cNvPr>
-          <p:cNvSpPr txBox="1"/>
-          <p:nvPr/>
-        </p:nvSpPr>
-        <p:spPr>
-          <a:xfrm>
-            <a:off x="6661132" y="4989062"/>
-            <a:ext cx="3336266" cy="707886"/>
-          </a:xfrm>
-          <a:prstGeom prst="rect">
-            <a:avLst/>
-          </a:prstGeom>
-          <a:noFill/>
-        </p:spPr>
-        <p:txBody>
-          <a:bodyPr wrap="square">
-            <a:spAutoFit/>
-          </a:bodyPr>
-          <a:lstStyle/>
-          <a:p>
-            <a:r>
-              <a:rPr lang="en-US" sz="2000" b="0" dirty="0">
+              <a:rPr lang="en-US" sz="2400" b="0" dirty="0">
                 <a:solidFill>
                   <a:srgbClr val="F47067"/>
                 </a:solidFill>
                 <a:effectLst/>
                 <a:latin typeface="Cascadia Mono" panose="020B0609020000020004" pitchFamily="49" charset="0"/>
               </a:rPr>
-              <a:t>for</a:t>
-            </a:r>
-            <a:r>
-              <a:rPr lang="en-US" sz="2000" b="0" dirty="0">
+              <a:t>While True</a:t>
+            </a:r>
+            <a:r>
+              <a:rPr lang="en-US" sz="2400" b="0" dirty="0">
                 <a:solidFill>
                   <a:srgbClr val="ADBAC7"/>
                 </a:solidFill>
                 <a:effectLst/>
                 <a:latin typeface="Cascadia Mono" panose="020B0609020000020004" pitchFamily="49" charset="0"/>
               </a:rPr>
-              <a:t> j </a:t>
-            </a:r>
-            <a:r>
-              <a:rPr lang="en-US" sz="2000" b="0" dirty="0">
+              <a:t>:</a:t>
+            </a:r>
+          </a:p>
+          <a:p>
+            <a:r>
+              <a:rPr lang="en-US" sz="2400" b="0" dirty="0">
+                <a:solidFill>
+                  <a:srgbClr val="ADBAC7"/>
+                </a:solidFill>
+                <a:effectLst/>
+                <a:latin typeface="Cascadia Mono" panose="020B0609020000020004" pitchFamily="49" charset="0"/>
+              </a:rPr>
+              <a:t>    </a:t>
+            </a:r>
+            <a:r>
+              <a:rPr lang="en-US" sz="2400" dirty="0">
+                <a:solidFill>
+                  <a:srgbClr val="ADBAC7"/>
+                </a:solidFill>
+                <a:latin typeface="Cascadia Mono" panose="020B0609020000020004" pitchFamily="49" charset="0"/>
+              </a:rPr>
+              <a:t>x = int(input())</a:t>
+            </a:r>
+            <a:endParaRPr lang="en-US" sz="2400" b="0" dirty="0">
+              <a:solidFill>
+                <a:srgbClr val="ADBAC7"/>
+              </a:solidFill>
+              <a:effectLst/>
+              <a:latin typeface="Cascadia Mono" panose="020B0609020000020004" pitchFamily="49" charset="0"/>
+            </a:endParaRPr>
+          </a:p>
+          <a:p>
+            <a:r>
+              <a:rPr lang="en-US" sz="2400" b="0" dirty="0">
+                <a:solidFill>
+                  <a:srgbClr val="ADBAC7"/>
+                </a:solidFill>
+                <a:effectLst/>
+                <a:latin typeface="Cascadia Mono" panose="020B0609020000020004" pitchFamily="49" charset="0"/>
+              </a:rPr>
+              <a:t>    </a:t>
+            </a:r>
+            <a:r>
+              <a:rPr lang="en-US" sz="2400" b="0" dirty="0">
                 <a:solidFill>
                   <a:srgbClr val="F47067"/>
                 </a:solidFill>
                 <a:effectLst/>
                 <a:latin typeface="Cascadia Mono" panose="020B0609020000020004" pitchFamily="49" charset="0"/>
               </a:rPr>
-              <a:t>in</a:t>
-            </a:r>
-            <a:r>
-              <a:rPr lang="en-US" sz="2000" b="0" dirty="0">
+              <a:t>if</a:t>
+            </a:r>
+            <a:r>
+              <a:rPr lang="en-US" sz="2400" dirty="0">
+                <a:solidFill>
+                  <a:srgbClr val="ADBAC7"/>
+                </a:solidFill>
+                <a:latin typeface="Cascadia Mono" panose="020B0609020000020004" pitchFamily="49" charset="0"/>
+              </a:rPr>
+              <a:t> x</a:t>
+            </a:r>
+            <a:r>
+              <a:rPr lang="en-US" sz="2400" b="0" dirty="0">
                 <a:solidFill>
                   <a:srgbClr val="ADBAC7"/>
                 </a:solidFill>
@@ -6972,39 +7484,97 @@
               <a:t> </a:t>
             </a:r>
             <a:r>
-              <a:rPr lang="en-US" sz="2000" b="0" dirty="0">
+              <a:rPr lang="en-US" sz="2400" b="0" dirty="0">
                 <a:solidFill>
-                  <a:srgbClr val="96D0FF"/>
+                  <a:srgbClr val="F47067"/>
                 </a:solidFill>
                 <a:effectLst/>
                 <a:latin typeface="Cascadia Mono" panose="020B0609020000020004" pitchFamily="49" charset="0"/>
               </a:rPr>
-              <a:t>"CPE"</a:t>
-            </a:r>
-            <a:r>
-              <a:rPr lang="en-US" sz="2000" b="0" dirty="0">
+              <a:t>==</a:t>
+            </a:r>
+            <a:r>
+              <a:rPr lang="en-US" sz="2400" b="0" dirty="0">
                 <a:solidFill>
                   <a:srgbClr val="ADBAC7"/>
                 </a:solidFill>
                 <a:effectLst/>
                 <a:latin typeface="Cascadia Mono" panose="020B0609020000020004" pitchFamily="49" charset="0"/>
               </a:rPr>
-              <a:t>:</a:t>
-            </a:r>
-          </a:p>
-          <a:p>
-            <a:r>
-              <a:rPr lang="en-US" sz="2000" b="0" dirty="0">
+              <a:t> </a:t>
+            </a:r>
+            <a:r>
+              <a:rPr lang="en-US" sz="2400" b="0" dirty="0">
+                <a:solidFill>
+                  <a:srgbClr val="6CB6FF"/>
+                </a:solidFill>
+                <a:effectLst/>
+                <a:latin typeface="Cascadia Mono" panose="020B0609020000020004" pitchFamily="49" charset="0"/>
+              </a:rPr>
+              <a:t>2</a:t>
+            </a:r>
+            <a:r>
+              <a:rPr lang="en-US" sz="2400" dirty="0">
+                <a:solidFill>
+                  <a:srgbClr val="ADBAC7"/>
+                </a:solidFill>
+                <a:latin typeface="Cascadia Mono" panose="020B0609020000020004" pitchFamily="49" charset="0"/>
+              </a:rPr>
+              <a:t> </a:t>
+            </a:r>
+            <a:r>
+              <a:rPr lang="en-US" sz="2400" b="0" dirty="0">
                 <a:solidFill>
                   <a:srgbClr val="ADBAC7"/>
                 </a:solidFill>
                 <a:effectLst/>
                 <a:latin typeface="Cascadia Mono" panose="020B0609020000020004" pitchFamily="49" charset="0"/>
               </a:rPr>
+              <a:t>:</a:t>
+            </a:r>
+          </a:p>
+          <a:p>
+            <a:r>
+              <a:rPr lang="en-US" sz="2400" b="0" dirty="0">
+                <a:solidFill>
+                  <a:srgbClr val="ADBAC7"/>
+                </a:solidFill>
+                <a:effectLst/>
+                <a:latin typeface="Cascadia Mono" panose="020B0609020000020004" pitchFamily="49" charset="0"/>
+              </a:rPr>
+              <a:t>        </a:t>
+            </a:r>
+            <a:r>
+              <a:rPr lang="en-US" sz="2400" b="0" dirty="0">
+                <a:solidFill>
+                  <a:srgbClr val="F47067"/>
+                </a:solidFill>
+                <a:effectLst/>
+                <a:latin typeface="Cascadia Mono" panose="020B0609020000020004" pitchFamily="49" charset="0"/>
+              </a:rPr>
+              <a:t>break</a:t>
+            </a:r>
+            <a:endParaRPr lang="en-US" sz="2400" b="0" dirty="0">
+              <a:solidFill>
+                <a:srgbClr val="ADBAC7"/>
+              </a:solidFill>
+              <a:effectLst/>
+              <a:latin typeface="Cascadia Mono" panose="020B0609020000020004" pitchFamily="49" charset="0"/>
+            </a:endParaRPr>
+          </a:p>
+          <a:p>
+            <a:r>
+              <a:rPr lang="en-US" sz="2400" b="0" dirty="0">
+                <a:solidFill>
+                  <a:srgbClr val="ADBAC7"/>
+                </a:solidFill>
+                <a:effectLst/>
+                <a:latin typeface="Cascadia Mono" panose="020B0609020000020004" pitchFamily="49" charset="0"/>
+              </a:rPr>
               <a:t>    </a:t>
             </a:r>
             <a:r>
-              <a:rPr lang="en-US" sz="2000" b="0" dirty="0">
+              <a:rPr lang="en-US" sz="2400" b="0" dirty="0">
                 <a:solidFill>
                   <a:srgbClr val="DCBDFB"/>
                 </a:solidFill>
@@ -7014,127 +7584,22 @@
               <a:t>print</a:t>
             </a:r>
             <a:r>
-              <a:rPr lang="en-US" sz="2000" b="0" dirty="0">
+              <a:rPr lang="en-US" sz="2400" b="0" dirty="0">
                 <a:solidFill>
                   <a:srgbClr val="ADBAC7"/>
                 </a:solidFill>
                 <a:effectLst/>
                 <a:latin typeface="Cascadia Mono" panose="020B0609020000020004" pitchFamily="49" charset="0"/>
               </a:rPr>
-              <a:t>(j)</a:t>
-            </a:r>
-          </a:p>
-        </p:txBody>
-      </p:sp>
-      <p:sp>
-        <p:nvSpPr>
-          <p:cNvPr id="27" name="TextBox 26">
-            <a:extLst>
-              <a:ext uri="{FF2B5EF4-FFF2-40B4-BE49-F238E27FC236}">
-                <a16:creationId xmlns:a16="http://schemas.microsoft.com/office/drawing/2014/main" id="{0F5B9585-CEE8-7233-1522-7708187A7199}"/>
-              </a:ext>
-            </a:extLst>
-          </p:cNvPr>
-          <p:cNvSpPr txBox="1"/>
-          <p:nvPr/>
-        </p:nvSpPr>
-        <p:spPr>
-          <a:xfrm>
-            <a:off x="9778502" y="4821610"/>
-            <a:ext cx="437791" cy="1015663"/>
-          </a:xfrm>
-          <a:prstGeom prst="rect">
-            <a:avLst/>
-          </a:prstGeom>
-          <a:noFill/>
-        </p:spPr>
-        <p:txBody>
-          <a:bodyPr wrap="square">
-            <a:spAutoFit/>
-          </a:bodyPr>
-          <a:lstStyle/>
-          <a:p>
-            <a:r>
-              <a:rPr lang="th-TH" sz="2000" dirty="0">
-                <a:latin typeface="Cascadia Mono" panose="020B0609020000020004" pitchFamily="49" charset="0"/>
-                <a:ea typeface="Cascadia Mono" panose="020B0609020000020004" pitchFamily="49" charset="0"/>
-                <a:cs typeface="Cascadia Mono" panose="020B0609020000020004" pitchFamily="49" charset="0"/>
-              </a:rPr>
-              <a:t>C</a:t>
-            </a:r>
-          </a:p>
-          <a:p>
-            <a:r>
-              <a:rPr lang="th-TH" sz="2000" dirty="0">
-                <a:latin typeface="Cascadia Mono" panose="020B0609020000020004" pitchFamily="49" charset="0"/>
-                <a:ea typeface="Cascadia Mono" panose="020B0609020000020004" pitchFamily="49" charset="0"/>
-                <a:cs typeface="Cascadia Mono" panose="020B0609020000020004" pitchFamily="49" charset="0"/>
-              </a:rPr>
-              <a:t>P</a:t>
-            </a:r>
-          </a:p>
-          <a:p>
-            <a:r>
-              <a:rPr lang="th-TH" sz="2000" dirty="0">
-                <a:latin typeface="Cascadia Mono" panose="020B0609020000020004" pitchFamily="49" charset="0"/>
-                <a:ea typeface="Cascadia Mono" panose="020B0609020000020004" pitchFamily="49" charset="0"/>
-                <a:cs typeface="Cascadia Mono" panose="020B0609020000020004" pitchFamily="49" charset="0"/>
-              </a:rPr>
-              <a:t>E</a:t>
-            </a:r>
-          </a:p>
-        </p:txBody>
-      </p:sp>
-      <p:sp>
-        <p:nvSpPr>
-          <p:cNvPr id="28" name="Arrow: Right 27">
-            <a:extLst>
-              <a:ext uri="{FF2B5EF4-FFF2-40B4-BE49-F238E27FC236}">
-                <a16:creationId xmlns:a16="http://schemas.microsoft.com/office/drawing/2014/main" id="{6EA8301E-8ECF-C691-1E3E-495501C435B4}"/>
-              </a:ext>
-            </a:extLst>
-          </p:cNvPr>
-          <p:cNvSpPr/>
-          <p:nvPr/>
-        </p:nvSpPr>
-        <p:spPr>
-          <a:xfrm>
-            <a:off x="9205641" y="5135155"/>
-            <a:ext cx="560717" cy="353943"/>
-          </a:xfrm>
-          <a:prstGeom prst="rightArrow">
-            <a:avLst/>
-          </a:prstGeom>
-        </p:spPr>
-        <p:style>
-          <a:lnRef idx="2">
-            <a:schemeClr val="accent1">
-              <a:shade val="50000"/>
-            </a:schemeClr>
-          </a:lnRef>
-          <a:fillRef idx="1">
-            <a:schemeClr val="accent1"/>
-          </a:fillRef>
-          <a:effectRef idx="0">
-            <a:schemeClr val="accent1"/>
-          </a:effectRef>
-          <a:fontRef idx="minor">
-            <a:schemeClr val="lt1"/>
-          </a:fontRef>
-        </p:style>
-        <p:txBody>
-          <a:bodyPr rtlCol="0" anchor="ctr"/>
-          <a:lstStyle/>
-          <a:p>
-            <a:pPr algn="ctr"/>
-            <a:endParaRPr lang="th-TH"/>
+              <a:t>(x)</a:t>
+            </a:r>
           </a:p>
         </p:txBody>
       </p:sp>
     </p:spTree>
     <p:extLst>
       <p:ext uri="{BB962C8B-B14F-4D97-AF65-F5344CB8AC3E}">
-        <p14:creationId xmlns:p14="http://schemas.microsoft.com/office/powerpoint/2010/main" val="1895333169"/>
+        <p14:creationId xmlns:p14="http://schemas.microsoft.com/office/powerpoint/2010/main" val="243855009"/>
       </p:ext>
     </p:extLst>
   </p:cSld>
@@ -7166,7 +7631,7 @@
           <p:cNvPr id="3" name="Picture 2">
             <a:extLst>
               <a:ext uri="{FF2B5EF4-FFF2-40B4-BE49-F238E27FC236}">
-                <a16:creationId xmlns:a16="http://schemas.microsoft.com/office/drawing/2014/main" id="{8DA6812C-D9A9-6C87-868A-25DD8E251667}"/>
+                <a16:creationId xmlns:a16="http://schemas.microsoft.com/office/drawing/2014/main" id="{ED095EEB-D9B6-677F-1199-FB2D23DCBA96}"/>
               </a:ext>
             </a:extLst>
           </p:cNvPr>
@@ -7199,112 +7664,10 @@
       </p:pic>
       <p:sp>
         <p:nvSpPr>
-          <p:cNvPr id="14" name="Rectangle 13">
-            <a:extLst>
-              <a:ext uri="{FF2B5EF4-FFF2-40B4-BE49-F238E27FC236}">
-                <a16:creationId xmlns:a16="http://schemas.microsoft.com/office/drawing/2014/main" id="{F2E666F3-B4DF-6F29-D664-8F685E65CA8A}"/>
-              </a:ext>
-            </a:extLst>
-          </p:cNvPr>
-          <p:cNvSpPr/>
-          <p:nvPr/>
-        </p:nvSpPr>
-        <p:spPr>
-          <a:xfrm>
-            <a:off x="5719153" y="3798358"/>
-            <a:ext cx="4238447" cy="2074654"/>
-          </a:xfrm>
-          <a:prstGeom prst="rect">
-            <a:avLst/>
-          </a:prstGeom>
-          <a:ln>
-            <a:solidFill>
-              <a:schemeClr val="tx1"/>
-            </a:solidFill>
-          </a:ln>
-        </p:spPr>
-        <p:style>
-          <a:lnRef idx="2">
-            <a:schemeClr val="dk1">
-              <a:shade val="50000"/>
-            </a:schemeClr>
-          </a:lnRef>
-          <a:fillRef idx="1">
-            <a:schemeClr val="dk1"/>
-          </a:fillRef>
-          <a:effectRef idx="0">
-            <a:schemeClr val="dk1"/>
-          </a:effectRef>
-          <a:fontRef idx="minor">
-            <a:schemeClr val="lt1"/>
-          </a:fontRef>
-        </p:style>
-        <p:txBody>
-          <a:bodyPr rtlCol="0" anchor="ctr"/>
-          <a:lstStyle/>
-          <a:p>
-            <a:pPr algn="ctr"/>
-            <a:endParaRPr lang="th-TH"/>
-          </a:p>
-        </p:txBody>
-      </p:sp>
-      <p:sp>
-        <p:nvSpPr>
-          <p:cNvPr id="13" name="Rectangle 12">
-            <a:extLst>
-              <a:ext uri="{FF2B5EF4-FFF2-40B4-BE49-F238E27FC236}">
-                <a16:creationId xmlns:a16="http://schemas.microsoft.com/office/drawing/2014/main" id="{D96851E0-9564-E5D5-201C-37AF3C3DC414}"/>
-              </a:ext>
-            </a:extLst>
-          </p:cNvPr>
-          <p:cNvSpPr/>
-          <p:nvPr/>
-        </p:nvSpPr>
-        <p:spPr>
-          <a:xfrm>
-            <a:off x="5719154" y="1541308"/>
-            <a:ext cx="4238447" cy="2074654"/>
-          </a:xfrm>
-          <a:prstGeom prst="rect">
-            <a:avLst/>
-          </a:prstGeom>
-          <a:ln>
-            <a:solidFill>
-              <a:schemeClr val="tx1"/>
-            </a:solidFill>
-          </a:ln>
-        </p:spPr>
-        <p:style>
-          <a:lnRef idx="2">
-            <a:schemeClr val="dk1">
-              <a:shade val="50000"/>
-            </a:schemeClr>
-          </a:lnRef>
-          <a:fillRef idx="1">
-            <a:schemeClr val="dk1"/>
-          </a:fillRef>
-          <a:effectRef idx="0">
-            <a:schemeClr val="dk1"/>
-          </a:effectRef>
-          <a:fontRef idx="minor">
-            <a:schemeClr val="lt1"/>
-          </a:fontRef>
-        </p:style>
-        <p:txBody>
-          <a:bodyPr rtlCol="0" anchor="ctr"/>
-          <a:lstStyle/>
-          <a:p>
-            <a:pPr algn="ctr"/>
-            <a:endParaRPr lang="th-TH"/>
-          </a:p>
-        </p:txBody>
-      </p:sp>
-      <p:sp>
-        <p:nvSpPr>
-          <p:cNvPr id="4" name="TextBox 3">
-            <a:extLst>
-              <a:ext uri="{FF2B5EF4-FFF2-40B4-BE49-F238E27FC236}">
-                <a16:creationId xmlns:a16="http://schemas.microsoft.com/office/drawing/2014/main" id="{2F73537F-2F08-0B5D-96ED-D8D54EEF8E97}"/>
+          <p:cNvPr id="7" name="TextBox 6">
+            <a:extLst>
+              <a:ext uri="{FF2B5EF4-FFF2-40B4-BE49-F238E27FC236}">
+                <a16:creationId xmlns:a16="http://schemas.microsoft.com/office/drawing/2014/main" id="{2EA9CCE4-7DC8-E44F-B83D-1D41C4483AA1}"/>
               </a:ext>
             </a:extLst>
           </p:cNvPr>
@@ -7313,8 +7676,8 @@
         </p:nvSpPr>
         <p:spPr>
           <a:xfrm>
-            <a:off x="1473768" y="1292709"/>
-            <a:ext cx="3917741" cy="4278094"/>
+            <a:off x="3716188" y="3124258"/>
+            <a:ext cx="5453692" cy="769441"/>
           </a:xfrm>
           <a:prstGeom prst="rect">
             <a:avLst/>
@@ -7327,687 +7690,23 @@
           </a:bodyPr>
           <a:lstStyle/>
           <a:p>
-            <a:r>
-              <a:rPr lang="en-US" dirty="0">
-                <a:latin typeface="Cascadia Code" panose="020B0609020000020004" pitchFamily="49" charset="0"/>
-                <a:ea typeface="Cascadia Code" panose="020B0609020000020004" pitchFamily="49" charset="0"/>
-                <a:cs typeface="Cascadia Code" panose="020B0609020000020004" pitchFamily="49" charset="0"/>
-              </a:rPr>
-              <a:t>break </a:t>
-            </a:r>
-          </a:p>
-          <a:p>
-            <a:r>
-              <a:rPr lang="th-TH" sz="3200" dirty="0">
-                <a:latin typeface="DB Helvethaica X" panose="02000506090000020004" pitchFamily="2" charset="-34"/>
-                <a:ea typeface="Cascadia Code" panose="020B0609020000020004" pitchFamily="49" charset="0"/>
-                <a:cs typeface="DB Helvethaica X" panose="02000506090000020004" pitchFamily="2" charset="-34"/>
-              </a:rPr>
-              <a:t>ใช้เพื่อหยุดการทํางานของลูปทันที</a:t>
-            </a:r>
-          </a:p>
-          <a:p>
-            <a:r>
-              <a:rPr lang="th-TH" sz="3200" dirty="0">
-                <a:latin typeface="DB Helvethaica X" panose="02000506090000020004" pitchFamily="2" charset="-34"/>
-                <a:ea typeface="Cascadia Code" panose="020B0609020000020004" pitchFamily="49" charset="0"/>
-                <a:cs typeface="DB Helvethaica X" panose="02000506090000020004" pitchFamily="2" charset="-34"/>
-              </a:rPr>
-              <a:t>โดยไม่สนใจเงื่อนไข</a:t>
-            </a:r>
-            <a:endParaRPr lang="en-US" sz="3200" dirty="0">
-              <a:latin typeface="DB Helvethaica X" panose="02000506090000020004" pitchFamily="2" charset="-34"/>
-              <a:ea typeface="Cascadia Code" panose="020B0609020000020004" pitchFamily="49" charset="0"/>
-              <a:cs typeface="DB Helvethaica X" panose="02000506090000020004" pitchFamily="2" charset="-34"/>
-            </a:endParaRPr>
-          </a:p>
-          <a:p>
-            <a:endParaRPr lang="en-US" dirty="0">
-              <a:latin typeface="Cascadia Code" panose="020B0609020000020004" pitchFamily="49" charset="0"/>
-              <a:ea typeface="Cascadia Code" panose="020B0609020000020004" pitchFamily="49" charset="0"/>
-              <a:cs typeface="Cascadia Code" panose="020B0609020000020004" pitchFamily="49" charset="0"/>
-            </a:endParaRPr>
-          </a:p>
-          <a:p>
-            <a:endParaRPr lang="en-US" dirty="0">
-              <a:latin typeface="Cascadia Code" panose="020B0609020000020004" pitchFamily="49" charset="0"/>
-              <a:ea typeface="Cascadia Code" panose="020B0609020000020004" pitchFamily="49" charset="0"/>
-              <a:cs typeface="Cascadia Code" panose="020B0609020000020004" pitchFamily="49" charset="0"/>
-            </a:endParaRPr>
-          </a:p>
-          <a:p>
-            <a:r>
-              <a:rPr lang="en-US" dirty="0">
-                <a:latin typeface="Cascadia Code" panose="020B0609020000020004" pitchFamily="49" charset="0"/>
-                <a:ea typeface="Cascadia Code" panose="020B0609020000020004" pitchFamily="49" charset="0"/>
-                <a:cs typeface="Cascadia Code" panose="020B0609020000020004" pitchFamily="49" charset="0"/>
-              </a:rPr>
-              <a:t>continue</a:t>
-            </a:r>
-          </a:p>
-          <a:p>
-            <a:r>
-              <a:rPr lang="th-TH" sz="3200" dirty="0">
-                <a:latin typeface="DB Helvethaica X" panose="02000506090000020004" pitchFamily="2" charset="-34"/>
-                <a:ea typeface="Cascadia Code" panose="020B0609020000020004" pitchFamily="49" charset="0"/>
-                <a:cs typeface="DB Helvethaica X" panose="02000506090000020004" pitchFamily="2" charset="-34"/>
-              </a:rPr>
-              <a:t>ใช้เพื่อข้ามไปทํางานรอบต่อไป</a:t>
-            </a:r>
-          </a:p>
-          <a:p>
-            <a:r>
-              <a:rPr lang="th-TH" sz="3200" dirty="0">
-                <a:latin typeface="DB Helvethaica X" panose="02000506090000020004" pitchFamily="2" charset="-34"/>
-                <a:ea typeface="Cascadia Code" panose="020B0609020000020004" pitchFamily="49" charset="0"/>
-                <a:cs typeface="DB Helvethaica X" panose="02000506090000020004" pitchFamily="2" charset="-34"/>
-              </a:rPr>
-              <a:t>ของลูปทันที</a:t>
-            </a:r>
-          </a:p>
-          <a:p>
-            <a:r>
-              <a:rPr lang="th-TH" sz="3200" dirty="0">
-                <a:latin typeface="DB Helvethaica X" panose="02000506090000020004" pitchFamily="2" charset="-34"/>
-                <a:ea typeface="Cascadia Code" panose="020B0609020000020004" pitchFamily="49" charset="0"/>
-                <a:cs typeface="DB Helvethaica X" panose="02000506090000020004" pitchFamily="2" charset="-34"/>
-              </a:rPr>
-              <a:t>โดยไม่สนใจคําสั่งที่เหลือข้างล่าง</a:t>
-            </a:r>
-            <a:endParaRPr lang="th-TH" dirty="0">
-              <a:latin typeface="DB Helvethaica X" panose="02000506090000020004" pitchFamily="2" charset="-34"/>
-              <a:ea typeface="Cascadia Code" panose="020B0609020000020004" pitchFamily="49" charset="0"/>
-              <a:cs typeface="DB Helvethaica X" panose="02000506090000020004" pitchFamily="2" charset="-34"/>
-            </a:endParaRPr>
-          </a:p>
-        </p:txBody>
-      </p:sp>
-      <p:sp>
-        <p:nvSpPr>
-          <p:cNvPr id="8" name="TextBox 7">
-            <a:extLst>
-              <a:ext uri="{FF2B5EF4-FFF2-40B4-BE49-F238E27FC236}">
-                <a16:creationId xmlns:a16="http://schemas.microsoft.com/office/drawing/2014/main" id="{79DE4914-6C12-D746-BF2B-E89B70C6DB8E}"/>
-              </a:ext>
-            </a:extLst>
-          </p:cNvPr>
-          <p:cNvSpPr txBox="1"/>
-          <p:nvPr/>
-        </p:nvSpPr>
-        <p:spPr>
-          <a:xfrm>
-            <a:off x="5256003" y="1052004"/>
-            <a:ext cx="1679994" cy="523220"/>
-          </a:xfrm>
-          <a:prstGeom prst="rect">
-            <a:avLst/>
-          </a:prstGeom>
-          <a:noFill/>
-        </p:spPr>
-        <p:txBody>
-          <a:bodyPr wrap="square">
-            <a:spAutoFit/>
-          </a:bodyPr>
-          <a:lstStyle/>
-          <a:p>
-            <a:r>
-              <a:rPr lang="en-US" dirty="0">
-                <a:latin typeface="Cascadia Code" panose="020B0609020000020004" pitchFamily="49" charset="0"/>
-                <a:ea typeface="Cascadia Code" panose="020B0609020000020004" pitchFamily="49" charset="0"/>
-                <a:cs typeface="Cascadia Code" panose="020B0609020000020004" pitchFamily="49" charset="0"/>
-              </a:rPr>
-              <a:t>example</a:t>
-            </a:r>
-            <a:endParaRPr lang="th-TH" dirty="0"/>
-          </a:p>
-        </p:txBody>
-      </p:sp>
-      <p:sp>
-        <p:nvSpPr>
-          <p:cNvPr id="10" name="TextBox 9">
-            <a:extLst>
-              <a:ext uri="{FF2B5EF4-FFF2-40B4-BE49-F238E27FC236}">
-                <a16:creationId xmlns:a16="http://schemas.microsoft.com/office/drawing/2014/main" id="{CA8DCFC7-FED3-2BFC-C820-E19CBB7FBADF}"/>
-              </a:ext>
-            </a:extLst>
-          </p:cNvPr>
-          <p:cNvSpPr txBox="1"/>
-          <p:nvPr/>
-        </p:nvSpPr>
-        <p:spPr>
-          <a:xfrm>
-            <a:off x="5719154" y="3927744"/>
-            <a:ext cx="4238447" cy="1815882"/>
-          </a:xfrm>
-          <a:prstGeom prst="rect">
-            <a:avLst/>
-          </a:prstGeom>
-          <a:noFill/>
-        </p:spPr>
-        <p:txBody>
-          <a:bodyPr wrap="square">
-            <a:spAutoFit/>
-          </a:bodyPr>
-          <a:lstStyle/>
-          <a:p>
-            <a:r>
-              <a:rPr lang="en-US" b="0" dirty="0">
-                <a:solidFill>
-                  <a:srgbClr val="F47067"/>
-                </a:solidFill>
-                <a:effectLst/>
-                <a:latin typeface="Cascadia Mono" panose="020B0609020000020004" pitchFamily="49" charset="0"/>
-              </a:rPr>
-              <a:t>for</a:t>
-            </a:r>
-            <a:r>
-              <a:rPr lang="en-US" b="0" dirty="0">
-                <a:solidFill>
-                  <a:srgbClr val="ADBAC7"/>
-                </a:solidFill>
-                <a:effectLst/>
-                <a:latin typeface="Cascadia Mono" panose="020B0609020000020004" pitchFamily="49" charset="0"/>
-              </a:rPr>
-              <a:t> i </a:t>
-            </a:r>
-            <a:r>
-              <a:rPr lang="en-US" b="0" dirty="0">
-                <a:solidFill>
-                  <a:srgbClr val="F47067"/>
-                </a:solidFill>
-                <a:effectLst/>
-                <a:latin typeface="Cascadia Mono" panose="020B0609020000020004" pitchFamily="49" charset="0"/>
-              </a:rPr>
-              <a:t>in</a:t>
-            </a:r>
-            <a:r>
-              <a:rPr lang="en-US" b="0" dirty="0">
-                <a:solidFill>
-                  <a:srgbClr val="ADBAC7"/>
-                </a:solidFill>
-                <a:effectLst/>
-                <a:latin typeface="Cascadia Mono" panose="020B0609020000020004" pitchFamily="49" charset="0"/>
-              </a:rPr>
-              <a:t> </a:t>
-            </a:r>
-            <a:r>
-              <a:rPr lang="en-US" b="0" dirty="0">
-                <a:solidFill>
-                  <a:srgbClr val="F69D50"/>
-                </a:solidFill>
-                <a:effectLst/>
-                <a:latin typeface="Cascadia Mono" panose="020B0609020000020004" pitchFamily="49" charset="0"/>
-              </a:rPr>
-              <a:t>range</a:t>
-            </a:r>
-            <a:r>
-              <a:rPr lang="en-US" b="0" dirty="0">
-                <a:solidFill>
-                  <a:srgbClr val="ADBAC7"/>
-                </a:solidFill>
-                <a:effectLst/>
-                <a:latin typeface="Cascadia Mono" panose="020B0609020000020004" pitchFamily="49" charset="0"/>
-              </a:rPr>
-              <a:t>(</a:t>
-            </a:r>
-            <a:r>
-              <a:rPr lang="en-US" b="0" dirty="0">
-                <a:solidFill>
-                  <a:srgbClr val="6CB6FF"/>
-                </a:solidFill>
-                <a:effectLst/>
-                <a:latin typeface="Cascadia Mono" panose="020B0609020000020004" pitchFamily="49" charset="0"/>
-              </a:rPr>
-              <a:t>11</a:t>
-            </a:r>
-            <a:r>
-              <a:rPr lang="en-US" b="0" dirty="0">
-                <a:solidFill>
-                  <a:srgbClr val="ADBAC7"/>
-                </a:solidFill>
-                <a:effectLst/>
-                <a:latin typeface="Cascadia Mono" panose="020B0609020000020004" pitchFamily="49" charset="0"/>
-              </a:rPr>
-              <a:t>):</a:t>
-            </a:r>
-          </a:p>
-          <a:p>
-            <a:r>
-              <a:rPr lang="en-US" b="0" dirty="0">
-                <a:solidFill>
-                  <a:srgbClr val="ADBAC7"/>
-                </a:solidFill>
-                <a:effectLst/>
-                <a:latin typeface="Cascadia Mono" panose="020B0609020000020004" pitchFamily="49" charset="0"/>
-              </a:rPr>
-              <a:t>    </a:t>
-            </a:r>
-            <a:r>
-              <a:rPr lang="en-US" b="0" dirty="0">
-                <a:solidFill>
-                  <a:srgbClr val="F47067"/>
-                </a:solidFill>
-                <a:effectLst/>
-                <a:latin typeface="Cascadia Mono" panose="020B0609020000020004" pitchFamily="49" charset="0"/>
-              </a:rPr>
-              <a:t>if</a:t>
-            </a:r>
-            <a:r>
-              <a:rPr lang="en-US" dirty="0">
-                <a:solidFill>
-                  <a:srgbClr val="ADBAC7"/>
-                </a:solidFill>
-                <a:latin typeface="Cascadia Mono" panose="020B0609020000020004" pitchFamily="49" charset="0"/>
-              </a:rPr>
-              <a:t> </a:t>
-            </a:r>
-            <a:r>
-              <a:rPr lang="en-US" b="0" dirty="0" err="1">
-                <a:solidFill>
-                  <a:srgbClr val="ADBAC7"/>
-                </a:solidFill>
-                <a:effectLst/>
-                <a:latin typeface="Cascadia Mono" panose="020B0609020000020004" pitchFamily="49" charset="0"/>
-              </a:rPr>
-              <a:t>i</a:t>
-            </a:r>
-            <a:r>
-              <a:rPr lang="en-US" b="0" dirty="0">
-                <a:solidFill>
-                  <a:srgbClr val="ADBAC7"/>
-                </a:solidFill>
-                <a:effectLst/>
-                <a:latin typeface="Cascadia Mono" panose="020B0609020000020004" pitchFamily="49" charset="0"/>
-              </a:rPr>
-              <a:t> </a:t>
-            </a:r>
-            <a:r>
-              <a:rPr lang="en-US" b="0" dirty="0">
-                <a:solidFill>
-                  <a:srgbClr val="F47067"/>
-                </a:solidFill>
-                <a:effectLst/>
-                <a:latin typeface="Cascadia Mono" panose="020B0609020000020004" pitchFamily="49" charset="0"/>
-              </a:rPr>
-              <a:t>%</a:t>
-            </a:r>
-            <a:r>
-              <a:rPr lang="en-US" b="0" dirty="0">
-                <a:solidFill>
-                  <a:srgbClr val="ADBAC7"/>
-                </a:solidFill>
-                <a:effectLst/>
-                <a:latin typeface="Cascadia Mono" panose="020B0609020000020004" pitchFamily="49" charset="0"/>
-              </a:rPr>
-              <a:t> </a:t>
-            </a:r>
-            <a:r>
-              <a:rPr lang="en-US" b="0" dirty="0">
-                <a:solidFill>
-                  <a:srgbClr val="6CB6FF"/>
-                </a:solidFill>
-                <a:effectLst/>
-                <a:latin typeface="Cascadia Mono" panose="020B0609020000020004" pitchFamily="49" charset="0"/>
-              </a:rPr>
-              <a:t>2</a:t>
-            </a:r>
-            <a:r>
-              <a:rPr lang="en-US" b="0" dirty="0">
-                <a:solidFill>
-                  <a:srgbClr val="ADBAC7"/>
-                </a:solidFill>
-                <a:effectLst/>
-                <a:latin typeface="Cascadia Mono" panose="020B0609020000020004" pitchFamily="49" charset="0"/>
-              </a:rPr>
-              <a:t> </a:t>
-            </a:r>
-            <a:r>
-              <a:rPr lang="en-US" b="0" dirty="0">
-                <a:solidFill>
-                  <a:srgbClr val="F47067"/>
-                </a:solidFill>
-                <a:effectLst/>
-                <a:latin typeface="Cascadia Mono" panose="020B0609020000020004" pitchFamily="49" charset="0"/>
-              </a:rPr>
-              <a:t>==</a:t>
-            </a:r>
-            <a:r>
-              <a:rPr lang="en-US" b="0" dirty="0">
-                <a:solidFill>
-                  <a:srgbClr val="ADBAC7"/>
-                </a:solidFill>
-                <a:effectLst/>
-                <a:latin typeface="Cascadia Mono" panose="020B0609020000020004" pitchFamily="49" charset="0"/>
-              </a:rPr>
-              <a:t> </a:t>
-            </a:r>
-            <a:r>
-              <a:rPr lang="en-US" b="0" dirty="0">
-                <a:solidFill>
-                  <a:srgbClr val="6CB6FF"/>
-                </a:solidFill>
-                <a:effectLst/>
-                <a:latin typeface="Cascadia Mono" panose="020B0609020000020004" pitchFamily="49" charset="0"/>
-              </a:rPr>
-              <a:t>0</a:t>
-            </a:r>
-            <a:r>
-              <a:rPr lang="en-US" dirty="0">
-                <a:solidFill>
-                  <a:srgbClr val="ADBAC7"/>
-                </a:solidFill>
-                <a:latin typeface="Cascadia Mono" panose="020B0609020000020004" pitchFamily="49" charset="0"/>
-              </a:rPr>
-              <a:t> </a:t>
-            </a:r>
-            <a:r>
-              <a:rPr lang="en-US" b="0" dirty="0">
-                <a:solidFill>
-                  <a:srgbClr val="ADBAC7"/>
-                </a:solidFill>
-                <a:effectLst/>
-                <a:latin typeface="Cascadia Mono" panose="020B0609020000020004" pitchFamily="49" charset="0"/>
-              </a:rPr>
-              <a:t>:</a:t>
-            </a:r>
-          </a:p>
-          <a:p>
-            <a:r>
-              <a:rPr lang="en-US" b="0" dirty="0">
-                <a:solidFill>
-                  <a:srgbClr val="ADBAC7"/>
-                </a:solidFill>
-                <a:effectLst/>
-                <a:latin typeface="Cascadia Mono" panose="020B0609020000020004" pitchFamily="49" charset="0"/>
-              </a:rPr>
-              <a:t>        </a:t>
-            </a:r>
-            <a:r>
-              <a:rPr lang="en-US" b="0" dirty="0">
-                <a:solidFill>
-                  <a:srgbClr val="F47067"/>
-                </a:solidFill>
-                <a:effectLst/>
-                <a:latin typeface="Cascadia Mono" panose="020B0609020000020004" pitchFamily="49" charset="0"/>
-              </a:rPr>
-              <a:t>continue</a:t>
-            </a:r>
-            <a:endParaRPr lang="en-US" b="0" dirty="0">
-              <a:solidFill>
-                <a:srgbClr val="ADBAC7"/>
-              </a:solidFill>
-              <a:effectLst/>
-              <a:latin typeface="Cascadia Mono" panose="020B0609020000020004" pitchFamily="49" charset="0"/>
-            </a:endParaRPr>
-          </a:p>
-          <a:p>
-            <a:r>
-              <a:rPr lang="en-US" b="0" dirty="0">
-                <a:solidFill>
-                  <a:srgbClr val="ADBAC7"/>
-                </a:solidFill>
-                <a:effectLst/>
-                <a:latin typeface="Cascadia Mono" panose="020B0609020000020004" pitchFamily="49" charset="0"/>
-              </a:rPr>
-              <a:t>    </a:t>
-            </a:r>
-            <a:r>
-              <a:rPr lang="en-US" b="0" dirty="0">
-                <a:solidFill>
-                  <a:srgbClr val="DCBDFB"/>
-                </a:solidFill>
-                <a:effectLst/>
-                <a:latin typeface="Cascadia Mono" panose="020B0609020000020004" pitchFamily="49" charset="0"/>
-              </a:rPr>
-              <a:t>print</a:t>
-            </a:r>
-            <a:r>
-              <a:rPr lang="en-US" b="0" dirty="0">
-                <a:solidFill>
-                  <a:srgbClr val="ADBAC7"/>
-                </a:solidFill>
-                <a:effectLst/>
-                <a:latin typeface="Cascadia Mono" panose="020B0609020000020004" pitchFamily="49" charset="0"/>
-              </a:rPr>
-              <a:t>(i)</a:t>
-            </a:r>
-          </a:p>
-        </p:txBody>
-      </p:sp>
-      <p:sp>
-        <p:nvSpPr>
-          <p:cNvPr id="12" name="TextBox 11">
-            <a:extLst>
-              <a:ext uri="{FF2B5EF4-FFF2-40B4-BE49-F238E27FC236}">
-                <a16:creationId xmlns:a16="http://schemas.microsoft.com/office/drawing/2014/main" id="{0D594E8C-E5F3-4D61-40A0-B1BE1EA8776D}"/>
-              </a:ext>
-            </a:extLst>
-          </p:cNvPr>
-          <p:cNvSpPr txBox="1"/>
-          <p:nvPr/>
-        </p:nvSpPr>
-        <p:spPr>
-          <a:xfrm>
-            <a:off x="5719153" y="1609139"/>
-            <a:ext cx="3991874" cy="1938992"/>
-          </a:xfrm>
-          <a:prstGeom prst="rect">
-            <a:avLst/>
-          </a:prstGeom>
-          <a:noFill/>
-        </p:spPr>
-        <p:txBody>
-          <a:bodyPr wrap="square">
-            <a:spAutoFit/>
-          </a:bodyPr>
-          <a:lstStyle/>
-          <a:p>
-            <a:r>
-              <a:rPr lang="en-US" sz="2400" b="0" dirty="0">
-                <a:solidFill>
-                  <a:srgbClr val="F47067"/>
-                </a:solidFill>
-                <a:effectLst/>
-                <a:latin typeface="Cascadia Mono" panose="020B0609020000020004" pitchFamily="49" charset="0"/>
-              </a:rPr>
-              <a:t>While True</a:t>
-            </a:r>
-            <a:r>
-              <a:rPr lang="en-US" sz="2400" b="0" dirty="0">
-                <a:solidFill>
-                  <a:srgbClr val="ADBAC7"/>
-                </a:solidFill>
-                <a:effectLst/>
-                <a:latin typeface="Cascadia Mono" panose="020B0609020000020004" pitchFamily="49" charset="0"/>
-              </a:rPr>
-              <a:t>:</a:t>
-            </a:r>
-          </a:p>
-          <a:p>
-            <a:r>
-              <a:rPr lang="en-US" sz="2400" b="0" dirty="0">
-                <a:solidFill>
-                  <a:srgbClr val="ADBAC7"/>
-                </a:solidFill>
-                <a:effectLst/>
-                <a:latin typeface="Cascadia Mono" panose="020B0609020000020004" pitchFamily="49" charset="0"/>
-              </a:rPr>
-              <a:t>    </a:t>
-            </a:r>
-            <a:r>
-              <a:rPr lang="en-US" sz="2400" dirty="0">
-                <a:solidFill>
-                  <a:srgbClr val="ADBAC7"/>
-                </a:solidFill>
-                <a:latin typeface="Cascadia Mono" panose="020B0609020000020004" pitchFamily="49" charset="0"/>
-              </a:rPr>
-              <a:t>x = int(input())</a:t>
-            </a:r>
-            <a:endParaRPr lang="en-US" sz="2400" b="0" dirty="0">
-              <a:solidFill>
-                <a:srgbClr val="ADBAC7"/>
-              </a:solidFill>
-              <a:effectLst/>
-              <a:latin typeface="Cascadia Mono" panose="020B0609020000020004" pitchFamily="49" charset="0"/>
-            </a:endParaRPr>
-          </a:p>
-          <a:p>
-            <a:r>
-              <a:rPr lang="en-US" sz="2400" b="0" dirty="0">
-                <a:solidFill>
-                  <a:srgbClr val="ADBAC7"/>
-                </a:solidFill>
-                <a:effectLst/>
-                <a:latin typeface="Cascadia Mono" panose="020B0609020000020004" pitchFamily="49" charset="0"/>
-              </a:rPr>
-              <a:t>    </a:t>
-            </a:r>
-            <a:r>
-              <a:rPr lang="en-US" sz="2400" b="0" dirty="0">
-                <a:solidFill>
-                  <a:srgbClr val="F47067"/>
-                </a:solidFill>
-                <a:effectLst/>
-                <a:latin typeface="Cascadia Mono" panose="020B0609020000020004" pitchFamily="49" charset="0"/>
-              </a:rPr>
-              <a:t>if</a:t>
-            </a:r>
-            <a:r>
-              <a:rPr lang="en-US" sz="2400" dirty="0">
-                <a:solidFill>
-                  <a:srgbClr val="ADBAC7"/>
-                </a:solidFill>
-                <a:latin typeface="Cascadia Mono" panose="020B0609020000020004" pitchFamily="49" charset="0"/>
-              </a:rPr>
-              <a:t> x</a:t>
-            </a:r>
-            <a:r>
-              <a:rPr lang="en-US" sz="2400" b="0" dirty="0">
-                <a:solidFill>
-                  <a:srgbClr val="ADBAC7"/>
-                </a:solidFill>
-                <a:effectLst/>
-                <a:latin typeface="Cascadia Mono" panose="020B0609020000020004" pitchFamily="49" charset="0"/>
-              </a:rPr>
-              <a:t> </a:t>
-            </a:r>
-            <a:r>
-              <a:rPr lang="en-US" sz="2400" b="0" dirty="0">
-                <a:solidFill>
-                  <a:srgbClr val="F47067"/>
-                </a:solidFill>
-                <a:effectLst/>
-                <a:latin typeface="Cascadia Mono" panose="020B0609020000020004" pitchFamily="49" charset="0"/>
-              </a:rPr>
-              <a:t>==</a:t>
-            </a:r>
-            <a:r>
-              <a:rPr lang="en-US" sz="2400" b="0" dirty="0">
-                <a:solidFill>
-                  <a:srgbClr val="ADBAC7"/>
-                </a:solidFill>
-                <a:effectLst/>
-                <a:latin typeface="Cascadia Mono" panose="020B0609020000020004" pitchFamily="49" charset="0"/>
-              </a:rPr>
-              <a:t> </a:t>
-            </a:r>
-            <a:r>
-              <a:rPr lang="en-US" sz="2400" b="0" dirty="0">
-                <a:solidFill>
-                  <a:srgbClr val="6CB6FF"/>
-                </a:solidFill>
-                <a:effectLst/>
-                <a:latin typeface="Cascadia Mono" panose="020B0609020000020004" pitchFamily="49" charset="0"/>
-              </a:rPr>
-              <a:t>2</a:t>
-            </a:r>
-            <a:r>
-              <a:rPr lang="en-US" sz="2400" dirty="0">
-                <a:solidFill>
-                  <a:srgbClr val="ADBAC7"/>
-                </a:solidFill>
-                <a:latin typeface="Cascadia Mono" panose="020B0609020000020004" pitchFamily="49" charset="0"/>
-              </a:rPr>
-              <a:t> </a:t>
-            </a:r>
-            <a:r>
-              <a:rPr lang="en-US" sz="2400" b="0" dirty="0">
-                <a:solidFill>
-                  <a:srgbClr val="ADBAC7"/>
-                </a:solidFill>
-                <a:effectLst/>
-                <a:latin typeface="Cascadia Mono" panose="020B0609020000020004" pitchFamily="49" charset="0"/>
-              </a:rPr>
-              <a:t>:</a:t>
-            </a:r>
-          </a:p>
-          <a:p>
-            <a:r>
-              <a:rPr lang="en-US" sz="2400" b="0" dirty="0">
-                <a:solidFill>
-                  <a:srgbClr val="ADBAC7"/>
-                </a:solidFill>
-                <a:effectLst/>
-                <a:latin typeface="Cascadia Mono" panose="020B0609020000020004" pitchFamily="49" charset="0"/>
-              </a:rPr>
-              <a:t>        </a:t>
-            </a:r>
-            <a:r>
-              <a:rPr lang="en-US" sz="2400" b="0" dirty="0">
-                <a:solidFill>
-                  <a:srgbClr val="F47067"/>
-                </a:solidFill>
-                <a:effectLst/>
-                <a:latin typeface="Cascadia Mono" panose="020B0609020000020004" pitchFamily="49" charset="0"/>
-              </a:rPr>
-              <a:t>break</a:t>
-            </a:r>
-            <a:endParaRPr lang="en-US" sz="2400" b="0" dirty="0">
-              <a:solidFill>
-                <a:srgbClr val="ADBAC7"/>
-              </a:solidFill>
-              <a:effectLst/>
-              <a:latin typeface="Cascadia Mono" panose="020B0609020000020004" pitchFamily="49" charset="0"/>
-            </a:endParaRPr>
-          </a:p>
-          <a:p>
-            <a:r>
-              <a:rPr lang="en-US" sz="2400" b="0" dirty="0">
-                <a:solidFill>
-                  <a:srgbClr val="ADBAC7"/>
-                </a:solidFill>
-                <a:effectLst/>
-                <a:latin typeface="Cascadia Mono" panose="020B0609020000020004" pitchFamily="49" charset="0"/>
-              </a:rPr>
-              <a:t>    </a:t>
-            </a:r>
-            <a:r>
-              <a:rPr lang="en-US" sz="2400" b="0" dirty="0">
-                <a:solidFill>
-                  <a:srgbClr val="DCBDFB"/>
-                </a:solidFill>
-                <a:effectLst/>
-                <a:latin typeface="Cascadia Mono" panose="020B0609020000020004" pitchFamily="49" charset="0"/>
-              </a:rPr>
-              <a:t>print</a:t>
-            </a:r>
-            <a:r>
-              <a:rPr lang="en-US" sz="2400" b="0" dirty="0">
-                <a:solidFill>
-                  <a:srgbClr val="ADBAC7"/>
-                </a:solidFill>
-                <a:effectLst/>
-                <a:latin typeface="Cascadia Mono" panose="020B0609020000020004" pitchFamily="49" charset="0"/>
-              </a:rPr>
-              <a:t>(x)</a:t>
-            </a:r>
+            <a:pPr algn="ctr"/>
+            <a:r>
+              <a:rPr lang="en-US" sz="4400" dirty="0">
+                <a:latin typeface="Cascadia Code" panose="020B0609020000020004" pitchFamily="49" charset="0"/>
+                <a:ea typeface="Cascadia Code" panose="020B0609020000020004" pitchFamily="49" charset="0"/>
+                <a:cs typeface="Cascadia Code" panose="020B0609020000020004" pitchFamily="49" charset="0"/>
+              </a:rPr>
+              <a:t>Library math</a:t>
+            </a:r>
+            <a:endParaRPr lang="th-TH" sz="4400" dirty="0"/>
           </a:p>
         </p:txBody>
       </p:sp>
     </p:spTree>
     <p:extLst>
       <p:ext uri="{BB962C8B-B14F-4D97-AF65-F5344CB8AC3E}">
-        <p14:creationId xmlns:p14="http://schemas.microsoft.com/office/powerpoint/2010/main" val="243855009"/>
+        <p14:creationId xmlns:p14="http://schemas.microsoft.com/office/powerpoint/2010/main" val="3913185378"/>
       </p:ext>
     </p:extLst>
   </p:cSld>
@@ -8039,12 +7738,12 @@
           <p:cNvPr id="3" name="Picture 2">
             <a:extLst>
               <a:ext uri="{FF2B5EF4-FFF2-40B4-BE49-F238E27FC236}">
-                <a16:creationId xmlns:a16="http://schemas.microsoft.com/office/drawing/2014/main" id="{ED095EEB-D9B6-677F-1199-FB2D23DCBA96}"/>
+                <a16:creationId xmlns:a16="http://schemas.microsoft.com/office/drawing/2014/main" id="{FA500CA1-C953-236B-183C-C8F73CB02681}"/>
               </a:ext>
             </a:extLst>
           </p:cNvPr>
           <p:cNvPicPr>
-            <a:picLocks noChangeAspect="1"/>
+            <a:picLocks noGrp="1" noRot="1" noChangeAspect="1" noMove="1" noResize="1" noEditPoints="1" noAdjustHandles="1" noChangeArrowheads="1" noChangeShapeType="1" noCrop="1"/>
           </p:cNvPicPr>
           <p:nvPr/>
         </p:nvPicPr>
@@ -8072,10 +7771,10 @@
       </p:pic>
       <p:sp>
         <p:nvSpPr>
-          <p:cNvPr id="7" name="TextBox 6">
-            <a:extLst>
-              <a:ext uri="{FF2B5EF4-FFF2-40B4-BE49-F238E27FC236}">
-                <a16:creationId xmlns:a16="http://schemas.microsoft.com/office/drawing/2014/main" id="{2EA9CCE4-7DC8-E44F-B83D-1D41C4483AA1}"/>
+          <p:cNvPr id="4" name="TextBox 3">
+            <a:extLst>
+              <a:ext uri="{FF2B5EF4-FFF2-40B4-BE49-F238E27FC236}">
+                <a16:creationId xmlns:a16="http://schemas.microsoft.com/office/drawing/2014/main" id="{7FAC2468-603E-5996-FB93-2463F3E3E8CF}"/>
               </a:ext>
             </a:extLst>
           </p:cNvPr>
@@ -8084,8 +7783,8 @@
         </p:nvSpPr>
         <p:spPr>
           <a:xfrm>
-            <a:off x="3716188" y="3124258"/>
-            <a:ext cx="5453692" cy="769441"/>
+            <a:off x="903974" y="661125"/>
+            <a:ext cx="7808703" cy="646331"/>
           </a:xfrm>
           <a:prstGeom prst="rect">
             <a:avLst/>
@@ -8100,21 +7799,428 @@
           <a:p>
             <a:pPr algn="ctr"/>
             <a:r>
-              <a:rPr lang="en-US" sz="4400" dirty="0">
-                <a:latin typeface="Cascadia Code" panose="020B0609020000020004" pitchFamily="49" charset="0"/>
-                <a:ea typeface="Cascadia Code" panose="020B0609020000020004" pitchFamily="49" charset="0"/>
-                <a:cs typeface="Cascadia Code" panose="020B0609020000020004" pitchFamily="49" charset="0"/>
-              </a:rPr>
-              <a:t>Library math</a:t>
-            </a:r>
-            <a:endParaRPr lang="th-TH" sz="4400" dirty="0"/>
+              <a:rPr lang="en-US" dirty="0">
+                <a:latin typeface="Cascadia Code" panose="020B0609020000020004" pitchFamily="49" charset="0"/>
+                <a:ea typeface="Cascadia Code" panose="020B0609020000020004" pitchFamily="49" charset="0"/>
+                <a:cs typeface="Cascadia Code" panose="020B0609020000020004" pitchFamily="49" charset="0"/>
+              </a:rPr>
+              <a:t>Built in math function (</a:t>
+            </a:r>
+            <a:r>
+              <a:rPr lang="th-TH" sz="3600" dirty="0">
+                <a:latin typeface="DB Helvethaica X" panose="02000506090000020004" pitchFamily="2" charset="-34"/>
+                <a:ea typeface="Cascadia Code" panose="020B0609020000020004" pitchFamily="49" charset="0"/>
+                <a:cs typeface="DB Helvethaica X" panose="02000506090000020004" pitchFamily="2" charset="-34"/>
+              </a:rPr>
+              <a:t>ไม่ต้อง</a:t>
+            </a:r>
+            <a:r>
+              <a:rPr lang="th-TH" dirty="0">
+                <a:latin typeface="Cascadia Code" panose="020B0609020000020004" pitchFamily="49" charset="0"/>
+                <a:ea typeface="Cascadia Code" panose="020B0609020000020004" pitchFamily="49" charset="0"/>
+                <a:cs typeface="Cascadia Code" panose="020B0609020000020004" pitchFamily="49" charset="0"/>
+              </a:rPr>
+              <a:t> </a:t>
+            </a:r>
+            <a:r>
+              <a:rPr lang="en-US" dirty="0">
+                <a:latin typeface="Cascadia Code" panose="020B0609020000020004" pitchFamily="49" charset="0"/>
+                <a:ea typeface="Cascadia Code" panose="020B0609020000020004" pitchFamily="49" charset="0"/>
+                <a:cs typeface="Cascadia Code" panose="020B0609020000020004" pitchFamily="49" charset="0"/>
+              </a:rPr>
+              <a:t>import)</a:t>
+            </a:r>
+            <a:endParaRPr lang="th-TH" dirty="0"/>
+          </a:p>
+        </p:txBody>
+      </p:sp>
+      <p:sp>
+        <p:nvSpPr>
+          <p:cNvPr id="5" name="TextBox 4">
+            <a:extLst>
+              <a:ext uri="{FF2B5EF4-FFF2-40B4-BE49-F238E27FC236}">
+                <a16:creationId xmlns:a16="http://schemas.microsoft.com/office/drawing/2014/main" id="{231E751A-01A0-C151-B8EA-E0072DA49E4C}"/>
+              </a:ext>
+            </a:extLst>
+          </p:cNvPr>
+          <p:cNvSpPr txBox="1"/>
+          <p:nvPr/>
+        </p:nvSpPr>
+        <p:spPr>
+          <a:xfrm>
+            <a:off x="1532626" y="1602717"/>
+            <a:ext cx="9776604" cy="4142609"/>
+          </a:xfrm>
+          <a:prstGeom prst="rect">
+            <a:avLst/>
+          </a:prstGeom>
+          <a:noFill/>
+        </p:spPr>
+        <p:txBody>
+          <a:bodyPr wrap="square" rtlCol="0">
+            <a:spAutoFit/>
+          </a:bodyPr>
+          <a:lstStyle/>
+          <a:p>
+            <a:r>
+              <a:rPr lang="en-US" dirty="0">
+                <a:latin typeface="Cascadia Code" panose="020B0609020000020004" pitchFamily="49" charset="0"/>
+                <a:ea typeface="Cascadia Code" panose="020B0609020000020004" pitchFamily="49" charset="0"/>
+                <a:cs typeface="Cascadia Code" panose="020B0609020000020004" pitchFamily="49" charset="0"/>
+              </a:rPr>
+              <a:t>pow(</a:t>
+            </a:r>
+            <a:r>
+              <a:rPr lang="en-US" dirty="0" err="1">
+                <a:latin typeface="Cascadia Code" panose="020B0609020000020004" pitchFamily="49" charset="0"/>
+                <a:ea typeface="Cascadia Code" panose="020B0609020000020004" pitchFamily="49" charset="0"/>
+                <a:cs typeface="Cascadia Code" panose="020B0609020000020004" pitchFamily="49" charset="0"/>
+              </a:rPr>
+              <a:t>x,n</a:t>
+            </a:r>
+            <a:r>
+              <a:rPr lang="en-US" dirty="0">
+                <a:latin typeface="Cascadia Code" panose="020B0609020000020004" pitchFamily="49" charset="0"/>
+                <a:ea typeface="Cascadia Code" panose="020B0609020000020004" pitchFamily="49" charset="0"/>
+                <a:cs typeface="Cascadia Code" panose="020B0609020000020004" pitchFamily="49" charset="0"/>
+              </a:rPr>
+              <a:t>) – </a:t>
+            </a:r>
+            <a:r>
+              <a:rPr lang="th-TH" sz="3600" dirty="0">
+                <a:latin typeface="DB Helvethaica X" panose="02000506090000020004" pitchFamily="2" charset="-34"/>
+                <a:ea typeface="Cascadia Code" panose="020B0609020000020004" pitchFamily="49" charset="0"/>
+                <a:cs typeface="DB Helvethaica X" panose="02000506090000020004" pitchFamily="2" charset="-34"/>
+              </a:rPr>
+              <a:t>ใช้ยกกำลังตัวเลข</a:t>
+            </a:r>
+            <a:r>
+              <a:rPr lang="th-TH" dirty="0">
+                <a:latin typeface="Cascadia Code" panose="020B0609020000020004" pitchFamily="49" charset="0"/>
+                <a:ea typeface="Cascadia Code" panose="020B0609020000020004" pitchFamily="49" charset="0"/>
+                <a:cs typeface="Cascadia Code" panose="020B0609020000020004" pitchFamily="49" charset="0"/>
+              </a:rPr>
+              <a:t> </a:t>
+            </a:r>
+            <a:r>
+              <a:rPr lang="en-US" dirty="0">
+                <a:latin typeface="Cascadia Code" panose="020B0609020000020004" pitchFamily="49" charset="0"/>
+                <a:ea typeface="Cascadia Code" panose="020B0609020000020004" pitchFamily="49" charset="0"/>
+                <a:cs typeface="Cascadia Code" panose="020B0609020000020004" pitchFamily="49" charset="0"/>
+              </a:rPr>
+              <a:t>x </a:t>
+            </a:r>
+            <a:r>
+              <a:rPr lang="th-TH" sz="3600" dirty="0">
+                <a:latin typeface="DB Helvethaica X" panose="02000506090000020004" pitchFamily="2" charset="-34"/>
+                <a:ea typeface="Cascadia Code" panose="020B0609020000020004" pitchFamily="49" charset="0"/>
+                <a:cs typeface="DB Helvethaica X" panose="02000506090000020004" pitchFamily="2" charset="-34"/>
+              </a:rPr>
+              <a:t>ยกกำลัง</a:t>
+            </a:r>
+            <a:r>
+              <a:rPr lang="th-TH" dirty="0">
+                <a:latin typeface="Cascadia Code" panose="020B0609020000020004" pitchFamily="49" charset="0"/>
+                <a:ea typeface="Cascadia Code" panose="020B0609020000020004" pitchFamily="49" charset="0"/>
+                <a:cs typeface="Cascadia Code" panose="020B0609020000020004" pitchFamily="49" charset="0"/>
+              </a:rPr>
+              <a:t> </a:t>
+            </a:r>
+            <a:r>
+              <a:rPr lang="en-US" dirty="0">
+                <a:latin typeface="Cascadia Code" panose="020B0609020000020004" pitchFamily="49" charset="0"/>
+                <a:ea typeface="Cascadia Code" panose="020B0609020000020004" pitchFamily="49" charset="0"/>
+                <a:cs typeface="Cascadia Code" panose="020B0609020000020004" pitchFamily="49" charset="0"/>
+              </a:rPr>
+              <a:t>n (</a:t>
+            </a:r>
+            <a:r>
+              <a:rPr lang="th-TH" sz="3600" dirty="0">
+                <a:latin typeface="DB Helvethaica X" panose="02000506090000020004" pitchFamily="2" charset="-34"/>
+                <a:ea typeface="Cascadia Code" panose="020B0609020000020004" pitchFamily="49" charset="0"/>
+                <a:cs typeface="DB Helvethaica X" panose="02000506090000020004" pitchFamily="2" charset="-34"/>
+              </a:rPr>
+              <a:t>เหมือนกับ</a:t>
+            </a:r>
+            <a:r>
+              <a:rPr lang="th-TH" dirty="0">
+                <a:latin typeface="Cascadia Code" panose="020B0609020000020004" pitchFamily="49" charset="0"/>
+                <a:ea typeface="Cascadia Code" panose="020B0609020000020004" pitchFamily="49" charset="0"/>
+                <a:cs typeface="Cascadia Code" panose="020B0609020000020004" pitchFamily="49" charset="0"/>
+              </a:rPr>
+              <a:t> </a:t>
+            </a:r>
+            <a:r>
+              <a:rPr lang="en-US" dirty="0">
+                <a:latin typeface="Cascadia Code" panose="020B0609020000020004" pitchFamily="49" charset="0"/>
+                <a:ea typeface="Cascadia Code" panose="020B0609020000020004" pitchFamily="49" charset="0"/>
+                <a:cs typeface="Cascadia Code" panose="020B0609020000020004" pitchFamily="49" charset="0"/>
+              </a:rPr>
+              <a:t>x**n)</a:t>
+            </a:r>
+          </a:p>
+          <a:p>
+            <a:endParaRPr lang="en-US" dirty="0">
+              <a:latin typeface="Cascadia Code" panose="020B0609020000020004" pitchFamily="49" charset="0"/>
+              <a:ea typeface="Cascadia Code" panose="020B0609020000020004" pitchFamily="49" charset="0"/>
+              <a:cs typeface="Cascadia Code" panose="020B0609020000020004" pitchFamily="49" charset="0"/>
+            </a:endParaRPr>
+          </a:p>
+          <a:p>
+            <a:endParaRPr lang="en-US" dirty="0">
+              <a:latin typeface="Cascadia Code" panose="020B0609020000020004" pitchFamily="49" charset="0"/>
+              <a:ea typeface="Cascadia Code" panose="020B0609020000020004" pitchFamily="49" charset="0"/>
+              <a:cs typeface="Cascadia Code" panose="020B0609020000020004" pitchFamily="49" charset="0"/>
+            </a:endParaRPr>
+          </a:p>
+          <a:p>
+            <a:r>
+              <a:rPr lang="en-US" dirty="0">
+                <a:latin typeface="Cascadia Code" panose="020B0609020000020004" pitchFamily="49" charset="0"/>
+                <a:ea typeface="Cascadia Code" panose="020B0609020000020004" pitchFamily="49" charset="0"/>
+                <a:cs typeface="Cascadia Code" panose="020B0609020000020004" pitchFamily="49" charset="0"/>
+              </a:rPr>
+              <a:t>abs(n) – </a:t>
+            </a:r>
+            <a:r>
+              <a:rPr lang="th-TH" sz="3600" dirty="0">
+                <a:latin typeface="DB Helvethaica X" panose="02000506090000020004" pitchFamily="2" charset="-34"/>
+                <a:ea typeface="Cascadia Code" panose="020B0609020000020004" pitchFamily="49" charset="0"/>
+                <a:cs typeface="DB Helvethaica X" panose="02000506090000020004" pitchFamily="2" charset="-34"/>
+              </a:rPr>
+              <a:t>ใช้หาค่าสัมบูรณ์ของ</a:t>
+            </a:r>
+            <a:r>
+              <a:rPr lang="th-TH" dirty="0">
+                <a:latin typeface="Cascadia Code" panose="020B0609020000020004" pitchFamily="49" charset="0"/>
+                <a:ea typeface="Cascadia Code" panose="020B0609020000020004" pitchFamily="49" charset="0"/>
+                <a:cs typeface="Cascadia Code" panose="020B0609020000020004" pitchFamily="49" charset="0"/>
+              </a:rPr>
+              <a:t> </a:t>
+            </a:r>
+            <a:r>
+              <a:rPr lang="en-US" dirty="0">
+                <a:latin typeface="Cascadia Code" panose="020B0609020000020004" pitchFamily="49" charset="0"/>
+                <a:ea typeface="Cascadia Code" panose="020B0609020000020004" pitchFamily="49" charset="0"/>
+                <a:cs typeface="Cascadia Code" panose="020B0609020000020004" pitchFamily="49" charset="0"/>
+              </a:rPr>
+              <a:t>n</a:t>
+            </a:r>
+          </a:p>
+          <a:p>
+            <a:endParaRPr lang="en-US" dirty="0">
+              <a:latin typeface="Cascadia Code" panose="020B0609020000020004" pitchFamily="49" charset="0"/>
+              <a:ea typeface="Cascadia Code" panose="020B0609020000020004" pitchFamily="49" charset="0"/>
+              <a:cs typeface="Cascadia Code" panose="020B0609020000020004" pitchFamily="49" charset="0"/>
+            </a:endParaRPr>
+          </a:p>
+          <a:p>
+            <a:endParaRPr lang="en-US" dirty="0">
+              <a:latin typeface="Cascadia Code" panose="020B0609020000020004" pitchFamily="49" charset="0"/>
+              <a:ea typeface="Cascadia Code" panose="020B0609020000020004" pitchFamily="49" charset="0"/>
+              <a:cs typeface="Cascadia Code" panose="020B0609020000020004" pitchFamily="49" charset="0"/>
+            </a:endParaRPr>
+          </a:p>
+          <a:p>
+            <a:r>
+              <a:rPr lang="en-US" dirty="0">
+                <a:latin typeface="Cascadia Code" panose="020B0609020000020004" pitchFamily="49" charset="0"/>
+                <a:ea typeface="Cascadia Code" panose="020B0609020000020004" pitchFamily="49" charset="0"/>
+                <a:cs typeface="Cascadia Code" panose="020B0609020000020004" pitchFamily="49" charset="0"/>
+              </a:rPr>
+              <a:t>round(</a:t>
+            </a:r>
+            <a:r>
+              <a:rPr lang="en-US" dirty="0" err="1">
+                <a:latin typeface="Cascadia Code" panose="020B0609020000020004" pitchFamily="49" charset="0"/>
+                <a:ea typeface="Cascadia Code" panose="020B0609020000020004" pitchFamily="49" charset="0"/>
+                <a:cs typeface="Cascadia Code" panose="020B0609020000020004" pitchFamily="49" charset="0"/>
+              </a:rPr>
+              <a:t>n,s</a:t>
+            </a:r>
+            <a:r>
+              <a:rPr lang="en-US" dirty="0">
+                <a:latin typeface="Cascadia Code" panose="020B0609020000020004" pitchFamily="49" charset="0"/>
+                <a:ea typeface="Cascadia Code" panose="020B0609020000020004" pitchFamily="49" charset="0"/>
+                <a:cs typeface="Cascadia Code" panose="020B0609020000020004" pitchFamily="49" charset="0"/>
+              </a:rPr>
+              <a:t>) – </a:t>
+            </a:r>
+            <a:r>
+              <a:rPr lang="th-TH" sz="3600" dirty="0">
+                <a:latin typeface="DB Helvethaica X" panose="02000506090000020004" pitchFamily="2" charset="-34"/>
+                <a:ea typeface="Cascadia Code" panose="020B0609020000020004" pitchFamily="49" charset="0"/>
+                <a:cs typeface="DB Helvethaica X" panose="02000506090000020004" pitchFamily="2" charset="-34"/>
+              </a:rPr>
+              <a:t>ใช้ปรับตำแหน่งของทศนิยม</a:t>
+            </a:r>
+            <a:r>
+              <a:rPr lang="en-US" dirty="0">
+                <a:latin typeface="Cascadia Code" panose="020B0609020000020004" pitchFamily="49" charset="0"/>
+                <a:ea typeface="Cascadia Code" panose="020B0609020000020004" pitchFamily="49" charset="0"/>
+                <a:cs typeface="Cascadia Code" panose="020B0609020000020004" pitchFamily="49" charset="0"/>
+              </a:rPr>
+              <a:t> n </a:t>
+            </a:r>
+            <a:r>
+              <a:rPr lang="th-TH" sz="3600" dirty="0">
+                <a:latin typeface="DB Helvethaica X" panose="02000506090000020004" pitchFamily="2" charset="-34"/>
+                <a:ea typeface="Cascadia Code" panose="020B0609020000020004" pitchFamily="49" charset="0"/>
+                <a:cs typeface="DB Helvethaica X" panose="02000506090000020004" pitchFamily="2" charset="-34"/>
+              </a:rPr>
+              <a:t>ตามตำแหน่ง</a:t>
+            </a:r>
+            <a:r>
+              <a:rPr lang="th-TH" dirty="0">
+                <a:latin typeface="Cascadia Code" panose="020B0609020000020004" pitchFamily="49" charset="0"/>
+                <a:ea typeface="Cascadia Code" panose="020B0609020000020004" pitchFamily="49" charset="0"/>
+                <a:cs typeface="Cascadia Code" panose="020B0609020000020004" pitchFamily="49" charset="0"/>
+              </a:rPr>
+              <a:t> </a:t>
+            </a:r>
+            <a:r>
+              <a:rPr lang="en-US" dirty="0">
+                <a:latin typeface="Cascadia Code" panose="020B0609020000020004" pitchFamily="49" charset="0"/>
+                <a:ea typeface="Cascadia Code" panose="020B0609020000020004" pitchFamily="49" charset="0"/>
+                <a:cs typeface="Cascadia Code" panose="020B0609020000020004" pitchFamily="49" charset="0"/>
+              </a:rPr>
+              <a:t>s</a:t>
+            </a:r>
+          </a:p>
+          <a:p>
+            <a:r>
+              <a:rPr lang="en-US" sz="2000" dirty="0">
+                <a:latin typeface="Cascadia Code" panose="020B0609020000020004" pitchFamily="49" charset="0"/>
+                <a:ea typeface="Cascadia Code" panose="020B0609020000020004" pitchFamily="49" charset="0"/>
+                <a:cs typeface="Cascadia Code" panose="020B0609020000020004" pitchFamily="49" charset="0"/>
+              </a:rPr>
+              <a:t>&gt;&gt;&gt; round(3.141592654,2)</a:t>
+            </a:r>
+          </a:p>
+          <a:p>
+            <a:r>
+              <a:rPr lang="en-US" sz="2000" dirty="0">
+                <a:latin typeface="Cascadia Code" panose="020B0609020000020004" pitchFamily="49" charset="0"/>
+                <a:ea typeface="Cascadia Code" panose="020B0609020000020004" pitchFamily="49" charset="0"/>
+                <a:cs typeface="Cascadia Code" panose="020B0609020000020004" pitchFamily="49" charset="0"/>
+              </a:rPr>
+              <a:t>3.14</a:t>
+            </a:r>
+            <a:endParaRPr lang="en-US" dirty="0">
+              <a:latin typeface="Cascadia Code" panose="020B0609020000020004" pitchFamily="49" charset="0"/>
+              <a:ea typeface="Cascadia Code" panose="020B0609020000020004" pitchFamily="49" charset="0"/>
+              <a:cs typeface="Cascadia Code" panose="020B0609020000020004" pitchFamily="49" charset="0"/>
+            </a:endParaRPr>
+          </a:p>
+        </p:txBody>
+      </p:sp>
+      <p:sp>
+        <p:nvSpPr>
+          <p:cNvPr id="7" name="TextBox 6">
+            <a:extLst>
+              <a:ext uri="{FF2B5EF4-FFF2-40B4-BE49-F238E27FC236}">
+                <a16:creationId xmlns:a16="http://schemas.microsoft.com/office/drawing/2014/main" id="{8E7D952D-3F23-A94A-AC9C-0AE0D517E281}"/>
+              </a:ext>
+            </a:extLst>
+          </p:cNvPr>
+          <p:cNvSpPr txBox="1"/>
+          <p:nvPr/>
+        </p:nvSpPr>
+        <p:spPr>
+          <a:xfrm>
+            <a:off x="1532626" y="2284577"/>
+            <a:ext cx="6094562" cy="707886"/>
+          </a:xfrm>
+          <a:prstGeom prst="rect">
+            <a:avLst/>
+          </a:prstGeom>
+          <a:noFill/>
+        </p:spPr>
+        <p:txBody>
+          <a:bodyPr wrap="square">
+            <a:spAutoFit/>
+          </a:bodyPr>
+          <a:lstStyle/>
+          <a:p>
+            <a:r>
+              <a:rPr lang="th-TH" sz="2000" dirty="0">
+                <a:latin typeface="Cascadia Mono" panose="020B0609020000020004" pitchFamily="49" charset="0"/>
+                <a:ea typeface="Cascadia Mono" panose="020B0609020000020004" pitchFamily="49" charset="0"/>
+                <a:cs typeface="Cascadia Mono" panose="020B0609020000020004" pitchFamily="49" charset="0"/>
+              </a:rPr>
+              <a:t>&gt;&gt;&gt; pow(2,10)</a:t>
+            </a:r>
+          </a:p>
+          <a:p>
+            <a:r>
+              <a:rPr lang="th-TH" sz="2000" dirty="0">
+                <a:latin typeface="Cascadia Mono" panose="020B0609020000020004" pitchFamily="49" charset="0"/>
+                <a:ea typeface="Cascadia Mono" panose="020B0609020000020004" pitchFamily="49" charset="0"/>
+                <a:cs typeface="Cascadia Mono" panose="020B0609020000020004" pitchFamily="49" charset="0"/>
+              </a:rPr>
+              <a:t>1024</a:t>
+            </a:r>
+            <a:endParaRPr lang="en-US" sz="2000" dirty="0">
+              <a:latin typeface="Cascadia Mono" panose="020B0609020000020004" pitchFamily="49" charset="0"/>
+              <a:ea typeface="Cascadia Mono" panose="020B0609020000020004" pitchFamily="49" charset="0"/>
+              <a:cs typeface="Cascadia Mono" panose="020B0609020000020004" pitchFamily="49" charset="0"/>
+            </a:endParaRPr>
+          </a:p>
+        </p:txBody>
+      </p:sp>
+      <p:sp>
+        <p:nvSpPr>
+          <p:cNvPr id="9" name="TextBox 8">
+            <a:extLst>
+              <a:ext uri="{FF2B5EF4-FFF2-40B4-BE49-F238E27FC236}">
+                <a16:creationId xmlns:a16="http://schemas.microsoft.com/office/drawing/2014/main" id="{023C5920-6C7C-179B-6943-82EAA352CE0D}"/>
+              </a:ext>
+            </a:extLst>
+          </p:cNvPr>
+          <p:cNvSpPr txBox="1"/>
+          <p:nvPr/>
+        </p:nvSpPr>
+        <p:spPr>
+          <a:xfrm>
+            <a:off x="1532626" y="3737154"/>
+            <a:ext cx="6094562" cy="707886"/>
+          </a:xfrm>
+          <a:prstGeom prst="rect">
+            <a:avLst/>
+          </a:prstGeom>
+          <a:noFill/>
+        </p:spPr>
+        <p:txBody>
+          <a:bodyPr wrap="square">
+            <a:spAutoFit/>
+          </a:bodyPr>
+          <a:lstStyle/>
+          <a:p>
+            <a:r>
+              <a:rPr lang="th-TH" sz="2000" dirty="0">
+                <a:latin typeface="Cascadia Mono" panose="020B0609020000020004" pitchFamily="49" charset="0"/>
+                <a:ea typeface="Cascadia Mono" panose="020B0609020000020004" pitchFamily="49" charset="0"/>
+                <a:cs typeface="Cascadia Mono" panose="020B0609020000020004" pitchFamily="49" charset="0"/>
+              </a:rPr>
+              <a:t>&gt;&gt;&gt; abs(-100)</a:t>
+            </a:r>
+          </a:p>
+          <a:p>
+            <a:r>
+              <a:rPr lang="th-TH" sz="2000" dirty="0">
+                <a:latin typeface="Cascadia Mono" panose="020B0609020000020004" pitchFamily="49" charset="0"/>
+                <a:ea typeface="Cascadia Mono" panose="020B0609020000020004" pitchFamily="49" charset="0"/>
+                <a:cs typeface="Cascadia Mono" panose="020B0609020000020004" pitchFamily="49" charset="0"/>
+              </a:rPr>
+              <a:t>100</a:t>
+            </a:r>
           </a:p>
         </p:txBody>
       </p:sp>
     </p:spTree>
     <p:extLst>
       <p:ext uri="{BB962C8B-B14F-4D97-AF65-F5344CB8AC3E}">
-        <p14:creationId xmlns:p14="http://schemas.microsoft.com/office/powerpoint/2010/main" val="3913185378"/>
+        <p14:creationId xmlns:p14="http://schemas.microsoft.com/office/powerpoint/2010/main" val="1445683759"/>
       </p:ext>
     </p:extLst>
   </p:cSld>
@@ -8319,10 +8425,10 @@
       </p:grpSpPr>
       <p:pic>
         <p:nvPicPr>
-          <p:cNvPr id="3" name="Picture 2">
-            <a:extLst>
-              <a:ext uri="{FF2B5EF4-FFF2-40B4-BE49-F238E27FC236}">
-                <a16:creationId xmlns:a16="http://schemas.microsoft.com/office/drawing/2014/main" id="{FA500CA1-C953-236B-183C-C8F73CB02681}"/>
+          <p:cNvPr id="9" name="Picture 8">
+            <a:extLst>
+              <a:ext uri="{FF2B5EF4-FFF2-40B4-BE49-F238E27FC236}">
+                <a16:creationId xmlns:a16="http://schemas.microsoft.com/office/drawing/2014/main" id="{C3251B24-0E24-0DD0-395B-A029CDA1FDCC}"/>
               </a:ext>
             </a:extLst>
           </p:cNvPr>
@@ -8355,10 +8461,90 @@
       </p:pic>
       <p:sp>
         <p:nvSpPr>
+          <p:cNvPr id="2" name="Title 1">
+            <a:extLst>
+              <a:ext uri="{FF2B5EF4-FFF2-40B4-BE49-F238E27FC236}">
+                <a16:creationId xmlns:a16="http://schemas.microsoft.com/office/drawing/2014/main" id="{22DC39F5-3A79-7D77-161B-290ECEAD9A0F}"/>
+              </a:ext>
+            </a:extLst>
+          </p:cNvPr>
+          <p:cNvSpPr>
+            <a:spLocks noGrp="1"/>
+          </p:cNvSpPr>
+          <p:nvPr>
+            <p:ph type="title"/>
+          </p:nvPr>
+        </p:nvSpPr>
+        <p:spPr>
+          <a:xfrm>
+            <a:off x="3228436" y="554492"/>
+            <a:ext cx="5735128" cy="695511"/>
+          </a:xfrm>
+        </p:spPr>
+        <p:txBody>
+          <a:bodyPr>
+            <a:noAutofit/>
+          </a:bodyPr>
+          <a:lstStyle/>
+          <a:p>
+            <a:r>
+              <a:rPr lang="en-US" sz="2400" dirty="0">
+                <a:latin typeface="Cascadia Code" panose="020B0609020000020004" pitchFamily="49" charset="0"/>
+                <a:ea typeface="Cascadia Code" panose="020B0609020000020004" pitchFamily="49" charset="0"/>
+                <a:cs typeface="Cascadia Code" panose="020B0609020000020004" pitchFamily="49" charset="0"/>
+              </a:rPr>
+              <a:t>math function </a:t>
+            </a:r>
+            <a:r>
+              <a:rPr lang="th-TH" sz="3200" dirty="0">
+                <a:latin typeface="DB Helvethaica X" panose="02000506090000020004" pitchFamily="2" charset="-34"/>
+                <a:ea typeface="Cascadia Code" panose="020B0609020000020004" pitchFamily="49" charset="0"/>
+                <a:cs typeface="DB Helvethaica X" panose="02000506090000020004" pitchFamily="2" charset="-34"/>
+              </a:rPr>
+              <a:t>อื่นๆ</a:t>
+            </a:r>
+            <a:r>
+              <a:rPr lang="en-US" sz="3200" dirty="0">
+                <a:latin typeface="DB Helvethaica X" panose="02000506090000020004" pitchFamily="2" charset="-34"/>
+                <a:ea typeface="Cascadia Code" panose="020B0609020000020004" pitchFamily="49" charset="0"/>
+                <a:cs typeface="DB Helvethaica X" panose="02000506090000020004" pitchFamily="2" charset="-34"/>
+              </a:rPr>
+              <a:t> </a:t>
+            </a:r>
+            <a:r>
+              <a:rPr lang="th-TH" sz="3200" dirty="0">
+                <a:latin typeface="DB Helvethaica X" panose="02000506090000020004" pitchFamily="2" charset="-34"/>
+                <a:ea typeface="Cascadia Code" panose="020B0609020000020004" pitchFamily="49" charset="0"/>
+                <a:cs typeface="DB Helvethaica X" panose="02000506090000020004" pitchFamily="2" charset="-34"/>
+              </a:rPr>
+              <a:t>ที่ต้อง</a:t>
+            </a:r>
+            <a:r>
+              <a:rPr lang="th-TH" sz="2400" dirty="0">
+                <a:latin typeface="Cascadia Code" panose="020B0609020000020004" pitchFamily="49" charset="0"/>
+                <a:ea typeface="Cascadia Code" panose="020B0609020000020004" pitchFamily="49" charset="0"/>
+                <a:cs typeface="Cascadia Code" panose="020B0609020000020004" pitchFamily="49" charset="0"/>
+              </a:rPr>
+              <a:t> </a:t>
+            </a:r>
+            <a:r>
+              <a:rPr lang="en-US" sz="2400" dirty="0">
+                <a:latin typeface="Cascadia Code" panose="020B0609020000020004" pitchFamily="49" charset="0"/>
+                <a:ea typeface="Cascadia Code" panose="020B0609020000020004" pitchFamily="49" charset="0"/>
+                <a:cs typeface="Cascadia Code" panose="020B0609020000020004" pitchFamily="49" charset="0"/>
+              </a:rPr>
+              <a:t>import</a:t>
+            </a:r>
+            <a:endParaRPr lang="th-TH" sz="2400" dirty="0"/>
+          </a:p>
+        </p:txBody>
+      </p:sp>
+      <p:sp>
+        <p:nvSpPr>
           <p:cNvPr id="4" name="TextBox 3">
             <a:extLst>
               <a:ext uri="{FF2B5EF4-FFF2-40B4-BE49-F238E27FC236}">
-                <a16:creationId xmlns:a16="http://schemas.microsoft.com/office/drawing/2014/main" id="{7FAC2468-603E-5996-FB93-2463F3E3E8CF}"/>
+                <a16:creationId xmlns:a16="http://schemas.microsoft.com/office/drawing/2014/main" id="{D49C7802-D44E-BD06-291D-E48290E1657E}"/>
               </a:ext>
             </a:extLst>
           </p:cNvPr>
@@ -8367,8 +8553,8 @@
         </p:nvSpPr>
         <p:spPr>
           <a:xfrm>
-            <a:off x="903974" y="661125"/>
-            <a:ext cx="7808703" cy="646331"/>
+            <a:off x="664235" y="2984170"/>
+            <a:ext cx="4169731" cy="646331"/>
           </a:xfrm>
           <a:prstGeom prst="rect">
             <a:avLst/>
@@ -8376,54 +8562,49 @@
           <a:noFill/>
         </p:spPr>
         <p:txBody>
-          <a:bodyPr wrap="square">
+          <a:bodyPr wrap="none" rtlCol="0">
             <a:spAutoFit/>
           </a:bodyPr>
           <a:lstStyle/>
           <a:p>
-            <a:pPr algn="ctr"/>
+            <a:r>
+              <a:rPr lang="th-TH" sz="3600" dirty="0">
+                <a:latin typeface="DB Helvethaica X" panose="02000506090000020004" pitchFamily="2" charset="-34"/>
+                <a:ea typeface="Cascadia Mono" panose="020B0609020000020004" pitchFamily="49" charset="0"/>
+                <a:cs typeface="DB Helvethaica X" panose="02000506090000020004" pitchFamily="2" charset="-34"/>
+              </a:rPr>
+              <a:t>ตัวอย่าง</a:t>
+            </a:r>
+            <a:r>
+              <a:rPr lang="th-TH" dirty="0">
+                <a:latin typeface="Cascadia Mono" panose="020B0609020000020004" pitchFamily="49" charset="0"/>
+                <a:ea typeface="Cascadia Mono" panose="020B0609020000020004" pitchFamily="49" charset="0"/>
+                <a:cs typeface="Cascadia Mono" panose="020B0609020000020004" pitchFamily="49" charset="0"/>
+              </a:rPr>
+              <a:t> </a:t>
+            </a:r>
             <a:r>
               <a:rPr lang="en-US" dirty="0">
-                <a:latin typeface="Cascadia Code" panose="020B0609020000020004" pitchFamily="49" charset="0"/>
-                <a:ea typeface="Cascadia Code" panose="020B0609020000020004" pitchFamily="49" charset="0"/>
-                <a:cs typeface="Cascadia Code" panose="020B0609020000020004" pitchFamily="49" charset="0"/>
-              </a:rPr>
-              <a:t>Built in math function (</a:t>
-            </a:r>
-            <a:r>
-              <a:rPr lang="th-TH" sz="3600" dirty="0">
-                <a:latin typeface="DB Helvethaica X" panose="02000506090000020004" pitchFamily="2" charset="-34"/>
-                <a:ea typeface="Cascadia Code" panose="020B0609020000020004" pitchFamily="49" charset="0"/>
-                <a:cs typeface="DB Helvethaica X" panose="02000506090000020004" pitchFamily="2" charset="-34"/>
-              </a:rPr>
-              <a:t>ไม่ต้อง</a:t>
-            </a:r>
-            <a:r>
-              <a:rPr lang="th-TH" dirty="0">
-                <a:latin typeface="Cascadia Code" panose="020B0609020000020004" pitchFamily="49" charset="0"/>
-                <a:ea typeface="Cascadia Code" panose="020B0609020000020004" pitchFamily="49" charset="0"/>
-                <a:cs typeface="Cascadia Code" panose="020B0609020000020004" pitchFamily="49" charset="0"/>
-              </a:rPr>
-              <a:t> </a:t>
-            </a:r>
-            <a:r>
-              <a:rPr lang="en-US" dirty="0">
-                <a:latin typeface="Cascadia Code" panose="020B0609020000020004" pitchFamily="49" charset="0"/>
-                <a:ea typeface="Cascadia Code" panose="020B0609020000020004" pitchFamily="49" charset="0"/>
-                <a:cs typeface="Cascadia Code" panose="020B0609020000020004" pitchFamily="49" charset="0"/>
-              </a:rPr>
-              <a:t>import)</a:t>
-            </a:r>
-            <a:endParaRPr lang="th-TH" dirty="0"/>
-          </a:p>
-        </p:txBody>
-      </p:sp>
-      <p:sp>
-        <p:nvSpPr>
-          <p:cNvPr id="5" name="TextBox 4">
-            <a:extLst>
-              <a:ext uri="{FF2B5EF4-FFF2-40B4-BE49-F238E27FC236}">
-                <a16:creationId xmlns:a16="http://schemas.microsoft.com/office/drawing/2014/main" id="{231E751A-01A0-C151-B8EA-E0072DA49E4C}"/>
+                <a:latin typeface="Cascadia Mono" panose="020B0609020000020004" pitchFamily="49" charset="0"/>
+                <a:ea typeface="Cascadia Mono" panose="020B0609020000020004" pitchFamily="49" charset="0"/>
+                <a:cs typeface="Cascadia Mono" panose="020B0609020000020004" pitchFamily="49" charset="0"/>
+              </a:rPr>
+              <a:t>math function</a:t>
+            </a:r>
+            <a:endParaRPr lang="th-TH" dirty="0">
+              <a:latin typeface="Cascadia Mono" panose="020B0609020000020004" pitchFamily="49" charset="0"/>
+              <a:ea typeface="Cascadia Mono" panose="020B0609020000020004" pitchFamily="49" charset="0"/>
+              <a:cs typeface="Cascadia Mono" panose="020B0609020000020004" pitchFamily="49" charset="0"/>
+            </a:endParaRPr>
+          </a:p>
+        </p:txBody>
+      </p:sp>
+      <p:sp>
+        <p:nvSpPr>
+          <p:cNvPr id="6" name="TextBox 5">
+            <a:extLst>
+              <a:ext uri="{FF2B5EF4-FFF2-40B4-BE49-F238E27FC236}">
+                <a16:creationId xmlns:a16="http://schemas.microsoft.com/office/drawing/2014/main" id="{EA565CCD-A882-E6DD-4282-FE8F034BEB92}"/>
               </a:ext>
             </a:extLst>
           </p:cNvPr>
@@ -8432,8 +8613,8 @@
         </p:nvSpPr>
         <p:spPr>
           <a:xfrm>
-            <a:off x="1532626" y="1602717"/>
-            <a:ext cx="9776604" cy="4142609"/>
+            <a:off x="1483917" y="3985150"/>
+            <a:ext cx="4256293" cy="954107"/>
           </a:xfrm>
           <a:prstGeom prst="rect">
             <a:avLst/>
@@ -8441,45 +8622,60 @@
           <a:noFill/>
         </p:spPr>
         <p:txBody>
-          <a:bodyPr wrap="square" rtlCol="0">
+          <a:bodyPr wrap="square">
             <a:spAutoFit/>
           </a:bodyPr>
           <a:lstStyle/>
           <a:p>
             <a:r>
-              <a:rPr lang="en-US" dirty="0">
-                <a:latin typeface="Cascadia Code" panose="020B0609020000020004" pitchFamily="49" charset="0"/>
-                <a:ea typeface="Cascadia Code" panose="020B0609020000020004" pitchFamily="49" charset="0"/>
-                <a:cs typeface="Cascadia Code" panose="020B0609020000020004" pitchFamily="49" charset="0"/>
-              </a:rPr>
-              <a:t>pow(</a:t>
-            </a:r>
-            <a:r>
-              <a:rPr lang="en-US" dirty="0" err="1">
-                <a:latin typeface="Cascadia Code" panose="020B0609020000020004" pitchFamily="49" charset="0"/>
-                <a:ea typeface="Cascadia Code" panose="020B0609020000020004" pitchFamily="49" charset="0"/>
-                <a:cs typeface="Cascadia Code" panose="020B0609020000020004" pitchFamily="49" charset="0"/>
-              </a:rPr>
-              <a:t>x,n</a:t>
-            </a:r>
-            <a:r>
-              <a:rPr lang="en-US" dirty="0">
-                <a:latin typeface="Cascadia Code" panose="020B0609020000020004" pitchFamily="49" charset="0"/>
-                <a:ea typeface="Cascadia Code" panose="020B0609020000020004" pitchFamily="49" charset="0"/>
-                <a:cs typeface="Cascadia Code" panose="020B0609020000020004" pitchFamily="49" charset="0"/>
-              </a:rPr>
-              <a:t>) – </a:t>
-            </a:r>
-            <a:r>
-              <a:rPr lang="th-TH" sz="3600" dirty="0">
-                <a:latin typeface="DB Helvethaica X" panose="02000506090000020004" pitchFamily="2" charset="-34"/>
-                <a:ea typeface="Cascadia Code" panose="020B0609020000020004" pitchFamily="49" charset="0"/>
-                <a:cs typeface="DB Helvethaica X" panose="02000506090000020004" pitchFamily="2" charset="-34"/>
-              </a:rPr>
-              <a:t>ใช้ยกกำลังตัวเลข</a:t>
+              <a:rPr lang="en-US" sz="2000" dirty="0" err="1">
+                <a:latin typeface="Cascadia Code" panose="020B0609020000020004" pitchFamily="49" charset="0"/>
+                <a:ea typeface="Cascadia Code" panose="020B0609020000020004" pitchFamily="49" charset="0"/>
+                <a:cs typeface="Cascadia Code" panose="020B0609020000020004" pitchFamily="49" charset="0"/>
+              </a:rPr>
+              <a:t>math.ceil</a:t>
+            </a:r>
+            <a:r>
+              <a:rPr lang="en-US" sz="2000" dirty="0">
+                <a:latin typeface="Cascadia Code" panose="020B0609020000020004" pitchFamily="49" charset="0"/>
+                <a:ea typeface="Cascadia Code" panose="020B0609020000020004" pitchFamily="49" charset="0"/>
+                <a:cs typeface="Cascadia Code" panose="020B0609020000020004" pitchFamily="49" charset="0"/>
+              </a:rPr>
+              <a:t>(x)  - </a:t>
             </a:r>
             <a:r>
               <a:rPr lang="th-TH" dirty="0">
+                <a:latin typeface="DB Helvethaica X" panose="02000506090000020004" pitchFamily="2" charset="-34"/>
+                <a:ea typeface="Cascadia Code" panose="020B0609020000020004" pitchFamily="49" charset="0"/>
+                <a:cs typeface="DB Helvethaica X" panose="02000506090000020004" pitchFamily="2" charset="-34"/>
+              </a:rPr>
+              <a:t>ใช้ปัดขึ้นทศนิยม</a:t>
+            </a:r>
+            <a:endParaRPr lang="en-US" sz="2000" dirty="0">
+              <a:latin typeface="DB Helvethaica X" panose="02000506090000020004" pitchFamily="2" charset="-34"/>
+              <a:ea typeface="Cascadia Code" panose="020B0609020000020004" pitchFamily="49" charset="0"/>
+              <a:cs typeface="DB Helvethaica X" panose="02000506090000020004" pitchFamily="2" charset="-34"/>
+            </a:endParaRPr>
+          </a:p>
+          <a:p>
+            <a:r>
+              <a:rPr lang="en-US" sz="2000" dirty="0" err="1">
+                <a:latin typeface="Cascadia Code" panose="020B0609020000020004" pitchFamily="49" charset="0"/>
+                <a:ea typeface="Cascadia Code" panose="020B0609020000020004" pitchFamily="49" charset="0"/>
+                <a:cs typeface="Cascadia Code" panose="020B0609020000020004" pitchFamily="49" charset="0"/>
+              </a:rPr>
+              <a:t>math.floor</a:t>
+            </a:r>
+            <a:r>
+              <a:rPr lang="en-US" sz="2000" dirty="0">
+                <a:latin typeface="Cascadia Code" panose="020B0609020000020004" pitchFamily="49" charset="0"/>
+                <a:ea typeface="Cascadia Code" panose="020B0609020000020004" pitchFamily="49" charset="0"/>
+                <a:cs typeface="Cascadia Code" panose="020B0609020000020004" pitchFamily="49" charset="0"/>
+              </a:rPr>
+              <a:t>(x)</a:t>
+            </a:r>
+            <a:r>
+              <a:rPr lang="th-TH" sz="2000" dirty="0">
                 <a:latin typeface="Cascadia Code" panose="020B0609020000020004" pitchFamily="49" charset="0"/>
                 <a:ea typeface="Cascadia Code" panose="020B0609020000020004" pitchFamily="49" charset="0"/>
                 <a:cs typeface="Cascadia Code" panose="020B0609020000020004" pitchFamily="49" charset="0"/>
@@ -8487,215 +8683,26 @@
               <a:t> </a:t>
             </a:r>
             <a:r>
-              <a:rPr lang="en-US" dirty="0">
-                <a:latin typeface="Cascadia Code" panose="020B0609020000020004" pitchFamily="49" charset="0"/>
-                <a:ea typeface="Cascadia Code" panose="020B0609020000020004" pitchFamily="49" charset="0"/>
-                <a:cs typeface="Cascadia Code" panose="020B0609020000020004" pitchFamily="49" charset="0"/>
-              </a:rPr>
-              <a:t>x </a:t>
-            </a:r>
-            <a:r>
-              <a:rPr lang="th-TH" sz="3600" dirty="0">
-                <a:latin typeface="DB Helvethaica X" panose="02000506090000020004" pitchFamily="2" charset="-34"/>
-                <a:ea typeface="Cascadia Code" panose="020B0609020000020004" pitchFamily="49" charset="0"/>
-                <a:cs typeface="DB Helvethaica X" panose="02000506090000020004" pitchFamily="2" charset="-34"/>
-              </a:rPr>
-              <a:t>ยกกำลัง</a:t>
+              <a:rPr lang="en-US" sz="2000" dirty="0">
+                <a:latin typeface="Cascadia Code" panose="020B0609020000020004" pitchFamily="49" charset="0"/>
+                <a:ea typeface="Cascadia Code" panose="020B0609020000020004" pitchFamily="49" charset="0"/>
+                <a:cs typeface="Cascadia Code" panose="020B0609020000020004" pitchFamily="49" charset="0"/>
+              </a:rPr>
+              <a:t>- </a:t>
             </a:r>
             <a:r>
               <a:rPr lang="th-TH" dirty="0">
-                <a:latin typeface="Cascadia Code" panose="020B0609020000020004" pitchFamily="49" charset="0"/>
-                <a:ea typeface="Cascadia Code" panose="020B0609020000020004" pitchFamily="49" charset="0"/>
-                <a:cs typeface="Cascadia Code" panose="020B0609020000020004" pitchFamily="49" charset="0"/>
-              </a:rPr>
-              <a:t> </a:t>
-            </a:r>
-            <a:r>
-              <a:rPr lang="en-US" dirty="0">
-                <a:latin typeface="Cascadia Code" panose="020B0609020000020004" pitchFamily="49" charset="0"/>
-                <a:ea typeface="Cascadia Code" panose="020B0609020000020004" pitchFamily="49" charset="0"/>
-                <a:cs typeface="Cascadia Code" panose="020B0609020000020004" pitchFamily="49" charset="0"/>
-              </a:rPr>
-              <a:t>n (</a:t>
-            </a:r>
-            <a:r>
-              <a:rPr lang="th-TH" sz="3600" dirty="0">
-                <a:latin typeface="DB Helvethaica X" panose="02000506090000020004" pitchFamily="2" charset="-34"/>
-                <a:ea typeface="Cascadia Code" panose="020B0609020000020004" pitchFamily="49" charset="0"/>
-                <a:cs typeface="DB Helvethaica X" panose="02000506090000020004" pitchFamily="2" charset="-34"/>
-              </a:rPr>
-              <a:t>เหมือนกับ</a:t>
-            </a:r>
-            <a:r>
-              <a:rPr lang="th-TH" dirty="0">
-                <a:latin typeface="Cascadia Code" panose="020B0609020000020004" pitchFamily="49" charset="0"/>
-                <a:ea typeface="Cascadia Code" panose="020B0609020000020004" pitchFamily="49" charset="0"/>
-                <a:cs typeface="Cascadia Code" panose="020B0609020000020004" pitchFamily="49" charset="0"/>
-              </a:rPr>
-              <a:t> </a:t>
-            </a:r>
-            <a:r>
-              <a:rPr lang="en-US" dirty="0">
-                <a:latin typeface="Cascadia Code" panose="020B0609020000020004" pitchFamily="49" charset="0"/>
-                <a:ea typeface="Cascadia Code" panose="020B0609020000020004" pitchFamily="49" charset="0"/>
-                <a:cs typeface="Cascadia Code" panose="020B0609020000020004" pitchFamily="49" charset="0"/>
-              </a:rPr>
-              <a:t>x**n)</a:t>
-            </a:r>
-          </a:p>
-          <a:p>
-            <a:endParaRPr lang="en-US" dirty="0">
-              <a:latin typeface="Cascadia Code" panose="020B0609020000020004" pitchFamily="49" charset="0"/>
-              <a:ea typeface="Cascadia Code" panose="020B0609020000020004" pitchFamily="49" charset="0"/>
-              <a:cs typeface="Cascadia Code" panose="020B0609020000020004" pitchFamily="49" charset="0"/>
+                <a:latin typeface="DB Helvethaica X" panose="02000506090000020004" pitchFamily="2" charset="-34"/>
+                <a:ea typeface="Cascadia Code" panose="020B0609020000020004" pitchFamily="49" charset="0"/>
+                <a:cs typeface="DB Helvethaica X" panose="02000506090000020004" pitchFamily="2" charset="-34"/>
+              </a:rPr>
+              <a:t>ใช้ปัดลงทศนิยม</a:t>
+            </a:r>
+            <a:endParaRPr lang="th-TH" sz="2000" dirty="0">
+              <a:latin typeface="DB Helvethaica X" panose="02000506090000020004" pitchFamily="2" charset="-34"/>
+              <a:cs typeface="DB Helvethaica X" panose="02000506090000020004" pitchFamily="2" charset="-34"/>
             </a:endParaRPr>
           </a:p>
-          <a:p>
-            <a:endParaRPr lang="en-US" dirty="0">
-              <a:latin typeface="Cascadia Code" panose="020B0609020000020004" pitchFamily="49" charset="0"/>
-              <a:ea typeface="Cascadia Code" panose="020B0609020000020004" pitchFamily="49" charset="0"/>
-              <a:cs typeface="Cascadia Code" panose="020B0609020000020004" pitchFamily="49" charset="0"/>
-            </a:endParaRPr>
-          </a:p>
-          <a:p>
-            <a:r>
-              <a:rPr lang="en-US" dirty="0">
-                <a:latin typeface="Cascadia Code" panose="020B0609020000020004" pitchFamily="49" charset="0"/>
-                <a:ea typeface="Cascadia Code" panose="020B0609020000020004" pitchFamily="49" charset="0"/>
-                <a:cs typeface="Cascadia Code" panose="020B0609020000020004" pitchFamily="49" charset="0"/>
-              </a:rPr>
-              <a:t>abs(n) – </a:t>
-            </a:r>
-            <a:r>
-              <a:rPr lang="th-TH" sz="3600" dirty="0">
-                <a:latin typeface="DB Helvethaica X" panose="02000506090000020004" pitchFamily="2" charset="-34"/>
-                <a:ea typeface="Cascadia Code" panose="020B0609020000020004" pitchFamily="49" charset="0"/>
-                <a:cs typeface="DB Helvethaica X" panose="02000506090000020004" pitchFamily="2" charset="-34"/>
-              </a:rPr>
-              <a:t>ใช้หาค่าสัมบูรณ์ของ</a:t>
-            </a:r>
-            <a:r>
-              <a:rPr lang="th-TH" dirty="0">
-                <a:latin typeface="Cascadia Code" panose="020B0609020000020004" pitchFamily="49" charset="0"/>
-                <a:ea typeface="Cascadia Code" panose="020B0609020000020004" pitchFamily="49" charset="0"/>
-                <a:cs typeface="Cascadia Code" panose="020B0609020000020004" pitchFamily="49" charset="0"/>
-              </a:rPr>
-              <a:t> </a:t>
-            </a:r>
-            <a:r>
-              <a:rPr lang="en-US" dirty="0">
-                <a:latin typeface="Cascadia Code" panose="020B0609020000020004" pitchFamily="49" charset="0"/>
-                <a:ea typeface="Cascadia Code" panose="020B0609020000020004" pitchFamily="49" charset="0"/>
-                <a:cs typeface="Cascadia Code" panose="020B0609020000020004" pitchFamily="49" charset="0"/>
-              </a:rPr>
-              <a:t>n</a:t>
-            </a:r>
-          </a:p>
-          <a:p>
-            <a:endParaRPr lang="en-US" dirty="0">
-              <a:latin typeface="Cascadia Code" panose="020B0609020000020004" pitchFamily="49" charset="0"/>
-              <a:ea typeface="Cascadia Code" panose="020B0609020000020004" pitchFamily="49" charset="0"/>
-              <a:cs typeface="Cascadia Code" panose="020B0609020000020004" pitchFamily="49" charset="0"/>
-            </a:endParaRPr>
-          </a:p>
-          <a:p>
-            <a:endParaRPr lang="en-US" dirty="0">
-              <a:latin typeface="Cascadia Code" panose="020B0609020000020004" pitchFamily="49" charset="0"/>
-              <a:ea typeface="Cascadia Code" panose="020B0609020000020004" pitchFamily="49" charset="0"/>
-              <a:cs typeface="Cascadia Code" panose="020B0609020000020004" pitchFamily="49" charset="0"/>
-            </a:endParaRPr>
-          </a:p>
-          <a:p>
-            <a:r>
-              <a:rPr lang="en-US" dirty="0">
-                <a:latin typeface="Cascadia Code" panose="020B0609020000020004" pitchFamily="49" charset="0"/>
-                <a:ea typeface="Cascadia Code" panose="020B0609020000020004" pitchFamily="49" charset="0"/>
-                <a:cs typeface="Cascadia Code" panose="020B0609020000020004" pitchFamily="49" charset="0"/>
-              </a:rPr>
-              <a:t>round(</a:t>
-            </a:r>
-            <a:r>
-              <a:rPr lang="en-US" dirty="0" err="1">
-                <a:latin typeface="Cascadia Code" panose="020B0609020000020004" pitchFamily="49" charset="0"/>
-                <a:ea typeface="Cascadia Code" panose="020B0609020000020004" pitchFamily="49" charset="0"/>
-                <a:cs typeface="Cascadia Code" panose="020B0609020000020004" pitchFamily="49" charset="0"/>
-              </a:rPr>
-              <a:t>n,s</a:t>
-            </a:r>
-            <a:r>
-              <a:rPr lang="en-US" dirty="0">
-                <a:latin typeface="Cascadia Code" panose="020B0609020000020004" pitchFamily="49" charset="0"/>
-                <a:ea typeface="Cascadia Code" panose="020B0609020000020004" pitchFamily="49" charset="0"/>
-                <a:cs typeface="Cascadia Code" panose="020B0609020000020004" pitchFamily="49" charset="0"/>
-              </a:rPr>
-              <a:t>) – </a:t>
-            </a:r>
-            <a:r>
-              <a:rPr lang="th-TH" sz="3600" dirty="0">
-                <a:latin typeface="DB Helvethaica X" panose="02000506090000020004" pitchFamily="2" charset="-34"/>
-                <a:ea typeface="Cascadia Code" panose="020B0609020000020004" pitchFamily="49" charset="0"/>
-                <a:cs typeface="DB Helvethaica X" panose="02000506090000020004" pitchFamily="2" charset="-34"/>
-              </a:rPr>
-              <a:t>ใช้ปรับตำแหน่งของทศนิยม</a:t>
-            </a:r>
-            <a:r>
-              <a:rPr lang="en-US" dirty="0">
-                <a:latin typeface="Cascadia Code" panose="020B0609020000020004" pitchFamily="49" charset="0"/>
-                <a:ea typeface="Cascadia Code" panose="020B0609020000020004" pitchFamily="49" charset="0"/>
-                <a:cs typeface="Cascadia Code" panose="020B0609020000020004" pitchFamily="49" charset="0"/>
-              </a:rPr>
-              <a:t> n </a:t>
-            </a:r>
-            <a:r>
-              <a:rPr lang="th-TH" sz="3600" dirty="0">
-                <a:latin typeface="DB Helvethaica X" panose="02000506090000020004" pitchFamily="2" charset="-34"/>
-                <a:ea typeface="Cascadia Code" panose="020B0609020000020004" pitchFamily="49" charset="0"/>
-                <a:cs typeface="DB Helvethaica X" panose="02000506090000020004" pitchFamily="2" charset="-34"/>
-              </a:rPr>
-              <a:t>ตามตำแหน่ง</a:t>
-            </a:r>
-            <a:r>
-              <a:rPr lang="th-TH" dirty="0">
-                <a:latin typeface="Cascadia Code" panose="020B0609020000020004" pitchFamily="49" charset="0"/>
-                <a:ea typeface="Cascadia Code" panose="020B0609020000020004" pitchFamily="49" charset="0"/>
-                <a:cs typeface="Cascadia Code" panose="020B0609020000020004" pitchFamily="49" charset="0"/>
-              </a:rPr>
-              <a:t> </a:t>
-            </a:r>
-            <a:r>
-              <a:rPr lang="en-US" dirty="0">
-                <a:latin typeface="Cascadia Code" panose="020B0609020000020004" pitchFamily="49" charset="0"/>
-                <a:ea typeface="Cascadia Code" panose="020B0609020000020004" pitchFamily="49" charset="0"/>
-                <a:cs typeface="Cascadia Code" panose="020B0609020000020004" pitchFamily="49" charset="0"/>
-              </a:rPr>
-              <a:t>s</a:t>
-            </a:r>
-          </a:p>
-          <a:p>
-            <a:r>
-              <a:rPr lang="en-US" sz="2000" dirty="0">
-                <a:latin typeface="Cascadia Code" panose="020B0609020000020004" pitchFamily="49" charset="0"/>
-                <a:ea typeface="Cascadia Code" panose="020B0609020000020004" pitchFamily="49" charset="0"/>
-                <a:cs typeface="Cascadia Code" panose="020B0609020000020004" pitchFamily="49" charset="0"/>
-              </a:rPr>
-              <a:t>&gt;&gt;&gt; round(3.141592654,2)</a:t>
-            </a:r>
-          </a:p>
-          <a:p>
-            <a:r>
-              <a:rPr lang="en-US" sz="2000" dirty="0">
-                <a:latin typeface="Cascadia Code" panose="020B0609020000020004" pitchFamily="49" charset="0"/>
-                <a:ea typeface="Cascadia Code" panose="020B0609020000020004" pitchFamily="49" charset="0"/>
-                <a:cs typeface="Cascadia Code" panose="020B0609020000020004" pitchFamily="49" charset="0"/>
-              </a:rPr>
-              <a:t>3.14</a:t>
-            </a:r>
-            <a:endParaRPr lang="en-US" dirty="0">
-              <a:latin typeface="Cascadia Code" panose="020B0609020000020004" pitchFamily="49" charset="0"/>
-              <a:ea typeface="Cascadia Code" panose="020B0609020000020004" pitchFamily="49" charset="0"/>
-              <a:cs typeface="Cascadia Code" panose="020B0609020000020004" pitchFamily="49" charset="0"/>
-            </a:endParaRPr>
-          </a:p>
         </p:txBody>
       </p:sp>
       <p:sp>
@@ -8703,7 +8710,7 @@
           <p:cNvPr id="7" name="TextBox 6">
             <a:extLst>
               <a:ext uri="{FF2B5EF4-FFF2-40B4-BE49-F238E27FC236}">
-                <a16:creationId xmlns:a16="http://schemas.microsoft.com/office/drawing/2014/main" id="{8E7D952D-3F23-A94A-AC9C-0AE0D517E281}"/>
+                <a16:creationId xmlns:a16="http://schemas.microsoft.com/office/drawing/2014/main" id="{0373C55A-2DA8-42A0-8800-E7296561E068}"/>
               </a:ext>
             </a:extLst>
           </p:cNvPr>
@@ -8712,8 +8719,8 @@
         </p:nvSpPr>
         <p:spPr>
           <a:xfrm>
-            <a:off x="1532626" y="2284577"/>
-            <a:ext cx="6094562" cy="707886"/>
+            <a:off x="6745856" y="3046431"/>
+            <a:ext cx="4635260" cy="1877437"/>
           </a:xfrm>
           <a:prstGeom prst="rect">
             <a:avLst/>
@@ -8727,24 +8734,458 @@
           <a:lstStyle/>
           <a:p>
             <a:r>
-              <a:rPr lang="th-TH" sz="2000" dirty="0">
+              <a:rPr lang="en-US" sz="2000" dirty="0" err="1">
+                <a:latin typeface="Cascadia Code" panose="020B0609020000020004" pitchFamily="49" charset="0"/>
+                <a:ea typeface="Cascadia Code" panose="020B0609020000020004" pitchFamily="49" charset="0"/>
+                <a:cs typeface="Cascadia Code" panose="020B0609020000020004" pitchFamily="49" charset="0"/>
+              </a:rPr>
+              <a:t>math.sin</a:t>
+            </a:r>
+            <a:r>
+              <a:rPr lang="en-US" sz="2000" dirty="0">
+                <a:latin typeface="Cascadia Code" panose="020B0609020000020004" pitchFamily="49" charset="0"/>
+                <a:ea typeface="Cascadia Code" panose="020B0609020000020004" pitchFamily="49" charset="0"/>
+                <a:cs typeface="Cascadia Code" panose="020B0609020000020004" pitchFamily="49" charset="0"/>
+              </a:rPr>
+              <a:t>(x)</a:t>
+            </a:r>
+          </a:p>
+          <a:p>
+            <a:r>
+              <a:rPr lang="en-US" sz="2000" dirty="0" err="1">
+                <a:latin typeface="Cascadia Code" panose="020B0609020000020004" pitchFamily="49" charset="0"/>
+                <a:ea typeface="Cascadia Code" panose="020B0609020000020004" pitchFamily="49" charset="0"/>
+                <a:cs typeface="Cascadia Code" panose="020B0609020000020004" pitchFamily="49" charset="0"/>
+              </a:rPr>
+              <a:t>math.cos</a:t>
+            </a:r>
+            <a:r>
+              <a:rPr lang="en-US" sz="2000" dirty="0">
+                <a:latin typeface="Cascadia Code" panose="020B0609020000020004" pitchFamily="49" charset="0"/>
+                <a:ea typeface="Cascadia Code" panose="020B0609020000020004" pitchFamily="49" charset="0"/>
+                <a:cs typeface="Cascadia Code" panose="020B0609020000020004" pitchFamily="49" charset="0"/>
+              </a:rPr>
+              <a:t>(x)</a:t>
+            </a:r>
+          </a:p>
+          <a:p>
+            <a:r>
+              <a:rPr lang="en-US" sz="2000" dirty="0" err="1">
+                <a:latin typeface="Cascadia Code" panose="020B0609020000020004" pitchFamily="49" charset="0"/>
+                <a:ea typeface="Cascadia Code" panose="020B0609020000020004" pitchFamily="49" charset="0"/>
+                <a:cs typeface="Cascadia Code" panose="020B0609020000020004" pitchFamily="49" charset="0"/>
+              </a:rPr>
+              <a:t>math.tan</a:t>
+            </a:r>
+            <a:r>
+              <a:rPr lang="en-US" sz="2000" dirty="0">
+                <a:latin typeface="Cascadia Code" panose="020B0609020000020004" pitchFamily="49" charset="0"/>
+                <a:ea typeface="Cascadia Code" panose="020B0609020000020004" pitchFamily="49" charset="0"/>
+                <a:cs typeface="Cascadia Code" panose="020B0609020000020004" pitchFamily="49" charset="0"/>
+              </a:rPr>
+              <a:t>(x)</a:t>
+            </a:r>
+          </a:p>
+          <a:p>
+            <a:pPr marL="342900" indent="-342900">
+              <a:buFontTx/>
+              <a:buChar char="-"/>
+            </a:pPr>
+            <a:r>
+              <a:rPr lang="th-TH" dirty="0">
+                <a:latin typeface="DB Helvethaica X" panose="02000506090000020004" pitchFamily="2" charset="-34"/>
+                <a:ea typeface="Cascadia Code" panose="020B0609020000020004" pitchFamily="49" charset="0"/>
+                <a:cs typeface="DB Helvethaica X" panose="02000506090000020004" pitchFamily="2" charset="-34"/>
+              </a:rPr>
+              <a:t>จะได้ค่าฟังก์ชั่นตรีโกณ </a:t>
+            </a:r>
+            <a:r>
+              <a:rPr lang="en-US" dirty="0">
+                <a:latin typeface="DB Helvethaica X" panose="02000506090000020004" pitchFamily="2" charset="-34"/>
+                <a:ea typeface="Cascadia Code" panose="020B0609020000020004" pitchFamily="49" charset="0"/>
+                <a:cs typeface="DB Helvethaica X" panose="02000506090000020004" pitchFamily="2" charset="-34"/>
+              </a:rPr>
+              <a:t>sin cos tan</a:t>
+            </a:r>
+          </a:p>
+          <a:p>
+            <a:r>
+              <a:rPr lang="th-TH" dirty="0">
+                <a:latin typeface="DB Helvethaica X" panose="02000506090000020004" pitchFamily="2" charset="-34"/>
+                <a:ea typeface="Cascadia Code" panose="020B0609020000020004" pitchFamily="49" charset="0"/>
+                <a:cs typeface="DB Helvethaica X" panose="02000506090000020004" pitchFamily="2" charset="-34"/>
+              </a:rPr>
+              <a:t>โดย </a:t>
+            </a:r>
+            <a:r>
+              <a:rPr lang="en-US" dirty="0">
+                <a:latin typeface="DB Helvethaica X" panose="02000506090000020004" pitchFamily="2" charset="-34"/>
+                <a:ea typeface="Cascadia Code" panose="020B0609020000020004" pitchFamily="49" charset="0"/>
+                <a:cs typeface="DB Helvethaica X" panose="02000506090000020004" pitchFamily="2" charset="-34"/>
+              </a:rPr>
+              <a:t>x </a:t>
+            </a:r>
+            <a:r>
+              <a:rPr lang="th-TH" dirty="0">
+                <a:latin typeface="DB Helvethaica X" panose="02000506090000020004" pitchFamily="2" charset="-34"/>
+                <a:ea typeface="Cascadia Code" panose="020B0609020000020004" pitchFamily="49" charset="0"/>
+                <a:cs typeface="DB Helvethaica X" panose="02000506090000020004" pitchFamily="2" charset="-34"/>
+              </a:rPr>
+              <a:t>มีหน่วยเป็น</a:t>
+            </a:r>
+            <a:r>
+              <a:rPr lang="en-US" dirty="0">
+                <a:latin typeface="DB Helvethaica X" panose="02000506090000020004" pitchFamily="2" charset="-34"/>
+                <a:ea typeface="Cascadia Code" panose="020B0609020000020004" pitchFamily="49" charset="0"/>
+                <a:cs typeface="DB Helvethaica X" panose="02000506090000020004" pitchFamily="2" charset="-34"/>
+              </a:rPr>
+              <a:t> radian</a:t>
+            </a:r>
+            <a:endParaRPr lang="th-TH" dirty="0">
+              <a:latin typeface="DB Helvethaica X" panose="02000506090000020004" pitchFamily="2" charset="-34"/>
+              <a:cs typeface="DB Helvethaica X" panose="02000506090000020004" pitchFamily="2" charset="-34"/>
+            </a:endParaRPr>
+          </a:p>
+        </p:txBody>
+      </p:sp>
+      <p:sp>
+        <p:nvSpPr>
+          <p:cNvPr id="8" name="TextBox 7">
+            <a:extLst>
+              <a:ext uri="{FF2B5EF4-FFF2-40B4-BE49-F238E27FC236}">
+                <a16:creationId xmlns:a16="http://schemas.microsoft.com/office/drawing/2014/main" id="{A42BB2E2-D49F-CB88-D361-16BBFECBE7DF}"/>
+              </a:ext>
+            </a:extLst>
+          </p:cNvPr>
+          <p:cNvSpPr txBox="1"/>
+          <p:nvPr/>
+        </p:nvSpPr>
+        <p:spPr>
+          <a:xfrm>
+            <a:off x="1872651" y="5323957"/>
+            <a:ext cx="5138467" cy="954107"/>
+          </a:xfrm>
+          <a:prstGeom prst="rect">
+            <a:avLst/>
+          </a:prstGeom>
+          <a:noFill/>
+        </p:spPr>
+        <p:txBody>
+          <a:bodyPr wrap="square">
+            <a:spAutoFit/>
+          </a:bodyPr>
+          <a:lstStyle/>
+          <a:p>
+            <a:r>
+              <a:rPr lang="en-US" sz="2000" dirty="0" err="1">
+                <a:latin typeface="Cascadia Code" panose="020B0609020000020004" pitchFamily="49" charset="0"/>
+                <a:ea typeface="Cascadia Code" panose="020B0609020000020004" pitchFamily="49" charset="0"/>
+                <a:cs typeface="Cascadia Code" panose="020B0609020000020004" pitchFamily="49" charset="0"/>
+              </a:rPr>
+              <a:t>math.pi</a:t>
+            </a:r>
+            <a:r>
+              <a:rPr lang="en-US" sz="2000" dirty="0">
+                <a:latin typeface="Cascadia Code" panose="020B0609020000020004" pitchFamily="49" charset="0"/>
+                <a:ea typeface="Cascadia Code" panose="020B0609020000020004" pitchFamily="49" charset="0"/>
+                <a:cs typeface="Cascadia Code" panose="020B0609020000020004" pitchFamily="49" charset="0"/>
+              </a:rPr>
+              <a:t> – </a:t>
+            </a:r>
+            <a:r>
+              <a:rPr lang="th-TH" dirty="0">
+                <a:latin typeface="DB Helvethaica X" panose="02000506090000020004" pitchFamily="2" charset="-34"/>
+                <a:ea typeface="Cascadia Code" panose="020B0609020000020004" pitchFamily="49" charset="0"/>
+                <a:cs typeface="DB Helvethaica X" panose="02000506090000020004" pitchFamily="2" charset="-34"/>
+              </a:rPr>
+              <a:t>ได้ค่าพาย</a:t>
+            </a:r>
+            <a:r>
+              <a:rPr lang="en-US" dirty="0">
+                <a:latin typeface="DB Helvethaica X" panose="02000506090000020004" pitchFamily="2" charset="-34"/>
+                <a:ea typeface="Cascadia Code" panose="020B0609020000020004" pitchFamily="49" charset="0"/>
+                <a:cs typeface="DB Helvethaica X" panose="02000506090000020004" pitchFamily="2" charset="-34"/>
+              </a:rPr>
+              <a:t> </a:t>
+            </a:r>
+            <a:r>
+              <a:rPr lang="th-TH" dirty="0">
+                <a:latin typeface="DB Helvethaica X" panose="02000506090000020004" pitchFamily="2" charset="-34"/>
+                <a:ea typeface="Cascadia Code" panose="020B0609020000020004" pitchFamily="49" charset="0"/>
+                <a:cs typeface="DB Helvethaica X" panose="02000506090000020004" pitchFamily="2" charset="-34"/>
+              </a:rPr>
+              <a:t>ทศนิยม </a:t>
+            </a:r>
+            <a:r>
+              <a:rPr lang="en-US" dirty="0">
+                <a:latin typeface="DB Helvethaica X" panose="02000506090000020004" pitchFamily="2" charset="-34"/>
+                <a:ea typeface="Cascadia Code" panose="020B0609020000020004" pitchFamily="49" charset="0"/>
+                <a:cs typeface="DB Helvethaica X" panose="02000506090000020004" pitchFamily="2" charset="-34"/>
+              </a:rPr>
+              <a:t>15 </a:t>
+            </a:r>
+            <a:r>
+              <a:rPr lang="th-TH" dirty="0">
+                <a:latin typeface="DB Helvethaica X" panose="02000506090000020004" pitchFamily="2" charset="-34"/>
+                <a:ea typeface="Cascadia Code" panose="020B0609020000020004" pitchFamily="49" charset="0"/>
+                <a:cs typeface="DB Helvethaica X" panose="02000506090000020004" pitchFamily="2" charset="-34"/>
+              </a:rPr>
+              <a:t>ตำแหน่ง</a:t>
+            </a:r>
+            <a:endParaRPr lang="th-TH" sz="2000" dirty="0">
+              <a:latin typeface="DB Helvethaica X" panose="02000506090000020004" pitchFamily="2" charset="-34"/>
+              <a:ea typeface="Cascadia Code" panose="020B0609020000020004" pitchFamily="49" charset="0"/>
+              <a:cs typeface="DB Helvethaica X" panose="02000506090000020004" pitchFamily="2" charset="-34"/>
+            </a:endParaRPr>
+          </a:p>
+          <a:p>
+            <a:r>
+              <a:rPr lang="en-US" sz="2000" dirty="0" err="1">
+                <a:latin typeface="Cascadia Code" panose="020B0609020000020004" pitchFamily="49" charset="0"/>
+                <a:ea typeface="Cascadia Code" panose="020B0609020000020004" pitchFamily="49" charset="0"/>
+                <a:cs typeface="Cascadia Code" panose="020B0609020000020004" pitchFamily="49" charset="0"/>
+              </a:rPr>
+              <a:t>math.e</a:t>
+            </a:r>
+            <a:r>
+              <a:rPr lang="en-US" sz="2000" dirty="0">
+                <a:latin typeface="Cascadia Code" panose="020B0609020000020004" pitchFamily="49" charset="0"/>
+                <a:ea typeface="Cascadia Code" panose="020B0609020000020004" pitchFamily="49" charset="0"/>
+                <a:cs typeface="Cascadia Code" panose="020B0609020000020004" pitchFamily="49" charset="0"/>
+              </a:rPr>
+              <a:t>  - </a:t>
+            </a:r>
+            <a:r>
+              <a:rPr lang="th-TH" dirty="0">
+                <a:latin typeface="DB Helvethaica X" panose="02000506090000020004" pitchFamily="2" charset="-34"/>
+                <a:ea typeface="Cascadia Code" panose="020B0609020000020004" pitchFamily="49" charset="0"/>
+                <a:cs typeface="DB Helvethaica X" panose="02000506090000020004" pitchFamily="2" charset="-34"/>
+              </a:rPr>
+              <a:t>ได้ค่า </a:t>
+            </a:r>
+            <a:r>
+              <a:rPr lang="en-US" dirty="0">
+                <a:latin typeface="DB Helvethaica X" panose="02000506090000020004" pitchFamily="2" charset="-34"/>
+                <a:ea typeface="Cascadia Code" panose="020B0609020000020004" pitchFamily="49" charset="0"/>
+                <a:cs typeface="DB Helvethaica X" panose="02000506090000020004" pitchFamily="2" charset="-34"/>
+              </a:rPr>
+              <a:t>e  </a:t>
+            </a:r>
+            <a:r>
+              <a:rPr lang="th-TH" dirty="0">
+                <a:latin typeface="DB Helvethaica X" panose="02000506090000020004" pitchFamily="2" charset="-34"/>
+                <a:ea typeface="Cascadia Code" panose="020B0609020000020004" pitchFamily="49" charset="0"/>
+                <a:cs typeface="DB Helvethaica X" panose="02000506090000020004" pitchFamily="2" charset="-34"/>
+              </a:rPr>
+              <a:t>ทศนิยม </a:t>
+            </a:r>
+            <a:r>
+              <a:rPr lang="en-US" dirty="0">
+                <a:latin typeface="DB Helvethaica X" panose="02000506090000020004" pitchFamily="2" charset="-34"/>
+                <a:ea typeface="Cascadia Code" panose="020B0609020000020004" pitchFamily="49" charset="0"/>
+                <a:cs typeface="DB Helvethaica X" panose="02000506090000020004" pitchFamily="2" charset="-34"/>
+              </a:rPr>
+              <a:t>15 </a:t>
+            </a:r>
+            <a:r>
+              <a:rPr lang="th-TH" dirty="0">
+                <a:latin typeface="DB Helvethaica X" panose="02000506090000020004" pitchFamily="2" charset="-34"/>
+                <a:ea typeface="Cascadia Code" panose="020B0609020000020004" pitchFamily="49" charset="0"/>
+                <a:cs typeface="DB Helvethaica X" panose="02000506090000020004" pitchFamily="2" charset="-34"/>
+              </a:rPr>
+              <a:t>ตำแหน่ง</a:t>
+            </a:r>
+            <a:endParaRPr lang="en-US" sz="2000" dirty="0">
+              <a:latin typeface="DB Helvethaica X" panose="02000506090000020004" pitchFamily="2" charset="-34"/>
+              <a:ea typeface="Cascadia Code" panose="020B0609020000020004" pitchFamily="49" charset="0"/>
+              <a:cs typeface="DB Helvethaica X" panose="02000506090000020004" pitchFamily="2" charset="-34"/>
+            </a:endParaRPr>
+          </a:p>
+        </p:txBody>
+      </p:sp>
+      <p:sp>
+        <p:nvSpPr>
+          <p:cNvPr id="3" name="TextBox 2">
+            <a:extLst>
+              <a:ext uri="{FF2B5EF4-FFF2-40B4-BE49-F238E27FC236}">
+                <a16:creationId xmlns:a16="http://schemas.microsoft.com/office/drawing/2014/main" id="{FD912690-04F2-7783-B137-FC1E72D45D48}"/>
+              </a:ext>
+            </a:extLst>
+          </p:cNvPr>
+          <p:cNvSpPr txBox="1"/>
+          <p:nvPr/>
+        </p:nvSpPr>
+        <p:spPr>
+          <a:xfrm>
+            <a:off x="7062876" y="4980050"/>
+            <a:ext cx="2150135" cy="830997"/>
+          </a:xfrm>
+          <a:prstGeom prst="rect">
+            <a:avLst/>
+          </a:prstGeom>
+          <a:noFill/>
+        </p:spPr>
+        <p:txBody>
+          <a:bodyPr wrap="square">
+            <a:spAutoFit/>
+          </a:bodyPr>
+          <a:lstStyle/>
+          <a:p>
+            <a:r>
+              <a:rPr lang="en-US" sz="2000" dirty="0" err="1">
+                <a:latin typeface="Cascadia Code" panose="020B0609020000020004" pitchFamily="49" charset="0"/>
+                <a:ea typeface="Cascadia Code" panose="020B0609020000020004" pitchFamily="49" charset="0"/>
+                <a:cs typeface="Cascadia Code" panose="020B0609020000020004" pitchFamily="49" charset="0"/>
+              </a:rPr>
+              <a:t>math.sqrt</a:t>
+            </a:r>
+            <a:r>
+              <a:rPr lang="en-US" sz="2000" dirty="0">
+                <a:latin typeface="Cascadia Code" panose="020B0609020000020004" pitchFamily="49" charset="0"/>
+                <a:ea typeface="Cascadia Code" panose="020B0609020000020004" pitchFamily="49" charset="0"/>
+                <a:cs typeface="Cascadia Code" panose="020B0609020000020004" pitchFamily="49" charset="0"/>
+              </a:rPr>
+              <a:t>(x)</a:t>
+            </a:r>
+          </a:p>
+          <a:p>
+            <a:r>
+              <a:rPr lang="en-US" sz="2000" dirty="0">
+                <a:latin typeface="Cascadia Code" panose="020B0609020000020004" pitchFamily="49" charset="0"/>
+                <a:ea typeface="Cascadia Code" panose="020B0609020000020004" pitchFamily="49" charset="0"/>
+                <a:cs typeface="Cascadia Code" panose="020B0609020000020004" pitchFamily="49" charset="0"/>
+              </a:rPr>
+              <a:t>- </a:t>
+            </a:r>
+            <a:r>
+              <a:rPr lang="th-TH" dirty="0">
+                <a:latin typeface="DB Helvethaica X" panose="02000506090000020004" pitchFamily="2" charset="-34"/>
+                <a:ea typeface="Cascadia Code" panose="020B0609020000020004" pitchFamily="49" charset="0"/>
+                <a:cs typeface="DB Helvethaica X" panose="02000506090000020004" pitchFamily="2" charset="-34"/>
+              </a:rPr>
+              <a:t>จะได้ค่ารูทของ </a:t>
+            </a:r>
+            <a:r>
+              <a:rPr lang="en-US" dirty="0">
+                <a:latin typeface="DB Helvethaica X" panose="02000506090000020004" pitchFamily="2" charset="-34"/>
+                <a:ea typeface="Cascadia Code" panose="020B0609020000020004" pitchFamily="49" charset="0"/>
+                <a:cs typeface="DB Helvethaica X" panose="02000506090000020004" pitchFamily="2" charset="-34"/>
+              </a:rPr>
+              <a:t>x</a:t>
+            </a:r>
+            <a:endParaRPr lang="th-TH" sz="2000" dirty="0">
+              <a:latin typeface="DB Helvethaica X" panose="02000506090000020004" pitchFamily="2" charset="-34"/>
+              <a:cs typeface="DB Helvethaica X" panose="02000506090000020004" pitchFamily="2" charset="-34"/>
+            </a:endParaRPr>
+          </a:p>
+        </p:txBody>
+      </p:sp>
+      <p:sp>
+        <p:nvSpPr>
+          <p:cNvPr id="10" name="TextBox 9">
+            <a:extLst>
+              <a:ext uri="{FF2B5EF4-FFF2-40B4-BE49-F238E27FC236}">
+                <a16:creationId xmlns:a16="http://schemas.microsoft.com/office/drawing/2014/main" id="{6AD25719-6BB5-BA16-DF1A-802FB134C0A2}"/>
+              </a:ext>
+            </a:extLst>
+          </p:cNvPr>
+          <p:cNvSpPr txBox="1"/>
+          <p:nvPr/>
+        </p:nvSpPr>
+        <p:spPr>
+          <a:xfrm>
+            <a:off x="7062876" y="1552319"/>
+            <a:ext cx="4734465" cy="1077218"/>
+          </a:xfrm>
+          <a:prstGeom prst="rect">
+            <a:avLst/>
+          </a:prstGeom>
+          <a:noFill/>
+        </p:spPr>
+        <p:txBody>
+          <a:bodyPr wrap="square" rtlCol="0">
+            <a:spAutoFit/>
+          </a:bodyPr>
+          <a:lstStyle/>
+          <a:p>
+            <a:r>
+              <a:rPr lang="en-US" sz="1600" dirty="0">
                 <a:latin typeface="Cascadia Mono" panose="020B0609020000020004" pitchFamily="49" charset="0"/>
                 <a:ea typeface="Cascadia Mono" panose="020B0609020000020004" pitchFamily="49" charset="0"/>
                 <a:cs typeface="Cascadia Mono" panose="020B0609020000020004" pitchFamily="49" charset="0"/>
               </a:rPr>
-              <a:t>&gt;&gt;&gt; pow(2,10)</a:t>
-            </a:r>
-          </a:p>
-          <a:p>
-            <a:r>
-              <a:rPr lang="th-TH" sz="2000" dirty="0">
+              <a:t>&gt;&gt;&gt; </a:t>
+            </a:r>
+            <a:r>
+              <a:rPr lang="en-US" sz="1600" dirty="0" err="1">
                 <a:latin typeface="Cascadia Mono" panose="020B0609020000020004" pitchFamily="49" charset="0"/>
                 <a:ea typeface="Cascadia Mono" panose="020B0609020000020004" pitchFamily="49" charset="0"/>
                 <a:cs typeface="Cascadia Mono" panose="020B0609020000020004" pitchFamily="49" charset="0"/>
               </a:rPr>
-              <a:t>1024</a:t>
-            </a:r>
-            <a:endParaRPr lang="en-US" sz="2000" dirty="0">
+              <a:t>math.sqrt</a:t>
+            </a:r>
+            <a:r>
+              <a:rPr lang="en-US" sz="1600" dirty="0">
+                <a:latin typeface="Cascadia Mono" panose="020B0609020000020004" pitchFamily="49" charset="0"/>
+                <a:ea typeface="Cascadia Mono" panose="020B0609020000020004" pitchFamily="49" charset="0"/>
+                <a:cs typeface="Cascadia Mono" panose="020B0609020000020004" pitchFamily="49" charset="0"/>
+              </a:rPr>
+              <a:t>(2)</a:t>
+            </a:r>
+          </a:p>
+          <a:p>
+            <a:r>
+              <a:rPr lang="en-US" sz="1600" dirty="0">
+                <a:solidFill>
+                  <a:srgbClr val="FF0000"/>
+                </a:solidFill>
+                <a:latin typeface="Cascadia Mono" panose="020B0609020000020004" pitchFamily="49" charset="0"/>
+                <a:ea typeface="Cascadia Mono" panose="020B0609020000020004" pitchFamily="49" charset="0"/>
+                <a:cs typeface="Cascadia Mono" panose="020B0609020000020004" pitchFamily="49" charset="0"/>
+              </a:rPr>
+              <a:t>Traceback (most recent call last):</a:t>
+            </a:r>
+          </a:p>
+          <a:p>
+            <a:r>
+              <a:rPr lang="en-US" sz="1600" dirty="0">
+                <a:solidFill>
+                  <a:srgbClr val="FF0000"/>
+                </a:solidFill>
+                <a:latin typeface="Cascadia Mono" panose="020B0609020000020004" pitchFamily="49" charset="0"/>
+                <a:ea typeface="Cascadia Mono" panose="020B0609020000020004" pitchFamily="49" charset="0"/>
+                <a:cs typeface="Cascadia Mono" panose="020B0609020000020004" pitchFamily="49" charset="0"/>
+              </a:rPr>
+              <a:t>  File "&lt;stdin&gt;", line 1, in &lt;module&gt;</a:t>
+            </a:r>
+          </a:p>
+          <a:p>
+            <a:r>
+              <a:rPr lang="en-US" sz="1600" dirty="0" err="1">
+                <a:solidFill>
+                  <a:srgbClr val="FF0000"/>
+                </a:solidFill>
+                <a:latin typeface="Cascadia Mono" panose="020B0609020000020004" pitchFamily="49" charset="0"/>
+                <a:ea typeface="Cascadia Mono" panose="020B0609020000020004" pitchFamily="49" charset="0"/>
+                <a:cs typeface="Cascadia Mono" panose="020B0609020000020004" pitchFamily="49" charset="0"/>
+              </a:rPr>
+              <a:t>NameError</a:t>
+            </a:r>
+            <a:r>
+              <a:rPr lang="en-US" sz="1600" dirty="0">
+                <a:solidFill>
+                  <a:srgbClr val="FF0000"/>
+                </a:solidFill>
+                <a:latin typeface="Cascadia Mono" panose="020B0609020000020004" pitchFamily="49" charset="0"/>
+                <a:ea typeface="Cascadia Mono" panose="020B0609020000020004" pitchFamily="49" charset="0"/>
+                <a:cs typeface="Cascadia Mono" panose="020B0609020000020004" pitchFamily="49" charset="0"/>
+              </a:rPr>
+              <a:t>: name 'math' is not defined</a:t>
+            </a:r>
+            <a:endParaRPr lang="th-TH" sz="1600" dirty="0">
+              <a:solidFill>
+                <a:srgbClr val="FF0000"/>
+              </a:solidFill>
               <a:latin typeface="Cascadia Mono" panose="020B0609020000020004" pitchFamily="49" charset="0"/>
               <a:ea typeface="Cascadia Mono" panose="020B0609020000020004" pitchFamily="49" charset="0"/>
               <a:cs typeface="Cascadia Mono" panose="020B0609020000020004" pitchFamily="49" charset="0"/>
@@ -8754,10 +9195,10 @@
       </p:sp>
       <p:sp>
         <p:nvSpPr>
-          <p:cNvPr id="9" name="TextBox 8">
-            <a:extLst>
-              <a:ext uri="{FF2B5EF4-FFF2-40B4-BE49-F238E27FC236}">
-                <a16:creationId xmlns:a16="http://schemas.microsoft.com/office/drawing/2014/main" id="{023C5920-6C7C-179B-6943-82EAA352CE0D}"/>
+          <p:cNvPr id="12" name="TextBox 11">
+            <a:extLst>
+              <a:ext uri="{FF2B5EF4-FFF2-40B4-BE49-F238E27FC236}">
+                <a16:creationId xmlns:a16="http://schemas.microsoft.com/office/drawing/2014/main" id="{8DFD53DC-8CD8-F19E-BB52-2A971024E931}"/>
               </a:ext>
             </a:extLst>
           </p:cNvPr>
@@ -8766,8 +9207,8 @@
         </p:nvSpPr>
         <p:spPr>
           <a:xfrm>
-            <a:off x="1532626" y="3737154"/>
-            <a:ext cx="6094562" cy="707886"/>
+            <a:off x="899304" y="1025902"/>
+            <a:ext cx="6111814" cy="1803507"/>
           </a:xfrm>
           <a:prstGeom prst="rect">
             <a:avLst/>
@@ -8781,30 +9222,99 @@
           <a:lstStyle/>
           <a:p>
             <a:r>
-              <a:rPr lang="th-TH" sz="2000" dirty="0">
-                <a:latin typeface="Cascadia Mono" panose="020B0609020000020004" pitchFamily="49" charset="0"/>
-                <a:ea typeface="Cascadia Mono" panose="020B0609020000020004" pitchFamily="49" charset="0"/>
-                <a:cs typeface="Cascadia Mono" panose="020B0609020000020004" pitchFamily="49" charset="0"/>
-              </a:rPr>
-              <a:t>&gt;&gt;&gt; abs(-100)</a:t>
-            </a:r>
-          </a:p>
-          <a:p>
-            <a:r>
-              <a:rPr lang="th-TH" sz="2000" dirty="0">
-                <a:latin typeface="Cascadia Mono" panose="020B0609020000020004" pitchFamily="49" charset="0"/>
-                <a:ea typeface="Cascadia Mono" panose="020B0609020000020004" pitchFamily="49" charset="0"/>
-                <a:cs typeface="Cascadia Mono" panose="020B0609020000020004" pitchFamily="49" charset="0"/>
-              </a:rPr>
-              <a:t>100</a:t>
-            </a:r>
+              <a:rPr lang="th-TH" sz="3600" dirty="0">
+                <a:latin typeface="DB Helvethaica X" panose="02000506090000020004" pitchFamily="2" charset="-34"/>
+                <a:ea typeface="Cascadia Code" panose="020B0609020000020004" pitchFamily="49" charset="0"/>
+                <a:cs typeface="DB Helvethaica X" panose="02000506090000020004" pitchFamily="2" charset="-34"/>
+              </a:rPr>
+              <a:t>วิธีใช้ </a:t>
+            </a:r>
+            <a:br>
+              <a:rPr lang="th-TH" sz="2800" dirty="0">
+                <a:latin typeface="Cascadia Code" panose="020B0609020000020004" pitchFamily="49" charset="0"/>
+                <a:ea typeface="Cascadia Code" panose="020B0609020000020004" pitchFamily="49" charset="0"/>
+                <a:cs typeface="Cascadia Code" panose="020B0609020000020004" pitchFamily="49" charset="0"/>
+              </a:rPr>
+            </a:br>
+            <a:r>
+              <a:rPr lang="en-US" sz="2800" dirty="0">
+                <a:latin typeface="Cascadia Code" panose="020B0609020000020004" pitchFamily="49" charset="0"/>
+                <a:ea typeface="Cascadia Code" panose="020B0609020000020004" pitchFamily="49" charset="0"/>
+                <a:cs typeface="Cascadia Code" panose="020B0609020000020004" pitchFamily="49" charset="0"/>
+              </a:rPr>
+              <a:t>import math </a:t>
+            </a:r>
+            <a:r>
+              <a:rPr lang="th-TH" sz="3600" dirty="0">
+                <a:latin typeface="DB Helvethaica X" panose="02000506090000020004" pitchFamily="2" charset="-34"/>
+                <a:ea typeface="Cascadia Code" panose="020B0609020000020004" pitchFamily="49" charset="0"/>
+                <a:cs typeface="DB Helvethaica X" panose="02000506090000020004" pitchFamily="2" charset="-34"/>
+              </a:rPr>
+              <a:t>ก่อนจะใช้งานเสมอ</a:t>
+            </a:r>
+            <a:br>
+              <a:rPr lang="th-TH" sz="2800" dirty="0">
+                <a:latin typeface="Cascadia Code" panose="020B0609020000020004" pitchFamily="49" charset="0"/>
+                <a:ea typeface="Cascadia Code" panose="020B0609020000020004" pitchFamily="49" charset="0"/>
+                <a:cs typeface="Cascadia Code" panose="020B0609020000020004" pitchFamily="49" charset="0"/>
+              </a:rPr>
+            </a:br>
+            <a:r>
+              <a:rPr lang="th-TH" sz="3600" dirty="0">
+                <a:latin typeface="DB Helvethaica X" panose="02000506090000020004" pitchFamily="2" charset="-34"/>
+                <a:ea typeface="Cascadia Code" panose="020B0609020000020004" pitchFamily="49" charset="0"/>
+                <a:cs typeface="DB Helvethaica X" panose="02000506090000020004" pitchFamily="2" charset="-34"/>
+              </a:rPr>
+              <a:t>ถ้าใช้งานฟังก์ชั่นก่อน</a:t>
+            </a:r>
+            <a:r>
+              <a:rPr lang="th-TH" sz="2800" dirty="0">
+                <a:latin typeface="Cascadia Code" panose="020B0609020000020004" pitchFamily="49" charset="0"/>
+                <a:ea typeface="Cascadia Code" panose="020B0609020000020004" pitchFamily="49" charset="0"/>
+                <a:cs typeface="Cascadia Code" panose="020B0609020000020004" pitchFamily="49" charset="0"/>
+              </a:rPr>
+              <a:t> </a:t>
+            </a:r>
+            <a:r>
+              <a:rPr lang="en-US" sz="2800" dirty="0">
+                <a:latin typeface="Cascadia Code" panose="020B0609020000020004" pitchFamily="49" charset="0"/>
+                <a:ea typeface="Cascadia Code" panose="020B0609020000020004" pitchFamily="49" charset="0"/>
+                <a:cs typeface="Cascadia Code" panose="020B0609020000020004" pitchFamily="49" charset="0"/>
+              </a:rPr>
+              <a:t>import </a:t>
+            </a:r>
+            <a:r>
+              <a:rPr lang="th-TH" sz="3600" dirty="0">
+                <a:latin typeface="DB Helvethaica X" panose="02000506090000020004" pitchFamily="2" charset="-34"/>
+                <a:ea typeface="Cascadia Code" panose="020B0609020000020004" pitchFamily="49" charset="0"/>
+                <a:cs typeface="DB Helvethaica X" panose="02000506090000020004" pitchFamily="2" charset="-34"/>
+              </a:rPr>
+              <a:t>จะ</a:t>
+            </a:r>
+            <a:r>
+              <a:rPr lang="th-TH" sz="2800" dirty="0">
+                <a:latin typeface="Cascadia Code" panose="020B0609020000020004" pitchFamily="49" charset="0"/>
+                <a:ea typeface="Cascadia Code" panose="020B0609020000020004" pitchFamily="49" charset="0"/>
+                <a:cs typeface="Cascadia Code" panose="020B0609020000020004" pitchFamily="49" charset="0"/>
+              </a:rPr>
+              <a:t> </a:t>
+            </a:r>
+            <a:r>
+              <a:rPr lang="en-US" sz="2800" dirty="0">
+                <a:latin typeface="Cascadia Code" panose="020B0609020000020004" pitchFamily="49" charset="0"/>
+                <a:ea typeface="Cascadia Code" panose="020B0609020000020004" pitchFamily="49" charset="0"/>
+                <a:cs typeface="Cascadia Code" panose="020B0609020000020004" pitchFamily="49" charset="0"/>
+              </a:rPr>
+              <a:t>error</a:t>
+            </a:r>
+            <a:endParaRPr lang="th-TH" dirty="0"/>
           </a:p>
         </p:txBody>
       </p:sp>
     </p:spTree>
     <p:extLst>
       <p:ext uri="{BB962C8B-B14F-4D97-AF65-F5344CB8AC3E}">
-        <p14:creationId xmlns:p14="http://schemas.microsoft.com/office/powerpoint/2010/main" val="1445683759"/>
+        <p14:creationId xmlns:p14="http://schemas.microsoft.com/office/powerpoint/2010/main" val="1047924919"/>
       </p:ext>
     </p:extLst>
   </p:cSld>
@@ -8833,10 +9343,10 @@
       </p:grpSpPr>
       <p:pic>
         <p:nvPicPr>
-          <p:cNvPr id="9" name="Picture 8">
-            <a:extLst>
-              <a:ext uri="{FF2B5EF4-FFF2-40B4-BE49-F238E27FC236}">
-                <a16:creationId xmlns:a16="http://schemas.microsoft.com/office/drawing/2014/main" id="{C3251B24-0E24-0DD0-395B-A029CDA1FDCC}"/>
+          <p:cNvPr id="11" name="Picture 10">
+            <a:extLst>
+              <a:ext uri="{FF2B5EF4-FFF2-40B4-BE49-F238E27FC236}">
+                <a16:creationId xmlns:a16="http://schemas.microsoft.com/office/drawing/2014/main" id="{8D4C3B6D-98DF-0CDD-7FE6-59E682056815}"/>
               </a:ext>
             </a:extLst>
           </p:cNvPr>
@@ -8869,90 +9379,10 @@
       </p:pic>
       <p:sp>
         <p:nvSpPr>
-          <p:cNvPr id="2" name="Title 1">
-            <a:extLst>
-              <a:ext uri="{FF2B5EF4-FFF2-40B4-BE49-F238E27FC236}">
-                <a16:creationId xmlns:a16="http://schemas.microsoft.com/office/drawing/2014/main" id="{22DC39F5-3A79-7D77-161B-290ECEAD9A0F}"/>
-              </a:ext>
-            </a:extLst>
-          </p:cNvPr>
-          <p:cNvSpPr>
-            <a:spLocks noGrp="1"/>
-          </p:cNvSpPr>
-          <p:nvPr>
-            <p:ph type="title"/>
-          </p:nvPr>
-        </p:nvSpPr>
-        <p:spPr>
-          <a:xfrm>
-            <a:off x="3228436" y="554492"/>
-            <a:ext cx="5735128" cy="695511"/>
-          </a:xfrm>
-        </p:spPr>
-        <p:txBody>
-          <a:bodyPr>
-            <a:noAutofit/>
-          </a:bodyPr>
-          <a:lstStyle/>
-          <a:p>
-            <a:r>
-              <a:rPr lang="en-US" sz="2400" dirty="0">
-                <a:latin typeface="Cascadia Code" panose="020B0609020000020004" pitchFamily="49" charset="0"/>
-                <a:ea typeface="Cascadia Code" panose="020B0609020000020004" pitchFamily="49" charset="0"/>
-                <a:cs typeface="Cascadia Code" panose="020B0609020000020004" pitchFamily="49" charset="0"/>
-              </a:rPr>
-              <a:t>math function </a:t>
-            </a:r>
-            <a:r>
-              <a:rPr lang="th-TH" sz="3200" dirty="0">
-                <a:latin typeface="DB Helvethaica X" panose="02000506090000020004" pitchFamily="2" charset="-34"/>
-                <a:ea typeface="Cascadia Code" panose="020B0609020000020004" pitchFamily="49" charset="0"/>
-                <a:cs typeface="DB Helvethaica X" panose="02000506090000020004" pitchFamily="2" charset="-34"/>
-              </a:rPr>
-              <a:t>อื่นๆ</a:t>
-            </a:r>
-            <a:r>
-              <a:rPr lang="en-US" sz="3200" dirty="0">
-                <a:latin typeface="DB Helvethaica X" panose="02000506090000020004" pitchFamily="2" charset="-34"/>
-                <a:ea typeface="Cascadia Code" panose="020B0609020000020004" pitchFamily="49" charset="0"/>
-                <a:cs typeface="DB Helvethaica X" panose="02000506090000020004" pitchFamily="2" charset="-34"/>
-              </a:rPr>
-              <a:t> </a:t>
-            </a:r>
-            <a:r>
-              <a:rPr lang="th-TH" sz="3200" dirty="0">
-                <a:latin typeface="DB Helvethaica X" panose="02000506090000020004" pitchFamily="2" charset="-34"/>
-                <a:ea typeface="Cascadia Code" panose="020B0609020000020004" pitchFamily="49" charset="0"/>
-                <a:cs typeface="DB Helvethaica X" panose="02000506090000020004" pitchFamily="2" charset="-34"/>
-              </a:rPr>
-              <a:t>ที่ต้อง</a:t>
-            </a:r>
-            <a:r>
-              <a:rPr lang="th-TH" sz="2400" dirty="0">
-                <a:latin typeface="Cascadia Code" panose="020B0609020000020004" pitchFamily="49" charset="0"/>
-                <a:ea typeface="Cascadia Code" panose="020B0609020000020004" pitchFamily="49" charset="0"/>
-                <a:cs typeface="Cascadia Code" panose="020B0609020000020004" pitchFamily="49" charset="0"/>
-              </a:rPr>
-              <a:t> </a:t>
-            </a:r>
-            <a:r>
-              <a:rPr lang="en-US" sz="2400" dirty="0">
-                <a:latin typeface="Cascadia Code" panose="020B0609020000020004" pitchFamily="49" charset="0"/>
-                <a:ea typeface="Cascadia Code" panose="020B0609020000020004" pitchFamily="49" charset="0"/>
-                <a:cs typeface="Cascadia Code" panose="020B0609020000020004" pitchFamily="49" charset="0"/>
-              </a:rPr>
-              <a:t>import</a:t>
-            </a:r>
-            <a:endParaRPr lang="th-TH" sz="2400" dirty="0"/>
-          </a:p>
-        </p:txBody>
-      </p:sp>
-      <p:sp>
-        <p:nvSpPr>
-          <p:cNvPr id="4" name="TextBox 3">
-            <a:extLst>
-              <a:ext uri="{FF2B5EF4-FFF2-40B4-BE49-F238E27FC236}">
-                <a16:creationId xmlns:a16="http://schemas.microsoft.com/office/drawing/2014/main" id="{D49C7802-D44E-BD06-291D-E48290E1657E}"/>
+          <p:cNvPr id="13" name="TextBox 12">
+            <a:extLst>
+              <a:ext uri="{FF2B5EF4-FFF2-40B4-BE49-F238E27FC236}">
+                <a16:creationId xmlns:a16="http://schemas.microsoft.com/office/drawing/2014/main" id="{1B7E5AAC-B667-C0AF-CF2D-F47A22A22C0D}"/>
               </a:ext>
             </a:extLst>
           </p:cNvPr>
@@ -8961,8 +9391,8 @@
         </p:nvSpPr>
         <p:spPr>
           <a:xfrm>
-            <a:off x="664235" y="2984170"/>
-            <a:ext cx="4169731" cy="646331"/>
+            <a:off x="1695065" y="661339"/>
+            <a:ext cx="7647343" cy="707886"/>
           </a:xfrm>
           <a:prstGeom prst="rect">
             <a:avLst/>
@@ -8970,155 +9400,103 @@
           <a:noFill/>
         </p:spPr>
         <p:txBody>
-          <a:bodyPr wrap="none" rtlCol="0">
+          <a:bodyPr wrap="square">
             <a:spAutoFit/>
           </a:bodyPr>
           <a:lstStyle/>
           <a:p>
             <a:r>
-              <a:rPr lang="th-TH" sz="3600" dirty="0">
-                <a:latin typeface="DB Helvethaica X" panose="02000506090000020004" pitchFamily="2" charset="-34"/>
-                <a:ea typeface="Cascadia Mono" panose="020B0609020000020004" pitchFamily="49" charset="0"/>
-                <a:cs typeface="DB Helvethaica X" panose="02000506090000020004" pitchFamily="2" charset="-34"/>
-              </a:rPr>
-              <a:t>ตัวอย่าง</a:t>
-            </a:r>
-            <a:r>
-              <a:rPr lang="th-TH" dirty="0">
-                <a:latin typeface="Cascadia Mono" panose="020B0609020000020004" pitchFamily="49" charset="0"/>
-                <a:ea typeface="Cascadia Mono" panose="020B0609020000020004" pitchFamily="49" charset="0"/>
-                <a:cs typeface="Cascadia Mono" panose="020B0609020000020004" pitchFamily="49" charset="0"/>
-              </a:rPr>
-              <a:t> </a:t>
-            </a:r>
-            <a:r>
-              <a:rPr lang="en-US" dirty="0">
-                <a:latin typeface="Cascadia Mono" panose="020B0609020000020004" pitchFamily="49" charset="0"/>
-                <a:ea typeface="Cascadia Mono" panose="020B0609020000020004" pitchFamily="49" charset="0"/>
-                <a:cs typeface="Cascadia Mono" panose="020B0609020000020004" pitchFamily="49" charset="0"/>
-              </a:rPr>
-              <a:t>math function</a:t>
-            </a:r>
-            <a:endParaRPr lang="th-TH" dirty="0">
-              <a:latin typeface="Cascadia Mono" panose="020B0609020000020004" pitchFamily="49" charset="0"/>
-              <a:ea typeface="Cascadia Mono" panose="020B0609020000020004" pitchFamily="49" charset="0"/>
-              <a:cs typeface="Cascadia Mono" panose="020B0609020000020004" pitchFamily="49" charset="0"/>
+              <a:rPr lang="en-US" sz="4000" dirty="0">
+                <a:latin typeface="DB Helvethaica X" panose="02000506090000020004" pitchFamily="2" charset="-34"/>
+                <a:ea typeface="Cascadia Code" panose="020B0609020000020004" pitchFamily="49" charset="0"/>
+                <a:cs typeface="DB Helvethaica X" panose="02000506090000020004" pitchFamily="2" charset="-34"/>
+              </a:rPr>
+              <a:t>Practice </a:t>
+            </a:r>
+            <a:r>
+              <a:rPr lang="th-TH" sz="4000" dirty="0">
+                <a:latin typeface="DB Helvethaica X" panose="02000506090000020004" pitchFamily="2" charset="-34"/>
+                <a:ea typeface="Cascadia Code" panose="020B0609020000020004" pitchFamily="49" charset="0"/>
+                <a:cs typeface="DB Helvethaica X" panose="02000506090000020004" pitchFamily="2" charset="-34"/>
+              </a:rPr>
+              <a:t>มาลองใช้ </a:t>
+            </a:r>
+            <a:r>
+              <a:rPr lang="en-US" sz="4000" dirty="0">
+                <a:latin typeface="DB Helvethaica X" panose="02000506090000020004" pitchFamily="2" charset="-34"/>
+                <a:ea typeface="Cascadia Code" panose="020B0609020000020004" pitchFamily="49" charset="0"/>
+                <a:cs typeface="DB Helvethaica X" panose="02000506090000020004" pitchFamily="2" charset="-34"/>
+              </a:rPr>
+              <a:t>if else </a:t>
+            </a:r>
+            <a:r>
+              <a:rPr lang="th-TH" sz="4000" dirty="0">
+                <a:latin typeface="DB Helvethaica X" panose="02000506090000020004" pitchFamily="2" charset="-34"/>
+                <a:ea typeface="Cascadia Code" panose="020B0609020000020004" pitchFamily="49" charset="0"/>
+                <a:cs typeface="DB Helvethaica X" panose="02000506090000020004" pitchFamily="2" charset="-34"/>
+              </a:rPr>
+              <a:t>กันเถอะ</a:t>
+            </a:r>
+            <a:endParaRPr lang="th-TH" sz="4000" dirty="0">
+              <a:latin typeface="DB Helvethaica X" panose="02000506090000020004" pitchFamily="2" charset="-34"/>
+              <a:cs typeface="DB Helvethaica X" panose="02000506090000020004" pitchFamily="2" charset="-34"/>
             </a:endParaRPr>
           </a:p>
         </p:txBody>
       </p:sp>
-      <p:sp>
-        <p:nvSpPr>
-          <p:cNvPr id="6" name="TextBox 5">
-            <a:extLst>
-              <a:ext uri="{FF2B5EF4-FFF2-40B4-BE49-F238E27FC236}">
-                <a16:creationId xmlns:a16="http://schemas.microsoft.com/office/drawing/2014/main" id="{EA565CCD-A882-E6DD-4282-FE8F034BEB92}"/>
-              </a:ext>
-            </a:extLst>
-          </p:cNvPr>
-          <p:cNvSpPr txBox="1"/>
+      <p:pic>
+        <p:nvPicPr>
+          <p:cNvPr id="1027" name="Picture 3" descr="Killing the leap year is the only way to fix our broken calendar | WIRED UK">
+            <a:extLst>
+              <a:ext uri="{FF2B5EF4-FFF2-40B4-BE49-F238E27FC236}">
+                <a16:creationId xmlns:a16="http://schemas.microsoft.com/office/drawing/2014/main" id="{E0FA818F-327C-9F54-5018-C3B8CD8E1FB3}"/>
+              </a:ext>
+            </a:extLst>
+          </p:cNvPr>
+          <p:cNvPicPr>
+            <a:picLocks noChangeAspect="1" noChangeArrowheads="1"/>
+          </p:cNvPicPr>
           <p:nvPr/>
-        </p:nvSpPr>
-        <p:spPr>
-          <a:xfrm>
-            <a:off x="1483917" y="3985150"/>
-            <a:ext cx="4256293" cy="954107"/>
+        </p:nvPicPr>
+        <p:blipFill>
+          <a:blip r:embed="rId3">
+            <a:extLst>
+              <a:ext uri="{28A0092B-C50C-407E-A947-70E740481C1C}">
+                <a14:useLocalDpi xmlns:a14="http://schemas.microsoft.com/office/drawing/2010/main" val="0"/>
+              </a:ext>
+            </a:extLst>
+          </a:blip>
+          <a:srcRect/>
+          <a:stretch>
+            <a:fillRect/>
+          </a:stretch>
+        </p:blipFill>
+        <p:spPr bwMode="auto">
+          <a:xfrm>
+            <a:off x="1695065" y="1811547"/>
+            <a:ext cx="4035917" cy="2691442"/>
           </a:xfrm>
           <a:prstGeom prst="rect">
             <a:avLst/>
           </a:prstGeom>
           <a:noFill/>
-        </p:spPr>
-        <p:txBody>
-          <a:bodyPr wrap="square">
-            <a:spAutoFit/>
-          </a:bodyPr>
-          <a:lstStyle/>
-          <a:p>
-            <a:r>
-              <a:rPr lang="en-US" sz="2000" dirty="0" err="1">
-                <a:latin typeface="Cascadia Code" panose="020B0609020000020004" pitchFamily="49" charset="0"/>
-                <a:ea typeface="Cascadia Code" panose="020B0609020000020004" pitchFamily="49" charset="0"/>
-                <a:cs typeface="Cascadia Code" panose="020B0609020000020004" pitchFamily="49" charset="0"/>
-              </a:rPr>
-              <a:t>math.ceil</a:t>
-            </a:r>
-            <a:r>
-              <a:rPr lang="en-US" sz="2000" dirty="0">
-                <a:latin typeface="Cascadia Code" panose="020B0609020000020004" pitchFamily="49" charset="0"/>
-                <a:ea typeface="Cascadia Code" panose="020B0609020000020004" pitchFamily="49" charset="0"/>
-                <a:cs typeface="Cascadia Code" panose="020B0609020000020004" pitchFamily="49" charset="0"/>
-              </a:rPr>
-              <a:t>(x)  - </a:t>
-            </a:r>
-            <a:r>
-              <a:rPr lang="th-TH" dirty="0">
-                <a:latin typeface="DB Helvethaica X" panose="02000506090000020004" pitchFamily="2" charset="-34"/>
-                <a:ea typeface="Cascadia Code" panose="020B0609020000020004" pitchFamily="49" charset="0"/>
-                <a:cs typeface="DB Helvethaica X" panose="02000506090000020004" pitchFamily="2" charset="-34"/>
-              </a:rPr>
-              <a:t>ใช้ปัดขึ้นทศนิยม</a:t>
-            </a:r>
-            <a:endParaRPr lang="en-US" sz="2000" dirty="0">
-              <a:latin typeface="DB Helvethaica X" panose="02000506090000020004" pitchFamily="2" charset="-34"/>
-              <a:ea typeface="Cascadia Code" panose="020B0609020000020004" pitchFamily="49" charset="0"/>
-              <a:cs typeface="DB Helvethaica X" panose="02000506090000020004" pitchFamily="2" charset="-34"/>
-            </a:endParaRPr>
-          </a:p>
-          <a:p>
-            <a:r>
-              <a:rPr lang="en-US" sz="2000" dirty="0" err="1">
-                <a:latin typeface="Cascadia Code" panose="020B0609020000020004" pitchFamily="49" charset="0"/>
-                <a:ea typeface="Cascadia Code" panose="020B0609020000020004" pitchFamily="49" charset="0"/>
-                <a:cs typeface="Cascadia Code" panose="020B0609020000020004" pitchFamily="49" charset="0"/>
-              </a:rPr>
-              <a:t>math.floor</a:t>
-            </a:r>
-            <a:r>
-              <a:rPr lang="en-US" sz="2000" dirty="0">
-                <a:latin typeface="Cascadia Code" panose="020B0609020000020004" pitchFamily="49" charset="0"/>
-                <a:ea typeface="Cascadia Code" panose="020B0609020000020004" pitchFamily="49" charset="0"/>
-                <a:cs typeface="Cascadia Code" panose="020B0609020000020004" pitchFamily="49" charset="0"/>
-              </a:rPr>
-              <a:t>(x)</a:t>
-            </a:r>
-            <a:r>
-              <a:rPr lang="th-TH" sz="2000" dirty="0">
-                <a:latin typeface="Cascadia Code" panose="020B0609020000020004" pitchFamily="49" charset="0"/>
-                <a:ea typeface="Cascadia Code" panose="020B0609020000020004" pitchFamily="49" charset="0"/>
-                <a:cs typeface="Cascadia Code" panose="020B0609020000020004" pitchFamily="49" charset="0"/>
-              </a:rPr>
-              <a:t> </a:t>
-            </a:r>
-            <a:r>
-              <a:rPr lang="en-US" sz="2000" dirty="0">
-                <a:latin typeface="Cascadia Code" panose="020B0609020000020004" pitchFamily="49" charset="0"/>
-                <a:ea typeface="Cascadia Code" panose="020B0609020000020004" pitchFamily="49" charset="0"/>
-                <a:cs typeface="Cascadia Code" panose="020B0609020000020004" pitchFamily="49" charset="0"/>
-              </a:rPr>
-              <a:t>- </a:t>
-            </a:r>
-            <a:r>
-              <a:rPr lang="th-TH" dirty="0">
-                <a:latin typeface="DB Helvethaica X" panose="02000506090000020004" pitchFamily="2" charset="-34"/>
-                <a:ea typeface="Cascadia Code" panose="020B0609020000020004" pitchFamily="49" charset="0"/>
-                <a:cs typeface="DB Helvethaica X" panose="02000506090000020004" pitchFamily="2" charset="-34"/>
-              </a:rPr>
-              <a:t>ใช้ปัดลงทศนิยม</a:t>
-            </a:r>
-            <a:endParaRPr lang="th-TH" sz="2000" dirty="0">
-              <a:latin typeface="DB Helvethaica X" panose="02000506090000020004" pitchFamily="2" charset="-34"/>
-              <a:cs typeface="DB Helvethaica X" panose="02000506090000020004" pitchFamily="2" charset="-34"/>
-            </a:endParaRPr>
-          </a:p>
-        </p:txBody>
-      </p:sp>
-      <p:sp>
-        <p:nvSpPr>
-          <p:cNvPr id="7" name="TextBox 6">
-            <a:extLst>
-              <a:ext uri="{FF2B5EF4-FFF2-40B4-BE49-F238E27FC236}">
-                <a16:creationId xmlns:a16="http://schemas.microsoft.com/office/drawing/2014/main" id="{0373C55A-2DA8-42A0-8800-E7296561E068}"/>
+          <a:extLst>
+            <a:ext uri="{909E8E84-426E-40DD-AFC4-6F175D3DCCD1}">
+              <a14:hiddenFill xmlns:a14="http://schemas.microsoft.com/office/drawing/2010/main">
+                <a:solidFill>
+                  <a:srgbClr val="FFFFFF"/>
+                </a:solidFill>
+              </a14:hiddenFill>
+            </a:ext>
+          </a:extLst>
+        </p:spPr>
+      </p:pic>
+      <p:sp>
+        <p:nvSpPr>
+          <p:cNvPr id="14" name="TextBox 13">
+            <a:extLst>
+              <a:ext uri="{FF2B5EF4-FFF2-40B4-BE49-F238E27FC236}">
+                <a16:creationId xmlns:a16="http://schemas.microsoft.com/office/drawing/2014/main" id="{40B98528-B4E3-96DE-C3C5-6F39BC452F9E}"/>
               </a:ext>
             </a:extLst>
           </p:cNvPr>
@@ -9127,8 +9505,8 @@
         </p:nvSpPr>
         <p:spPr>
           <a:xfrm>
-            <a:off x="6745856" y="3046431"/>
-            <a:ext cx="4635260" cy="1877437"/>
+            <a:off x="2790334" y="3950899"/>
+            <a:ext cx="1845377" cy="646331"/>
           </a:xfrm>
           <a:prstGeom prst="rect">
             <a:avLst/>
@@ -9136,287 +9514,78 @@
           <a:noFill/>
         </p:spPr>
         <p:txBody>
-          <a:bodyPr wrap="square">
+          <a:bodyPr wrap="none" rtlCol="0">
             <a:spAutoFit/>
           </a:bodyPr>
           <a:lstStyle/>
           <a:p>
             <a:r>
-              <a:rPr lang="en-US" sz="2000" dirty="0" err="1">
-                <a:latin typeface="Cascadia Code" panose="020B0609020000020004" pitchFamily="49" charset="0"/>
-                <a:ea typeface="Cascadia Code" panose="020B0609020000020004" pitchFamily="49" charset="0"/>
-                <a:cs typeface="Cascadia Code" panose="020B0609020000020004" pitchFamily="49" charset="0"/>
-              </a:rPr>
-              <a:t>math.sin</a:t>
-            </a:r>
-            <a:r>
-              <a:rPr lang="en-US" sz="2000" dirty="0">
-                <a:latin typeface="Cascadia Code" panose="020B0609020000020004" pitchFamily="49" charset="0"/>
-                <a:ea typeface="Cascadia Code" panose="020B0609020000020004" pitchFamily="49" charset="0"/>
-                <a:cs typeface="Cascadia Code" panose="020B0609020000020004" pitchFamily="49" charset="0"/>
-              </a:rPr>
-              <a:t>(x)</a:t>
-            </a:r>
-          </a:p>
-          <a:p>
-            <a:r>
-              <a:rPr lang="en-US" sz="2000" dirty="0" err="1">
-                <a:latin typeface="Cascadia Code" panose="020B0609020000020004" pitchFamily="49" charset="0"/>
-                <a:ea typeface="Cascadia Code" panose="020B0609020000020004" pitchFamily="49" charset="0"/>
-                <a:cs typeface="Cascadia Code" panose="020B0609020000020004" pitchFamily="49" charset="0"/>
-              </a:rPr>
-              <a:t>math.cos</a:t>
-            </a:r>
-            <a:r>
-              <a:rPr lang="en-US" sz="2000" dirty="0">
-                <a:latin typeface="Cascadia Code" panose="020B0609020000020004" pitchFamily="49" charset="0"/>
-                <a:ea typeface="Cascadia Code" panose="020B0609020000020004" pitchFamily="49" charset="0"/>
-                <a:cs typeface="Cascadia Code" panose="020B0609020000020004" pitchFamily="49" charset="0"/>
-              </a:rPr>
-              <a:t>(x)</a:t>
-            </a:r>
-          </a:p>
-          <a:p>
-            <a:r>
-              <a:rPr lang="en-US" sz="2000" dirty="0" err="1">
-                <a:latin typeface="Cascadia Code" panose="020B0609020000020004" pitchFamily="49" charset="0"/>
-                <a:ea typeface="Cascadia Code" panose="020B0609020000020004" pitchFamily="49" charset="0"/>
-                <a:cs typeface="Cascadia Code" panose="020B0609020000020004" pitchFamily="49" charset="0"/>
-              </a:rPr>
-              <a:t>math.tan</a:t>
-            </a:r>
-            <a:r>
-              <a:rPr lang="en-US" sz="2000" dirty="0">
-                <a:latin typeface="Cascadia Code" panose="020B0609020000020004" pitchFamily="49" charset="0"/>
-                <a:ea typeface="Cascadia Code" panose="020B0609020000020004" pitchFamily="49" charset="0"/>
-                <a:cs typeface="Cascadia Code" panose="020B0609020000020004" pitchFamily="49" charset="0"/>
-              </a:rPr>
-              <a:t>(x)</a:t>
-            </a:r>
-          </a:p>
-          <a:p>
-            <a:pPr marL="342900" indent="-342900">
-              <a:buFontTx/>
-              <a:buChar char="-"/>
-            </a:pPr>
-            <a:r>
-              <a:rPr lang="th-TH" dirty="0">
-                <a:latin typeface="DB Helvethaica X" panose="02000506090000020004" pitchFamily="2" charset="-34"/>
-                <a:ea typeface="Cascadia Code" panose="020B0609020000020004" pitchFamily="49" charset="0"/>
-                <a:cs typeface="DB Helvethaica X" panose="02000506090000020004" pitchFamily="2" charset="-34"/>
-              </a:rPr>
-              <a:t>จะได้ค่าฟังก์ชั่นตรีโกณ </a:t>
-            </a:r>
-            <a:r>
-              <a:rPr lang="en-US" dirty="0">
-                <a:latin typeface="DB Helvethaica X" panose="02000506090000020004" pitchFamily="2" charset="-34"/>
-                <a:ea typeface="Cascadia Code" panose="020B0609020000020004" pitchFamily="49" charset="0"/>
-                <a:cs typeface="DB Helvethaica X" panose="02000506090000020004" pitchFamily="2" charset="-34"/>
-              </a:rPr>
-              <a:t>sin cos tan</a:t>
-            </a:r>
-          </a:p>
-          <a:p>
-            <a:r>
-              <a:rPr lang="th-TH" dirty="0">
-                <a:latin typeface="DB Helvethaica X" panose="02000506090000020004" pitchFamily="2" charset="-34"/>
-                <a:ea typeface="Cascadia Code" panose="020B0609020000020004" pitchFamily="49" charset="0"/>
-                <a:cs typeface="DB Helvethaica X" panose="02000506090000020004" pitchFamily="2" charset="-34"/>
-              </a:rPr>
-              <a:t>โดย </a:t>
-            </a:r>
-            <a:r>
-              <a:rPr lang="en-US" dirty="0">
-                <a:latin typeface="DB Helvethaica X" panose="02000506090000020004" pitchFamily="2" charset="-34"/>
-                <a:ea typeface="Cascadia Code" panose="020B0609020000020004" pitchFamily="49" charset="0"/>
-                <a:cs typeface="DB Helvethaica X" panose="02000506090000020004" pitchFamily="2" charset="-34"/>
-              </a:rPr>
-              <a:t>x </a:t>
-            </a:r>
-            <a:r>
-              <a:rPr lang="th-TH" dirty="0">
-                <a:latin typeface="DB Helvethaica X" panose="02000506090000020004" pitchFamily="2" charset="-34"/>
-                <a:ea typeface="Cascadia Code" panose="020B0609020000020004" pitchFamily="49" charset="0"/>
-                <a:cs typeface="DB Helvethaica X" panose="02000506090000020004" pitchFamily="2" charset="-34"/>
-              </a:rPr>
-              <a:t>มีหน่วยเป็น</a:t>
-            </a:r>
-            <a:r>
-              <a:rPr lang="en-US" dirty="0">
-                <a:latin typeface="DB Helvethaica X" panose="02000506090000020004" pitchFamily="2" charset="-34"/>
-                <a:ea typeface="Cascadia Code" panose="020B0609020000020004" pitchFamily="49" charset="0"/>
-                <a:cs typeface="DB Helvethaica X" panose="02000506090000020004" pitchFamily="2" charset="-34"/>
-              </a:rPr>
-              <a:t> radian</a:t>
-            </a:r>
-            <a:endParaRPr lang="th-TH" dirty="0">
+              <a:rPr lang="en-US" sz="3600" dirty="0">
+                <a:latin typeface="DB Helvethaica X" panose="02000506090000020004" pitchFamily="2" charset="-34"/>
+                <a:cs typeface="DB Helvethaica X" panose="02000506090000020004" pitchFamily="2" charset="-34"/>
+              </a:rPr>
+              <a:t>LEAP YEAR</a:t>
+            </a:r>
+            <a:endParaRPr lang="th-TH" sz="3600" dirty="0">
               <a:latin typeface="DB Helvethaica X" panose="02000506090000020004" pitchFamily="2" charset="-34"/>
               <a:cs typeface="DB Helvethaica X" panose="02000506090000020004" pitchFamily="2" charset="-34"/>
             </a:endParaRPr>
           </a:p>
         </p:txBody>
       </p:sp>
-      <p:sp>
-        <p:nvSpPr>
-          <p:cNvPr id="8" name="TextBox 7">
-            <a:extLst>
-              <a:ext uri="{FF2B5EF4-FFF2-40B4-BE49-F238E27FC236}">
-                <a16:creationId xmlns:a16="http://schemas.microsoft.com/office/drawing/2014/main" id="{A42BB2E2-D49F-CB88-D361-16BBFECBE7DF}"/>
-              </a:ext>
-            </a:extLst>
-          </p:cNvPr>
-          <p:cNvSpPr txBox="1"/>
+      <p:pic>
+        <p:nvPicPr>
+          <p:cNvPr id="1029" name="Picture 5" descr="High Quality Badminton Court Construction - Integral Spor">
+            <a:extLst>
+              <a:ext uri="{FF2B5EF4-FFF2-40B4-BE49-F238E27FC236}">
+                <a16:creationId xmlns:a16="http://schemas.microsoft.com/office/drawing/2014/main" id="{A7ECE94D-431D-C1ED-1E91-567CFF12768C}"/>
+              </a:ext>
+            </a:extLst>
+          </p:cNvPr>
+          <p:cNvPicPr>
+            <a:picLocks noChangeAspect="1" noChangeArrowheads="1"/>
+          </p:cNvPicPr>
           <p:nvPr/>
-        </p:nvSpPr>
-        <p:spPr>
-          <a:xfrm>
-            <a:off x="1872651" y="5323957"/>
-            <a:ext cx="5138467" cy="954107"/>
+        </p:nvPicPr>
+        <p:blipFill>
+          <a:blip r:embed="rId4">
+            <a:extLst>
+              <a:ext uri="{28A0092B-C50C-407E-A947-70E740481C1C}">
+                <a14:useLocalDpi xmlns:a14="http://schemas.microsoft.com/office/drawing/2010/main" val="0"/>
+              </a:ext>
+            </a:extLst>
+          </a:blip>
+          <a:srcRect/>
+          <a:stretch>
+            <a:fillRect/>
+          </a:stretch>
+        </p:blipFill>
+        <p:spPr bwMode="auto">
+          <a:xfrm>
+            <a:off x="6461020" y="1811547"/>
+            <a:ext cx="4467794" cy="2691442"/>
           </a:xfrm>
           <a:prstGeom prst="rect">
             <a:avLst/>
           </a:prstGeom>
           <a:noFill/>
-        </p:spPr>
-        <p:txBody>
-          <a:bodyPr wrap="square">
-            <a:spAutoFit/>
-          </a:bodyPr>
-          <a:lstStyle/>
-          <a:p>
-            <a:r>
-              <a:rPr lang="en-US" sz="2000" dirty="0" err="1">
-                <a:latin typeface="Cascadia Code" panose="020B0609020000020004" pitchFamily="49" charset="0"/>
-                <a:ea typeface="Cascadia Code" panose="020B0609020000020004" pitchFamily="49" charset="0"/>
-                <a:cs typeface="Cascadia Code" panose="020B0609020000020004" pitchFamily="49" charset="0"/>
-              </a:rPr>
-              <a:t>math.pi</a:t>
-            </a:r>
-            <a:r>
-              <a:rPr lang="en-US" sz="2000" dirty="0">
-                <a:latin typeface="Cascadia Code" panose="020B0609020000020004" pitchFamily="49" charset="0"/>
-                <a:ea typeface="Cascadia Code" panose="020B0609020000020004" pitchFamily="49" charset="0"/>
-                <a:cs typeface="Cascadia Code" panose="020B0609020000020004" pitchFamily="49" charset="0"/>
-              </a:rPr>
-              <a:t> – </a:t>
-            </a:r>
-            <a:r>
-              <a:rPr lang="th-TH" dirty="0">
-                <a:latin typeface="DB Helvethaica X" panose="02000506090000020004" pitchFamily="2" charset="-34"/>
-                <a:ea typeface="Cascadia Code" panose="020B0609020000020004" pitchFamily="49" charset="0"/>
-                <a:cs typeface="DB Helvethaica X" panose="02000506090000020004" pitchFamily="2" charset="-34"/>
-              </a:rPr>
-              <a:t>ได้ค่าพาย</a:t>
-            </a:r>
-            <a:r>
-              <a:rPr lang="en-US" dirty="0">
-                <a:latin typeface="DB Helvethaica X" panose="02000506090000020004" pitchFamily="2" charset="-34"/>
-                <a:ea typeface="Cascadia Code" panose="020B0609020000020004" pitchFamily="49" charset="0"/>
-                <a:cs typeface="DB Helvethaica X" panose="02000506090000020004" pitchFamily="2" charset="-34"/>
-              </a:rPr>
-              <a:t> </a:t>
-            </a:r>
-            <a:r>
-              <a:rPr lang="th-TH" dirty="0">
-                <a:latin typeface="DB Helvethaica X" panose="02000506090000020004" pitchFamily="2" charset="-34"/>
-                <a:ea typeface="Cascadia Code" panose="020B0609020000020004" pitchFamily="49" charset="0"/>
-                <a:cs typeface="DB Helvethaica X" panose="02000506090000020004" pitchFamily="2" charset="-34"/>
-              </a:rPr>
-              <a:t>ทศนิยม </a:t>
-            </a:r>
-            <a:r>
-              <a:rPr lang="en-US" dirty="0">
-                <a:latin typeface="DB Helvethaica X" panose="02000506090000020004" pitchFamily="2" charset="-34"/>
-                <a:ea typeface="Cascadia Code" panose="020B0609020000020004" pitchFamily="49" charset="0"/>
-                <a:cs typeface="DB Helvethaica X" panose="02000506090000020004" pitchFamily="2" charset="-34"/>
-              </a:rPr>
-              <a:t>15 </a:t>
-            </a:r>
-            <a:r>
-              <a:rPr lang="th-TH" dirty="0">
-                <a:latin typeface="DB Helvethaica X" panose="02000506090000020004" pitchFamily="2" charset="-34"/>
-                <a:ea typeface="Cascadia Code" panose="020B0609020000020004" pitchFamily="49" charset="0"/>
-                <a:cs typeface="DB Helvethaica X" panose="02000506090000020004" pitchFamily="2" charset="-34"/>
-              </a:rPr>
-              <a:t>ตำแหน่ง</a:t>
-            </a:r>
-            <a:endParaRPr lang="th-TH" sz="2000" dirty="0">
-              <a:latin typeface="DB Helvethaica X" panose="02000506090000020004" pitchFamily="2" charset="-34"/>
-              <a:ea typeface="Cascadia Code" panose="020B0609020000020004" pitchFamily="49" charset="0"/>
-              <a:cs typeface="DB Helvethaica X" panose="02000506090000020004" pitchFamily="2" charset="-34"/>
-            </a:endParaRPr>
-          </a:p>
-          <a:p>
-            <a:r>
-              <a:rPr lang="en-US" sz="2000" dirty="0" err="1">
-                <a:latin typeface="Cascadia Code" panose="020B0609020000020004" pitchFamily="49" charset="0"/>
-                <a:ea typeface="Cascadia Code" panose="020B0609020000020004" pitchFamily="49" charset="0"/>
-                <a:cs typeface="Cascadia Code" panose="020B0609020000020004" pitchFamily="49" charset="0"/>
-              </a:rPr>
-              <a:t>math.e</a:t>
-            </a:r>
-            <a:r>
-              <a:rPr lang="en-US" sz="2000" dirty="0">
-                <a:latin typeface="Cascadia Code" panose="020B0609020000020004" pitchFamily="49" charset="0"/>
-                <a:ea typeface="Cascadia Code" panose="020B0609020000020004" pitchFamily="49" charset="0"/>
-                <a:cs typeface="Cascadia Code" panose="020B0609020000020004" pitchFamily="49" charset="0"/>
-              </a:rPr>
-              <a:t>  - </a:t>
-            </a:r>
-            <a:r>
-              <a:rPr lang="th-TH" dirty="0">
-                <a:latin typeface="DB Helvethaica X" panose="02000506090000020004" pitchFamily="2" charset="-34"/>
-                <a:ea typeface="Cascadia Code" panose="020B0609020000020004" pitchFamily="49" charset="0"/>
-                <a:cs typeface="DB Helvethaica X" panose="02000506090000020004" pitchFamily="2" charset="-34"/>
-              </a:rPr>
-              <a:t>ได้ค่า </a:t>
-            </a:r>
-            <a:r>
-              <a:rPr lang="en-US" dirty="0">
-                <a:latin typeface="DB Helvethaica X" panose="02000506090000020004" pitchFamily="2" charset="-34"/>
-                <a:ea typeface="Cascadia Code" panose="020B0609020000020004" pitchFamily="49" charset="0"/>
-                <a:cs typeface="DB Helvethaica X" panose="02000506090000020004" pitchFamily="2" charset="-34"/>
-              </a:rPr>
-              <a:t>e  </a:t>
-            </a:r>
-            <a:r>
-              <a:rPr lang="th-TH" dirty="0">
-                <a:latin typeface="DB Helvethaica X" panose="02000506090000020004" pitchFamily="2" charset="-34"/>
-                <a:ea typeface="Cascadia Code" panose="020B0609020000020004" pitchFamily="49" charset="0"/>
-                <a:cs typeface="DB Helvethaica X" panose="02000506090000020004" pitchFamily="2" charset="-34"/>
-              </a:rPr>
-              <a:t>ทศนิยม </a:t>
-            </a:r>
-            <a:r>
-              <a:rPr lang="en-US" dirty="0">
-                <a:latin typeface="DB Helvethaica X" panose="02000506090000020004" pitchFamily="2" charset="-34"/>
-                <a:ea typeface="Cascadia Code" panose="020B0609020000020004" pitchFamily="49" charset="0"/>
-                <a:cs typeface="DB Helvethaica X" panose="02000506090000020004" pitchFamily="2" charset="-34"/>
-              </a:rPr>
-              <a:t>15 </a:t>
-            </a:r>
-            <a:r>
-              <a:rPr lang="th-TH" dirty="0">
-                <a:latin typeface="DB Helvethaica X" panose="02000506090000020004" pitchFamily="2" charset="-34"/>
-                <a:ea typeface="Cascadia Code" panose="020B0609020000020004" pitchFamily="49" charset="0"/>
-                <a:cs typeface="DB Helvethaica X" panose="02000506090000020004" pitchFamily="2" charset="-34"/>
-              </a:rPr>
-              <a:t>ตำแหน่ง</a:t>
-            </a:r>
-            <a:endParaRPr lang="en-US" sz="2000" dirty="0">
-              <a:latin typeface="DB Helvethaica X" panose="02000506090000020004" pitchFamily="2" charset="-34"/>
-              <a:ea typeface="Cascadia Code" panose="020B0609020000020004" pitchFamily="49" charset="0"/>
-              <a:cs typeface="DB Helvethaica X" panose="02000506090000020004" pitchFamily="2" charset="-34"/>
-            </a:endParaRPr>
-          </a:p>
-        </p:txBody>
-      </p:sp>
-      <p:sp>
-        <p:nvSpPr>
-          <p:cNvPr id="3" name="TextBox 2">
-            <a:extLst>
-              <a:ext uri="{FF2B5EF4-FFF2-40B4-BE49-F238E27FC236}">
-                <a16:creationId xmlns:a16="http://schemas.microsoft.com/office/drawing/2014/main" id="{FD912690-04F2-7783-B137-FC1E72D45D48}"/>
+          <a:extLst>
+            <a:ext uri="{909E8E84-426E-40DD-AFC4-6F175D3DCCD1}">
+              <a14:hiddenFill xmlns:a14="http://schemas.microsoft.com/office/drawing/2010/main">
+                <a:solidFill>
+                  <a:srgbClr val="FFFFFF"/>
+                </a:solidFill>
+              </a14:hiddenFill>
+            </a:ext>
+          </a:extLst>
+        </p:spPr>
+      </p:pic>
+      <p:sp>
+        <p:nvSpPr>
+          <p:cNvPr id="16" name="TextBox 15">
+            <a:extLst>
+              <a:ext uri="{FF2B5EF4-FFF2-40B4-BE49-F238E27FC236}">
+                <a16:creationId xmlns:a16="http://schemas.microsoft.com/office/drawing/2014/main" id="{B4C8E5CF-7FE9-B03B-B183-1D87FE726B94}"/>
               </a:ext>
             </a:extLst>
           </p:cNvPr>
@@ -9425,8 +9594,8 @@
         </p:nvSpPr>
         <p:spPr>
           <a:xfrm>
-            <a:off x="7062876" y="4980050"/>
-            <a:ext cx="2150135" cy="830997"/>
+            <a:off x="7709544" y="1811547"/>
+            <a:ext cx="3265816" cy="276999"/>
           </a:xfrm>
           <a:prstGeom prst="rect">
             <a:avLst/>
@@ -9440,60 +9609,22 @@
           <a:lstStyle/>
           <a:p>
             <a:r>
-              <a:rPr lang="en-US" sz="2000" dirty="0" err="1">
-                <a:latin typeface="Cascadia Code" panose="020B0609020000020004" pitchFamily="49" charset="0"/>
-                <a:ea typeface="Cascadia Code" panose="020B0609020000020004" pitchFamily="49" charset="0"/>
-                <a:cs typeface="Cascadia Code" panose="020B0609020000020004" pitchFamily="49" charset="0"/>
-              </a:rPr>
-              <a:t>math.sqrt</a:t>
-            </a:r>
-            <a:r>
-              <a:rPr lang="en-US" sz="2000" dirty="0">
-                <a:latin typeface="Cascadia Code" panose="020B0609020000020004" pitchFamily="49" charset="0"/>
-                <a:ea typeface="Cascadia Code" panose="020B0609020000020004" pitchFamily="49" charset="0"/>
-                <a:cs typeface="Cascadia Code" panose="020B0609020000020004" pitchFamily="49" charset="0"/>
-              </a:rPr>
-              <a:t>(x)</a:t>
-            </a:r>
-          </a:p>
-          <a:p>
-            <a:r>
-              <a:rPr lang="en-US" sz="2000" dirty="0">
-                <a:latin typeface="Cascadia Code" panose="020B0609020000020004" pitchFamily="49" charset="0"/>
-                <a:ea typeface="Cascadia Code" panose="020B0609020000020004" pitchFamily="49" charset="0"/>
-                <a:cs typeface="Cascadia Code" panose="020B0609020000020004" pitchFamily="49" charset="0"/>
-              </a:rPr>
-              <a:t>- </a:t>
-            </a:r>
-            <a:r>
-              <a:rPr lang="th-TH" dirty="0">
-                <a:latin typeface="DB Helvethaica X" panose="02000506090000020004" pitchFamily="2" charset="-34"/>
-                <a:ea typeface="Cascadia Code" panose="020B0609020000020004" pitchFamily="49" charset="0"/>
-                <a:cs typeface="DB Helvethaica X" panose="02000506090000020004" pitchFamily="2" charset="-34"/>
-              </a:rPr>
-              <a:t>จะได้ค่ารูทของ </a:t>
-            </a:r>
-            <a:r>
-              <a:rPr lang="en-US" dirty="0">
-                <a:latin typeface="DB Helvethaica X" panose="02000506090000020004" pitchFamily="2" charset="-34"/>
-                <a:ea typeface="Cascadia Code" panose="020B0609020000020004" pitchFamily="49" charset="0"/>
-                <a:cs typeface="DB Helvethaica X" panose="02000506090000020004" pitchFamily="2" charset="-34"/>
-              </a:rPr>
-              <a:t>x</a:t>
-            </a:r>
-            <a:endParaRPr lang="th-TH" sz="2000" dirty="0">
-              <a:latin typeface="DB Helvethaica X" panose="02000506090000020004" pitchFamily="2" charset="-34"/>
-              <a:cs typeface="DB Helvethaica X" panose="02000506090000020004" pitchFamily="2" charset="-34"/>
-            </a:endParaRPr>
-          </a:p>
-        </p:txBody>
-      </p:sp>
-      <p:sp>
-        <p:nvSpPr>
-          <p:cNvPr id="10" name="TextBox 9">
-            <a:extLst>
-              <a:ext uri="{FF2B5EF4-FFF2-40B4-BE49-F238E27FC236}">
-                <a16:creationId xmlns:a16="http://schemas.microsoft.com/office/drawing/2014/main" id="{6AD25719-6BB5-BA16-DF1A-802FB134C0A2}"/>
+              <a:rPr lang="th-TH" sz="1200" dirty="0">
+                <a:solidFill>
+                  <a:schemeClr val="bg1"/>
+                </a:solidFill>
+              </a:rPr>
+              <a:t>https://integralspor.com/news/badminton-court</a:t>
+            </a:r>
+          </a:p>
+        </p:txBody>
+      </p:sp>
+      <p:sp>
+        <p:nvSpPr>
+          <p:cNvPr id="18" name="TextBox 17">
+            <a:extLst>
+              <a:ext uri="{FF2B5EF4-FFF2-40B4-BE49-F238E27FC236}">
+                <a16:creationId xmlns:a16="http://schemas.microsoft.com/office/drawing/2014/main" id="{0351CE78-8EFD-EEE5-58D6-8D9C4171F233}"/>
               </a:ext>
             </a:extLst>
           </p:cNvPr>
@@ -9502,8 +9633,8 @@
         </p:nvSpPr>
         <p:spPr>
           <a:xfrm>
-            <a:off x="7062876" y="1552319"/>
-            <a:ext cx="4734465" cy="1077218"/>
+            <a:off x="1695065" y="1780769"/>
+            <a:ext cx="3549315" cy="338554"/>
           </a:xfrm>
           <a:prstGeom prst="rect">
             <a:avLst/>
@@ -9511,102 +9642,30 @@
           <a:noFill/>
         </p:spPr>
         <p:txBody>
-          <a:bodyPr wrap="square" rtlCol="0">
+          <a:bodyPr wrap="square">
             <a:spAutoFit/>
           </a:bodyPr>
           <a:lstStyle/>
           <a:p>
             <a:r>
-              <a:rPr lang="en-US" sz="1600" dirty="0">
-                <a:latin typeface="Cascadia Mono" panose="020B0609020000020004" pitchFamily="49" charset="0"/>
-                <a:ea typeface="Cascadia Mono" panose="020B0609020000020004" pitchFamily="49" charset="0"/>
-                <a:cs typeface="Cascadia Mono" panose="020B0609020000020004" pitchFamily="49" charset="0"/>
-              </a:rPr>
-              <a:t>&gt;&gt;&gt; </a:t>
-            </a:r>
-            <a:r>
-              <a:rPr lang="en-US" sz="1600" dirty="0" err="1">
-                <a:latin typeface="Cascadia Mono" panose="020B0609020000020004" pitchFamily="49" charset="0"/>
-                <a:ea typeface="Cascadia Mono" panose="020B0609020000020004" pitchFamily="49" charset="0"/>
-                <a:cs typeface="Cascadia Mono" panose="020B0609020000020004" pitchFamily="49" charset="0"/>
-              </a:rPr>
-              <a:t>math.sqrt</a:t>
-            </a:r>
-            <a:r>
-              <a:rPr lang="en-US" sz="1600" dirty="0">
-                <a:latin typeface="Cascadia Mono" panose="020B0609020000020004" pitchFamily="49" charset="0"/>
-                <a:ea typeface="Cascadia Mono" panose="020B0609020000020004" pitchFamily="49" charset="0"/>
-                <a:cs typeface="Cascadia Mono" panose="020B0609020000020004" pitchFamily="49" charset="0"/>
-              </a:rPr>
-              <a:t>(2)</a:t>
-            </a:r>
-          </a:p>
-          <a:p>
-            <a:r>
-              <a:rPr lang="en-US" sz="1600" dirty="0">
+              <a:rPr lang="th-TH" sz="1600" dirty="0">
                 <a:solidFill>
-                  <a:srgbClr val="FF0000"/>
+                  <a:schemeClr val="bg1"/>
                 </a:solidFill>
-                <a:latin typeface="Cascadia Mono" panose="020B0609020000020004" pitchFamily="49" charset="0"/>
-                <a:ea typeface="Cascadia Mono" panose="020B0609020000020004" pitchFamily="49" charset="0"/>
-                <a:cs typeface="Cascadia Mono" panose="020B0609020000020004" pitchFamily="49" charset="0"/>
-              </a:rPr>
-              <a:t>Traceback (most recent call last):</a:t>
-            </a:r>
-          </a:p>
-          <a:p>
-            <a:r>
-              <a:rPr lang="en-US" sz="1600" dirty="0">
-                <a:solidFill>
-                  <a:srgbClr val="FF0000"/>
-                </a:solidFill>
-                <a:latin typeface="Cascadia Mono" panose="020B0609020000020004" pitchFamily="49" charset="0"/>
-                <a:ea typeface="Cascadia Mono" panose="020B0609020000020004" pitchFamily="49" charset="0"/>
-                <a:cs typeface="Cascadia Mono" panose="020B0609020000020004" pitchFamily="49" charset="0"/>
-              </a:rPr>
-              <a:t>  File "&lt;stdin&gt;", line 1, in &lt;module&gt;</a:t>
-            </a:r>
-          </a:p>
-          <a:p>
-            <a:r>
-              <a:rPr lang="en-US" sz="1600" dirty="0" err="1">
-                <a:solidFill>
-                  <a:srgbClr val="FF0000"/>
-                </a:solidFill>
-                <a:latin typeface="Cascadia Mono" panose="020B0609020000020004" pitchFamily="49" charset="0"/>
-                <a:ea typeface="Cascadia Mono" panose="020B0609020000020004" pitchFamily="49" charset="0"/>
-                <a:cs typeface="Cascadia Mono" panose="020B0609020000020004" pitchFamily="49" charset="0"/>
-              </a:rPr>
-              <a:t>NameError</a:t>
-            </a:r>
-            <a:r>
-              <a:rPr lang="en-US" sz="1600" dirty="0">
-                <a:solidFill>
-                  <a:srgbClr val="FF0000"/>
-                </a:solidFill>
-                <a:latin typeface="Cascadia Mono" panose="020B0609020000020004" pitchFamily="49" charset="0"/>
-                <a:ea typeface="Cascadia Mono" panose="020B0609020000020004" pitchFamily="49" charset="0"/>
-                <a:cs typeface="Cascadia Mono" panose="020B0609020000020004" pitchFamily="49" charset="0"/>
-              </a:rPr>
-              <a:t>: name 'math' is not defined</a:t>
-            </a:r>
-            <a:endParaRPr lang="th-TH" sz="1600" dirty="0">
-              <a:solidFill>
-                <a:srgbClr val="FF0000"/>
-              </a:solidFill>
-              <a:latin typeface="Cascadia Mono" panose="020B0609020000020004" pitchFamily="49" charset="0"/>
-              <a:ea typeface="Cascadia Mono" panose="020B0609020000020004" pitchFamily="49" charset="0"/>
-              <a:cs typeface="Cascadia Mono" panose="020B0609020000020004" pitchFamily="49" charset="0"/>
-            </a:endParaRPr>
-          </a:p>
-        </p:txBody>
-      </p:sp>
-      <p:sp>
-        <p:nvSpPr>
-          <p:cNvPr id="12" name="TextBox 11">
-            <a:extLst>
-              <a:ext uri="{FF2B5EF4-FFF2-40B4-BE49-F238E27FC236}">
-                <a16:creationId xmlns:a16="http://schemas.microsoft.com/office/drawing/2014/main" id="{8DFD53DC-8CD8-F19E-BB52-2A971024E931}"/>
+                <a:latin typeface="DB Helvethaica X" panose="02000506090000020004" pitchFamily="2" charset="-34"/>
+                <a:cs typeface="DB Helvethaica X" panose="02000506090000020004" pitchFamily="2" charset="-34"/>
+              </a:rPr>
+              <a:t>https://www.wired.co.uk/article/leap-year-february-29</a:t>
+            </a:r>
+          </a:p>
+        </p:txBody>
+      </p:sp>
+      <p:sp>
+        <p:nvSpPr>
+          <p:cNvPr id="19" name="TextBox 18">
+            <a:extLst>
+              <a:ext uri="{FF2B5EF4-FFF2-40B4-BE49-F238E27FC236}">
+                <a16:creationId xmlns:a16="http://schemas.microsoft.com/office/drawing/2014/main" id="{E1CDB174-8CC2-C7CA-EA95-BDA4F04B7280}"/>
               </a:ext>
             </a:extLst>
           </p:cNvPr>
@@ -9615,8 +9674,8 @@
         </p:nvSpPr>
         <p:spPr>
           <a:xfrm>
-            <a:off x="899304" y="1025902"/>
-            <a:ext cx="6111814" cy="1803507"/>
+            <a:off x="3272951" y="5193102"/>
+            <a:ext cx="5646097" cy="646331"/>
           </a:xfrm>
           <a:prstGeom prst="rect">
             <a:avLst/>
@@ -9624,7 +9683,7 @@
           <a:noFill/>
         </p:spPr>
         <p:txBody>
-          <a:bodyPr wrap="square">
+          <a:bodyPr wrap="none" rtlCol="0">
             <a:spAutoFit/>
           </a:bodyPr>
           <a:lstStyle/>
@@ -9632,97 +9691,38 @@
             <a:r>
               <a:rPr lang="th-TH" sz="3600" dirty="0">
                 <a:latin typeface="DB Helvethaica X" panose="02000506090000020004" pitchFamily="2" charset="-34"/>
-                <a:ea typeface="Cascadia Code" panose="020B0609020000020004" pitchFamily="49" charset="0"/>
-                <a:cs typeface="DB Helvethaica X" panose="02000506090000020004" pitchFamily="2" charset="-34"/>
-              </a:rPr>
-              <a:t>วิธีใช้ </a:t>
-            </a:r>
-            <a:br>
-              <a:rPr lang="th-TH" sz="2800" dirty="0">
-                <a:latin typeface="Cascadia Code" panose="020B0609020000020004" pitchFamily="49" charset="0"/>
-                <a:ea typeface="Cascadia Code" panose="020B0609020000020004" pitchFamily="49" charset="0"/>
-                <a:cs typeface="Cascadia Code" panose="020B0609020000020004" pitchFamily="49" charset="0"/>
-              </a:rPr>
-            </a:br>
-            <a:r>
-              <a:rPr lang="en-US" sz="2800" dirty="0">
-                <a:latin typeface="Cascadia Code" panose="020B0609020000020004" pitchFamily="49" charset="0"/>
-                <a:ea typeface="Cascadia Code" panose="020B0609020000020004" pitchFamily="49" charset="0"/>
-                <a:cs typeface="Cascadia Code" panose="020B0609020000020004" pitchFamily="49" charset="0"/>
-              </a:rPr>
-              <a:t>import math </a:t>
+                <a:cs typeface="DB Helvethaica X" panose="02000506090000020004" pitchFamily="2" charset="-34"/>
+              </a:rPr>
+              <a:t>น้องๆ สามารถทำโจทย์ได้ใน </a:t>
+            </a:r>
+            <a:r>
+              <a:rPr lang="en-US" sz="3600" dirty="0" err="1">
+                <a:latin typeface="DB Helvethaica X" panose="02000506090000020004" pitchFamily="2" charset="-34"/>
+                <a:cs typeface="DB Helvethaica X" panose="02000506090000020004" pitchFamily="2" charset="-34"/>
+              </a:rPr>
+              <a:t>elab</a:t>
+            </a:r>
+            <a:r>
+              <a:rPr lang="en-US" sz="3600" dirty="0">
+                <a:latin typeface="DB Helvethaica X" panose="02000506090000020004" pitchFamily="2" charset="-34"/>
+                <a:cs typeface="DB Helvethaica X" panose="02000506090000020004" pitchFamily="2" charset="-34"/>
+              </a:rPr>
+              <a:t> </a:t>
             </a:r>
             <a:r>
               <a:rPr lang="th-TH" sz="3600" dirty="0">
                 <a:latin typeface="DB Helvethaica X" panose="02000506090000020004" pitchFamily="2" charset="-34"/>
-                <a:ea typeface="Cascadia Code" panose="020B0609020000020004" pitchFamily="49" charset="0"/>
-                <a:cs typeface="DB Helvethaica X" panose="02000506090000020004" pitchFamily="2" charset="-34"/>
-              </a:rPr>
-              <a:t>ก่อนจะใช้งานเสมอ</a:t>
-            </a:r>
-            <a:br>
-              <a:rPr lang="th-TH" sz="2800" dirty="0">
-                <a:latin typeface="Cascadia Code" panose="020B0609020000020004" pitchFamily="49" charset="0"/>
-                <a:ea typeface="Cascadia Code" panose="020B0609020000020004" pitchFamily="49" charset="0"/>
-                <a:cs typeface="Cascadia Code" panose="020B0609020000020004" pitchFamily="49" charset="0"/>
-              </a:rPr>
-            </a:br>
-            <a:r>
-              <a:rPr lang="th-TH" sz="3600" dirty="0">
-                <a:latin typeface="DB Helvethaica X" panose="02000506090000020004" pitchFamily="2" charset="-34"/>
-                <a:ea typeface="Cascadia Code" panose="020B0609020000020004" pitchFamily="49" charset="0"/>
-                <a:cs typeface="DB Helvethaica X" panose="02000506090000020004" pitchFamily="2" charset="-34"/>
-              </a:rPr>
-              <a:t>ถ้าใช้งานฟังก์ชั่นก่อน</a:t>
-            </a:r>
-            <a:r>
-              <a:rPr lang="th-TH" sz="2800" dirty="0">
-                <a:latin typeface="Cascadia Code" panose="020B0609020000020004" pitchFamily="49" charset="0"/>
-                <a:ea typeface="Cascadia Code" panose="020B0609020000020004" pitchFamily="49" charset="0"/>
-                <a:cs typeface="Cascadia Code" panose="020B0609020000020004" pitchFamily="49" charset="0"/>
-              </a:rPr>
-              <a:t> </a:t>
-            </a:r>
-            <a:r>
-              <a:rPr lang="en-US" sz="2800" dirty="0">
-                <a:latin typeface="Cascadia Code" panose="020B0609020000020004" pitchFamily="49" charset="0"/>
-                <a:ea typeface="Cascadia Code" panose="020B0609020000020004" pitchFamily="49" charset="0"/>
-                <a:cs typeface="Cascadia Code" panose="020B0609020000020004" pitchFamily="49" charset="0"/>
-              </a:rPr>
-              <a:t>import </a:t>
-            </a:r>
-            <a:r>
-              <a:rPr lang="th-TH" sz="3600" dirty="0">
-                <a:latin typeface="DB Helvethaica X" panose="02000506090000020004" pitchFamily="2" charset="-34"/>
-                <a:ea typeface="Cascadia Code" panose="020B0609020000020004" pitchFamily="49" charset="0"/>
-                <a:cs typeface="DB Helvethaica X" panose="02000506090000020004" pitchFamily="2" charset="-34"/>
-              </a:rPr>
-              <a:t>จะ</a:t>
-            </a:r>
-            <a:r>
-              <a:rPr lang="th-TH" sz="2800" dirty="0">
-                <a:latin typeface="Cascadia Code" panose="020B0609020000020004" pitchFamily="49" charset="0"/>
-                <a:ea typeface="Cascadia Code" panose="020B0609020000020004" pitchFamily="49" charset="0"/>
-                <a:cs typeface="Cascadia Code" panose="020B0609020000020004" pitchFamily="49" charset="0"/>
-              </a:rPr>
-              <a:t> </a:t>
-            </a:r>
-            <a:r>
-              <a:rPr lang="en-US" sz="2800" dirty="0">
-                <a:latin typeface="Cascadia Code" panose="020B0609020000020004" pitchFamily="49" charset="0"/>
-                <a:ea typeface="Cascadia Code" panose="020B0609020000020004" pitchFamily="49" charset="0"/>
-                <a:cs typeface="Cascadia Code" panose="020B0609020000020004" pitchFamily="49" charset="0"/>
-              </a:rPr>
-              <a:t>error</a:t>
-            </a:r>
-            <a:endParaRPr lang="th-TH" dirty="0"/>
+                <a:cs typeface="DB Helvethaica X" panose="02000506090000020004" pitchFamily="2" charset="-34"/>
+              </a:rPr>
+              <a:t>เลยนะครับ</a:t>
+            </a:r>
           </a:p>
         </p:txBody>
       </p:sp>
     </p:spTree>
     <p:extLst>
       <p:ext uri="{BB962C8B-B14F-4D97-AF65-F5344CB8AC3E}">
-        <p14:creationId xmlns:p14="http://schemas.microsoft.com/office/powerpoint/2010/main" val="1047924919"/>
+        <p14:creationId xmlns:p14="http://schemas.microsoft.com/office/powerpoint/2010/main" val="3416356597"/>
       </p:ext>
     </p:extLst>
   </p:cSld>

--- a/slide.pptx
+++ b/slide.pptx
@@ -26,7 +26,6 @@
     <p:sldId id="271" r:id="rId20"/>
     <p:sldId id="272" r:id="rId21"/>
     <p:sldId id="275" r:id="rId22"/>
-    <p:sldId id="277" r:id="rId23"/>
   </p:sldIdLst>
   <p:sldSz cx="12192000" cy="6858000"/>
   <p:notesSz cx="6858000" cy="9144000"/>
@@ -282,7 +281,7 @@
           <a:p>
             <a:fld id="{5317422C-58FD-46E8-8C27-40405649705F}" type="datetimeFigureOut">
               <a:rPr lang="th-TH" smtClean="0"/>
-              <a:t>21/11/65</a:t>
+              <a:t>25/11/65</a:t>
             </a:fld>
             <a:endParaRPr lang="th-TH"/>
           </a:p>
@@ -482,7 +481,7 @@
           <a:p>
             <a:fld id="{5317422C-58FD-46E8-8C27-40405649705F}" type="datetimeFigureOut">
               <a:rPr lang="th-TH" smtClean="0"/>
-              <a:t>21/11/65</a:t>
+              <a:t>25/11/65</a:t>
             </a:fld>
             <a:endParaRPr lang="th-TH"/>
           </a:p>
@@ -692,7 +691,7 @@
           <a:p>
             <a:fld id="{5317422C-58FD-46E8-8C27-40405649705F}" type="datetimeFigureOut">
               <a:rPr lang="th-TH" smtClean="0"/>
-              <a:t>21/11/65</a:t>
+              <a:t>25/11/65</a:t>
             </a:fld>
             <a:endParaRPr lang="th-TH"/>
           </a:p>
@@ -892,7 +891,7 @@
           <a:p>
             <a:fld id="{5317422C-58FD-46E8-8C27-40405649705F}" type="datetimeFigureOut">
               <a:rPr lang="th-TH" smtClean="0"/>
-              <a:t>21/11/65</a:t>
+              <a:t>25/11/65</a:t>
             </a:fld>
             <a:endParaRPr lang="th-TH"/>
           </a:p>
@@ -1168,7 +1167,7 @@
           <a:p>
             <a:fld id="{5317422C-58FD-46E8-8C27-40405649705F}" type="datetimeFigureOut">
               <a:rPr lang="th-TH" smtClean="0"/>
-              <a:t>21/11/65</a:t>
+              <a:t>25/11/65</a:t>
             </a:fld>
             <a:endParaRPr lang="th-TH"/>
           </a:p>
@@ -1436,7 +1435,7 @@
           <a:p>
             <a:fld id="{5317422C-58FD-46E8-8C27-40405649705F}" type="datetimeFigureOut">
               <a:rPr lang="th-TH" smtClean="0"/>
-              <a:t>21/11/65</a:t>
+              <a:t>25/11/65</a:t>
             </a:fld>
             <a:endParaRPr lang="th-TH"/>
           </a:p>
@@ -1851,7 +1850,7 @@
           <a:p>
             <a:fld id="{5317422C-58FD-46E8-8C27-40405649705F}" type="datetimeFigureOut">
               <a:rPr lang="th-TH" smtClean="0"/>
-              <a:t>21/11/65</a:t>
+              <a:t>25/11/65</a:t>
             </a:fld>
             <a:endParaRPr lang="th-TH"/>
           </a:p>
@@ -1993,7 +1992,7 @@
           <a:p>
             <a:fld id="{5317422C-58FD-46E8-8C27-40405649705F}" type="datetimeFigureOut">
               <a:rPr lang="th-TH" smtClean="0"/>
-              <a:t>21/11/65</a:t>
+              <a:t>25/11/65</a:t>
             </a:fld>
             <a:endParaRPr lang="th-TH"/>
           </a:p>
@@ -2106,7 +2105,7 @@
           <a:p>
             <a:fld id="{5317422C-58FD-46E8-8C27-40405649705F}" type="datetimeFigureOut">
               <a:rPr lang="th-TH" smtClean="0"/>
-              <a:t>21/11/65</a:t>
+              <a:t>25/11/65</a:t>
             </a:fld>
             <a:endParaRPr lang="th-TH"/>
           </a:p>
@@ -2419,7 +2418,7 @@
           <a:p>
             <a:fld id="{5317422C-58FD-46E8-8C27-40405649705F}" type="datetimeFigureOut">
               <a:rPr lang="th-TH" smtClean="0"/>
-              <a:t>21/11/65</a:t>
+              <a:t>25/11/65</a:t>
             </a:fld>
             <a:endParaRPr lang="th-TH"/>
           </a:p>
@@ -2708,7 +2707,7 @@
           <a:p>
             <a:fld id="{5317422C-58FD-46E8-8C27-40405649705F}" type="datetimeFigureOut">
               <a:rPr lang="th-TH" smtClean="0"/>
-              <a:t>21/11/65</a:t>
+              <a:t>25/11/65</a:t>
             </a:fld>
             <a:endParaRPr lang="th-TH"/>
           </a:p>
@@ -2951,7 +2950,7 @@
           <a:p>
             <a:fld id="{5317422C-58FD-46E8-8C27-40405649705F}" type="datetimeFigureOut">
               <a:rPr lang="th-TH" smtClean="0"/>
-              <a:t>21/11/65</a:t>
+              <a:t>25/11/65</a:t>
             </a:fld>
             <a:endParaRPr lang="th-TH"/>
           </a:p>
@@ -9406,50 +9405,35 @@
           <a:lstStyle/>
           <a:p>
             <a:r>
+              <a:rPr lang="th-TH" sz="4000" dirty="0">
+                <a:latin typeface="DB Helvethaica X" panose="02000506090000020004" pitchFamily="2" charset="-34"/>
+                <a:cs typeface="DB Helvethaica X" panose="02000506090000020004" pitchFamily="2" charset="-34"/>
+              </a:rPr>
+              <a:t>มาเก็บคะแนนกันเถอะ</a:t>
+            </a:r>
+            <a:r>
               <a:rPr lang="en-US" sz="4000" dirty="0">
                 <a:latin typeface="DB Helvethaica X" panose="02000506090000020004" pitchFamily="2" charset="-34"/>
-                <a:ea typeface="Cascadia Code" panose="020B0609020000020004" pitchFamily="49" charset="0"/>
-                <a:cs typeface="DB Helvethaica X" panose="02000506090000020004" pitchFamily="2" charset="-34"/>
-              </a:rPr>
-              <a:t>Practice </a:t>
+                <a:cs typeface="DB Helvethaica X" panose="02000506090000020004" pitchFamily="2" charset="-34"/>
+              </a:rPr>
+              <a:t> </a:t>
             </a:r>
             <a:r>
               <a:rPr lang="th-TH" sz="4000" dirty="0">
                 <a:latin typeface="DB Helvethaica X" panose="02000506090000020004" pitchFamily="2" charset="-34"/>
-                <a:ea typeface="Cascadia Code" panose="020B0609020000020004" pitchFamily="49" charset="0"/>
-                <a:cs typeface="DB Helvethaica X" panose="02000506090000020004" pitchFamily="2" charset="-34"/>
-              </a:rPr>
-              <a:t>มาลองใช้ </a:t>
-            </a:r>
-            <a:r>
-              <a:rPr lang="en-US" sz="4000" dirty="0">
-                <a:latin typeface="DB Helvethaica X" panose="02000506090000020004" pitchFamily="2" charset="-34"/>
-                <a:ea typeface="Cascadia Code" panose="020B0609020000020004" pitchFamily="49" charset="0"/>
-                <a:cs typeface="DB Helvethaica X" panose="02000506090000020004" pitchFamily="2" charset="-34"/>
-              </a:rPr>
-              <a:t>if else </a:t>
-            </a:r>
-            <a:r>
-              <a:rPr lang="th-TH" sz="4000" dirty="0">
-                <a:latin typeface="DB Helvethaica X" panose="02000506090000020004" pitchFamily="2" charset="-34"/>
-                <a:ea typeface="Cascadia Code" panose="020B0609020000020004" pitchFamily="49" charset="0"/>
-                <a:cs typeface="DB Helvethaica X" panose="02000506090000020004" pitchFamily="2" charset="-34"/>
-              </a:rPr>
-              <a:t>กันเถอะ</a:t>
-            </a:r>
-            <a:endParaRPr lang="th-TH" sz="4000" dirty="0">
-              <a:latin typeface="DB Helvethaica X" panose="02000506090000020004" pitchFamily="2" charset="-34"/>
-              <a:cs typeface="DB Helvethaica X" panose="02000506090000020004" pitchFamily="2" charset="-34"/>
-            </a:endParaRPr>
+                <a:cs typeface="DB Helvethaica X" panose="02000506090000020004" pitchFamily="2" charset="-34"/>
+              </a:rPr>
+              <a:t>ยิ่งส่งเร็ว ยิ่งได้แต้มเยอะ</a:t>
+            </a:r>
           </a:p>
         </p:txBody>
       </p:sp>
       <p:pic>
         <p:nvPicPr>
-          <p:cNvPr id="1027" name="Picture 3" descr="Killing the leap year is the only way to fix our broken calendar | WIRED UK">
-            <a:extLst>
-              <a:ext uri="{FF2B5EF4-FFF2-40B4-BE49-F238E27FC236}">
-                <a16:creationId xmlns:a16="http://schemas.microsoft.com/office/drawing/2014/main" id="{E0FA818F-327C-9F54-5018-C3B8CD8E1FB3}"/>
+          <p:cNvPr id="1029" name="Picture 5" descr="High Quality Badminton Court Construction - Integral Spor">
+            <a:extLst>
+              <a:ext uri="{FF2B5EF4-FFF2-40B4-BE49-F238E27FC236}">
+                <a16:creationId xmlns:a16="http://schemas.microsoft.com/office/drawing/2014/main" id="{A7ECE94D-431D-C1ED-1E91-567CFF12768C}"/>
               </a:ext>
             </a:extLst>
           </p:cNvPr>
@@ -9473,8 +9457,8 @@
         </p:blipFill>
         <p:spPr bwMode="auto">
           <a:xfrm>
-            <a:off x="1695065" y="1811547"/>
-            <a:ext cx="4035917" cy="2691442"/>
+            <a:off x="1628205" y="1595237"/>
+            <a:ext cx="4467794" cy="2691442"/>
           </a:xfrm>
           <a:prstGeom prst="rect">
             <a:avLst/>
@@ -9493,10 +9477,10 @@
       </p:pic>
       <p:sp>
         <p:nvSpPr>
-          <p:cNvPr id="14" name="TextBox 13">
-            <a:extLst>
-              <a:ext uri="{FF2B5EF4-FFF2-40B4-BE49-F238E27FC236}">
-                <a16:creationId xmlns:a16="http://schemas.microsoft.com/office/drawing/2014/main" id="{40B98528-B4E3-96DE-C3C5-6F39BC452F9E}"/>
+          <p:cNvPr id="16" name="TextBox 15">
+            <a:extLst>
+              <a:ext uri="{FF2B5EF4-FFF2-40B4-BE49-F238E27FC236}">
+                <a16:creationId xmlns:a16="http://schemas.microsoft.com/office/drawing/2014/main" id="{B4C8E5CF-7FE9-B03B-B183-1D87FE726B94}"/>
               </a:ext>
             </a:extLst>
           </p:cNvPr>
@@ -9505,8 +9489,8 @@
         </p:nvSpPr>
         <p:spPr>
           <a:xfrm>
-            <a:off x="2790334" y="3950899"/>
-            <a:ext cx="1845377" cy="646331"/>
+            <a:off x="2876729" y="1595237"/>
+            <a:ext cx="3265816" cy="276999"/>
           </a:xfrm>
           <a:prstGeom prst="rect">
             <a:avLst/>
@@ -9514,31 +9498,80 @@
           <a:noFill/>
         </p:spPr>
         <p:txBody>
+          <a:bodyPr wrap="square">
+            <a:spAutoFit/>
+          </a:bodyPr>
+          <a:lstStyle/>
+          <a:p>
+            <a:r>
+              <a:rPr lang="th-TH" sz="1200" dirty="0">
+                <a:solidFill>
+                  <a:schemeClr val="bg1"/>
+                </a:solidFill>
+              </a:rPr>
+              <a:t>https://integralspor.com/news/badminton-court</a:t>
+            </a:r>
+          </a:p>
+        </p:txBody>
+      </p:sp>
+      <p:sp>
+        <p:nvSpPr>
+          <p:cNvPr id="19" name="TextBox 18">
+            <a:extLst>
+              <a:ext uri="{FF2B5EF4-FFF2-40B4-BE49-F238E27FC236}">
+                <a16:creationId xmlns:a16="http://schemas.microsoft.com/office/drawing/2014/main" id="{E1CDB174-8CC2-C7CA-EA95-BDA4F04B7280}"/>
+              </a:ext>
+            </a:extLst>
+          </p:cNvPr>
+          <p:cNvSpPr txBox="1"/>
+          <p:nvPr/>
+        </p:nvSpPr>
+        <p:spPr>
+          <a:xfrm>
+            <a:off x="3146313" y="5095470"/>
+            <a:ext cx="5899372" cy="646331"/>
+          </a:xfrm>
+          <a:prstGeom prst="rect">
+            <a:avLst/>
+          </a:prstGeom>
+          <a:noFill/>
+        </p:spPr>
+        <p:txBody>
           <a:bodyPr wrap="none" rtlCol="0">
             <a:spAutoFit/>
           </a:bodyPr>
           <a:lstStyle/>
           <a:p>
             <a:r>
+              <a:rPr lang="th-TH" sz="3600" dirty="0">
+                <a:latin typeface="DB Helvethaica X" panose="02000506090000020004" pitchFamily="2" charset="-34"/>
+                <a:cs typeface="DB Helvethaica X" panose="02000506090000020004" pitchFamily="2" charset="-34"/>
+              </a:rPr>
+              <a:t>ที่เหลือ ถ้าทำได้ทุกข้อแล้วเป็น </a:t>
+            </a:r>
+            <a:r>
               <a:rPr lang="en-US" sz="3600" dirty="0">
                 <a:latin typeface="DB Helvethaica X" panose="02000506090000020004" pitchFamily="2" charset="-34"/>
                 <a:cs typeface="DB Helvethaica X" panose="02000506090000020004" pitchFamily="2" charset="-34"/>
               </a:rPr>
-              <a:t>LEAP YEAR</a:t>
-            </a:r>
-            <a:endParaRPr lang="th-TH" sz="3600" dirty="0">
-              <a:latin typeface="DB Helvethaica X" panose="02000506090000020004" pitchFamily="2" charset="-34"/>
-              <a:cs typeface="DB Helvethaica X" panose="02000506090000020004" pitchFamily="2" charset="-34"/>
-            </a:endParaRPr>
+              <a:t>BONUS </a:t>
+            </a:r>
+            <a:r>
+              <a:rPr lang="th-TH" sz="3600" dirty="0">
+                <a:latin typeface="DB Helvethaica X" panose="02000506090000020004" pitchFamily="2" charset="-34"/>
+                <a:cs typeface="DB Helvethaica X" panose="02000506090000020004" pitchFamily="2" charset="-34"/>
+              </a:rPr>
+              <a:t>นะครับ</a:t>
+            </a:r>
           </a:p>
         </p:txBody>
       </p:sp>
       <p:pic>
         <p:nvPicPr>
-          <p:cNvPr id="1029" name="Picture 5" descr="High Quality Badminton Court Construction - Integral Spor">
-            <a:extLst>
-              <a:ext uri="{FF2B5EF4-FFF2-40B4-BE49-F238E27FC236}">
-                <a16:creationId xmlns:a16="http://schemas.microsoft.com/office/drawing/2014/main" id="{A7ECE94D-431D-C1ED-1E91-567CFF12768C}"/>
+          <p:cNvPr id="1026" name="Picture 2" descr="Boop Boop walk cycle ghost walk photoshop loop character gif animation | Walking  animation, Ghost walk, Boop">
+            <a:extLst>
+              <a:ext uri="{FF2B5EF4-FFF2-40B4-BE49-F238E27FC236}">
+                <a16:creationId xmlns:a16="http://schemas.microsoft.com/office/drawing/2014/main" id="{6DC54B61-2192-EF20-1BD9-7B89C1FDECAE}"/>
               </a:ext>
             </a:extLst>
           </p:cNvPr>
@@ -9562,8 +9595,8 @@
         </p:blipFill>
         <p:spPr bwMode="auto">
           <a:xfrm>
-            <a:off x="6461020" y="1811547"/>
-            <a:ext cx="4467794" cy="2691442"/>
+            <a:off x="6591778" y="1267862"/>
+            <a:ext cx="4025089" cy="3018817"/>
           </a:xfrm>
           <a:prstGeom prst="rect">
             <a:avLst/>
@@ -9582,10 +9615,10 @@
       </p:pic>
       <p:sp>
         <p:nvSpPr>
-          <p:cNvPr id="16" name="TextBox 15">
-            <a:extLst>
-              <a:ext uri="{FF2B5EF4-FFF2-40B4-BE49-F238E27FC236}">
-                <a16:creationId xmlns:a16="http://schemas.microsoft.com/office/drawing/2014/main" id="{B4C8E5CF-7FE9-B03B-B183-1D87FE726B94}"/>
+          <p:cNvPr id="2" name="TextBox 1">
+            <a:extLst>
+              <a:ext uri="{FF2B5EF4-FFF2-40B4-BE49-F238E27FC236}">
+                <a16:creationId xmlns:a16="http://schemas.microsoft.com/office/drawing/2014/main" id="{4F611B60-B3B5-D238-C8BD-2B57197A759F}"/>
               </a:ext>
             </a:extLst>
           </p:cNvPr>
@@ -9594,8 +9627,8 @@
         </p:nvSpPr>
         <p:spPr>
           <a:xfrm>
-            <a:off x="7709544" y="1811547"/>
-            <a:ext cx="3265816" cy="276999"/>
+            <a:off x="2169218" y="4316697"/>
+            <a:ext cx="3334567" cy="523220"/>
           </a:xfrm>
           <a:prstGeom prst="rect">
             <a:avLst/>
@@ -9603,28 +9636,33 @@
           <a:noFill/>
         </p:spPr>
         <p:txBody>
-          <a:bodyPr wrap="square">
+          <a:bodyPr wrap="none" rtlCol="0">
             <a:spAutoFit/>
           </a:bodyPr>
           <a:lstStyle/>
           <a:p>
             <a:r>
-              <a:rPr lang="th-TH" sz="1200" dirty="0">
-                <a:solidFill>
-                  <a:schemeClr val="bg1"/>
-                </a:solidFill>
-              </a:rPr>
-              <a:t>https://integralspor.com/news/badminton-court</a:t>
-            </a:r>
-          </a:p>
-        </p:txBody>
-      </p:sp>
-      <p:sp>
-        <p:nvSpPr>
-          <p:cNvPr id="18" name="TextBox 17">
-            <a:extLst>
-              <a:ext uri="{FF2B5EF4-FFF2-40B4-BE49-F238E27FC236}">
-                <a16:creationId xmlns:a16="http://schemas.microsoft.com/office/drawing/2014/main" id="{0351CE78-8EFD-EEE5-58D6-8D9C4171F233}"/>
+              <a:rPr lang="en-US" dirty="0">
+                <a:latin typeface="Cascadia Code" panose="020B0609020000020004" pitchFamily="49" charset="0"/>
+                <a:ea typeface="Cascadia Code" panose="020B0609020000020004" pitchFamily="49" charset="0"/>
+                <a:cs typeface="Cascadia Code" panose="020B0609020000020004" pitchFamily="49" charset="0"/>
+              </a:rPr>
+              <a:t>Court Badminton</a:t>
+            </a:r>
+            <a:endParaRPr lang="th-TH" dirty="0">
+              <a:latin typeface="Cascadia Code" panose="020B0609020000020004" pitchFamily="49" charset="0"/>
+              <a:ea typeface="Cascadia Code" panose="020B0609020000020004" pitchFamily="49" charset="0"/>
+              <a:cs typeface="Cascadia Code" panose="020B0609020000020004" pitchFamily="49" charset="0"/>
+            </a:endParaRPr>
+          </a:p>
+        </p:txBody>
+      </p:sp>
+      <p:sp>
+        <p:nvSpPr>
+          <p:cNvPr id="3" name="TextBox 2">
+            <a:extLst>
+              <a:ext uri="{FF2B5EF4-FFF2-40B4-BE49-F238E27FC236}">
+                <a16:creationId xmlns:a16="http://schemas.microsoft.com/office/drawing/2014/main" id="{E0ACF735-27E0-3290-1AA4-426EC3594C22}"/>
               </a:ext>
             </a:extLst>
           </p:cNvPr>
@@ -9633,8 +9671,8 @@
         </p:nvSpPr>
         <p:spPr>
           <a:xfrm>
-            <a:off x="1695065" y="1780769"/>
-            <a:ext cx="3549315" cy="338554"/>
+            <a:off x="7147033" y="4278551"/>
+            <a:ext cx="2914580" cy="523220"/>
           </a:xfrm>
           <a:prstGeom prst="rect">
             <a:avLst/>
@@ -9642,80 +9680,24 @@
           <a:noFill/>
         </p:spPr>
         <p:txBody>
-          <a:bodyPr wrap="square">
-            <a:spAutoFit/>
-          </a:bodyPr>
-          <a:lstStyle/>
-          <a:p>
-            <a:r>
-              <a:rPr lang="th-TH" sz="1600" dirty="0">
-                <a:solidFill>
-                  <a:schemeClr val="bg1"/>
-                </a:solidFill>
-                <a:latin typeface="DB Helvethaica X" panose="02000506090000020004" pitchFamily="2" charset="-34"/>
-                <a:cs typeface="DB Helvethaica X" panose="02000506090000020004" pitchFamily="2" charset="-34"/>
-              </a:rPr>
-              <a:t>https://www.wired.co.uk/article/leap-year-february-29</a:t>
-            </a:r>
-          </a:p>
-        </p:txBody>
-      </p:sp>
-      <p:sp>
-        <p:nvSpPr>
-          <p:cNvPr id="19" name="TextBox 18">
-            <a:extLst>
-              <a:ext uri="{FF2B5EF4-FFF2-40B4-BE49-F238E27FC236}">
-                <a16:creationId xmlns:a16="http://schemas.microsoft.com/office/drawing/2014/main" id="{E1CDB174-8CC2-C7CA-EA95-BDA4F04B7280}"/>
-              </a:ext>
-            </a:extLst>
-          </p:cNvPr>
-          <p:cNvSpPr txBox="1"/>
-          <p:nvPr/>
-        </p:nvSpPr>
-        <p:spPr>
-          <a:xfrm>
-            <a:off x="3272951" y="5193102"/>
-            <a:ext cx="5646097" cy="646331"/>
-          </a:xfrm>
-          <a:prstGeom prst="rect">
-            <a:avLst/>
-          </a:prstGeom>
-          <a:noFill/>
-        </p:spPr>
-        <p:txBody>
           <a:bodyPr wrap="none" rtlCol="0">
             <a:spAutoFit/>
           </a:bodyPr>
           <a:lstStyle/>
           <a:p>
             <a:r>
-              <a:rPr lang="th-TH" sz="3600" dirty="0">
-                <a:latin typeface="DB Helvethaica X" panose="02000506090000020004" pitchFamily="2" charset="-34"/>
-                <a:cs typeface="DB Helvethaica X" panose="02000506090000020004" pitchFamily="2" charset="-34"/>
-              </a:rPr>
-              <a:t>น้องๆ สามารถทำโจทย์ได้ใน </a:t>
-            </a:r>
-            <a:r>
-              <a:rPr lang="en-US" sz="3600" dirty="0" err="1">
-                <a:latin typeface="DB Helvethaica X" panose="02000506090000020004" pitchFamily="2" charset="-34"/>
-                <a:cs typeface="DB Helvethaica X" panose="02000506090000020004" pitchFamily="2" charset="-34"/>
-              </a:rPr>
-              <a:t>elab</a:t>
-            </a:r>
-            <a:r>
-              <a:rPr lang="en-US" sz="3600" dirty="0">
-                <a:latin typeface="DB Helvethaica X" panose="02000506090000020004" pitchFamily="2" charset="-34"/>
-                <a:cs typeface="DB Helvethaica X" panose="02000506090000020004" pitchFamily="2" charset="-34"/>
-              </a:rPr>
-              <a:t> </a:t>
-            </a:r>
-            <a:r>
-              <a:rPr lang="th-TH" sz="3600" dirty="0">
-                <a:latin typeface="DB Helvethaica X" panose="02000506090000020004" pitchFamily="2" charset="-34"/>
-                <a:cs typeface="DB Helvethaica X" panose="02000506090000020004" pitchFamily="2" charset="-34"/>
-              </a:rPr>
-              <a:t>เลยนะครับ</a:t>
-            </a:r>
+              <a:rPr lang="en-US" dirty="0">
+                <a:latin typeface="Cascadia Code" panose="020B0609020000020004" pitchFamily="49" charset="0"/>
+                <a:ea typeface="Cascadia Code" panose="020B0609020000020004" pitchFamily="49" charset="0"/>
+                <a:cs typeface="Cascadia Code" panose="020B0609020000020004" pitchFamily="49" charset="0"/>
+              </a:rPr>
+              <a:t>Ghost Walking</a:t>
+            </a:r>
+            <a:endParaRPr lang="th-TH" dirty="0">
+              <a:latin typeface="Cascadia Code" panose="020B0609020000020004" pitchFamily="49" charset="0"/>
+              <a:ea typeface="Cascadia Code" panose="020B0609020000020004" pitchFamily="49" charset="0"/>
+              <a:cs typeface="Cascadia Code" panose="020B0609020000020004" pitchFamily="49" charset="0"/>
+            </a:endParaRPr>
           </a:p>
         </p:txBody>
       </p:sp>
@@ -9723,325 +9705,6 @@
     <p:extLst>
       <p:ext uri="{BB962C8B-B14F-4D97-AF65-F5344CB8AC3E}">
         <p14:creationId xmlns:p14="http://schemas.microsoft.com/office/powerpoint/2010/main" val="3416356597"/>
-      </p:ext>
-    </p:extLst>
-  </p:cSld>
-  <p:clrMapOvr>
-    <a:masterClrMapping/>
-  </p:clrMapOvr>
-</p:sld>
-</file>
-
-<file path=ppt/slides/slide22.xml><?xml version="1.0" encoding="utf-8"?>
-<p:sld xmlns:a="http://schemas.openxmlformats.org/drawingml/2006/main" xmlns:r="http://schemas.openxmlformats.org/officeDocument/2006/relationships" xmlns:p="http://schemas.openxmlformats.org/presentationml/2006/main">
-  <p:cSld>
-    <p:spTree>
-      <p:nvGrpSpPr>
-        <p:cNvPr id="1" name=""/>
-        <p:cNvGrpSpPr/>
-        <p:nvPr/>
-      </p:nvGrpSpPr>
-      <p:grpSpPr>
-        <a:xfrm>
-          <a:off x="0" y="0"/>
-          <a:ext cx="0" cy="0"/>
-          <a:chOff x="0" y="0"/>
-          <a:chExt cx="0" cy="0"/>
-        </a:xfrm>
-      </p:grpSpPr>
-      <p:pic>
-        <p:nvPicPr>
-          <p:cNvPr id="11" name="Picture 10">
-            <a:extLst>
-              <a:ext uri="{FF2B5EF4-FFF2-40B4-BE49-F238E27FC236}">
-                <a16:creationId xmlns:a16="http://schemas.microsoft.com/office/drawing/2014/main" id="{391E6198-7058-EE34-012D-968196666959}"/>
-              </a:ext>
-            </a:extLst>
-          </p:cNvPr>
-          <p:cNvPicPr>
-            <a:picLocks noGrp="1" noRot="1" noChangeAspect="1" noMove="1" noResize="1" noEditPoints="1" noAdjustHandles="1" noChangeArrowheads="1" noChangeShapeType="1" noCrop="1"/>
-          </p:cNvPicPr>
-          <p:nvPr/>
-        </p:nvPicPr>
-        <p:blipFill>
-          <a:blip r:embed="rId2">
-            <a:extLst>
-              <a:ext uri="{28A0092B-C50C-407E-A947-70E740481C1C}">
-                <a14:useLocalDpi xmlns:a14="http://schemas.microsoft.com/office/drawing/2010/main" val="0"/>
-              </a:ext>
-            </a:extLst>
-          </a:blip>
-          <a:stretch>
-            <a:fillRect/>
-          </a:stretch>
-        </p:blipFill>
-        <p:spPr>
-          <a:xfrm>
-            <a:off x="0" y="0"/>
-            <a:ext cx="12192000" cy="6858000"/>
-          </a:xfrm>
-          <a:prstGeom prst="rect">
-            <a:avLst/>
-          </a:prstGeom>
-        </p:spPr>
-      </p:pic>
-      <p:pic>
-        <p:nvPicPr>
-          <p:cNvPr id="3074" name="Picture 2" descr="QiQi ตลก Peeker สติกเกอร์รถ Genshin ผลกระทบอะนิเมะสติกเกอร์ติดรถยนต์ไวนิลรถ  Wrap Decal กันน้ำแล็ปท็อปอุปกรณ์เสริมสติกเกอร์|สติกเกอร์ติดรถ| - AliExpress">
-            <a:extLst>
-              <a:ext uri="{FF2B5EF4-FFF2-40B4-BE49-F238E27FC236}">
-                <a16:creationId xmlns:a16="http://schemas.microsoft.com/office/drawing/2014/main" id="{278311BE-46AB-2823-4182-ECD3D256F3E8}"/>
-              </a:ext>
-            </a:extLst>
-          </p:cNvPr>
-          <p:cNvPicPr>
-            <a:picLocks noChangeAspect="1" noChangeArrowheads="1"/>
-          </p:cNvPicPr>
-          <p:nvPr/>
-        </p:nvPicPr>
-        <p:blipFill>
-          <a:blip r:embed="rId3">
-            <a:extLst>
-              <a:ext uri="{BEBA8EAE-BF5A-486C-A8C5-ECC9F3942E4B}">
-                <a14:imgProps xmlns:a14="http://schemas.microsoft.com/office/drawing/2010/main">
-                  <a14:imgLayer r:embed="rId4">
-                    <a14:imgEffect>
-                      <a14:backgroundRemoval t="10000" b="90000" l="4219" r="96094">
-                        <a14:foregroundMark x1="90313" y1="36875" x2="90313" y2="40000"/>
-                        <a14:foregroundMark x1="88750" y1="74219" x2="90313" y2="78750"/>
-                        <a14:foregroundMark x1="90156" y1="66563" x2="91719" y2="67344"/>
-                        <a14:foregroundMark x1="96094" y1="84531" x2="95156" y2="85625"/>
-                        <a14:foregroundMark x1="85781" y1="50469" x2="85781" y2="54531"/>
-                        <a14:foregroundMark x1="85156" y1="50156" x2="82500" y2="56250"/>
-                        <a14:foregroundMark x1="84375" y1="47031" x2="82656" y2="57031"/>
-                        <a14:foregroundMark x1="9688" y1="82969" x2="4219" y2="83594"/>
-                      </a14:backgroundRemoval>
-                    </a14:imgEffect>
-                  </a14:imgLayer>
-                </a14:imgProps>
-              </a:ext>
-              <a:ext uri="{28A0092B-C50C-407E-A947-70E740481C1C}">
-                <a14:useLocalDpi xmlns:a14="http://schemas.microsoft.com/office/drawing/2010/main" val="0"/>
-              </a:ext>
-            </a:extLst>
-          </a:blip>
-          <a:srcRect/>
-          <a:stretch>
-            <a:fillRect/>
-          </a:stretch>
-        </p:blipFill>
-        <p:spPr bwMode="auto">
-          <a:xfrm>
-            <a:off x="-61824" y="5366346"/>
-            <a:ext cx="1723846" cy="1723846"/>
-          </a:xfrm>
-          <a:prstGeom prst="rect">
-            <a:avLst/>
-          </a:prstGeom>
-          <a:noFill/>
-          <a:extLst>
-            <a:ext uri="{909E8E84-426E-40DD-AFC4-6F175D3DCCD1}">
-              <a14:hiddenFill xmlns:a14="http://schemas.microsoft.com/office/drawing/2010/main">
-                <a:solidFill>
-                  <a:srgbClr val="FFFFFF"/>
-                </a:solidFill>
-              </a14:hiddenFill>
-            </a:ext>
-          </a:extLst>
-        </p:spPr>
-      </p:pic>
-      <p:sp>
-        <p:nvSpPr>
-          <p:cNvPr id="13" name="Speech Bubble: Rectangle with Corners Rounded 12">
-            <a:extLst>
-              <a:ext uri="{FF2B5EF4-FFF2-40B4-BE49-F238E27FC236}">
-                <a16:creationId xmlns:a16="http://schemas.microsoft.com/office/drawing/2014/main" id="{2EE3C062-304D-75F7-5770-02FCD40D3643}"/>
-              </a:ext>
-            </a:extLst>
-          </p:cNvPr>
-          <p:cNvSpPr/>
-          <p:nvPr/>
-        </p:nvSpPr>
-        <p:spPr>
-          <a:xfrm>
-            <a:off x="3257909" y="1483744"/>
-            <a:ext cx="5676182" cy="1664897"/>
-          </a:xfrm>
-          <a:prstGeom prst="wedgeRoundRectCallout">
-            <a:avLst>
-              <a:gd name="adj1" fmla="val -7843"/>
-              <a:gd name="adj2" fmla="val 47068"/>
-              <a:gd name="adj3" fmla="val 16667"/>
-            </a:avLst>
-          </a:prstGeom>
-          <a:solidFill>
-            <a:schemeClr val="bg2">
-              <a:lumMod val="90000"/>
-            </a:schemeClr>
-          </a:solidFill>
-          <a:ln>
-            <a:solidFill>
-              <a:schemeClr val="bg1"/>
-            </a:solidFill>
-          </a:ln>
-        </p:spPr>
-        <p:style>
-          <a:lnRef idx="2">
-            <a:schemeClr val="accent1">
-              <a:shade val="50000"/>
-            </a:schemeClr>
-          </a:lnRef>
-          <a:fillRef idx="1">
-            <a:schemeClr val="accent1"/>
-          </a:fillRef>
-          <a:effectRef idx="0">
-            <a:schemeClr val="accent1"/>
-          </a:effectRef>
-          <a:fontRef idx="minor">
-            <a:schemeClr val="lt1"/>
-          </a:fontRef>
-        </p:style>
-        <p:txBody>
-          <a:bodyPr rtlCol="0" anchor="ctr"/>
-          <a:lstStyle/>
-          <a:p>
-            <a:pPr algn="ctr"/>
-            <a:r>
-              <a:rPr lang="th-TH" sz="4400" dirty="0">
-                <a:solidFill>
-                  <a:schemeClr val="tx1"/>
-                </a:solidFill>
-                <a:latin typeface="DB Helvethaica X" panose="02000506090000020004" pitchFamily="2" charset="-34"/>
-                <a:cs typeface="DB Helvethaica X" panose="02000506090000020004" pitchFamily="2" charset="-34"/>
-              </a:rPr>
-              <a:t>น้องๆ สามารถเริ่มทำโจทย์ได้</a:t>
-            </a:r>
-          </a:p>
-          <a:p>
-            <a:pPr algn="ctr"/>
-            <a:r>
-              <a:rPr lang="th-TH" sz="4400" dirty="0">
-                <a:solidFill>
-                  <a:schemeClr val="tx1"/>
-                </a:solidFill>
-                <a:latin typeface="DB Helvethaica X" panose="02000506090000020004" pitchFamily="2" charset="-34"/>
-                <a:cs typeface="DB Helvethaica X" panose="02000506090000020004" pitchFamily="2" charset="-34"/>
-              </a:rPr>
-              <a:t>ใน </a:t>
-            </a:r>
-            <a:r>
-              <a:rPr lang="en-US" sz="4400" dirty="0" err="1">
-                <a:solidFill>
-                  <a:schemeClr val="tx1"/>
-                </a:solidFill>
-                <a:latin typeface="DB Helvethaica X" panose="02000506090000020004" pitchFamily="2" charset="-34"/>
-                <a:cs typeface="DB Helvethaica X" panose="02000506090000020004" pitchFamily="2" charset="-34"/>
-              </a:rPr>
-              <a:t>elab</a:t>
-            </a:r>
-            <a:r>
-              <a:rPr lang="en-US" sz="4400" dirty="0">
-                <a:solidFill>
-                  <a:schemeClr val="tx1"/>
-                </a:solidFill>
-                <a:latin typeface="DB Helvethaica X" panose="02000506090000020004" pitchFamily="2" charset="-34"/>
-                <a:cs typeface="DB Helvethaica X" panose="02000506090000020004" pitchFamily="2" charset="-34"/>
-              </a:rPr>
-              <a:t> </a:t>
-            </a:r>
-            <a:r>
-              <a:rPr lang="th-TH" sz="4400" dirty="0">
-                <a:solidFill>
-                  <a:schemeClr val="tx1"/>
-                </a:solidFill>
-                <a:latin typeface="DB Helvethaica X" panose="02000506090000020004" pitchFamily="2" charset="-34"/>
-                <a:cs typeface="DB Helvethaica X" panose="02000506090000020004" pitchFamily="2" charset="-34"/>
-              </a:rPr>
-              <a:t>เลยนะครับ</a:t>
-            </a:r>
-          </a:p>
-        </p:txBody>
-      </p:sp>
-      <p:sp>
-        <p:nvSpPr>
-          <p:cNvPr id="14" name="TextBox 13">
-            <a:extLst>
-              <a:ext uri="{FF2B5EF4-FFF2-40B4-BE49-F238E27FC236}">
-                <a16:creationId xmlns:a16="http://schemas.microsoft.com/office/drawing/2014/main" id="{9EA07B7B-4DB0-B318-0495-89B11815FC1F}"/>
-              </a:ext>
-            </a:extLst>
-          </p:cNvPr>
-          <p:cNvSpPr txBox="1"/>
-          <p:nvPr/>
-        </p:nvSpPr>
-        <p:spPr>
-          <a:xfrm>
-            <a:off x="4386532" y="3873260"/>
-            <a:ext cx="3418936" cy="1384995"/>
-          </a:xfrm>
-          <a:prstGeom prst="rect">
-            <a:avLst/>
-          </a:prstGeom>
-          <a:noFill/>
-        </p:spPr>
-        <p:txBody>
-          <a:bodyPr wrap="square" rtlCol="0">
-            <a:spAutoFit/>
-          </a:bodyPr>
-          <a:lstStyle/>
-          <a:p>
-            <a:pPr marL="457200" indent="-457200">
-              <a:buFontTx/>
-              <a:buChar char="-"/>
-            </a:pPr>
-            <a:r>
-              <a:rPr lang="en-US" dirty="0">
-                <a:latin typeface="Cascadia Mono" panose="020B0609020000020004" pitchFamily="49" charset="0"/>
-                <a:ea typeface="Cascadia Mono" panose="020B0609020000020004" pitchFamily="49" charset="0"/>
-                <a:cs typeface="Cascadia Mono" panose="020B0609020000020004" pitchFamily="49" charset="0"/>
-              </a:rPr>
-              <a:t>Ghost Walking</a:t>
-            </a:r>
-          </a:p>
-          <a:p>
-            <a:pPr marL="457200" indent="-457200">
-              <a:buFontTx/>
-              <a:buChar char="-"/>
-            </a:pPr>
-            <a:r>
-              <a:rPr lang="en-US" dirty="0">
-                <a:latin typeface="Cascadia Mono" panose="020B0609020000020004" pitchFamily="49" charset="0"/>
-                <a:ea typeface="Cascadia Mono" panose="020B0609020000020004" pitchFamily="49" charset="0"/>
-                <a:cs typeface="Cascadia Mono" panose="020B0609020000020004" pitchFamily="49" charset="0"/>
-              </a:rPr>
-              <a:t>Pyramid</a:t>
-            </a:r>
-          </a:p>
-          <a:p>
-            <a:pPr marL="457200" indent="-457200">
-              <a:buFontTx/>
-              <a:buChar char="-"/>
-            </a:pPr>
-            <a:r>
-              <a:rPr lang="en-US" dirty="0">
-                <a:latin typeface="Cascadia Mono" panose="020B0609020000020004" pitchFamily="49" charset="0"/>
-                <a:ea typeface="Cascadia Mono" panose="020B0609020000020004" pitchFamily="49" charset="0"/>
-                <a:cs typeface="Cascadia Mono" panose="020B0609020000020004" pitchFamily="49" charset="0"/>
-              </a:rPr>
-              <a:t>Counting</a:t>
-            </a:r>
-            <a:endParaRPr lang="th-TH" dirty="0">
-              <a:latin typeface="Cascadia Mono" panose="020B0609020000020004" pitchFamily="49" charset="0"/>
-              <a:ea typeface="Cascadia Mono" panose="020B0609020000020004" pitchFamily="49" charset="0"/>
-              <a:cs typeface="Cascadia Mono" panose="020B0609020000020004" pitchFamily="49" charset="0"/>
-            </a:endParaRPr>
-          </a:p>
-        </p:txBody>
-      </p:sp>
-    </p:spTree>
-    <p:extLst>
-      <p:ext uri="{BB962C8B-B14F-4D97-AF65-F5344CB8AC3E}">
-        <p14:creationId xmlns:p14="http://schemas.microsoft.com/office/powerpoint/2010/main" val="3016463593"/>
       </p:ext>
     </p:extLst>
   </p:cSld>
